--- a/Presentation/Final/Final Presentation.pptx
+++ b/Presentation/Final/Final Presentation.pptx
@@ -588,7 +588,7 @@
           <a:p>
             <a:fld id="{EA0C0817-A112-4847-8014-A94B7D2A4EA3}" type="datetime1">
               <a:rPr lang="en-US" smtClean="0"/>
-              <a:t>11/8/2020</a:t>
+              <a:t>11/9/2020</a:t>
             </a:fld>
             <a:endParaRPr lang="en-US" dirty="0"/>
           </a:p>
@@ -790,7 +790,7 @@
           <a:p>
             <a:fld id="{7332B432-ACDA-4023-A761-2BAB76577B62}" type="datetime1">
               <a:rPr lang="en-US" smtClean="0"/>
-              <a:t>11/8/2020</a:t>
+              <a:t>11/9/2020</a:t>
             </a:fld>
             <a:endParaRPr lang="en-US" dirty="0"/>
           </a:p>
@@ -1389,7 +1389,7 @@
           <a:p>
             <a:fld id="{D9C646AA-F36E-4540-911D-FFFC0A0EF24A}" type="datetime1">
               <a:rPr lang="en-US" smtClean="0"/>
-              <a:t>11/8/2020</a:t>
+              <a:t>11/9/2020</a:t>
             </a:fld>
             <a:endParaRPr lang="en-US" dirty="0"/>
           </a:p>
@@ -1709,7 +1709,7 @@
           <a:p>
             <a:fld id="{69186D26-FA5F-4637-B602-B7C2DC34CFD4}" type="datetime1">
               <a:rPr lang="en-US" smtClean="0"/>
-              <a:t>11/8/2020</a:t>
+              <a:t>11/9/2020</a:t>
             </a:fld>
             <a:endParaRPr lang="en-US" dirty="0"/>
           </a:p>
@@ -2146,7 +2146,7 @@
           <a:p>
             <a:fld id="{8A7F15D8-96D1-4781-BC50-CA8A088B2FE4}" type="datetime1">
               <a:rPr lang="en-US" smtClean="0"/>
-              <a:t>11/8/2020</a:t>
+              <a:t>11/9/2020</a:t>
             </a:fld>
             <a:endParaRPr lang="en-US" dirty="0"/>
           </a:p>
@@ -2264,7 +2264,7 @@
           <a:p>
             <a:fld id="{F9A96C99-B8F8-4528-BD05-0E16E943DC09}" type="datetime1">
               <a:rPr lang="en-US" smtClean="0"/>
-              <a:t>11/8/2020</a:t>
+              <a:t>11/9/2020</a:t>
             </a:fld>
             <a:endParaRPr lang="en-US" dirty="0"/>
           </a:p>
@@ -2359,7 +2359,7 @@
           <a:p>
             <a:fld id="{03636942-C211-4B28-8DBD-C953E00AF71B}" type="datetime1">
               <a:rPr lang="en-US" smtClean="0"/>
-              <a:t>11/8/2020</a:t>
+              <a:t>11/9/2020</a:t>
             </a:fld>
             <a:endParaRPr lang="en-US" dirty="0"/>
           </a:p>
@@ -2776,7 +2776,7 @@
           <a:p>
             <a:fld id="{7E8D12A6-918A-48BD-8CB9-CA713993B0EA}" type="datetime1">
               <a:rPr lang="en-US" smtClean="0"/>
-              <a:t>11/8/2020</a:t>
+              <a:t>11/9/2020</a:t>
             </a:fld>
             <a:endParaRPr lang="en-US" dirty="0"/>
           </a:p>
@@ -3038,7 +3038,7 @@
             <a:fld id="{E778CE86-875F-4587-BCF6-FA054AFC0D53}" type="datetime1">
               <a:rPr lang="en-US" smtClean="0"/>
               <a:pPr/>
-              <a:t>11/8/2020</a:t>
+              <a:t>11/9/2020</a:t>
             </a:fld>
             <a:endParaRPr lang="en-US" dirty="0"/>
           </a:p>
@@ -3554,7 +3554,7 @@
           <a:p>
             <a:fld id="{F6FA2B21-3FCD-4721-B95C-427943F61125}" type="datetime1">
               <a:rPr lang="en-US" smtClean="0"/>
-              <a:t>11/8/2020</a:t>
+              <a:t>11/9/2020</a:t>
             </a:fld>
             <a:endParaRPr lang="en-US" dirty="0"/>
           </a:p>
@@ -4343,7 +4343,7 @@
           <a:p>
             <a:r>
               <a:rPr lang="en-US" sz="2000" dirty="0"/>
-              <a:t>The Light Up puzzle involves placing light bulbs into white squares in an attempt to illuminate the entire board without any overlapping rays.</a:t>
+              <a:t>The Light Up puzzle involves placing light bulbs into white squares to illuminate the entire board without any overlapping rays.</a:t>
             </a:r>
           </a:p>
           <a:p>
@@ -4819,6 +4819,12 @@
               <a:t>The specifics of the hill climbing implementation, such as variables and success rate, will go here.</a:t>
             </a:r>
           </a:p>
+          <a:p>
+            <a:r>
+              <a:rPr lang="en-US" sz="2000" dirty="0"/>
+              <a:t>Anything left to do for this part of the project will go here.</a:t>
+            </a:r>
+          </a:p>
         </p:txBody>
       </p:sp>
     </p:spTree>
@@ -4907,6 +4913,12 @@
               <a:t>The specifics of the simulated annealing implementation, such as variables and success rate, will go here.</a:t>
             </a:r>
           </a:p>
+          <a:p>
+            <a:r>
+              <a:rPr lang="en-US" sz="2000" dirty="0"/>
+              <a:t>Anything left to do for this part of the project will go here.</a:t>
+            </a:r>
+          </a:p>
         </p:txBody>
       </p:sp>
     </p:spTree>
@@ -4995,6 +5007,12 @@
               <a:t>The specifics of the deep neural network implementation, such as training variables and success rate, will go here.</a:t>
             </a:r>
           </a:p>
+          <a:p>
+            <a:r>
+              <a:rPr lang="en-US" sz="2000" dirty="0"/>
+              <a:t>Anything left to do for this part of the project will go here.</a:t>
+            </a:r>
+          </a:p>
         </p:txBody>
       </p:sp>
     </p:spTree>
@@ -5080,7 +5098,7 @@
           <a:p>
             <a:r>
               <a:rPr lang="en-US" sz="2000" dirty="0"/>
-              <a:t>While we are proud of the work we have done here, there is not doubt in our minds that more work would yield even better results.</a:t>
+              <a:t>While we are proud of the work we have done here, there is no doubt that more work (particularly, exploration of different algorithms) could yield even better results.</a:t>
             </a:r>
           </a:p>
           <a:p>
@@ -5424,24 +5442,6 @@
 </file>
 
 <file path=customXml/item1.xml><?xml version="1.0" encoding="utf-8"?>
-<?mso-contentType ?>
-<FormTemplates xmlns="http://schemas.microsoft.com/sharepoint/v3/contenttype/forms">
-  <Display>DocumentLibraryForm</Display>
-  <Edit>DocumentLibraryForm</Edit>
-  <New>DocumentLibraryForm</New>
-</FormTemplates>
-</file>
-
-<file path=customXml/item2.xml><?xml version="1.0" encoding="utf-8"?>
-<p:properties xmlns:p="http://schemas.microsoft.com/office/2006/metadata/properties" xmlns:xsi="http://www.w3.org/2001/XMLSchema-instance" xmlns:pc="http://schemas.microsoft.com/office/infopath/2007/PartnerControls">
-  <documentManagement>
-    <Status xmlns="71af3243-3dd4-4a8d-8c0d-dd76da1f02a5">Not started</Status>
-    <MediaServiceKeyPoints xmlns="71af3243-3dd4-4a8d-8c0d-dd76da1f02a5" xsi:nil="true"/>
-  </documentManagement>
-</p:properties>
-</file>
-
-<file path=customXml/item3.xml><?xml version="1.0" encoding="utf-8"?>
 <ct:contentTypeSchema xmlns:ct="http://schemas.microsoft.com/office/2006/metadata/contentType" xmlns:ma="http://schemas.microsoft.com/office/2006/metadata/properties/metaAttributes" ct:_="" ma:_="" ma:contentTypeName="Document" ma:contentTypeID="0x01010079F111ED35F8CC479449609E8A0923A6" ma:contentTypeVersion="12" ma:contentTypeDescription="Create a new document." ma:contentTypeScope="" ma:versionID="a410dd7f93c95333ffa1b60ed6adedd1">
   <xsd:schema xmlns:xsd="http://www.w3.org/2001/XMLSchema" xmlns:xs="http://www.w3.org/2001/XMLSchema" xmlns:p="http://schemas.microsoft.com/office/2006/metadata/properties" xmlns:ns2="71af3243-3dd4-4a8d-8c0d-dd76da1f02a5" xmlns:ns3="16c05727-aa75-4e4a-9b5f-8a80a1165891" targetNamespace="http://schemas.microsoft.com/office/2006/metadata/properties" ma:root="true" ma:fieldsID="a936d9baba76aa3866493feff160faab" ns2:_="" ns3:_="">
     <xsd:import namespace="71af3243-3dd4-4a8d-8c0d-dd76da1f02a5"/>
@@ -5662,25 +5662,25 @@
 </ct:contentTypeSchema>
 </file>
 
-<file path=customXml/itemProps1.xml><?xml version="1.0" encoding="utf-8"?>
-<ds:datastoreItem xmlns:ds="http://schemas.openxmlformats.org/officeDocument/2006/customXml" ds:itemID="{AE2713E1-6312-427E-BFCB-C5A5DA301373}">
-  <ds:schemaRefs>
-    <ds:schemaRef ds:uri="http://schemas.microsoft.com/sharepoint/v3/contenttype/forms"/>
-  </ds:schemaRefs>
-</ds:datastoreItem>
+<file path=customXml/item2.xml><?xml version="1.0" encoding="utf-8"?>
+<p:properties xmlns:p="http://schemas.microsoft.com/office/2006/metadata/properties" xmlns:xsi="http://www.w3.org/2001/XMLSchema-instance" xmlns:pc="http://schemas.microsoft.com/office/infopath/2007/PartnerControls">
+  <documentManagement>
+    <Status xmlns="71af3243-3dd4-4a8d-8c0d-dd76da1f02a5">Not started</Status>
+    <MediaServiceKeyPoints xmlns="71af3243-3dd4-4a8d-8c0d-dd76da1f02a5" xsi:nil="true"/>
+  </documentManagement>
+</p:properties>
 </file>
 
-<file path=customXml/itemProps2.xml><?xml version="1.0" encoding="utf-8"?>
-<ds:datastoreItem xmlns:ds="http://schemas.openxmlformats.org/officeDocument/2006/customXml" ds:itemID="{52F3B215-496E-4790-A364-7C1C46DEC771}">
-  <ds:schemaRefs>
-    <ds:schemaRef ds:uri="http://schemas.microsoft.com/office/2006/metadata/properties"/>
-    <ds:schemaRef ds:uri="http://schemas.microsoft.com/office/infopath/2007/PartnerControls"/>
-    <ds:schemaRef ds:uri="71af3243-3dd4-4a8d-8c0d-dd76da1f02a5"/>
-  </ds:schemaRefs>
-</ds:datastoreItem>
+<file path=customXml/item3.xml><?xml version="1.0" encoding="utf-8"?>
+<?mso-contentType ?>
+<FormTemplates xmlns="http://schemas.microsoft.com/sharepoint/v3/contenttype/forms">
+  <Display>DocumentLibraryForm</Display>
+  <Edit>DocumentLibraryForm</Edit>
+  <New>DocumentLibraryForm</New>
+</FormTemplates>
 </file>
 
-<file path=customXml/itemProps3.xml><?xml version="1.0" encoding="utf-8"?>
+<file path=customXml/itemProps1.xml><?xml version="1.0" encoding="utf-8"?>
 <ds:datastoreItem xmlns:ds="http://schemas.openxmlformats.org/officeDocument/2006/customXml" ds:itemID="{50DB95DD-0319-4EE5-8C5C-9CEDF75E024B}">
   <ds:schemaRefs>
     <ds:schemaRef ds:uri="http://schemas.microsoft.com/office/2006/metadata/contentType"/>
@@ -5697,4 +5697,22 @@
     <ds:schemaRef ds:uri="http://schemas.microsoft.com/internal/obd"/>
   </ds:schemaRefs>
 </ds:datastoreItem>
+</file>
+
+<file path=customXml/itemProps2.xml><?xml version="1.0" encoding="utf-8"?>
+<ds:datastoreItem xmlns:ds="http://schemas.openxmlformats.org/officeDocument/2006/customXml" ds:itemID="{52F3B215-496E-4790-A364-7C1C46DEC771}">
+  <ds:schemaRefs>
+    <ds:schemaRef ds:uri="http://schemas.microsoft.com/office/2006/metadata/properties"/>
+    <ds:schemaRef ds:uri="http://schemas.microsoft.com/office/infopath/2007/PartnerControls"/>
+    <ds:schemaRef ds:uri="71af3243-3dd4-4a8d-8c0d-dd76da1f02a5"/>
+  </ds:schemaRefs>
+</ds:datastoreItem>
+</file>
+
+<file path=customXml/itemProps3.xml><?xml version="1.0" encoding="utf-8"?>
+<ds:datastoreItem xmlns:ds="http://schemas.openxmlformats.org/officeDocument/2006/customXml" ds:itemID="{AE2713E1-6312-427E-BFCB-C5A5DA301373}">
+  <ds:schemaRefs>
+    <ds:schemaRef ds:uri="http://schemas.microsoft.com/sharepoint/v3/contenttype/forms"/>
+  </ds:schemaRefs>
+</ds:datastoreItem>
 </file>
--- a/Presentation/Final/Final Presentation.pptx
+++ b/Presentation/Final/Final Presentation.pptx
@@ -10,9 +10,10 @@
     <p:sldId id="294" r:id="rId7"/>
     <p:sldId id="295" r:id="rId8"/>
     <p:sldId id="296" r:id="rId9"/>
-    <p:sldId id="297" r:id="rId10"/>
-    <p:sldId id="298" r:id="rId11"/>
-    <p:sldId id="299" r:id="rId12"/>
+    <p:sldId id="300" r:id="rId10"/>
+    <p:sldId id="297" r:id="rId11"/>
+    <p:sldId id="298" r:id="rId12"/>
+    <p:sldId id="299" r:id="rId13"/>
   </p:sldIdLst>
   <p:sldSz cx="12192000" cy="6858000"/>
   <p:notesSz cx="6858000" cy="9144000"/>
@@ -588,7 +589,7 @@
           <a:p>
             <a:fld id="{EA0C0817-A112-4847-8014-A94B7D2A4EA3}" type="datetime1">
               <a:rPr lang="en-US" smtClean="0"/>
-              <a:t>11/9/2020</a:t>
+              <a:t>11/15/2020</a:t>
             </a:fld>
             <a:endParaRPr lang="en-US" dirty="0"/>
           </a:p>
@@ -790,7 +791,7 @@
           <a:p>
             <a:fld id="{7332B432-ACDA-4023-A761-2BAB76577B62}" type="datetime1">
               <a:rPr lang="en-US" smtClean="0"/>
-              <a:t>11/9/2020</a:t>
+              <a:t>11/15/2020</a:t>
             </a:fld>
             <a:endParaRPr lang="en-US" dirty="0"/>
           </a:p>
@@ -1389,7 +1390,7 @@
           <a:p>
             <a:fld id="{D9C646AA-F36E-4540-911D-FFFC0A0EF24A}" type="datetime1">
               <a:rPr lang="en-US" smtClean="0"/>
-              <a:t>11/9/2020</a:t>
+              <a:t>11/15/2020</a:t>
             </a:fld>
             <a:endParaRPr lang="en-US" dirty="0"/>
           </a:p>
@@ -1709,7 +1710,7 @@
           <a:p>
             <a:fld id="{69186D26-FA5F-4637-B602-B7C2DC34CFD4}" type="datetime1">
               <a:rPr lang="en-US" smtClean="0"/>
-              <a:t>11/9/2020</a:t>
+              <a:t>11/15/2020</a:t>
             </a:fld>
             <a:endParaRPr lang="en-US" dirty="0"/>
           </a:p>
@@ -2146,7 +2147,7 @@
           <a:p>
             <a:fld id="{8A7F15D8-96D1-4781-BC50-CA8A088B2FE4}" type="datetime1">
               <a:rPr lang="en-US" smtClean="0"/>
-              <a:t>11/9/2020</a:t>
+              <a:t>11/15/2020</a:t>
             </a:fld>
             <a:endParaRPr lang="en-US" dirty="0"/>
           </a:p>
@@ -2264,7 +2265,7 @@
           <a:p>
             <a:fld id="{F9A96C99-B8F8-4528-BD05-0E16E943DC09}" type="datetime1">
               <a:rPr lang="en-US" smtClean="0"/>
-              <a:t>11/9/2020</a:t>
+              <a:t>11/15/2020</a:t>
             </a:fld>
             <a:endParaRPr lang="en-US" dirty="0"/>
           </a:p>
@@ -2359,7 +2360,7 @@
           <a:p>
             <a:fld id="{03636942-C211-4B28-8DBD-C953E00AF71B}" type="datetime1">
               <a:rPr lang="en-US" smtClean="0"/>
-              <a:t>11/9/2020</a:t>
+              <a:t>11/15/2020</a:t>
             </a:fld>
             <a:endParaRPr lang="en-US" dirty="0"/>
           </a:p>
@@ -2776,7 +2777,7 @@
           <a:p>
             <a:fld id="{7E8D12A6-918A-48BD-8CB9-CA713993B0EA}" type="datetime1">
               <a:rPr lang="en-US" smtClean="0"/>
-              <a:t>11/9/2020</a:t>
+              <a:t>11/15/2020</a:t>
             </a:fld>
             <a:endParaRPr lang="en-US" dirty="0"/>
           </a:p>
@@ -3038,7 +3039,7 @@
             <a:fld id="{E778CE86-875F-4587-BCF6-FA054AFC0D53}" type="datetime1">
               <a:rPr lang="en-US" smtClean="0"/>
               <a:pPr/>
-              <a:t>11/9/2020</a:t>
+              <a:t>11/15/2020</a:t>
             </a:fld>
             <a:endParaRPr lang="en-US" dirty="0"/>
           </a:p>
@@ -3554,7 +3555,7 @@
           <a:p>
             <a:fld id="{F6FA2B21-3FCD-4721-B95C-427943F61125}" type="datetime1">
               <a:rPr lang="en-US" smtClean="0"/>
-              <a:t>11/9/2020</a:t>
+              <a:t>11/15/2020</a:t>
             </a:fld>
             <a:endParaRPr lang="en-US" dirty="0"/>
           </a:p>
@@ -4731,6 +4732,13 @@
               <a:t>…successfully trained a convolutional neural network using the data generated by hill climbing and simulated annealing.</a:t>
             </a:r>
           </a:p>
+          <a:p>
+            <a:pPr lvl="2"/>
+            <a:r>
+              <a:rPr lang="en-US" sz="1700" dirty="0"/>
+              <a:t>(Note to self: This one might not actually be ready by the time we present. Check in with Robert for a progress report.)</a:t>
+            </a:r>
+          </a:p>
         </p:txBody>
       </p:sp>
     </p:spTree>
@@ -4816,13 +4824,56 @@
           <a:p>
             <a:r>
               <a:rPr lang="en-US" sz="2000" dirty="0"/>
-              <a:t>The specifics of the hill climbing implementation, such as variables and success rate, will go here.</a:t>
+              <a:t>Our work on hill climbing and simulated annealing was divided into three parts:</a:t>
+            </a:r>
+          </a:p>
+          <a:p>
+            <a:pPr lvl="1"/>
+            <a:r>
+              <a:rPr lang="en-US" sz="1800" dirty="0"/>
+              <a:t>Vanilla hill climbing with no special puzzle parameters.</a:t>
+            </a:r>
+          </a:p>
+          <a:p>
+            <a:pPr lvl="1"/>
+            <a:r>
+              <a:rPr lang="en-US" sz="1800" dirty="0"/>
+              <a:t>Vanilla hill climbing with a puzzle with a single, unique optimal solution.</a:t>
+            </a:r>
+          </a:p>
+          <a:p>
+            <a:pPr lvl="1"/>
+            <a:r>
+              <a:rPr lang="en-US" sz="1800" dirty="0"/>
+              <a:t>Simulated annealing with a puzzle with a single, unique optimal solution.</a:t>
             </a:r>
           </a:p>
           <a:p>
             <a:r>
               <a:rPr lang="en-US" sz="2000" dirty="0"/>
-              <a:t>Anything left to do for this part of the project will go here.</a:t>
+              <a:t>The first of those proved to be the weakest implementation — if the puzzle lacked a single, unique optimal solution, vanilla hill climbing could rarely produce a globally optimal solution.</a:t>
+            </a:r>
+          </a:p>
+          <a:p>
+            <a:r>
+              <a:rPr lang="en-US" sz="2000" dirty="0"/>
+              <a:t>If there </a:t>
+            </a:r>
+            <a:r>
+              <a:rPr lang="en-US" sz="2000" i="1" dirty="0"/>
+              <a:t>was</a:t>
+            </a:r>
+            <a:r>
+              <a:rPr lang="en-US" sz="2000" dirty="0"/>
+              <a:t> a single, unique optimal solution, however, vanilla hill climbing </a:t>
+            </a:r>
+            <a:r>
+              <a:rPr lang="en-US" sz="2000" i="1" dirty="0"/>
+              <a:t>could</a:t>
+            </a:r>
+            <a:r>
+              <a:rPr lang="en-US" sz="2000" dirty="0"/>
+              <a:t> find it — given enough evaluations.</a:t>
             </a:r>
           </a:p>
         </p:txBody>
@@ -4862,7 +4913,7 @@
           <p:cNvPr id="2" name="Title 1">
             <a:extLst>
               <a:ext uri="{FF2B5EF4-FFF2-40B4-BE49-F238E27FC236}">
-                <a16:creationId xmlns:a16="http://schemas.microsoft.com/office/drawing/2014/main" id="{C7163C8E-B06B-4C54-90AD-A2C8E91013DF}"/>
+                <a16:creationId xmlns:a16="http://schemas.microsoft.com/office/drawing/2014/main" id="{CF73D406-4BA3-4193-B9AB-751146C54D67}"/>
               </a:ext>
             </a:extLst>
           </p:cNvPr>
@@ -4880,7 +4931,7 @@
           <a:p>
             <a:r>
               <a:rPr lang="en-US" dirty="0"/>
-              <a:t>Results: Simulated Annealing</a:t>
+              <a:t>Results: Hill Climbing (Cont.)</a:t>
             </a:r>
           </a:p>
         </p:txBody>
@@ -4890,7 +4941,7 @@
           <p:cNvPr id="3" name="Content Placeholder 2">
             <a:extLst>
               <a:ext uri="{FF2B5EF4-FFF2-40B4-BE49-F238E27FC236}">
-                <a16:creationId xmlns:a16="http://schemas.microsoft.com/office/drawing/2014/main" id="{FD94790F-C2EE-4292-8006-3AC4B55B20A0}"/>
+                <a16:creationId xmlns:a16="http://schemas.microsoft.com/office/drawing/2014/main" id="{3A6B422A-5BB4-4624-A557-E5AAD4C112CC}"/>
               </a:ext>
             </a:extLst>
           </p:cNvPr>
@@ -4898,33 +4949,66 @@
             <a:spLocks noGrp="1"/>
           </p:cNvSpPr>
           <p:nvPr>
-            <p:ph idx="1"/>
+            <p:ph sz="half" idx="1"/>
           </p:nvPr>
         </p:nvSpPr>
         <p:spPr/>
         <p:txBody>
-          <a:bodyPr>
-            <a:normAutofit/>
-          </a:bodyPr>
+          <a:bodyPr/>
           <a:lstStyle/>
           <a:p>
             <a:r>
-              <a:rPr lang="en-US" sz="2000" dirty="0"/>
-              <a:t>The specifics of the simulated annealing implementation, such as variables and success rate, will go here.</a:t>
-            </a:r>
-          </a:p>
-          <a:p>
-            <a:r>
-              <a:rPr lang="en-US" sz="2000" dirty="0"/>
-              <a:t>Anything left to do for this part of the project will go here.</a:t>
-            </a:r>
-          </a:p>
-        </p:txBody>
-      </p:sp>
+              <a:rPr lang="en-US" dirty="0"/>
+              <a:t>To the right, you can see sample results from vanilla hill climbing with an optimized puzzle.</a:t>
+            </a:r>
+          </a:p>
+          <a:p>
+            <a:r>
+              <a:rPr lang="en-US" dirty="0"/>
+              <a:t>In one trial, at 300 function evaluations, the algorithm was able to find a globally optimal solution.</a:t>
+            </a:r>
+          </a:p>
+          <a:p>
+            <a:r>
+              <a:rPr lang="en-US" dirty="0"/>
+              <a:t>This particular run was not representative of all runs with these parameters, however, which often required thousands of evaluations.</a:t>
+            </a:r>
+          </a:p>
+        </p:txBody>
+      </p:sp>
+      <p:pic>
+        <p:nvPicPr>
+          <p:cNvPr id="10" name="Content Placeholder 9" descr="A close up of a sign&#10;&#10;Description automatically generated">
+            <a:extLst>
+              <a:ext uri="{FF2B5EF4-FFF2-40B4-BE49-F238E27FC236}">
+                <a16:creationId xmlns:a16="http://schemas.microsoft.com/office/drawing/2014/main" id="{3AC6BC85-B88C-4463-96AE-B4EE44D8F52E}"/>
+              </a:ext>
+            </a:extLst>
+          </p:cNvPr>
+          <p:cNvPicPr>
+            <a:picLocks noGrp="1" noChangeAspect="1"/>
+          </p:cNvPicPr>
+          <p:nvPr>
+            <p:ph sz="half" idx="2"/>
+          </p:nvPr>
+        </p:nvPicPr>
+        <p:blipFill>
+          <a:blip r:embed="rId2"/>
+          <a:stretch>
+            <a:fillRect/>
+          </a:stretch>
+        </p:blipFill>
+        <p:spPr>
+          <a:xfrm>
+            <a:off x="8041255" y="2103438"/>
+            <a:ext cx="1503814" cy="3748087"/>
+          </a:xfrm>
+        </p:spPr>
+      </p:pic>
     </p:spTree>
     <p:extLst>
       <p:ext uri="{BB962C8B-B14F-4D97-AF65-F5344CB8AC3E}">
-        <p14:creationId xmlns:p14="http://schemas.microsoft.com/office/powerpoint/2010/main" val="3777218147"/>
+        <p14:creationId xmlns:p14="http://schemas.microsoft.com/office/powerpoint/2010/main" val="832658327"/>
       </p:ext>
     </p:extLst>
   </p:cSld>
@@ -4974,6 +5058,106 @@
           <a:p>
             <a:r>
               <a:rPr lang="en-US" dirty="0"/>
+              <a:t>Results: Simulated Annealing</a:t>
+            </a:r>
+          </a:p>
+        </p:txBody>
+      </p:sp>
+      <p:sp>
+        <p:nvSpPr>
+          <p:cNvPr id="3" name="Content Placeholder 2">
+            <a:extLst>
+              <a:ext uri="{FF2B5EF4-FFF2-40B4-BE49-F238E27FC236}">
+                <a16:creationId xmlns:a16="http://schemas.microsoft.com/office/drawing/2014/main" id="{FD94790F-C2EE-4292-8006-3AC4B55B20A0}"/>
+              </a:ext>
+            </a:extLst>
+          </p:cNvPr>
+          <p:cNvSpPr>
+            <a:spLocks noGrp="1"/>
+          </p:cNvSpPr>
+          <p:nvPr>
+            <p:ph idx="1"/>
+          </p:nvPr>
+        </p:nvSpPr>
+        <p:spPr/>
+        <p:txBody>
+          <a:bodyPr>
+            <a:normAutofit/>
+          </a:bodyPr>
+          <a:lstStyle/>
+          <a:p>
+            <a:r>
+              <a:rPr lang="en-US" sz="2000" dirty="0"/>
+              <a:t>Simulated annealing was found to be a much more robust algorithm than vanilla hill climbing, often producing globally optimal solutions in less than one thousand function evaluations.</a:t>
+            </a:r>
+          </a:p>
+          <a:p>
+            <a:r>
+              <a:rPr lang="en-US" sz="2000" dirty="0"/>
+              <a:t>“Often” does not mean “always,” however, and simulated annealing would still occasionally have trouble — in one instance, 8,700 evaluations were needed to find the global optimum.</a:t>
+            </a:r>
+          </a:p>
+          <a:p>
+            <a:r>
+              <a:rPr lang="en-US" sz="2000" dirty="0"/>
+              <a:t>This is still an improvement over vanilla hill climbing with the same puzzle parameters, though, which sometimes needed over 10,000 function evaluations to solve a problem of similar complexity.</a:t>
+            </a:r>
+          </a:p>
+        </p:txBody>
+      </p:sp>
+    </p:spTree>
+    <p:extLst>
+      <p:ext uri="{BB962C8B-B14F-4D97-AF65-F5344CB8AC3E}">
+        <p14:creationId xmlns:p14="http://schemas.microsoft.com/office/powerpoint/2010/main" val="3777218147"/>
+      </p:ext>
+    </p:extLst>
+  </p:cSld>
+  <p:clrMapOvr>
+    <a:masterClrMapping/>
+  </p:clrMapOvr>
+</p:sld>
+</file>
+
+<file path=ppt/slides/slide8.xml><?xml version="1.0" encoding="utf-8"?>
+<p:sld xmlns:a="http://schemas.openxmlformats.org/drawingml/2006/main" xmlns:r="http://schemas.openxmlformats.org/officeDocument/2006/relationships" xmlns:p="http://schemas.openxmlformats.org/presentationml/2006/main">
+  <p:cSld>
+    <p:spTree>
+      <p:nvGrpSpPr>
+        <p:cNvPr id="1" name=""/>
+        <p:cNvGrpSpPr/>
+        <p:nvPr/>
+      </p:nvGrpSpPr>
+      <p:grpSpPr>
+        <a:xfrm>
+          <a:off x="0" y="0"/>
+          <a:ext cx="0" cy="0"/>
+          <a:chOff x="0" y="0"/>
+          <a:chExt cx="0" cy="0"/>
+        </a:xfrm>
+      </p:grpSpPr>
+      <p:sp>
+        <p:nvSpPr>
+          <p:cNvPr id="2" name="Title 1">
+            <a:extLst>
+              <a:ext uri="{FF2B5EF4-FFF2-40B4-BE49-F238E27FC236}">
+                <a16:creationId xmlns:a16="http://schemas.microsoft.com/office/drawing/2014/main" id="{C7163C8E-B06B-4C54-90AD-A2C8E91013DF}"/>
+              </a:ext>
+            </a:extLst>
+          </p:cNvPr>
+          <p:cNvSpPr>
+            <a:spLocks noGrp="1"/>
+          </p:cNvSpPr>
+          <p:nvPr>
+            <p:ph type="title"/>
+          </p:nvPr>
+        </p:nvSpPr>
+        <p:spPr/>
+        <p:txBody>
+          <a:bodyPr/>
+          <a:lstStyle/>
+          <a:p>
+            <a:r>
+              <a:rPr lang="en-US" dirty="0"/>
               <a:t>Results: Convolutional/Deep Neural Network</a:t>
             </a:r>
           </a:p>
@@ -5028,7 +5212,7 @@
 </p:sld>
 </file>
 
-<file path=ppt/slides/slide8.xml><?xml version="1.0" encoding="utf-8"?>
+<file path=ppt/slides/slide9.xml><?xml version="1.0" encoding="utf-8"?>
 <p:sld xmlns:a="http://schemas.openxmlformats.org/drawingml/2006/main" xmlns:r="http://schemas.openxmlformats.org/officeDocument/2006/relationships" xmlns:p="http://schemas.openxmlformats.org/presentationml/2006/main">
   <p:cSld>
     <p:spTree>
@@ -5442,6 +5626,24 @@
 </file>
 
 <file path=customXml/item1.xml><?xml version="1.0" encoding="utf-8"?>
+<?mso-contentType ?>
+<FormTemplates xmlns="http://schemas.microsoft.com/sharepoint/v3/contenttype/forms">
+  <Display>DocumentLibraryForm</Display>
+  <Edit>DocumentLibraryForm</Edit>
+  <New>DocumentLibraryForm</New>
+</FormTemplates>
+</file>
+
+<file path=customXml/item2.xml><?xml version="1.0" encoding="utf-8"?>
+<p:properties xmlns:p="http://schemas.microsoft.com/office/2006/metadata/properties" xmlns:xsi="http://www.w3.org/2001/XMLSchema-instance" xmlns:pc="http://schemas.microsoft.com/office/infopath/2007/PartnerControls">
+  <documentManagement>
+    <Status xmlns="71af3243-3dd4-4a8d-8c0d-dd76da1f02a5">Not started</Status>
+    <MediaServiceKeyPoints xmlns="71af3243-3dd4-4a8d-8c0d-dd76da1f02a5" xsi:nil="true"/>
+  </documentManagement>
+</p:properties>
+</file>
+
+<file path=customXml/item3.xml><?xml version="1.0" encoding="utf-8"?>
 <ct:contentTypeSchema xmlns:ct="http://schemas.microsoft.com/office/2006/metadata/contentType" xmlns:ma="http://schemas.microsoft.com/office/2006/metadata/properties/metaAttributes" ct:_="" ma:_="" ma:contentTypeName="Document" ma:contentTypeID="0x01010079F111ED35F8CC479449609E8A0923A6" ma:contentTypeVersion="12" ma:contentTypeDescription="Create a new document." ma:contentTypeScope="" ma:versionID="a410dd7f93c95333ffa1b60ed6adedd1">
   <xsd:schema xmlns:xsd="http://www.w3.org/2001/XMLSchema" xmlns:xs="http://www.w3.org/2001/XMLSchema" xmlns:p="http://schemas.microsoft.com/office/2006/metadata/properties" xmlns:ns2="71af3243-3dd4-4a8d-8c0d-dd76da1f02a5" xmlns:ns3="16c05727-aa75-4e4a-9b5f-8a80a1165891" targetNamespace="http://schemas.microsoft.com/office/2006/metadata/properties" ma:root="true" ma:fieldsID="a936d9baba76aa3866493feff160faab" ns2:_="" ns3:_="">
     <xsd:import namespace="71af3243-3dd4-4a8d-8c0d-dd76da1f02a5"/>
@@ -5662,25 +5864,25 @@
 </ct:contentTypeSchema>
 </file>
 
-<file path=customXml/item2.xml><?xml version="1.0" encoding="utf-8"?>
-<p:properties xmlns:p="http://schemas.microsoft.com/office/2006/metadata/properties" xmlns:xsi="http://www.w3.org/2001/XMLSchema-instance" xmlns:pc="http://schemas.microsoft.com/office/infopath/2007/PartnerControls">
-  <documentManagement>
-    <Status xmlns="71af3243-3dd4-4a8d-8c0d-dd76da1f02a5">Not started</Status>
-    <MediaServiceKeyPoints xmlns="71af3243-3dd4-4a8d-8c0d-dd76da1f02a5" xsi:nil="true"/>
-  </documentManagement>
-</p:properties>
+<file path=customXml/itemProps1.xml><?xml version="1.0" encoding="utf-8"?>
+<ds:datastoreItem xmlns:ds="http://schemas.openxmlformats.org/officeDocument/2006/customXml" ds:itemID="{AE2713E1-6312-427E-BFCB-C5A5DA301373}">
+  <ds:schemaRefs>
+    <ds:schemaRef ds:uri="http://schemas.microsoft.com/sharepoint/v3/contenttype/forms"/>
+  </ds:schemaRefs>
+</ds:datastoreItem>
 </file>
 
-<file path=customXml/item3.xml><?xml version="1.0" encoding="utf-8"?>
-<?mso-contentType ?>
-<FormTemplates xmlns="http://schemas.microsoft.com/sharepoint/v3/contenttype/forms">
-  <Display>DocumentLibraryForm</Display>
-  <Edit>DocumentLibraryForm</Edit>
-  <New>DocumentLibraryForm</New>
-</FormTemplates>
+<file path=customXml/itemProps2.xml><?xml version="1.0" encoding="utf-8"?>
+<ds:datastoreItem xmlns:ds="http://schemas.openxmlformats.org/officeDocument/2006/customXml" ds:itemID="{52F3B215-496E-4790-A364-7C1C46DEC771}">
+  <ds:schemaRefs>
+    <ds:schemaRef ds:uri="http://schemas.microsoft.com/office/2006/metadata/properties"/>
+    <ds:schemaRef ds:uri="http://schemas.microsoft.com/office/infopath/2007/PartnerControls"/>
+    <ds:schemaRef ds:uri="71af3243-3dd4-4a8d-8c0d-dd76da1f02a5"/>
+  </ds:schemaRefs>
+</ds:datastoreItem>
 </file>
 
-<file path=customXml/itemProps1.xml><?xml version="1.0" encoding="utf-8"?>
+<file path=customXml/itemProps3.xml><?xml version="1.0" encoding="utf-8"?>
 <ds:datastoreItem xmlns:ds="http://schemas.openxmlformats.org/officeDocument/2006/customXml" ds:itemID="{50DB95DD-0319-4EE5-8C5C-9CEDF75E024B}">
   <ds:schemaRefs>
     <ds:schemaRef ds:uri="http://schemas.microsoft.com/office/2006/metadata/contentType"/>
@@ -5697,22 +5899,4 @@
     <ds:schemaRef ds:uri="http://schemas.microsoft.com/internal/obd"/>
   </ds:schemaRefs>
 </ds:datastoreItem>
-</file>
-
-<file path=customXml/itemProps2.xml><?xml version="1.0" encoding="utf-8"?>
-<ds:datastoreItem xmlns:ds="http://schemas.openxmlformats.org/officeDocument/2006/customXml" ds:itemID="{52F3B215-496E-4790-A364-7C1C46DEC771}">
-  <ds:schemaRefs>
-    <ds:schemaRef ds:uri="http://schemas.microsoft.com/office/2006/metadata/properties"/>
-    <ds:schemaRef ds:uri="http://schemas.microsoft.com/office/infopath/2007/PartnerControls"/>
-    <ds:schemaRef ds:uri="71af3243-3dd4-4a8d-8c0d-dd76da1f02a5"/>
-  </ds:schemaRefs>
-</ds:datastoreItem>
-</file>
-
-<file path=customXml/itemProps3.xml><?xml version="1.0" encoding="utf-8"?>
-<ds:datastoreItem xmlns:ds="http://schemas.openxmlformats.org/officeDocument/2006/customXml" ds:itemID="{AE2713E1-6312-427E-BFCB-C5A5DA301373}">
-  <ds:schemaRefs>
-    <ds:schemaRef ds:uri="http://schemas.microsoft.com/sharepoint/v3/contenttype/forms"/>
-  </ds:schemaRefs>
-</ds:datastoreItem>
 </file>
--- a/Presentation/Final/Final Presentation.pptx
+++ b/Presentation/Final/Final Presentation.pptx
@@ -5188,13 +5188,13 @@
           <a:p>
             <a:r>
               <a:rPr lang="en-US" sz="2000" dirty="0"/>
-              <a:t>The specifics of the deep neural network implementation, such as training variables and success rate, will go here.</a:t>
+              <a:t>Now that hill climbing and simulated annealing have produced results, we plan to use the inputs and outputs to train a convolutional neural network to produce optimal solutions to random puzzles.</a:t>
             </a:r>
           </a:p>
           <a:p>
             <a:r>
               <a:rPr lang="en-US" sz="2000" dirty="0"/>
-              <a:t>Anything left to do for this part of the project will go here.</a:t>
+              <a:t>We imagine this final algorithm will be fully implemented by the end of this week.</a:t>
             </a:r>
           </a:p>
         </p:txBody>
@@ -5626,24 +5626,6 @@
 </file>
 
 <file path=customXml/item1.xml><?xml version="1.0" encoding="utf-8"?>
-<?mso-contentType ?>
-<FormTemplates xmlns="http://schemas.microsoft.com/sharepoint/v3/contenttype/forms">
-  <Display>DocumentLibraryForm</Display>
-  <Edit>DocumentLibraryForm</Edit>
-  <New>DocumentLibraryForm</New>
-</FormTemplates>
-</file>
-
-<file path=customXml/item2.xml><?xml version="1.0" encoding="utf-8"?>
-<p:properties xmlns:p="http://schemas.microsoft.com/office/2006/metadata/properties" xmlns:xsi="http://www.w3.org/2001/XMLSchema-instance" xmlns:pc="http://schemas.microsoft.com/office/infopath/2007/PartnerControls">
-  <documentManagement>
-    <Status xmlns="71af3243-3dd4-4a8d-8c0d-dd76da1f02a5">Not started</Status>
-    <MediaServiceKeyPoints xmlns="71af3243-3dd4-4a8d-8c0d-dd76da1f02a5" xsi:nil="true"/>
-  </documentManagement>
-</p:properties>
-</file>
-
-<file path=customXml/item3.xml><?xml version="1.0" encoding="utf-8"?>
 <ct:contentTypeSchema xmlns:ct="http://schemas.microsoft.com/office/2006/metadata/contentType" xmlns:ma="http://schemas.microsoft.com/office/2006/metadata/properties/metaAttributes" ct:_="" ma:_="" ma:contentTypeName="Document" ma:contentTypeID="0x01010079F111ED35F8CC479449609E8A0923A6" ma:contentTypeVersion="12" ma:contentTypeDescription="Create a new document." ma:contentTypeScope="" ma:versionID="a410dd7f93c95333ffa1b60ed6adedd1">
   <xsd:schema xmlns:xsd="http://www.w3.org/2001/XMLSchema" xmlns:xs="http://www.w3.org/2001/XMLSchema" xmlns:p="http://schemas.microsoft.com/office/2006/metadata/properties" xmlns:ns2="71af3243-3dd4-4a8d-8c0d-dd76da1f02a5" xmlns:ns3="16c05727-aa75-4e4a-9b5f-8a80a1165891" targetNamespace="http://schemas.microsoft.com/office/2006/metadata/properties" ma:root="true" ma:fieldsID="a936d9baba76aa3866493feff160faab" ns2:_="" ns3:_="">
     <xsd:import namespace="71af3243-3dd4-4a8d-8c0d-dd76da1f02a5"/>
@@ -5864,25 +5846,25 @@
 </ct:contentTypeSchema>
 </file>
 
-<file path=customXml/itemProps1.xml><?xml version="1.0" encoding="utf-8"?>
-<ds:datastoreItem xmlns:ds="http://schemas.openxmlformats.org/officeDocument/2006/customXml" ds:itemID="{AE2713E1-6312-427E-BFCB-C5A5DA301373}">
-  <ds:schemaRefs>
-    <ds:schemaRef ds:uri="http://schemas.microsoft.com/sharepoint/v3/contenttype/forms"/>
-  </ds:schemaRefs>
-</ds:datastoreItem>
+<file path=customXml/item2.xml><?xml version="1.0" encoding="utf-8"?>
+<p:properties xmlns:p="http://schemas.microsoft.com/office/2006/metadata/properties" xmlns:xsi="http://www.w3.org/2001/XMLSchema-instance" xmlns:pc="http://schemas.microsoft.com/office/infopath/2007/PartnerControls">
+  <documentManagement>
+    <Status xmlns="71af3243-3dd4-4a8d-8c0d-dd76da1f02a5">Not started</Status>
+    <MediaServiceKeyPoints xmlns="71af3243-3dd4-4a8d-8c0d-dd76da1f02a5" xsi:nil="true"/>
+  </documentManagement>
+</p:properties>
 </file>
 
-<file path=customXml/itemProps2.xml><?xml version="1.0" encoding="utf-8"?>
-<ds:datastoreItem xmlns:ds="http://schemas.openxmlformats.org/officeDocument/2006/customXml" ds:itemID="{52F3B215-496E-4790-A364-7C1C46DEC771}">
-  <ds:schemaRefs>
-    <ds:schemaRef ds:uri="http://schemas.microsoft.com/office/2006/metadata/properties"/>
-    <ds:schemaRef ds:uri="http://schemas.microsoft.com/office/infopath/2007/PartnerControls"/>
-    <ds:schemaRef ds:uri="71af3243-3dd4-4a8d-8c0d-dd76da1f02a5"/>
-  </ds:schemaRefs>
-</ds:datastoreItem>
+<file path=customXml/item3.xml><?xml version="1.0" encoding="utf-8"?>
+<?mso-contentType ?>
+<FormTemplates xmlns="http://schemas.microsoft.com/sharepoint/v3/contenttype/forms">
+  <Display>DocumentLibraryForm</Display>
+  <Edit>DocumentLibraryForm</Edit>
+  <New>DocumentLibraryForm</New>
+</FormTemplates>
 </file>
 
-<file path=customXml/itemProps3.xml><?xml version="1.0" encoding="utf-8"?>
+<file path=customXml/itemProps1.xml><?xml version="1.0" encoding="utf-8"?>
 <ds:datastoreItem xmlns:ds="http://schemas.openxmlformats.org/officeDocument/2006/customXml" ds:itemID="{50DB95DD-0319-4EE5-8C5C-9CEDF75E024B}">
   <ds:schemaRefs>
     <ds:schemaRef ds:uri="http://schemas.microsoft.com/office/2006/metadata/contentType"/>
@@ -5899,4 +5881,22 @@
     <ds:schemaRef ds:uri="http://schemas.microsoft.com/internal/obd"/>
   </ds:schemaRefs>
 </ds:datastoreItem>
+</file>
+
+<file path=customXml/itemProps2.xml><?xml version="1.0" encoding="utf-8"?>
+<ds:datastoreItem xmlns:ds="http://schemas.openxmlformats.org/officeDocument/2006/customXml" ds:itemID="{52F3B215-496E-4790-A364-7C1C46DEC771}">
+  <ds:schemaRefs>
+    <ds:schemaRef ds:uri="http://schemas.microsoft.com/office/2006/metadata/properties"/>
+    <ds:schemaRef ds:uri="http://schemas.microsoft.com/office/infopath/2007/PartnerControls"/>
+    <ds:schemaRef ds:uri="71af3243-3dd4-4a8d-8c0d-dd76da1f02a5"/>
+  </ds:schemaRefs>
+</ds:datastoreItem>
+</file>
+
+<file path=customXml/itemProps3.xml><?xml version="1.0" encoding="utf-8"?>
+<ds:datastoreItem xmlns:ds="http://schemas.openxmlformats.org/officeDocument/2006/customXml" ds:itemID="{AE2713E1-6312-427E-BFCB-C5A5DA301373}">
+  <ds:schemaRefs>
+    <ds:schemaRef ds:uri="http://schemas.microsoft.com/sharepoint/v3/contenttype/forms"/>
+  </ds:schemaRefs>
+</ds:datastoreItem>
 </file>
--- a/Presentation/Final/Final Presentation.pptx
+++ b/Presentation/Final/Final Presentation.pptx
@@ -9,11 +9,12 @@
     <p:sldId id="293" r:id="rId6"/>
     <p:sldId id="294" r:id="rId7"/>
     <p:sldId id="295" r:id="rId8"/>
-    <p:sldId id="296" r:id="rId9"/>
-    <p:sldId id="300" r:id="rId10"/>
-    <p:sldId id="297" r:id="rId11"/>
-    <p:sldId id="298" r:id="rId12"/>
-    <p:sldId id="299" r:id="rId13"/>
+    <p:sldId id="301" r:id="rId9"/>
+    <p:sldId id="296" r:id="rId10"/>
+    <p:sldId id="300" r:id="rId11"/>
+    <p:sldId id="297" r:id="rId12"/>
+    <p:sldId id="298" r:id="rId13"/>
+    <p:sldId id="299" r:id="rId14"/>
   </p:sldIdLst>
   <p:sldSz cx="12192000" cy="6858000"/>
   <p:notesSz cx="6858000" cy="9144000"/>
@@ -4274,6 +4275,100 @@
 </p:sld>
 </file>
 
+<file path=ppt/slides/slide10.xml><?xml version="1.0" encoding="utf-8"?>
+<p:sld xmlns:a="http://schemas.openxmlformats.org/drawingml/2006/main" xmlns:r="http://schemas.openxmlformats.org/officeDocument/2006/relationships" xmlns:p="http://schemas.openxmlformats.org/presentationml/2006/main">
+  <p:cSld>
+    <p:spTree>
+      <p:nvGrpSpPr>
+        <p:cNvPr id="1" name=""/>
+        <p:cNvGrpSpPr/>
+        <p:nvPr/>
+      </p:nvGrpSpPr>
+      <p:grpSpPr>
+        <a:xfrm>
+          <a:off x="0" y="0"/>
+          <a:ext cx="0" cy="0"/>
+          <a:chOff x="0" y="0"/>
+          <a:chExt cx="0" cy="0"/>
+        </a:xfrm>
+      </p:grpSpPr>
+      <p:sp>
+        <p:nvSpPr>
+          <p:cNvPr id="2" name="Title 1">
+            <a:extLst>
+              <a:ext uri="{FF2B5EF4-FFF2-40B4-BE49-F238E27FC236}">
+                <a16:creationId xmlns:a16="http://schemas.microsoft.com/office/drawing/2014/main" id="{31DB08AB-9A45-4584-9BD3-BB127E73869C}"/>
+              </a:ext>
+            </a:extLst>
+          </p:cNvPr>
+          <p:cNvSpPr>
+            <a:spLocks noGrp="1"/>
+          </p:cNvSpPr>
+          <p:nvPr>
+            <p:ph type="title"/>
+          </p:nvPr>
+        </p:nvSpPr>
+        <p:spPr/>
+        <p:txBody>
+          <a:bodyPr/>
+          <a:lstStyle/>
+          <a:p>
+            <a:r>
+              <a:rPr lang="en-US" dirty="0"/>
+              <a:t>Next Steps</a:t>
+            </a:r>
+          </a:p>
+        </p:txBody>
+      </p:sp>
+      <p:sp>
+        <p:nvSpPr>
+          <p:cNvPr id="3" name="Content Placeholder 2">
+            <a:extLst>
+              <a:ext uri="{FF2B5EF4-FFF2-40B4-BE49-F238E27FC236}">
+                <a16:creationId xmlns:a16="http://schemas.microsoft.com/office/drawing/2014/main" id="{CCD03B6E-F2BE-4E7E-89E4-779B4BB2F7A4}"/>
+              </a:ext>
+            </a:extLst>
+          </p:cNvPr>
+          <p:cNvSpPr>
+            <a:spLocks noGrp="1"/>
+          </p:cNvSpPr>
+          <p:nvPr>
+            <p:ph idx="1"/>
+          </p:nvPr>
+        </p:nvSpPr>
+        <p:spPr/>
+        <p:txBody>
+          <a:bodyPr>
+            <a:normAutofit/>
+          </a:bodyPr>
+          <a:lstStyle/>
+          <a:p>
+            <a:r>
+              <a:rPr lang="en-US" sz="2000" dirty="0"/>
+              <a:t>While we are proud of the work we have done here, there is no doubt that more work (particularly, exploration of different algorithms) could yield even better results.</a:t>
+            </a:r>
+          </a:p>
+          <a:p>
+            <a:r>
+              <a:rPr lang="en-US" sz="2000" dirty="0"/>
+              <a:t>We strongly believe that the Light Up puzzle is an excellent logic puzzle for introducing newcomers to the field of AI to some of the more advanced algorithms available to them.</a:t>
+            </a:r>
+          </a:p>
+        </p:txBody>
+      </p:sp>
+    </p:spTree>
+    <p:extLst>
+      <p:ext uri="{BB962C8B-B14F-4D97-AF65-F5344CB8AC3E}">
+        <p14:creationId xmlns:p14="http://schemas.microsoft.com/office/powerpoint/2010/main" val="1718903431"/>
+      </p:ext>
+    </p:extLst>
+  </p:cSld>
+  <p:clrMapOvr>
+    <a:masterClrMapping/>
+  </p:clrMapOvr>
+</p:sld>
+</file>
+
 <file path=ppt/slides/slide2.xml><?xml version="1.0" encoding="utf-8"?>
 <p:sld xmlns:a="http://schemas.openxmlformats.org/drawingml/2006/main" xmlns:r="http://schemas.openxmlformats.org/officeDocument/2006/relationships" xmlns:p="http://schemas.openxmlformats.org/presentationml/2006/main">
   <p:cSld>
@@ -4776,7 +4871,7 @@
           <p:cNvPr id="2" name="Title 1">
             <a:extLst>
               <a:ext uri="{FF2B5EF4-FFF2-40B4-BE49-F238E27FC236}">
-                <a16:creationId xmlns:a16="http://schemas.microsoft.com/office/drawing/2014/main" id="{C7163C8E-B06B-4C54-90AD-A2C8E91013DF}"/>
+                <a16:creationId xmlns:a16="http://schemas.microsoft.com/office/drawing/2014/main" id="{C98BAD10-4E24-4BE6-BA74-68B8612C4AD7}"/>
               </a:ext>
             </a:extLst>
           </p:cNvPr>
@@ -4794,7 +4889,7 @@
           <a:p>
             <a:r>
               <a:rPr lang="en-US" dirty="0"/>
-              <a:t>Results: Hill Climbing</a:t>
+              <a:t>Our Progress</a:t>
             </a:r>
           </a:p>
         </p:txBody>
@@ -4804,7 +4899,7 @@
           <p:cNvPr id="3" name="Content Placeholder 2">
             <a:extLst>
               <a:ext uri="{FF2B5EF4-FFF2-40B4-BE49-F238E27FC236}">
-                <a16:creationId xmlns:a16="http://schemas.microsoft.com/office/drawing/2014/main" id="{FD94790F-C2EE-4292-8006-3AC4B55B20A0}"/>
+                <a16:creationId xmlns:a16="http://schemas.microsoft.com/office/drawing/2014/main" id="{7B8CA816-D250-421B-A87B-023559B4F9D2}"/>
               </a:ext>
             </a:extLst>
           </p:cNvPr>
@@ -4812,76 +4907,292 @@
             <a:spLocks noGrp="1"/>
           </p:cNvSpPr>
           <p:nvPr>
-            <p:ph idx="1"/>
+            <p:ph sz="half" idx="1"/>
           </p:nvPr>
         </p:nvSpPr>
         <p:spPr/>
         <p:txBody>
           <a:bodyPr>
-            <a:normAutofit/>
+            <a:normAutofit lnSpcReduction="10000"/>
           </a:bodyPr>
           <a:lstStyle/>
           <a:p>
             <a:r>
               <a:rPr lang="en-US" sz="2000" dirty="0"/>
-              <a:t>Our work on hill climbing and simulated annealing was divided into three parts:</a:t>
+              <a:t>Since our midterm presentation, we have…</a:t>
             </a:r>
           </a:p>
           <a:p>
             <a:pPr lvl="1"/>
             <a:r>
               <a:rPr lang="en-US" sz="1800" dirty="0"/>
-              <a:t>Vanilla hill climbing with no special puzzle parameters.</a:t>
-            </a:r>
+              <a:t>…completed initialization code for randomly generating Light Up puzzles (see right for an example of how boards </a:t>
+            </a:r>
+            <a:r>
+              <a:rPr lang="en-US" sz="1800"/>
+              <a:t>are represented).</a:t>
+            </a:r>
+            <a:endParaRPr lang="en-US" sz="1800" dirty="0"/>
           </a:p>
           <a:p>
             <a:pPr lvl="1"/>
             <a:r>
               <a:rPr lang="en-US" sz="1800" dirty="0"/>
-              <a:t>Vanilla hill climbing with a puzzle with a single, unique optimal solution.</a:t>
+              <a:t>…implemented hill climbing and simulated annealing for finding optimal solutions.</a:t>
             </a:r>
           </a:p>
           <a:p>
             <a:pPr lvl="1"/>
             <a:r>
               <a:rPr lang="en-US" sz="1800" dirty="0"/>
-              <a:t>Simulated annealing with a puzzle with a single, unique optimal solution.</a:t>
-            </a:r>
-          </a:p>
-          <a:p>
-            <a:r>
-              <a:rPr lang="en-US" sz="2000" dirty="0"/>
-              <a:t>The first of those proved to be the weakest implementation — if the puzzle lacked a single, unique optimal solution, vanilla hill climbing could rarely produce a globally optimal solution.</a:t>
-            </a:r>
-          </a:p>
-          <a:p>
-            <a:r>
-              <a:rPr lang="en-US" sz="2000" dirty="0"/>
-              <a:t>If there </a:t>
-            </a:r>
-            <a:r>
-              <a:rPr lang="en-US" sz="2000" i="1" dirty="0"/>
-              <a:t>was</a:t>
-            </a:r>
-            <a:r>
-              <a:rPr lang="en-US" sz="2000" dirty="0"/>
-              <a:t> a single, unique optimal solution, however, vanilla hill climbing </a:t>
-            </a:r>
-            <a:r>
-              <a:rPr lang="en-US" sz="2000" i="1" dirty="0"/>
-              <a:t>could</a:t>
-            </a:r>
-            <a:r>
-              <a:rPr lang="en-US" sz="2000" dirty="0"/>
-              <a:t> find it — given enough evaluations.</a:t>
-            </a:r>
-          </a:p>
-        </p:txBody>
-      </p:sp>
+              <a:t>…successfully trained a convolutional neural network using the data generated by hill climbing and simulated annealing.</a:t>
+            </a:r>
+          </a:p>
+        </p:txBody>
+      </p:sp>
+      <p:sp>
+        <p:nvSpPr>
+          <p:cNvPr id="4" name="Content Placeholder 3">
+            <a:extLst>
+              <a:ext uri="{FF2B5EF4-FFF2-40B4-BE49-F238E27FC236}">
+                <a16:creationId xmlns:a16="http://schemas.microsoft.com/office/drawing/2014/main" id="{CE886D06-995D-44E0-A3EC-62285EE9CAAE}"/>
+              </a:ext>
+            </a:extLst>
+          </p:cNvPr>
+          <p:cNvSpPr>
+            <a:spLocks noGrp="1"/>
+          </p:cNvSpPr>
+          <p:nvPr>
+            <p:ph sz="half" idx="2"/>
+          </p:nvPr>
+        </p:nvSpPr>
+        <p:spPr>
+          <a:xfrm>
+            <a:off x="8471534" y="4160520"/>
+            <a:ext cx="3720465" cy="2697480"/>
+          </a:xfrm>
+        </p:spPr>
+        <p:txBody>
+          <a:bodyPr>
+            <a:normAutofit lnSpcReduction="10000"/>
+          </a:bodyPr>
+          <a:lstStyle/>
+          <a:p>
+            <a:pPr marL="0" indent="0">
+              <a:buNone/>
+            </a:pPr>
+            <a:r>
+              <a:rPr lang="en-US" dirty="0">
+                <a:latin typeface="Courier New" panose="02070309020205020404" pitchFamily="49" charset="0"/>
+                <a:cs typeface="Courier New" panose="02070309020205020404" pitchFamily="49" charset="0"/>
+              </a:rPr>
+              <a:t>[6,6,0,6,6,6,6],</a:t>
+            </a:r>
+            <a:br>
+              <a:rPr lang="en-US" dirty="0">
+                <a:latin typeface="Courier New" panose="02070309020205020404" pitchFamily="49" charset="0"/>
+                <a:cs typeface="Courier New" panose="02070309020205020404" pitchFamily="49" charset="0"/>
+              </a:rPr>
+            </a:br>
+            <a:r>
+              <a:rPr lang="en-US" dirty="0">
+                <a:latin typeface="Courier New" panose="02070309020205020404" pitchFamily="49" charset="0"/>
+                <a:cs typeface="Courier New" panose="02070309020205020404" pitchFamily="49" charset="0"/>
+              </a:rPr>
+              <a:t>[5,6,6,6,6,6,6],</a:t>
+            </a:r>
+            <a:br>
+              <a:rPr lang="en-US" dirty="0">
+                <a:latin typeface="Courier New" panose="02070309020205020404" pitchFamily="49" charset="0"/>
+                <a:cs typeface="Courier New" panose="02070309020205020404" pitchFamily="49" charset="0"/>
+              </a:rPr>
+            </a:br>
+            <a:r>
+              <a:rPr lang="en-US" dirty="0">
+                <a:latin typeface="Courier New" panose="02070309020205020404" pitchFamily="49" charset="0"/>
+                <a:cs typeface="Courier New" panose="02070309020205020404" pitchFamily="49" charset="0"/>
+              </a:rPr>
+              <a:t>[6,6,6,6,6,6,6],</a:t>
+            </a:r>
+            <a:br>
+              <a:rPr lang="en-US" dirty="0">
+                <a:latin typeface="Courier New" panose="02070309020205020404" pitchFamily="49" charset="0"/>
+                <a:cs typeface="Courier New" panose="02070309020205020404" pitchFamily="49" charset="0"/>
+              </a:rPr>
+            </a:br>
+            <a:r>
+              <a:rPr lang="en-US" dirty="0">
+                <a:latin typeface="Courier New" panose="02070309020205020404" pitchFamily="49" charset="0"/>
+                <a:cs typeface="Courier New" panose="02070309020205020404" pitchFamily="49" charset="0"/>
+              </a:rPr>
+              <a:t>[6,6,6,6,5,6,6],</a:t>
+            </a:r>
+            <a:br>
+              <a:rPr lang="en-US" dirty="0">
+                <a:latin typeface="Courier New" panose="02070309020205020404" pitchFamily="49" charset="0"/>
+                <a:cs typeface="Courier New" panose="02070309020205020404" pitchFamily="49" charset="0"/>
+              </a:rPr>
+            </a:br>
+            <a:r>
+              <a:rPr lang="en-US" dirty="0">
+                <a:latin typeface="Courier New" panose="02070309020205020404" pitchFamily="49" charset="0"/>
+                <a:cs typeface="Courier New" panose="02070309020205020404" pitchFamily="49" charset="0"/>
+              </a:rPr>
+              <a:t>[6,1,6,6,6,6,3],</a:t>
+            </a:r>
+            <a:br>
+              <a:rPr lang="en-US" dirty="0">
+                <a:latin typeface="Courier New" panose="02070309020205020404" pitchFamily="49" charset="0"/>
+                <a:cs typeface="Courier New" panose="02070309020205020404" pitchFamily="49" charset="0"/>
+              </a:rPr>
+            </a:br>
+            <a:r>
+              <a:rPr lang="en-US" dirty="0">
+                <a:latin typeface="Courier New" panose="02070309020205020404" pitchFamily="49" charset="0"/>
+                <a:cs typeface="Courier New" panose="02070309020205020404" pitchFamily="49" charset="0"/>
+              </a:rPr>
+              <a:t>[6,6,6,6,6,6,6],</a:t>
+            </a:r>
+            <a:br>
+              <a:rPr lang="en-US" dirty="0">
+                <a:latin typeface="Courier New" panose="02070309020205020404" pitchFamily="49" charset="0"/>
+                <a:cs typeface="Courier New" panose="02070309020205020404" pitchFamily="49" charset="0"/>
+              </a:rPr>
+            </a:br>
+            <a:r>
+              <a:rPr lang="en-US" dirty="0">
+                <a:latin typeface="Courier New" panose="02070309020205020404" pitchFamily="49" charset="0"/>
+                <a:cs typeface="Courier New" panose="02070309020205020404" pitchFamily="49" charset="0"/>
+              </a:rPr>
+              <a:t>[3,6,6,6,6,6,6]</a:t>
+            </a:r>
+          </a:p>
+        </p:txBody>
+      </p:sp>
+      <p:pic>
+        <p:nvPicPr>
+          <p:cNvPr id="6" name="Picture 5" descr="A screen shot of a building&#10;&#10;Description automatically generated">
+            <a:extLst>
+              <a:ext uri="{FF2B5EF4-FFF2-40B4-BE49-F238E27FC236}">
+                <a16:creationId xmlns:a16="http://schemas.microsoft.com/office/drawing/2014/main" id="{F832B0DC-7633-4B97-AF28-DDC5FC78B7D5}"/>
+              </a:ext>
+            </a:extLst>
+          </p:cNvPr>
+          <p:cNvPicPr>
+            <a:picLocks noChangeAspect="1"/>
+          </p:cNvPicPr>
+          <p:nvPr/>
+        </p:nvPicPr>
+        <p:blipFill>
+          <a:blip r:embed="rId2"/>
+          <a:stretch>
+            <a:fillRect/>
+          </a:stretch>
+        </p:blipFill>
+        <p:spPr>
+          <a:xfrm>
+            <a:off x="6461760" y="2103120"/>
+            <a:ext cx="2009775" cy="2057400"/>
+          </a:xfrm>
+          <a:prstGeom prst="rect">
+            <a:avLst/>
+          </a:prstGeom>
+        </p:spPr>
+      </p:pic>
+      <p:cxnSp>
+        <p:nvCxnSpPr>
+          <p:cNvPr id="7" name="Straight Arrow Connector 6">
+            <a:extLst>
+              <a:ext uri="{FF2B5EF4-FFF2-40B4-BE49-F238E27FC236}">
+                <a16:creationId xmlns:a16="http://schemas.microsoft.com/office/drawing/2014/main" id="{625A95D0-40E5-4DC6-9FC6-0CF661B267A8}"/>
+              </a:ext>
+            </a:extLst>
+          </p:cNvPr>
+          <p:cNvCxnSpPr/>
+          <p:nvPr/>
+        </p:nvCxnSpPr>
+        <p:spPr>
+          <a:xfrm>
+            <a:off x="8510532" y="3778624"/>
+            <a:ext cx="692523" cy="381896"/>
+          </a:xfrm>
+          <a:prstGeom prst="straightConnector1">
+            <a:avLst/>
+          </a:prstGeom>
+          <a:ln w="9525" cap="flat" cmpd="sng" algn="ctr">
+            <a:solidFill>
+              <a:schemeClr val="dk1"/>
+            </a:solidFill>
+            <a:prstDash val="solid"/>
+            <a:round/>
+            <a:headEnd type="none" w="med" len="med"/>
+            <a:tailEnd type="arrow" w="med" len="med"/>
+          </a:ln>
+        </p:spPr>
+        <p:style>
+          <a:lnRef idx="0">
+            <a:scrgbClr r="0" g="0" b="0"/>
+          </a:lnRef>
+          <a:fillRef idx="0">
+            <a:scrgbClr r="0" g="0" b="0"/>
+          </a:fillRef>
+          <a:effectRef idx="0">
+            <a:scrgbClr r="0" g="0" b="0"/>
+          </a:effectRef>
+          <a:fontRef idx="minor">
+            <a:schemeClr val="tx1"/>
+          </a:fontRef>
+        </p:style>
+      </p:cxnSp>
+      <p:cxnSp>
+        <p:nvCxnSpPr>
+          <p:cNvPr id="8" name="Straight Arrow Connector 7">
+            <a:extLst>
+              <a:ext uri="{FF2B5EF4-FFF2-40B4-BE49-F238E27FC236}">
+                <a16:creationId xmlns:a16="http://schemas.microsoft.com/office/drawing/2014/main" id="{04133E34-60F1-4879-8D94-FB9E7F795385}"/>
+              </a:ext>
+            </a:extLst>
+          </p:cNvPr>
+          <p:cNvCxnSpPr/>
+          <p:nvPr/>
+        </p:nvCxnSpPr>
+        <p:spPr>
+          <a:xfrm>
+            <a:off x="7818009" y="4249446"/>
+            <a:ext cx="692523" cy="381896"/>
+          </a:xfrm>
+          <a:prstGeom prst="straightConnector1">
+            <a:avLst/>
+          </a:prstGeom>
+          <a:ln w="9525" cap="flat" cmpd="sng" algn="ctr">
+            <a:solidFill>
+              <a:schemeClr val="dk1"/>
+            </a:solidFill>
+            <a:prstDash val="solid"/>
+            <a:round/>
+            <a:headEnd type="none" w="med" len="med"/>
+            <a:tailEnd type="arrow" w="med" len="med"/>
+          </a:ln>
+        </p:spPr>
+        <p:style>
+          <a:lnRef idx="0">
+            <a:scrgbClr r="0" g="0" b="0"/>
+          </a:lnRef>
+          <a:fillRef idx="0">
+            <a:scrgbClr r="0" g="0" b="0"/>
+          </a:fillRef>
+          <a:effectRef idx="0">
+            <a:scrgbClr r="0" g="0" b="0"/>
+          </a:effectRef>
+          <a:fontRef idx="minor">
+            <a:schemeClr val="tx1"/>
+          </a:fontRef>
+        </p:style>
+      </p:cxnSp>
     </p:spTree>
     <p:extLst>
       <p:ext uri="{BB962C8B-B14F-4D97-AF65-F5344CB8AC3E}">
-        <p14:creationId xmlns:p14="http://schemas.microsoft.com/office/powerpoint/2010/main" val="1387601495"/>
+        <p14:creationId xmlns:p14="http://schemas.microsoft.com/office/powerpoint/2010/main" val="4258766527"/>
       </p:ext>
     </p:extLst>
   </p:cSld>
@@ -4913,7 +5224,7 @@
           <p:cNvPr id="2" name="Title 1">
             <a:extLst>
               <a:ext uri="{FF2B5EF4-FFF2-40B4-BE49-F238E27FC236}">
-                <a16:creationId xmlns:a16="http://schemas.microsoft.com/office/drawing/2014/main" id="{CF73D406-4BA3-4193-B9AB-751146C54D67}"/>
+                <a16:creationId xmlns:a16="http://schemas.microsoft.com/office/drawing/2014/main" id="{C7163C8E-B06B-4C54-90AD-A2C8E91013DF}"/>
               </a:ext>
             </a:extLst>
           </p:cNvPr>
@@ -4931,7 +5242,7 @@
           <a:p>
             <a:r>
               <a:rPr lang="en-US" dirty="0"/>
-              <a:t>Results: Hill Climbing (Cont.)</a:t>
+              <a:t>Results: Hill Climbing</a:t>
             </a:r>
           </a:p>
         </p:txBody>
@@ -4941,7 +5252,7 @@
           <p:cNvPr id="3" name="Content Placeholder 2">
             <a:extLst>
               <a:ext uri="{FF2B5EF4-FFF2-40B4-BE49-F238E27FC236}">
-                <a16:creationId xmlns:a16="http://schemas.microsoft.com/office/drawing/2014/main" id="{3A6B422A-5BB4-4624-A557-E5AAD4C112CC}"/>
+                <a16:creationId xmlns:a16="http://schemas.microsoft.com/office/drawing/2014/main" id="{FD94790F-C2EE-4292-8006-3AC4B55B20A0}"/>
               </a:ext>
             </a:extLst>
           </p:cNvPr>
@@ -4949,66 +5260,76 @@
             <a:spLocks noGrp="1"/>
           </p:cNvSpPr>
           <p:nvPr>
-            <p:ph sz="half" idx="1"/>
+            <p:ph idx="1"/>
           </p:nvPr>
         </p:nvSpPr>
         <p:spPr/>
         <p:txBody>
-          <a:bodyPr/>
+          <a:bodyPr>
+            <a:normAutofit/>
+          </a:bodyPr>
           <a:lstStyle/>
           <a:p>
             <a:r>
-              <a:rPr lang="en-US" dirty="0"/>
-              <a:t>To the right, you can see sample results from vanilla hill climbing with an optimized puzzle.</a:t>
-            </a:r>
-          </a:p>
-          <a:p>
-            <a:r>
-              <a:rPr lang="en-US" dirty="0"/>
-              <a:t>In one trial, at 300 function evaluations, the algorithm was able to find a globally optimal solution.</a:t>
-            </a:r>
-          </a:p>
-          <a:p>
-            <a:r>
-              <a:rPr lang="en-US" dirty="0"/>
-              <a:t>This particular run was not representative of all runs with these parameters, however, which often required thousands of evaluations.</a:t>
-            </a:r>
-          </a:p>
-        </p:txBody>
-      </p:sp>
-      <p:pic>
-        <p:nvPicPr>
-          <p:cNvPr id="10" name="Content Placeholder 9" descr="A close up of a sign&#10;&#10;Description automatically generated">
-            <a:extLst>
-              <a:ext uri="{FF2B5EF4-FFF2-40B4-BE49-F238E27FC236}">
-                <a16:creationId xmlns:a16="http://schemas.microsoft.com/office/drawing/2014/main" id="{3AC6BC85-B88C-4463-96AE-B4EE44D8F52E}"/>
-              </a:ext>
-            </a:extLst>
-          </p:cNvPr>
-          <p:cNvPicPr>
-            <a:picLocks noGrp="1" noChangeAspect="1"/>
-          </p:cNvPicPr>
-          <p:nvPr>
-            <p:ph sz="half" idx="2"/>
-          </p:nvPr>
-        </p:nvPicPr>
-        <p:blipFill>
-          <a:blip r:embed="rId2"/>
-          <a:stretch>
-            <a:fillRect/>
-          </a:stretch>
-        </p:blipFill>
-        <p:spPr>
-          <a:xfrm>
-            <a:off x="8041255" y="2103438"/>
-            <a:ext cx="1503814" cy="3748087"/>
-          </a:xfrm>
-        </p:spPr>
-      </p:pic>
+              <a:rPr lang="en-US" sz="2000" dirty="0"/>
+              <a:t>Our work on hill climbing and simulated annealing was divided into three parts:</a:t>
+            </a:r>
+          </a:p>
+          <a:p>
+            <a:pPr lvl="1"/>
+            <a:r>
+              <a:rPr lang="en-US" sz="1800" dirty="0"/>
+              <a:t>Vanilla hill climbing with no special puzzle parameters.</a:t>
+            </a:r>
+          </a:p>
+          <a:p>
+            <a:pPr lvl="1"/>
+            <a:r>
+              <a:rPr lang="en-US" sz="1800" dirty="0"/>
+              <a:t>Vanilla hill climbing with a puzzle with a single, unique optimal solution.</a:t>
+            </a:r>
+          </a:p>
+          <a:p>
+            <a:pPr lvl="1"/>
+            <a:r>
+              <a:rPr lang="en-US" sz="1800" dirty="0"/>
+              <a:t>Simulated annealing with a puzzle with a single, unique optimal solution.</a:t>
+            </a:r>
+          </a:p>
+          <a:p>
+            <a:r>
+              <a:rPr lang="en-US" sz="2000" dirty="0"/>
+              <a:t>The first of those proved to be the weakest implementation — if the puzzle lacked a single, unique optimal solution, vanilla hill climbing could rarely produce a globally optimal solution.</a:t>
+            </a:r>
+          </a:p>
+          <a:p>
+            <a:r>
+              <a:rPr lang="en-US" sz="2000" dirty="0"/>
+              <a:t>If there </a:t>
+            </a:r>
+            <a:r>
+              <a:rPr lang="en-US" sz="2000" i="1" dirty="0"/>
+              <a:t>was</a:t>
+            </a:r>
+            <a:r>
+              <a:rPr lang="en-US" sz="2000" dirty="0"/>
+              <a:t> a single, unique optimal solution, however, vanilla hill climbing </a:t>
+            </a:r>
+            <a:r>
+              <a:rPr lang="en-US" sz="2000" i="1" dirty="0"/>
+              <a:t>could</a:t>
+            </a:r>
+            <a:r>
+              <a:rPr lang="en-US" sz="2000" dirty="0"/>
+              <a:t> find it — given enough evaluations.</a:t>
+            </a:r>
+          </a:p>
+        </p:txBody>
+      </p:sp>
     </p:spTree>
     <p:extLst>
       <p:ext uri="{BB962C8B-B14F-4D97-AF65-F5344CB8AC3E}">
-        <p14:creationId xmlns:p14="http://schemas.microsoft.com/office/powerpoint/2010/main" val="832658327"/>
+        <p14:creationId xmlns:p14="http://schemas.microsoft.com/office/powerpoint/2010/main" val="1387601495"/>
       </p:ext>
     </p:extLst>
   </p:cSld>
@@ -5040,7 +5361,7 @@
           <p:cNvPr id="2" name="Title 1">
             <a:extLst>
               <a:ext uri="{FF2B5EF4-FFF2-40B4-BE49-F238E27FC236}">
-                <a16:creationId xmlns:a16="http://schemas.microsoft.com/office/drawing/2014/main" id="{C7163C8E-B06B-4C54-90AD-A2C8E91013DF}"/>
+                <a16:creationId xmlns:a16="http://schemas.microsoft.com/office/drawing/2014/main" id="{CF73D406-4BA3-4193-B9AB-751146C54D67}"/>
               </a:ext>
             </a:extLst>
           </p:cNvPr>
@@ -5058,7 +5379,7 @@
           <a:p>
             <a:r>
               <a:rPr lang="en-US" dirty="0"/>
-              <a:t>Results: Simulated Annealing</a:t>
+              <a:t>Results: Hill Climbing (Cont.)</a:t>
             </a:r>
           </a:p>
         </p:txBody>
@@ -5068,7 +5389,7 @@
           <p:cNvPr id="3" name="Content Placeholder 2">
             <a:extLst>
               <a:ext uri="{FF2B5EF4-FFF2-40B4-BE49-F238E27FC236}">
-                <a16:creationId xmlns:a16="http://schemas.microsoft.com/office/drawing/2014/main" id="{FD94790F-C2EE-4292-8006-3AC4B55B20A0}"/>
+                <a16:creationId xmlns:a16="http://schemas.microsoft.com/office/drawing/2014/main" id="{3A6B422A-5BB4-4624-A557-E5AAD4C112CC}"/>
               </a:ext>
             </a:extLst>
           </p:cNvPr>
@@ -5076,39 +5397,66 @@
             <a:spLocks noGrp="1"/>
           </p:cNvSpPr>
           <p:nvPr>
-            <p:ph idx="1"/>
+            <p:ph sz="half" idx="1"/>
           </p:nvPr>
         </p:nvSpPr>
         <p:spPr/>
         <p:txBody>
-          <a:bodyPr>
-            <a:normAutofit/>
-          </a:bodyPr>
+          <a:bodyPr/>
           <a:lstStyle/>
           <a:p>
             <a:r>
-              <a:rPr lang="en-US" sz="2000" dirty="0"/>
-              <a:t>Simulated annealing was found to be a much more robust algorithm than vanilla hill climbing, often producing globally optimal solutions in less than one thousand function evaluations.</a:t>
-            </a:r>
-          </a:p>
-          <a:p>
-            <a:r>
-              <a:rPr lang="en-US" sz="2000" dirty="0"/>
-              <a:t>“Often” does not mean “always,” however, and simulated annealing would still occasionally have trouble — in one instance, 8,700 evaluations were needed to find the global optimum.</a:t>
-            </a:r>
-          </a:p>
-          <a:p>
-            <a:r>
-              <a:rPr lang="en-US" sz="2000" dirty="0"/>
-              <a:t>This is still an improvement over vanilla hill climbing with the same puzzle parameters, though, which sometimes needed over 10,000 function evaluations to solve a problem of similar complexity.</a:t>
-            </a:r>
-          </a:p>
-        </p:txBody>
-      </p:sp>
+              <a:rPr lang="en-US" dirty="0"/>
+              <a:t>To the right, you can see sample results from vanilla hill climbing with an optimized puzzle.</a:t>
+            </a:r>
+          </a:p>
+          <a:p>
+            <a:r>
+              <a:rPr lang="en-US" dirty="0"/>
+              <a:t>In one trial, at 300 function evaluations, the algorithm was able to find a globally optimal solution.</a:t>
+            </a:r>
+          </a:p>
+          <a:p>
+            <a:r>
+              <a:rPr lang="en-US" dirty="0"/>
+              <a:t>This particular run was not representative of all runs with these parameters, however, which often required thousands of evaluations.</a:t>
+            </a:r>
+          </a:p>
+        </p:txBody>
+      </p:sp>
+      <p:pic>
+        <p:nvPicPr>
+          <p:cNvPr id="10" name="Content Placeholder 9" descr="A close up of a sign&#10;&#10;Description automatically generated">
+            <a:extLst>
+              <a:ext uri="{FF2B5EF4-FFF2-40B4-BE49-F238E27FC236}">
+                <a16:creationId xmlns:a16="http://schemas.microsoft.com/office/drawing/2014/main" id="{3AC6BC85-B88C-4463-96AE-B4EE44D8F52E}"/>
+              </a:ext>
+            </a:extLst>
+          </p:cNvPr>
+          <p:cNvPicPr>
+            <a:picLocks noGrp="1" noChangeAspect="1"/>
+          </p:cNvPicPr>
+          <p:nvPr>
+            <p:ph sz="half" idx="2"/>
+          </p:nvPr>
+        </p:nvPicPr>
+        <p:blipFill>
+          <a:blip r:embed="rId2"/>
+          <a:stretch>
+            <a:fillRect/>
+          </a:stretch>
+        </p:blipFill>
+        <p:spPr>
+          <a:xfrm>
+            <a:off x="8041255" y="2103438"/>
+            <a:ext cx="1503814" cy="3748087"/>
+          </a:xfrm>
+        </p:spPr>
+      </p:pic>
     </p:spTree>
     <p:extLst>
       <p:ext uri="{BB962C8B-B14F-4D97-AF65-F5344CB8AC3E}">
-        <p14:creationId xmlns:p14="http://schemas.microsoft.com/office/powerpoint/2010/main" val="3777218147"/>
+        <p14:creationId xmlns:p14="http://schemas.microsoft.com/office/powerpoint/2010/main" val="832658327"/>
       </p:ext>
     </p:extLst>
   </p:cSld>
@@ -5158,7 +5506,7 @@
           <a:p>
             <a:r>
               <a:rPr lang="en-US" dirty="0"/>
-              <a:t>Results: Convolutional/Deep Neural Network</a:t>
+              <a:t>Results: Simulated Annealing</a:t>
             </a:r>
           </a:p>
         </p:txBody>
@@ -5188,13 +5536,19 @@
           <a:p>
             <a:r>
               <a:rPr lang="en-US" sz="2000" dirty="0"/>
-              <a:t>Now that hill climbing and simulated annealing have produced results, we plan to use the inputs and outputs to train a convolutional neural network to produce optimal solutions to random puzzles.</a:t>
+              <a:t>Simulated annealing was found to be a much more robust algorithm than vanilla hill climbing, often producing globally optimal solutions in less than one thousand function evaluations.</a:t>
             </a:r>
           </a:p>
           <a:p>
             <a:r>
               <a:rPr lang="en-US" sz="2000" dirty="0"/>
-              <a:t>We imagine this final algorithm will be fully implemented by the end of this week.</a:t>
+              <a:t>“Often” does not mean “always,” however, and simulated annealing would still occasionally have trouble — in one instance, 8,700 evaluations were needed to find the global optimum.</a:t>
+            </a:r>
+          </a:p>
+          <a:p>
+            <a:r>
+              <a:rPr lang="en-US" sz="2000" dirty="0"/>
+              <a:t>This is still an improvement over vanilla hill climbing with the same puzzle parameters, though, which sometimes needed over 10,000 function evaluations to solve a problem of similar complexity.</a:t>
             </a:r>
           </a:p>
         </p:txBody>
@@ -5202,7 +5556,7 @@
     </p:spTree>
     <p:extLst>
       <p:ext uri="{BB962C8B-B14F-4D97-AF65-F5344CB8AC3E}">
-        <p14:creationId xmlns:p14="http://schemas.microsoft.com/office/powerpoint/2010/main" val="3976004483"/>
+        <p14:creationId xmlns:p14="http://schemas.microsoft.com/office/powerpoint/2010/main" val="3777218147"/>
       </p:ext>
     </p:extLst>
   </p:cSld>
@@ -5234,7 +5588,7 @@
           <p:cNvPr id="2" name="Title 1">
             <a:extLst>
               <a:ext uri="{FF2B5EF4-FFF2-40B4-BE49-F238E27FC236}">
-                <a16:creationId xmlns:a16="http://schemas.microsoft.com/office/drawing/2014/main" id="{31DB08AB-9A45-4584-9BD3-BB127E73869C}"/>
+                <a16:creationId xmlns:a16="http://schemas.microsoft.com/office/drawing/2014/main" id="{C7163C8E-B06B-4C54-90AD-A2C8E91013DF}"/>
               </a:ext>
             </a:extLst>
           </p:cNvPr>
@@ -5252,7 +5606,7 @@
           <a:p>
             <a:r>
               <a:rPr lang="en-US" dirty="0"/>
-              <a:t>Next Steps</a:t>
+              <a:t>Results: Convolutional/Deep Neural Network</a:t>
             </a:r>
           </a:p>
         </p:txBody>
@@ -5262,7 +5616,7 @@
           <p:cNvPr id="3" name="Content Placeholder 2">
             <a:extLst>
               <a:ext uri="{FF2B5EF4-FFF2-40B4-BE49-F238E27FC236}">
-                <a16:creationId xmlns:a16="http://schemas.microsoft.com/office/drawing/2014/main" id="{CCD03B6E-F2BE-4E7E-89E4-779B4BB2F7A4}"/>
+                <a16:creationId xmlns:a16="http://schemas.microsoft.com/office/drawing/2014/main" id="{FD94790F-C2EE-4292-8006-3AC4B55B20A0}"/>
               </a:ext>
             </a:extLst>
           </p:cNvPr>
@@ -5282,13 +5636,13 @@
           <a:p>
             <a:r>
               <a:rPr lang="en-US" sz="2000" dirty="0"/>
-              <a:t>While we are proud of the work we have done here, there is no doubt that more work (particularly, exploration of different algorithms) could yield even better results.</a:t>
+              <a:t>Now that hill climbing and simulated annealing have produced results, we plan to use the inputs and outputs to train a convolutional neural network to produce optimal solutions to random puzzles.</a:t>
             </a:r>
           </a:p>
           <a:p>
             <a:r>
               <a:rPr lang="en-US" sz="2000" dirty="0"/>
-              <a:t>We strongly believe that the Light Up puzzle is an excellent logic puzzle for introducing newcomers to the field of AI to some of the more advanced algorithms available to them.</a:t>
+              <a:t>We imagine this final algorithm will be fully implemented by the end of this week.</a:t>
             </a:r>
           </a:p>
         </p:txBody>
@@ -5296,7 +5650,7 @@
     </p:spTree>
     <p:extLst>
       <p:ext uri="{BB962C8B-B14F-4D97-AF65-F5344CB8AC3E}">
-        <p14:creationId xmlns:p14="http://schemas.microsoft.com/office/powerpoint/2010/main" val="1718903431"/>
+        <p14:creationId xmlns:p14="http://schemas.microsoft.com/office/powerpoint/2010/main" val="3976004483"/>
       </p:ext>
     </p:extLst>
   </p:cSld>
@@ -5626,6 +5980,24 @@
 </file>
 
 <file path=customXml/item1.xml><?xml version="1.0" encoding="utf-8"?>
+<?mso-contentType ?>
+<FormTemplates xmlns="http://schemas.microsoft.com/sharepoint/v3/contenttype/forms">
+  <Display>DocumentLibraryForm</Display>
+  <Edit>DocumentLibraryForm</Edit>
+  <New>DocumentLibraryForm</New>
+</FormTemplates>
+</file>
+
+<file path=customXml/item2.xml><?xml version="1.0" encoding="utf-8"?>
+<p:properties xmlns:p="http://schemas.microsoft.com/office/2006/metadata/properties" xmlns:xsi="http://www.w3.org/2001/XMLSchema-instance" xmlns:pc="http://schemas.microsoft.com/office/infopath/2007/PartnerControls">
+  <documentManagement>
+    <Status xmlns="71af3243-3dd4-4a8d-8c0d-dd76da1f02a5">Not started</Status>
+    <MediaServiceKeyPoints xmlns="71af3243-3dd4-4a8d-8c0d-dd76da1f02a5" xsi:nil="true"/>
+  </documentManagement>
+</p:properties>
+</file>
+
+<file path=customXml/item3.xml><?xml version="1.0" encoding="utf-8"?>
 <ct:contentTypeSchema xmlns:ct="http://schemas.microsoft.com/office/2006/metadata/contentType" xmlns:ma="http://schemas.microsoft.com/office/2006/metadata/properties/metaAttributes" ct:_="" ma:_="" ma:contentTypeName="Document" ma:contentTypeID="0x01010079F111ED35F8CC479449609E8A0923A6" ma:contentTypeVersion="12" ma:contentTypeDescription="Create a new document." ma:contentTypeScope="" ma:versionID="a410dd7f93c95333ffa1b60ed6adedd1">
   <xsd:schema xmlns:xsd="http://www.w3.org/2001/XMLSchema" xmlns:xs="http://www.w3.org/2001/XMLSchema" xmlns:p="http://schemas.microsoft.com/office/2006/metadata/properties" xmlns:ns2="71af3243-3dd4-4a8d-8c0d-dd76da1f02a5" xmlns:ns3="16c05727-aa75-4e4a-9b5f-8a80a1165891" targetNamespace="http://schemas.microsoft.com/office/2006/metadata/properties" ma:root="true" ma:fieldsID="a936d9baba76aa3866493feff160faab" ns2:_="" ns3:_="">
     <xsd:import namespace="71af3243-3dd4-4a8d-8c0d-dd76da1f02a5"/>
@@ -5846,25 +6218,25 @@
 </ct:contentTypeSchema>
 </file>
 
-<file path=customXml/item2.xml><?xml version="1.0" encoding="utf-8"?>
-<p:properties xmlns:p="http://schemas.microsoft.com/office/2006/metadata/properties" xmlns:xsi="http://www.w3.org/2001/XMLSchema-instance" xmlns:pc="http://schemas.microsoft.com/office/infopath/2007/PartnerControls">
-  <documentManagement>
-    <Status xmlns="71af3243-3dd4-4a8d-8c0d-dd76da1f02a5">Not started</Status>
-    <MediaServiceKeyPoints xmlns="71af3243-3dd4-4a8d-8c0d-dd76da1f02a5" xsi:nil="true"/>
-  </documentManagement>
-</p:properties>
+<file path=customXml/itemProps1.xml><?xml version="1.0" encoding="utf-8"?>
+<ds:datastoreItem xmlns:ds="http://schemas.openxmlformats.org/officeDocument/2006/customXml" ds:itemID="{AE2713E1-6312-427E-BFCB-C5A5DA301373}">
+  <ds:schemaRefs>
+    <ds:schemaRef ds:uri="http://schemas.microsoft.com/sharepoint/v3/contenttype/forms"/>
+  </ds:schemaRefs>
+</ds:datastoreItem>
 </file>
 
-<file path=customXml/item3.xml><?xml version="1.0" encoding="utf-8"?>
-<?mso-contentType ?>
-<FormTemplates xmlns="http://schemas.microsoft.com/sharepoint/v3/contenttype/forms">
-  <Display>DocumentLibraryForm</Display>
-  <Edit>DocumentLibraryForm</Edit>
-  <New>DocumentLibraryForm</New>
-</FormTemplates>
+<file path=customXml/itemProps2.xml><?xml version="1.0" encoding="utf-8"?>
+<ds:datastoreItem xmlns:ds="http://schemas.openxmlformats.org/officeDocument/2006/customXml" ds:itemID="{52F3B215-496E-4790-A364-7C1C46DEC771}">
+  <ds:schemaRefs>
+    <ds:schemaRef ds:uri="http://schemas.microsoft.com/office/2006/metadata/properties"/>
+    <ds:schemaRef ds:uri="http://schemas.microsoft.com/office/infopath/2007/PartnerControls"/>
+    <ds:schemaRef ds:uri="71af3243-3dd4-4a8d-8c0d-dd76da1f02a5"/>
+  </ds:schemaRefs>
+</ds:datastoreItem>
 </file>
 
-<file path=customXml/itemProps1.xml><?xml version="1.0" encoding="utf-8"?>
+<file path=customXml/itemProps3.xml><?xml version="1.0" encoding="utf-8"?>
 <ds:datastoreItem xmlns:ds="http://schemas.openxmlformats.org/officeDocument/2006/customXml" ds:itemID="{50DB95DD-0319-4EE5-8C5C-9CEDF75E024B}">
   <ds:schemaRefs>
     <ds:schemaRef ds:uri="http://schemas.microsoft.com/office/2006/metadata/contentType"/>
@@ -5881,22 +6253,4 @@
     <ds:schemaRef ds:uri="http://schemas.microsoft.com/internal/obd"/>
   </ds:schemaRefs>
 </ds:datastoreItem>
-</file>
-
-<file path=customXml/itemProps2.xml><?xml version="1.0" encoding="utf-8"?>
-<ds:datastoreItem xmlns:ds="http://schemas.openxmlformats.org/officeDocument/2006/customXml" ds:itemID="{52F3B215-496E-4790-A364-7C1C46DEC771}">
-  <ds:schemaRefs>
-    <ds:schemaRef ds:uri="http://schemas.microsoft.com/office/2006/metadata/properties"/>
-    <ds:schemaRef ds:uri="http://schemas.microsoft.com/office/infopath/2007/PartnerControls"/>
-    <ds:schemaRef ds:uri="71af3243-3dd4-4a8d-8c0d-dd76da1f02a5"/>
-  </ds:schemaRefs>
-</ds:datastoreItem>
-</file>
-
-<file path=customXml/itemProps3.xml><?xml version="1.0" encoding="utf-8"?>
-<ds:datastoreItem xmlns:ds="http://schemas.openxmlformats.org/officeDocument/2006/customXml" ds:itemID="{AE2713E1-6312-427E-BFCB-C5A5DA301373}">
-  <ds:schemaRefs>
-    <ds:schemaRef ds:uri="http://schemas.microsoft.com/sharepoint/v3/contenttype/forms"/>
-  </ds:schemaRefs>
-</ds:datastoreItem>
 </file>
--- a/Presentation/Final/Final Presentation.pptx
+++ b/Presentation/Final/Final Presentation.pptx
@@ -14,7 +14,11 @@
     <p:sldId id="300" r:id="rId11"/>
     <p:sldId id="297" r:id="rId12"/>
     <p:sldId id="298" r:id="rId13"/>
-    <p:sldId id="299" r:id="rId14"/>
+    <p:sldId id="302" r:id="rId14"/>
+    <p:sldId id="303" r:id="rId15"/>
+    <p:sldId id="304" r:id="rId16"/>
+    <p:sldId id="305" r:id="rId17"/>
+    <p:sldId id="299" r:id="rId18"/>
   </p:sldIdLst>
   <p:sldSz cx="12192000" cy="6858000"/>
   <p:notesSz cx="6858000" cy="9144000"/>
@@ -4297,6 +4301,2497 @@
           <p:cNvPr id="2" name="Title 1">
             <a:extLst>
               <a:ext uri="{FF2B5EF4-FFF2-40B4-BE49-F238E27FC236}">
+                <a16:creationId xmlns:a16="http://schemas.microsoft.com/office/drawing/2014/main" id="{C7163C8E-B06B-4C54-90AD-A2C8E91013DF}"/>
+              </a:ext>
+            </a:extLst>
+          </p:cNvPr>
+          <p:cNvSpPr>
+            <a:spLocks noGrp="1"/>
+          </p:cNvSpPr>
+          <p:nvPr>
+            <p:ph type="title"/>
+          </p:nvPr>
+        </p:nvSpPr>
+        <p:spPr>
+          <a:xfrm>
+            <a:off x="435203" y="0"/>
+            <a:ext cx="10058400" cy="1371600"/>
+          </a:xfrm>
+        </p:spPr>
+        <p:txBody>
+          <a:bodyPr/>
+          <a:lstStyle/>
+          <a:p>
+            <a:r>
+              <a:rPr lang="en-US" b="1" dirty="0"/>
+              <a:t>Forward-Feed Neural-Net  (FCNN) </a:t>
+            </a:r>
+          </a:p>
+        </p:txBody>
+      </p:sp>
+      <p:pic>
+        <p:nvPicPr>
+          <p:cNvPr id="5" name="Content Placeholder 4" descr="Diagram, shape&#10;&#10;Description automatically generated">
+            <a:extLst>
+              <a:ext uri="{FF2B5EF4-FFF2-40B4-BE49-F238E27FC236}">
+                <a16:creationId xmlns:a16="http://schemas.microsoft.com/office/drawing/2014/main" id="{C8075173-CD84-4C54-AC47-8388734344F7}"/>
+              </a:ext>
+            </a:extLst>
+          </p:cNvPr>
+          <p:cNvPicPr>
+            <a:picLocks noGrp="1" noChangeAspect="1"/>
+          </p:cNvPicPr>
+          <p:nvPr>
+            <p:ph idx="1"/>
+          </p:nvPr>
+        </p:nvPicPr>
+        <p:blipFill>
+          <a:blip r:embed="rId2"/>
+          <a:stretch>
+            <a:fillRect/>
+          </a:stretch>
+        </p:blipFill>
+        <p:spPr>
+          <a:xfrm>
+            <a:off x="6499934" y="1278731"/>
+            <a:ext cx="5256863" cy="4300537"/>
+          </a:xfrm>
+        </p:spPr>
+      </p:pic>
+      <p:sp>
+        <p:nvSpPr>
+          <p:cNvPr id="6" name="Content Placeholder 2">
+            <a:extLst>
+              <a:ext uri="{FF2B5EF4-FFF2-40B4-BE49-F238E27FC236}">
+                <a16:creationId xmlns:a16="http://schemas.microsoft.com/office/drawing/2014/main" id="{D3B15E3B-1828-42C4-8380-75CBC887B1DC}"/>
+              </a:ext>
+            </a:extLst>
+          </p:cNvPr>
+          <p:cNvSpPr txBox="1">
+            <a:spLocks/>
+          </p:cNvSpPr>
+          <p:nvPr/>
+        </p:nvSpPr>
+        <p:spPr>
+          <a:xfrm>
+            <a:off x="435203" y="1372066"/>
+            <a:ext cx="5764491" cy="4840197"/>
+          </a:xfrm>
+          <a:prstGeom prst="rect">
+            <a:avLst/>
+          </a:prstGeom>
+        </p:spPr>
+        <p:txBody>
+          <a:bodyPr vert="horz" lIns="91440" tIns="45720" rIns="91440" bIns="45720" rtlCol="0">
+            <a:normAutofit/>
+          </a:bodyPr>
+          <a:lstStyle>
+            <a:lvl1pPr marL="182880" indent="-182880" algn="l" defTabSz="914400" rtl="0" eaLnBrk="1" latinLnBrk="0" hangingPunct="1">
+              <a:lnSpc>
+                <a:spcPct val="120000"/>
+              </a:lnSpc>
+              <a:spcBef>
+                <a:spcPts val="900"/>
+              </a:spcBef>
+              <a:spcAft>
+                <a:spcPts val="0"/>
+              </a:spcAft>
+              <a:buClr>
+                <a:schemeClr val="tx1">
+                  <a:lumMod val="85000"/>
+                  <a:lumOff val="15000"/>
+                </a:schemeClr>
+              </a:buClr>
+              <a:buFont typeface="Garamond" pitchFamily="18" charset="0"/>
+              <a:buChar char="◦"/>
+              <a:defRPr sz="1400" kern="1200">
+                <a:solidFill>
+                  <a:schemeClr val="tx1"/>
+                </a:solidFill>
+                <a:latin typeface="+mn-lt"/>
+                <a:ea typeface="+mn-ea"/>
+                <a:cs typeface="+mn-cs"/>
+              </a:defRPr>
+            </a:lvl1pPr>
+            <a:lvl2pPr marL="457200" indent="-182880" algn="l" defTabSz="914400" rtl="0" eaLnBrk="1" latinLnBrk="0" hangingPunct="1">
+              <a:lnSpc>
+                <a:spcPct val="100000"/>
+              </a:lnSpc>
+              <a:spcBef>
+                <a:spcPts val="500"/>
+              </a:spcBef>
+              <a:buClr>
+                <a:schemeClr val="tx1">
+                  <a:lumMod val="85000"/>
+                  <a:lumOff val="15000"/>
+                </a:schemeClr>
+              </a:buClr>
+              <a:buFont typeface="Garamond" pitchFamily="18" charset="0"/>
+              <a:buChar char="◦"/>
+              <a:defRPr sz="1200" kern="1200">
+                <a:solidFill>
+                  <a:schemeClr val="tx1"/>
+                </a:solidFill>
+                <a:latin typeface="+mn-lt"/>
+                <a:ea typeface="+mn-ea"/>
+                <a:cs typeface="+mn-cs"/>
+              </a:defRPr>
+            </a:lvl2pPr>
+            <a:lvl3pPr marL="731520" indent="-182880" algn="l" defTabSz="914400" rtl="0" eaLnBrk="1" latinLnBrk="0" hangingPunct="1">
+              <a:lnSpc>
+                <a:spcPct val="100000"/>
+              </a:lnSpc>
+              <a:spcBef>
+                <a:spcPts val="500"/>
+              </a:spcBef>
+              <a:buClr>
+                <a:schemeClr val="tx1">
+                  <a:lumMod val="85000"/>
+                  <a:lumOff val="15000"/>
+                </a:schemeClr>
+              </a:buClr>
+              <a:buFont typeface="Garamond" pitchFamily="18" charset="0"/>
+              <a:buChar char="◦"/>
+              <a:defRPr sz="1100" kern="1200">
+                <a:solidFill>
+                  <a:schemeClr val="tx1"/>
+                </a:solidFill>
+                <a:latin typeface="+mn-lt"/>
+                <a:ea typeface="+mn-ea"/>
+                <a:cs typeface="+mn-cs"/>
+              </a:defRPr>
+            </a:lvl3pPr>
+            <a:lvl4pPr marL="1005840" indent="-182880" algn="l" defTabSz="914400" rtl="0" eaLnBrk="1" latinLnBrk="0" hangingPunct="1">
+              <a:lnSpc>
+                <a:spcPct val="100000"/>
+              </a:lnSpc>
+              <a:spcBef>
+                <a:spcPts val="500"/>
+              </a:spcBef>
+              <a:buClr>
+                <a:schemeClr val="tx1">
+                  <a:lumMod val="85000"/>
+                  <a:lumOff val="15000"/>
+                </a:schemeClr>
+              </a:buClr>
+              <a:buFont typeface="Garamond" pitchFamily="18" charset="0"/>
+              <a:buChar char="◦"/>
+              <a:defRPr sz="1100" kern="1200">
+                <a:solidFill>
+                  <a:schemeClr val="tx1"/>
+                </a:solidFill>
+                <a:latin typeface="+mn-lt"/>
+                <a:ea typeface="+mn-ea"/>
+                <a:cs typeface="+mn-cs"/>
+              </a:defRPr>
+            </a:lvl4pPr>
+            <a:lvl5pPr marL="1280160" indent="-182880" algn="l" defTabSz="914400" rtl="0" eaLnBrk="1" latinLnBrk="0" hangingPunct="1">
+              <a:lnSpc>
+                <a:spcPct val="100000"/>
+              </a:lnSpc>
+              <a:spcBef>
+                <a:spcPts val="500"/>
+              </a:spcBef>
+              <a:buClr>
+                <a:schemeClr val="tx1">
+                  <a:lumMod val="85000"/>
+                  <a:lumOff val="15000"/>
+                </a:schemeClr>
+              </a:buClr>
+              <a:buFont typeface="Garamond" pitchFamily="18" charset="0"/>
+              <a:buChar char="◦"/>
+              <a:defRPr sz="1100" kern="1200">
+                <a:solidFill>
+                  <a:schemeClr val="tx1"/>
+                </a:solidFill>
+                <a:latin typeface="+mn-lt"/>
+                <a:ea typeface="+mn-ea"/>
+                <a:cs typeface="+mn-cs"/>
+              </a:defRPr>
+            </a:lvl5pPr>
+            <a:lvl6pPr marL="1600000" indent="-228600" algn="l" defTabSz="914400" rtl="0" eaLnBrk="1" latinLnBrk="0" hangingPunct="1">
+              <a:lnSpc>
+                <a:spcPct val="100000"/>
+              </a:lnSpc>
+              <a:spcBef>
+                <a:spcPts val="500"/>
+              </a:spcBef>
+              <a:buClr>
+                <a:schemeClr val="tx1">
+                  <a:lumMod val="85000"/>
+                  <a:lumOff val="15000"/>
+                </a:schemeClr>
+              </a:buClr>
+              <a:buFont typeface="Garamond" pitchFamily="18" charset="0"/>
+              <a:buChar char="◦"/>
+              <a:defRPr sz="1400" kern="1200">
+                <a:solidFill>
+                  <a:schemeClr val="tx1"/>
+                </a:solidFill>
+                <a:latin typeface="+mn-lt"/>
+                <a:ea typeface="+mn-ea"/>
+                <a:cs typeface="+mn-cs"/>
+              </a:defRPr>
+            </a:lvl6pPr>
+            <a:lvl7pPr marL="1900000" indent="-228600" algn="l" defTabSz="914400" rtl="0" eaLnBrk="1" latinLnBrk="0" hangingPunct="1">
+              <a:lnSpc>
+                <a:spcPct val="100000"/>
+              </a:lnSpc>
+              <a:spcBef>
+                <a:spcPts val="500"/>
+              </a:spcBef>
+              <a:buClr>
+                <a:schemeClr val="tx1">
+                  <a:lumMod val="85000"/>
+                  <a:lumOff val="15000"/>
+                </a:schemeClr>
+              </a:buClr>
+              <a:buFont typeface="Garamond" pitchFamily="18" charset="0"/>
+              <a:buChar char="◦"/>
+              <a:defRPr sz="1400" kern="1200">
+                <a:solidFill>
+                  <a:schemeClr val="tx1"/>
+                </a:solidFill>
+                <a:latin typeface="+mn-lt"/>
+                <a:ea typeface="+mn-ea"/>
+                <a:cs typeface="+mn-cs"/>
+              </a:defRPr>
+            </a:lvl7pPr>
+            <a:lvl8pPr marL="2200000" indent="-228600" algn="l" defTabSz="914400" rtl="0" eaLnBrk="1" latinLnBrk="0" hangingPunct="1">
+              <a:lnSpc>
+                <a:spcPct val="100000"/>
+              </a:lnSpc>
+              <a:spcBef>
+                <a:spcPts val="500"/>
+              </a:spcBef>
+              <a:buClr>
+                <a:schemeClr val="tx1">
+                  <a:lumMod val="85000"/>
+                  <a:lumOff val="15000"/>
+                </a:schemeClr>
+              </a:buClr>
+              <a:buFont typeface="Garamond" pitchFamily="18" charset="0"/>
+              <a:buChar char="◦"/>
+              <a:defRPr sz="1400" kern="1200">
+                <a:solidFill>
+                  <a:schemeClr val="tx1"/>
+                </a:solidFill>
+                <a:latin typeface="+mn-lt"/>
+                <a:ea typeface="+mn-ea"/>
+                <a:cs typeface="+mn-cs"/>
+              </a:defRPr>
+            </a:lvl8pPr>
+            <a:lvl9pPr marL="2500000" indent="-228600" algn="l" defTabSz="914400" rtl="0" eaLnBrk="1" latinLnBrk="0" hangingPunct="1">
+              <a:lnSpc>
+                <a:spcPct val="100000"/>
+              </a:lnSpc>
+              <a:spcBef>
+                <a:spcPts val="500"/>
+              </a:spcBef>
+              <a:buClr>
+                <a:schemeClr val="tx1">
+                  <a:lumMod val="85000"/>
+                  <a:lumOff val="15000"/>
+                </a:schemeClr>
+              </a:buClr>
+              <a:buFont typeface="Garamond" pitchFamily="18" charset="0"/>
+              <a:buChar char="◦"/>
+              <a:defRPr sz="1400" kern="1200">
+                <a:solidFill>
+                  <a:schemeClr val="tx1"/>
+                </a:solidFill>
+                <a:latin typeface="+mn-lt"/>
+                <a:ea typeface="+mn-ea"/>
+                <a:cs typeface="+mn-cs"/>
+              </a:defRPr>
+            </a:lvl9pPr>
+          </a:lstStyle>
+          <a:p>
+            <a:r>
+              <a:rPr lang="en-US" sz="2000" u="sng" dirty="0"/>
+              <a:t>Input:</a:t>
+            </a:r>
+            <a:r>
+              <a:rPr lang="en-US" sz="2000" dirty="0"/>
+              <a:t>  49 Neurons (7x7 Board)</a:t>
+            </a:r>
+          </a:p>
+          <a:p>
+            <a:pPr marL="0" indent="0">
+              <a:buNone/>
+            </a:pPr>
+            <a:endParaRPr lang="en-US" sz="2000" dirty="0"/>
+          </a:p>
+          <a:p>
+            <a:r>
+              <a:rPr lang="en-US" sz="2000" u="sng" dirty="0"/>
+              <a:t>Hidden Layers:</a:t>
+            </a:r>
+            <a:r>
+              <a:rPr lang="en-US" sz="2000" dirty="0"/>
+              <a:t>  2 Layers (1024 Neurons each)</a:t>
+            </a:r>
+          </a:p>
+          <a:p>
+            <a:endParaRPr lang="en-US" sz="2000" dirty="0"/>
+          </a:p>
+          <a:p>
+            <a:r>
+              <a:rPr lang="en-US" sz="2000" u="sng" dirty="0"/>
+              <a:t>Activation Functions:</a:t>
+            </a:r>
+            <a:r>
+              <a:rPr lang="en-US" sz="2000" dirty="0"/>
+              <a:t>  </a:t>
+            </a:r>
+            <a:r>
+              <a:rPr lang="en-US" sz="2000" dirty="0" err="1"/>
+              <a:t>ReLU</a:t>
+            </a:r>
+            <a:r>
+              <a:rPr lang="en-US" sz="2000" dirty="0"/>
+              <a:t> and </a:t>
+            </a:r>
+            <a:r>
+              <a:rPr lang="en-US" sz="2000" dirty="0" err="1"/>
+              <a:t>Softmax</a:t>
+            </a:r>
+            <a:endParaRPr lang="en-US" sz="2000" dirty="0"/>
+          </a:p>
+          <a:p>
+            <a:endParaRPr lang="en-US" sz="2000" dirty="0"/>
+          </a:p>
+          <a:p>
+            <a:r>
+              <a:rPr lang="en-US" sz="2000" u="sng" dirty="0"/>
+              <a:t>Optimization Function:</a:t>
+            </a:r>
+            <a:r>
+              <a:rPr lang="en-US" sz="2000" dirty="0"/>
+              <a:t>  Stochastic Gradient 			        Descent</a:t>
+            </a:r>
+          </a:p>
+          <a:p>
+            <a:r>
+              <a:rPr lang="en-US" sz="2000" u="sng" dirty="0"/>
+              <a:t>Output</a:t>
+            </a:r>
+            <a:r>
+              <a:rPr lang="en-US" sz="2000" dirty="0"/>
+              <a:t>:  49 Neurons (each neuron corresponds to digit from  0-8)</a:t>
+            </a:r>
+            <a:endParaRPr lang="en-US" sz="2000" u="sng" dirty="0"/>
+          </a:p>
+          <a:p>
+            <a:endParaRPr lang="en-US" sz="2000" dirty="0"/>
+          </a:p>
+        </p:txBody>
+      </p:sp>
+    </p:spTree>
+    <p:extLst>
+      <p:ext uri="{BB962C8B-B14F-4D97-AF65-F5344CB8AC3E}">
+        <p14:creationId xmlns:p14="http://schemas.microsoft.com/office/powerpoint/2010/main" val="2862732210"/>
+      </p:ext>
+    </p:extLst>
+  </p:cSld>
+  <p:clrMapOvr>
+    <a:masterClrMapping/>
+  </p:clrMapOvr>
+</p:sld>
+</file>
+
+<file path=ppt/slides/slide11.xml><?xml version="1.0" encoding="utf-8"?>
+<p:sld xmlns:a="http://schemas.openxmlformats.org/drawingml/2006/main" xmlns:r="http://schemas.openxmlformats.org/officeDocument/2006/relationships" xmlns:p="http://schemas.openxmlformats.org/presentationml/2006/main">
+  <p:cSld>
+    <p:spTree>
+      <p:nvGrpSpPr>
+        <p:cNvPr id="1" name=""/>
+        <p:cNvGrpSpPr/>
+        <p:nvPr/>
+      </p:nvGrpSpPr>
+      <p:grpSpPr>
+        <a:xfrm>
+          <a:off x="0" y="0"/>
+          <a:ext cx="0" cy="0"/>
+          <a:chOff x="0" y="0"/>
+          <a:chExt cx="0" cy="0"/>
+        </a:xfrm>
+      </p:grpSpPr>
+      <p:sp>
+        <p:nvSpPr>
+          <p:cNvPr id="2" name="Title 1">
+            <a:extLst>
+              <a:ext uri="{FF2B5EF4-FFF2-40B4-BE49-F238E27FC236}">
+                <a16:creationId xmlns:a16="http://schemas.microsoft.com/office/drawing/2014/main" id="{C7163C8E-B06B-4C54-90AD-A2C8E91013DF}"/>
+              </a:ext>
+            </a:extLst>
+          </p:cNvPr>
+          <p:cNvSpPr>
+            <a:spLocks noGrp="1"/>
+          </p:cNvSpPr>
+          <p:nvPr>
+            <p:ph type="title"/>
+          </p:nvPr>
+        </p:nvSpPr>
+        <p:spPr>
+          <a:xfrm>
+            <a:off x="435203" y="0"/>
+            <a:ext cx="10058400" cy="1371600"/>
+          </a:xfrm>
+        </p:spPr>
+        <p:txBody>
+          <a:bodyPr/>
+          <a:lstStyle/>
+          <a:p>
+            <a:r>
+              <a:rPr lang="en-US" b="1" dirty="0"/>
+              <a:t>FCNN – Initialization Results </a:t>
+            </a:r>
+          </a:p>
+        </p:txBody>
+      </p:sp>
+      <p:sp>
+        <p:nvSpPr>
+          <p:cNvPr id="6" name="Content Placeholder 2">
+            <a:extLst>
+              <a:ext uri="{FF2B5EF4-FFF2-40B4-BE49-F238E27FC236}">
+                <a16:creationId xmlns:a16="http://schemas.microsoft.com/office/drawing/2014/main" id="{D3B15E3B-1828-42C4-8380-75CBC887B1DC}"/>
+              </a:ext>
+            </a:extLst>
+          </p:cNvPr>
+          <p:cNvSpPr txBox="1">
+            <a:spLocks/>
+          </p:cNvSpPr>
+          <p:nvPr/>
+        </p:nvSpPr>
+        <p:spPr>
+          <a:xfrm>
+            <a:off x="435203" y="1372066"/>
+            <a:ext cx="5764491" cy="4840197"/>
+          </a:xfrm>
+          <a:prstGeom prst="rect">
+            <a:avLst/>
+          </a:prstGeom>
+        </p:spPr>
+        <p:txBody>
+          <a:bodyPr vert="horz" lIns="91440" tIns="45720" rIns="91440" bIns="45720" rtlCol="0">
+            <a:normAutofit/>
+          </a:bodyPr>
+          <a:lstStyle>
+            <a:lvl1pPr marL="182880" indent="-182880" algn="l" defTabSz="914400" rtl="0" eaLnBrk="1" latinLnBrk="0" hangingPunct="1">
+              <a:lnSpc>
+                <a:spcPct val="120000"/>
+              </a:lnSpc>
+              <a:spcBef>
+                <a:spcPts val="900"/>
+              </a:spcBef>
+              <a:spcAft>
+                <a:spcPts val="0"/>
+              </a:spcAft>
+              <a:buClr>
+                <a:schemeClr val="tx1">
+                  <a:lumMod val="85000"/>
+                  <a:lumOff val="15000"/>
+                </a:schemeClr>
+              </a:buClr>
+              <a:buFont typeface="Garamond" pitchFamily="18" charset="0"/>
+              <a:buChar char="◦"/>
+              <a:defRPr sz="1400" kern="1200">
+                <a:solidFill>
+                  <a:schemeClr val="tx1"/>
+                </a:solidFill>
+                <a:latin typeface="+mn-lt"/>
+                <a:ea typeface="+mn-ea"/>
+                <a:cs typeface="+mn-cs"/>
+              </a:defRPr>
+            </a:lvl1pPr>
+            <a:lvl2pPr marL="457200" indent="-182880" algn="l" defTabSz="914400" rtl="0" eaLnBrk="1" latinLnBrk="0" hangingPunct="1">
+              <a:lnSpc>
+                <a:spcPct val="100000"/>
+              </a:lnSpc>
+              <a:spcBef>
+                <a:spcPts val="500"/>
+              </a:spcBef>
+              <a:buClr>
+                <a:schemeClr val="tx1">
+                  <a:lumMod val="85000"/>
+                  <a:lumOff val="15000"/>
+                </a:schemeClr>
+              </a:buClr>
+              <a:buFont typeface="Garamond" pitchFamily="18" charset="0"/>
+              <a:buChar char="◦"/>
+              <a:defRPr sz="1200" kern="1200">
+                <a:solidFill>
+                  <a:schemeClr val="tx1"/>
+                </a:solidFill>
+                <a:latin typeface="+mn-lt"/>
+                <a:ea typeface="+mn-ea"/>
+                <a:cs typeface="+mn-cs"/>
+              </a:defRPr>
+            </a:lvl2pPr>
+            <a:lvl3pPr marL="731520" indent="-182880" algn="l" defTabSz="914400" rtl="0" eaLnBrk="1" latinLnBrk="0" hangingPunct="1">
+              <a:lnSpc>
+                <a:spcPct val="100000"/>
+              </a:lnSpc>
+              <a:spcBef>
+                <a:spcPts val="500"/>
+              </a:spcBef>
+              <a:buClr>
+                <a:schemeClr val="tx1">
+                  <a:lumMod val="85000"/>
+                  <a:lumOff val="15000"/>
+                </a:schemeClr>
+              </a:buClr>
+              <a:buFont typeface="Garamond" pitchFamily="18" charset="0"/>
+              <a:buChar char="◦"/>
+              <a:defRPr sz="1100" kern="1200">
+                <a:solidFill>
+                  <a:schemeClr val="tx1"/>
+                </a:solidFill>
+                <a:latin typeface="+mn-lt"/>
+                <a:ea typeface="+mn-ea"/>
+                <a:cs typeface="+mn-cs"/>
+              </a:defRPr>
+            </a:lvl3pPr>
+            <a:lvl4pPr marL="1005840" indent="-182880" algn="l" defTabSz="914400" rtl="0" eaLnBrk="1" latinLnBrk="0" hangingPunct="1">
+              <a:lnSpc>
+                <a:spcPct val="100000"/>
+              </a:lnSpc>
+              <a:spcBef>
+                <a:spcPts val="500"/>
+              </a:spcBef>
+              <a:buClr>
+                <a:schemeClr val="tx1">
+                  <a:lumMod val="85000"/>
+                  <a:lumOff val="15000"/>
+                </a:schemeClr>
+              </a:buClr>
+              <a:buFont typeface="Garamond" pitchFamily="18" charset="0"/>
+              <a:buChar char="◦"/>
+              <a:defRPr sz="1100" kern="1200">
+                <a:solidFill>
+                  <a:schemeClr val="tx1"/>
+                </a:solidFill>
+                <a:latin typeface="+mn-lt"/>
+                <a:ea typeface="+mn-ea"/>
+                <a:cs typeface="+mn-cs"/>
+              </a:defRPr>
+            </a:lvl4pPr>
+            <a:lvl5pPr marL="1280160" indent="-182880" algn="l" defTabSz="914400" rtl="0" eaLnBrk="1" latinLnBrk="0" hangingPunct="1">
+              <a:lnSpc>
+                <a:spcPct val="100000"/>
+              </a:lnSpc>
+              <a:spcBef>
+                <a:spcPts val="500"/>
+              </a:spcBef>
+              <a:buClr>
+                <a:schemeClr val="tx1">
+                  <a:lumMod val="85000"/>
+                  <a:lumOff val="15000"/>
+                </a:schemeClr>
+              </a:buClr>
+              <a:buFont typeface="Garamond" pitchFamily="18" charset="0"/>
+              <a:buChar char="◦"/>
+              <a:defRPr sz="1100" kern="1200">
+                <a:solidFill>
+                  <a:schemeClr val="tx1"/>
+                </a:solidFill>
+                <a:latin typeface="+mn-lt"/>
+                <a:ea typeface="+mn-ea"/>
+                <a:cs typeface="+mn-cs"/>
+              </a:defRPr>
+            </a:lvl5pPr>
+            <a:lvl6pPr marL="1600000" indent="-228600" algn="l" defTabSz="914400" rtl="0" eaLnBrk="1" latinLnBrk="0" hangingPunct="1">
+              <a:lnSpc>
+                <a:spcPct val="100000"/>
+              </a:lnSpc>
+              <a:spcBef>
+                <a:spcPts val="500"/>
+              </a:spcBef>
+              <a:buClr>
+                <a:schemeClr val="tx1">
+                  <a:lumMod val="85000"/>
+                  <a:lumOff val="15000"/>
+                </a:schemeClr>
+              </a:buClr>
+              <a:buFont typeface="Garamond" pitchFamily="18" charset="0"/>
+              <a:buChar char="◦"/>
+              <a:defRPr sz="1400" kern="1200">
+                <a:solidFill>
+                  <a:schemeClr val="tx1"/>
+                </a:solidFill>
+                <a:latin typeface="+mn-lt"/>
+                <a:ea typeface="+mn-ea"/>
+                <a:cs typeface="+mn-cs"/>
+              </a:defRPr>
+            </a:lvl6pPr>
+            <a:lvl7pPr marL="1900000" indent="-228600" algn="l" defTabSz="914400" rtl="0" eaLnBrk="1" latinLnBrk="0" hangingPunct="1">
+              <a:lnSpc>
+                <a:spcPct val="100000"/>
+              </a:lnSpc>
+              <a:spcBef>
+                <a:spcPts val="500"/>
+              </a:spcBef>
+              <a:buClr>
+                <a:schemeClr val="tx1">
+                  <a:lumMod val="85000"/>
+                  <a:lumOff val="15000"/>
+                </a:schemeClr>
+              </a:buClr>
+              <a:buFont typeface="Garamond" pitchFamily="18" charset="0"/>
+              <a:buChar char="◦"/>
+              <a:defRPr sz="1400" kern="1200">
+                <a:solidFill>
+                  <a:schemeClr val="tx1"/>
+                </a:solidFill>
+                <a:latin typeface="+mn-lt"/>
+                <a:ea typeface="+mn-ea"/>
+                <a:cs typeface="+mn-cs"/>
+              </a:defRPr>
+            </a:lvl7pPr>
+            <a:lvl8pPr marL="2200000" indent="-228600" algn="l" defTabSz="914400" rtl="0" eaLnBrk="1" latinLnBrk="0" hangingPunct="1">
+              <a:lnSpc>
+                <a:spcPct val="100000"/>
+              </a:lnSpc>
+              <a:spcBef>
+                <a:spcPts val="500"/>
+              </a:spcBef>
+              <a:buClr>
+                <a:schemeClr val="tx1">
+                  <a:lumMod val="85000"/>
+                  <a:lumOff val="15000"/>
+                </a:schemeClr>
+              </a:buClr>
+              <a:buFont typeface="Garamond" pitchFamily="18" charset="0"/>
+              <a:buChar char="◦"/>
+              <a:defRPr sz="1400" kern="1200">
+                <a:solidFill>
+                  <a:schemeClr val="tx1"/>
+                </a:solidFill>
+                <a:latin typeface="+mn-lt"/>
+                <a:ea typeface="+mn-ea"/>
+                <a:cs typeface="+mn-cs"/>
+              </a:defRPr>
+            </a:lvl8pPr>
+            <a:lvl9pPr marL="2500000" indent="-228600" algn="l" defTabSz="914400" rtl="0" eaLnBrk="1" latinLnBrk="0" hangingPunct="1">
+              <a:lnSpc>
+                <a:spcPct val="100000"/>
+              </a:lnSpc>
+              <a:spcBef>
+                <a:spcPts val="500"/>
+              </a:spcBef>
+              <a:buClr>
+                <a:schemeClr val="tx1">
+                  <a:lumMod val="85000"/>
+                  <a:lumOff val="15000"/>
+                </a:schemeClr>
+              </a:buClr>
+              <a:buFont typeface="Garamond" pitchFamily="18" charset="0"/>
+              <a:buChar char="◦"/>
+              <a:defRPr sz="1400" kern="1200">
+                <a:solidFill>
+                  <a:schemeClr val="tx1"/>
+                </a:solidFill>
+                <a:latin typeface="+mn-lt"/>
+                <a:ea typeface="+mn-ea"/>
+                <a:cs typeface="+mn-cs"/>
+              </a:defRPr>
+            </a:lvl9pPr>
+          </a:lstStyle>
+          <a:p>
+            <a:r>
+              <a:rPr lang="en-US" sz="2000" dirty="0"/>
+              <a:t>5000 randomly generated boards (1 day)</a:t>
+            </a:r>
+          </a:p>
+          <a:p>
+            <a:pPr lvl="2"/>
+            <a:r>
+              <a:rPr lang="en-US" sz="1700" dirty="0"/>
+              <a:t>Train Set: 4000</a:t>
+            </a:r>
+          </a:p>
+          <a:p>
+            <a:pPr lvl="2"/>
+            <a:r>
+              <a:rPr lang="en-US" sz="1700" dirty="0"/>
+              <a:t>Test Set: 1000</a:t>
+            </a:r>
+          </a:p>
+          <a:p>
+            <a:pPr lvl="2"/>
+            <a:endParaRPr lang="en-US" sz="1700" dirty="0"/>
+          </a:p>
+          <a:p>
+            <a:r>
+              <a:rPr lang="en-US" sz="2000" dirty="0"/>
+              <a:t>Errors:</a:t>
+            </a:r>
+          </a:p>
+          <a:p>
+            <a:pPr lvl="2"/>
+            <a:r>
+              <a:rPr lang="en-US" sz="1700" dirty="0"/>
+              <a:t>Incorrect Labels</a:t>
+            </a:r>
+          </a:p>
+          <a:p>
+            <a:pPr lvl="2"/>
+            <a:r>
+              <a:rPr lang="en-US" sz="1700" dirty="0"/>
+              <a:t>Not enough training data</a:t>
+            </a:r>
+          </a:p>
+          <a:p>
+            <a:pPr lvl="2"/>
+            <a:r>
+              <a:rPr lang="en-US" sz="1700" dirty="0"/>
+              <a:t>Not able to capture a general relationship for initialization</a:t>
+            </a:r>
+          </a:p>
+          <a:p>
+            <a:endParaRPr lang="en-US" sz="2000" dirty="0"/>
+          </a:p>
+          <a:p>
+            <a:r>
+              <a:rPr lang="en-US" sz="2000" dirty="0"/>
+              <a:t>Improvements:</a:t>
+            </a:r>
+          </a:p>
+          <a:p>
+            <a:pPr lvl="2"/>
+            <a:r>
+              <a:rPr lang="en-US" sz="1700" dirty="0"/>
+              <a:t>Implement Convolutional Neural Nets (CNN)</a:t>
+            </a:r>
+          </a:p>
+          <a:p>
+            <a:pPr lvl="2"/>
+            <a:r>
+              <a:rPr lang="en-US" sz="1700" dirty="0"/>
+              <a:t>Gather more data</a:t>
+            </a:r>
+          </a:p>
+          <a:p>
+            <a:pPr lvl="2"/>
+            <a:endParaRPr lang="en-US" sz="1700" dirty="0"/>
+          </a:p>
+          <a:p>
+            <a:pPr lvl="2"/>
+            <a:endParaRPr lang="en-US" sz="1700" dirty="0"/>
+          </a:p>
+        </p:txBody>
+      </p:sp>
+      <p:pic>
+        <p:nvPicPr>
+          <p:cNvPr id="8" name="Content Placeholder 7">
+            <a:extLst>
+              <a:ext uri="{FF2B5EF4-FFF2-40B4-BE49-F238E27FC236}">
+                <a16:creationId xmlns:a16="http://schemas.microsoft.com/office/drawing/2014/main" id="{09DD596D-D20A-4B14-9BFE-0C8BFCDC6BAB}"/>
+              </a:ext>
+            </a:extLst>
+          </p:cNvPr>
+          <p:cNvPicPr>
+            <a:picLocks noGrp="1" noChangeAspect="1"/>
+          </p:cNvPicPr>
+          <p:nvPr>
+            <p:ph idx="1"/>
+          </p:nvPr>
+        </p:nvPicPr>
+        <p:blipFill>
+          <a:blip r:embed="rId2"/>
+          <a:stretch>
+            <a:fillRect/>
+          </a:stretch>
+        </p:blipFill>
+        <p:spPr>
+          <a:xfrm>
+            <a:off x="9256433" y="1111686"/>
+            <a:ext cx="2152650" cy="2152650"/>
+          </a:xfrm>
+          <a:prstGeom prst="rect">
+            <a:avLst/>
+          </a:prstGeom>
+        </p:spPr>
+      </p:pic>
+      <p:pic>
+        <p:nvPicPr>
+          <p:cNvPr id="7" name="Picture 6">
+            <a:extLst>
+              <a:ext uri="{FF2B5EF4-FFF2-40B4-BE49-F238E27FC236}">
+                <a16:creationId xmlns:a16="http://schemas.microsoft.com/office/drawing/2014/main" id="{103EABDE-9B85-49CB-8A37-7460E901E272}"/>
+              </a:ext>
+            </a:extLst>
+          </p:cNvPr>
+          <p:cNvPicPr>
+            <a:picLocks noChangeAspect="1"/>
+          </p:cNvPicPr>
+          <p:nvPr/>
+        </p:nvPicPr>
+        <p:blipFill rotWithShape="1">
+          <a:blip r:embed="rId3"/>
+          <a:srcRect l="1102" t="1329" r="1674" b="2101"/>
+          <a:stretch/>
+        </p:blipFill>
+        <p:spPr>
+          <a:xfrm>
+            <a:off x="6984206" y="1140261"/>
+            <a:ext cx="2083594" cy="2078832"/>
+          </a:xfrm>
+          <a:prstGeom prst="rect">
+            <a:avLst/>
+          </a:prstGeom>
+        </p:spPr>
+      </p:pic>
+      <p:sp>
+        <p:nvSpPr>
+          <p:cNvPr id="9" name="TextBox 8">
+            <a:extLst>
+              <a:ext uri="{FF2B5EF4-FFF2-40B4-BE49-F238E27FC236}">
+                <a16:creationId xmlns:a16="http://schemas.microsoft.com/office/drawing/2014/main" id="{A6534E45-D1EB-4639-886B-86BBEC6811B2}"/>
+              </a:ext>
+            </a:extLst>
+          </p:cNvPr>
+          <p:cNvSpPr txBox="1"/>
+          <p:nvPr/>
+        </p:nvSpPr>
+        <p:spPr>
+          <a:xfrm>
+            <a:off x="7448549" y="3222665"/>
+            <a:ext cx="1266825" cy="369332"/>
+          </a:xfrm>
+          <a:prstGeom prst="rect">
+            <a:avLst/>
+          </a:prstGeom>
+          <a:noFill/>
+        </p:spPr>
+        <p:txBody>
+          <a:bodyPr wrap="square" rtlCol="0">
+            <a:spAutoFit/>
+          </a:bodyPr>
+          <a:lstStyle/>
+          <a:p>
+            <a:r>
+              <a:rPr lang="en-US" dirty="0"/>
+              <a:t>Original</a:t>
+            </a:r>
+          </a:p>
+        </p:txBody>
+      </p:sp>
+      <p:sp>
+        <p:nvSpPr>
+          <p:cNvPr id="11" name="TextBox 10">
+            <a:extLst>
+              <a:ext uri="{FF2B5EF4-FFF2-40B4-BE49-F238E27FC236}">
+                <a16:creationId xmlns:a16="http://schemas.microsoft.com/office/drawing/2014/main" id="{78D7C7FA-884F-48E0-8328-B1E9EB55F0FF}"/>
+              </a:ext>
+            </a:extLst>
+          </p:cNvPr>
+          <p:cNvSpPr txBox="1"/>
+          <p:nvPr/>
+        </p:nvSpPr>
+        <p:spPr>
+          <a:xfrm>
+            <a:off x="9699345" y="3232429"/>
+            <a:ext cx="1397280" cy="369332"/>
+          </a:xfrm>
+          <a:prstGeom prst="rect">
+            <a:avLst/>
+          </a:prstGeom>
+          <a:noFill/>
+        </p:spPr>
+        <p:txBody>
+          <a:bodyPr wrap="square" rtlCol="0">
+            <a:spAutoFit/>
+          </a:bodyPr>
+          <a:lstStyle/>
+          <a:p>
+            <a:r>
+              <a:rPr lang="en-US" dirty="0"/>
+              <a:t>Predicted</a:t>
+            </a:r>
+          </a:p>
+        </p:txBody>
+      </p:sp>
+      <p:sp>
+        <p:nvSpPr>
+          <p:cNvPr id="14" name="TextBox 13">
+            <a:extLst>
+              <a:ext uri="{FF2B5EF4-FFF2-40B4-BE49-F238E27FC236}">
+                <a16:creationId xmlns:a16="http://schemas.microsoft.com/office/drawing/2014/main" id="{7F440F5F-D4AB-4883-B9E6-6A9DC312A2F2}"/>
+              </a:ext>
+            </a:extLst>
+          </p:cNvPr>
+          <p:cNvSpPr txBox="1"/>
+          <p:nvPr/>
+        </p:nvSpPr>
+        <p:spPr>
+          <a:xfrm>
+            <a:off x="7448549" y="6032424"/>
+            <a:ext cx="1266825" cy="369332"/>
+          </a:xfrm>
+          <a:prstGeom prst="rect">
+            <a:avLst/>
+          </a:prstGeom>
+          <a:noFill/>
+        </p:spPr>
+        <p:txBody>
+          <a:bodyPr wrap="square" rtlCol="0">
+            <a:spAutoFit/>
+          </a:bodyPr>
+          <a:lstStyle/>
+          <a:p>
+            <a:r>
+              <a:rPr lang="en-US" dirty="0"/>
+              <a:t>Original</a:t>
+            </a:r>
+          </a:p>
+        </p:txBody>
+      </p:sp>
+      <p:sp>
+        <p:nvSpPr>
+          <p:cNvPr id="15" name="TextBox 14">
+            <a:extLst>
+              <a:ext uri="{FF2B5EF4-FFF2-40B4-BE49-F238E27FC236}">
+                <a16:creationId xmlns:a16="http://schemas.microsoft.com/office/drawing/2014/main" id="{4E9F967C-3249-4729-98B6-30FFC9FF6A63}"/>
+              </a:ext>
+            </a:extLst>
+          </p:cNvPr>
+          <p:cNvSpPr txBox="1"/>
+          <p:nvPr/>
+        </p:nvSpPr>
+        <p:spPr>
+          <a:xfrm>
+            <a:off x="9699345" y="6042188"/>
+            <a:ext cx="1397280" cy="369332"/>
+          </a:xfrm>
+          <a:prstGeom prst="rect">
+            <a:avLst/>
+          </a:prstGeom>
+          <a:noFill/>
+        </p:spPr>
+        <p:txBody>
+          <a:bodyPr wrap="square" rtlCol="0">
+            <a:spAutoFit/>
+          </a:bodyPr>
+          <a:lstStyle/>
+          <a:p>
+            <a:r>
+              <a:rPr lang="en-US" dirty="0"/>
+              <a:t>Predicted</a:t>
+            </a:r>
+          </a:p>
+        </p:txBody>
+      </p:sp>
+      <p:pic>
+        <p:nvPicPr>
+          <p:cNvPr id="17" name="Picture 16" descr="A screen shot of a smart phone&#10;&#10;Description automatically generated">
+            <a:extLst>
+              <a:ext uri="{FF2B5EF4-FFF2-40B4-BE49-F238E27FC236}">
+                <a16:creationId xmlns:a16="http://schemas.microsoft.com/office/drawing/2014/main" id="{0A3F7C08-10D8-4CF5-8803-B4F77F22715E}"/>
+              </a:ext>
+            </a:extLst>
+          </p:cNvPr>
+          <p:cNvPicPr>
+            <a:picLocks noChangeAspect="1"/>
+          </p:cNvPicPr>
+          <p:nvPr/>
+        </p:nvPicPr>
+        <p:blipFill rotWithShape="1">
+          <a:blip r:embed="rId4"/>
+          <a:srcRect l="3361" t="13897" r="4727" b="5568"/>
+          <a:stretch/>
+        </p:blipFill>
+        <p:spPr>
+          <a:xfrm>
+            <a:off x="6984206" y="3963356"/>
+            <a:ext cx="2083594" cy="2078832"/>
+          </a:xfrm>
+          <a:prstGeom prst="rect">
+            <a:avLst/>
+          </a:prstGeom>
+        </p:spPr>
+      </p:pic>
+      <p:pic>
+        <p:nvPicPr>
+          <p:cNvPr id="19" name="Picture 18" descr="A close up of text on a white background&#10;&#10;Description automatically generated">
+            <a:extLst>
+              <a:ext uri="{FF2B5EF4-FFF2-40B4-BE49-F238E27FC236}">
+                <a16:creationId xmlns:a16="http://schemas.microsoft.com/office/drawing/2014/main" id="{CF0B870F-A5F2-4AA0-83C0-40C92B6F89EE}"/>
+              </a:ext>
+            </a:extLst>
+          </p:cNvPr>
+          <p:cNvPicPr>
+            <a:picLocks noChangeAspect="1"/>
+          </p:cNvPicPr>
+          <p:nvPr/>
+        </p:nvPicPr>
+        <p:blipFill rotWithShape="1">
+          <a:blip r:embed="rId5"/>
+          <a:srcRect l="4243" t="13282" r="5737" b="5884"/>
+          <a:stretch/>
+        </p:blipFill>
+        <p:spPr>
+          <a:xfrm>
+            <a:off x="9434512" y="3943350"/>
+            <a:ext cx="2083594" cy="2078832"/>
+          </a:xfrm>
+          <a:prstGeom prst="rect">
+            <a:avLst/>
+          </a:prstGeom>
+        </p:spPr>
+      </p:pic>
+    </p:spTree>
+    <p:extLst>
+      <p:ext uri="{BB962C8B-B14F-4D97-AF65-F5344CB8AC3E}">
+        <p14:creationId xmlns:p14="http://schemas.microsoft.com/office/powerpoint/2010/main" val="1308075861"/>
+      </p:ext>
+    </p:extLst>
+  </p:cSld>
+  <p:clrMapOvr>
+    <a:masterClrMapping/>
+  </p:clrMapOvr>
+</p:sld>
+</file>
+
+<file path=ppt/slides/slide12.xml><?xml version="1.0" encoding="utf-8"?>
+<p:sld xmlns:a="http://schemas.openxmlformats.org/drawingml/2006/main" xmlns:r="http://schemas.openxmlformats.org/officeDocument/2006/relationships" xmlns:p="http://schemas.openxmlformats.org/presentationml/2006/main">
+  <p:cSld>
+    <p:spTree>
+      <p:nvGrpSpPr>
+        <p:cNvPr id="1" name=""/>
+        <p:cNvGrpSpPr/>
+        <p:nvPr/>
+      </p:nvGrpSpPr>
+      <p:grpSpPr>
+        <a:xfrm>
+          <a:off x="0" y="0"/>
+          <a:ext cx="0" cy="0"/>
+          <a:chOff x="0" y="0"/>
+          <a:chExt cx="0" cy="0"/>
+        </a:xfrm>
+      </p:grpSpPr>
+      <p:sp>
+        <p:nvSpPr>
+          <p:cNvPr id="2" name="Title 1">
+            <a:extLst>
+              <a:ext uri="{FF2B5EF4-FFF2-40B4-BE49-F238E27FC236}">
+                <a16:creationId xmlns:a16="http://schemas.microsoft.com/office/drawing/2014/main" id="{C7163C8E-B06B-4C54-90AD-A2C8E91013DF}"/>
+              </a:ext>
+            </a:extLst>
+          </p:cNvPr>
+          <p:cNvSpPr>
+            <a:spLocks noGrp="1"/>
+          </p:cNvSpPr>
+          <p:nvPr>
+            <p:ph type="title"/>
+          </p:nvPr>
+        </p:nvSpPr>
+        <p:spPr>
+          <a:xfrm>
+            <a:off x="435203" y="0"/>
+            <a:ext cx="10058400" cy="1371600"/>
+          </a:xfrm>
+        </p:spPr>
+        <p:txBody>
+          <a:bodyPr/>
+          <a:lstStyle/>
+          <a:p>
+            <a:r>
+              <a:rPr lang="en-US" b="1" dirty="0"/>
+              <a:t>Convolutional Neural-Net  (CNN) </a:t>
+            </a:r>
+          </a:p>
+        </p:txBody>
+      </p:sp>
+      <p:sp>
+        <p:nvSpPr>
+          <p:cNvPr id="6" name="Content Placeholder 2">
+            <a:extLst>
+              <a:ext uri="{FF2B5EF4-FFF2-40B4-BE49-F238E27FC236}">
+                <a16:creationId xmlns:a16="http://schemas.microsoft.com/office/drawing/2014/main" id="{D3B15E3B-1828-42C4-8380-75CBC887B1DC}"/>
+              </a:ext>
+            </a:extLst>
+          </p:cNvPr>
+          <p:cNvSpPr txBox="1">
+            <a:spLocks/>
+          </p:cNvSpPr>
+          <p:nvPr/>
+        </p:nvSpPr>
+        <p:spPr>
+          <a:xfrm>
+            <a:off x="1274102" y="3636687"/>
+            <a:ext cx="5202199" cy="2805053"/>
+          </a:xfrm>
+          <a:prstGeom prst="rect">
+            <a:avLst/>
+          </a:prstGeom>
+        </p:spPr>
+        <p:txBody>
+          <a:bodyPr vert="horz" lIns="91440" tIns="45720" rIns="91440" bIns="45720" rtlCol="0">
+            <a:normAutofit fontScale="77500" lnSpcReduction="20000"/>
+          </a:bodyPr>
+          <a:lstStyle>
+            <a:lvl1pPr marL="182880" indent="-182880" algn="l" defTabSz="914400" rtl="0" eaLnBrk="1" latinLnBrk="0" hangingPunct="1">
+              <a:lnSpc>
+                <a:spcPct val="120000"/>
+              </a:lnSpc>
+              <a:spcBef>
+                <a:spcPts val="900"/>
+              </a:spcBef>
+              <a:spcAft>
+                <a:spcPts val="0"/>
+              </a:spcAft>
+              <a:buClr>
+                <a:schemeClr val="tx1">
+                  <a:lumMod val="85000"/>
+                  <a:lumOff val="15000"/>
+                </a:schemeClr>
+              </a:buClr>
+              <a:buFont typeface="Garamond" pitchFamily="18" charset="0"/>
+              <a:buChar char="◦"/>
+              <a:defRPr sz="1400" kern="1200">
+                <a:solidFill>
+                  <a:schemeClr val="tx1"/>
+                </a:solidFill>
+                <a:latin typeface="+mn-lt"/>
+                <a:ea typeface="+mn-ea"/>
+                <a:cs typeface="+mn-cs"/>
+              </a:defRPr>
+            </a:lvl1pPr>
+            <a:lvl2pPr marL="457200" indent="-182880" algn="l" defTabSz="914400" rtl="0" eaLnBrk="1" latinLnBrk="0" hangingPunct="1">
+              <a:lnSpc>
+                <a:spcPct val="100000"/>
+              </a:lnSpc>
+              <a:spcBef>
+                <a:spcPts val="500"/>
+              </a:spcBef>
+              <a:buClr>
+                <a:schemeClr val="tx1">
+                  <a:lumMod val="85000"/>
+                  <a:lumOff val="15000"/>
+                </a:schemeClr>
+              </a:buClr>
+              <a:buFont typeface="Garamond" pitchFamily="18" charset="0"/>
+              <a:buChar char="◦"/>
+              <a:defRPr sz="1200" kern="1200">
+                <a:solidFill>
+                  <a:schemeClr val="tx1"/>
+                </a:solidFill>
+                <a:latin typeface="+mn-lt"/>
+                <a:ea typeface="+mn-ea"/>
+                <a:cs typeface="+mn-cs"/>
+              </a:defRPr>
+            </a:lvl2pPr>
+            <a:lvl3pPr marL="731520" indent="-182880" algn="l" defTabSz="914400" rtl="0" eaLnBrk="1" latinLnBrk="0" hangingPunct="1">
+              <a:lnSpc>
+                <a:spcPct val="100000"/>
+              </a:lnSpc>
+              <a:spcBef>
+                <a:spcPts val="500"/>
+              </a:spcBef>
+              <a:buClr>
+                <a:schemeClr val="tx1">
+                  <a:lumMod val="85000"/>
+                  <a:lumOff val="15000"/>
+                </a:schemeClr>
+              </a:buClr>
+              <a:buFont typeface="Garamond" pitchFamily="18" charset="0"/>
+              <a:buChar char="◦"/>
+              <a:defRPr sz="1100" kern="1200">
+                <a:solidFill>
+                  <a:schemeClr val="tx1"/>
+                </a:solidFill>
+                <a:latin typeface="+mn-lt"/>
+                <a:ea typeface="+mn-ea"/>
+                <a:cs typeface="+mn-cs"/>
+              </a:defRPr>
+            </a:lvl3pPr>
+            <a:lvl4pPr marL="1005840" indent="-182880" algn="l" defTabSz="914400" rtl="0" eaLnBrk="1" latinLnBrk="0" hangingPunct="1">
+              <a:lnSpc>
+                <a:spcPct val="100000"/>
+              </a:lnSpc>
+              <a:spcBef>
+                <a:spcPts val="500"/>
+              </a:spcBef>
+              <a:buClr>
+                <a:schemeClr val="tx1">
+                  <a:lumMod val="85000"/>
+                  <a:lumOff val="15000"/>
+                </a:schemeClr>
+              </a:buClr>
+              <a:buFont typeface="Garamond" pitchFamily="18" charset="0"/>
+              <a:buChar char="◦"/>
+              <a:defRPr sz="1100" kern="1200">
+                <a:solidFill>
+                  <a:schemeClr val="tx1"/>
+                </a:solidFill>
+                <a:latin typeface="+mn-lt"/>
+                <a:ea typeface="+mn-ea"/>
+                <a:cs typeface="+mn-cs"/>
+              </a:defRPr>
+            </a:lvl4pPr>
+            <a:lvl5pPr marL="1280160" indent="-182880" algn="l" defTabSz="914400" rtl="0" eaLnBrk="1" latinLnBrk="0" hangingPunct="1">
+              <a:lnSpc>
+                <a:spcPct val="100000"/>
+              </a:lnSpc>
+              <a:spcBef>
+                <a:spcPts val="500"/>
+              </a:spcBef>
+              <a:buClr>
+                <a:schemeClr val="tx1">
+                  <a:lumMod val="85000"/>
+                  <a:lumOff val="15000"/>
+                </a:schemeClr>
+              </a:buClr>
+              <a:buFont typeface="Garamond" pitchFamily="18" charset="0"/>
+              <a:buChar char="◦"/>
+              <a:defRPr sz="1100" kern="1200">
+                <a:solidFill>
+                  <a:schemeClr val="tx1"/>
+                </a:solidFill>
+                <a:latin typeface="+mn-lt"/>
+                <a:ea typeface="+mn-ea"/>
+                <a:cs typeface="+mn-cs"/>
+              </a:defRPr>
+            </a:lvl5pPr>
+            <a:lvl6pPr marL="1600000" indent="-228600" algn="l" defTabSz="914400" rtl="0" eaLnBrk="1" latinLnBrk="0" hangingPunct="1">
+              <a:lnSpc>
+                <a:spcPct val="100000"/>
+              </a:lnSpc>
+              <a:spcBef>
+                <a:spcPts val="500"/>
+              </a:spcBef>
+              <a:buClr>
+                <a:schemeClr val="tx1">
+                  <a:lumMod val="85000"/>
+                  <a:lumOff val="15000"/>
+                </a:schemeClr>
+              </a:buClr>
+              <a:buFont typeface="Garamond" pitchFamily="18" charset="0"/>
+              <a:buChar char="◦"/>
+              <a:defRPr sz="1400" kern="1200">
+                <a:solidFill>
+                  <a:schemeClr val="tx1"/>
+                </a:solidFill>
+                <a:latin typeface="+mn-lt"/>
+                <a:ea typeface="+mn-ea"/>
+                <a:cs typeface="+mn-cs"/>
+              </a:defRPr>
+            </a:lvl6pPr>
+            <a:lvl7pPr marL="1900000" indent="-228600" algn="l" defTabSz="914400" rtl="0" eaLnBrk="1" latinLnBrk="0" hangingPunct="1">
+              <a:lnSpc>
+                <a:spcPct val="100000"/>
+              </a:lnSpc>
+              <a:spcBef>
+                <a:spcPts val="500"/>
+              </a:spcBef>
+              <a:buClr>
+                <a:schemeClr val="tx1">
+                  <a:lumMod val="85000"/>
+                  <a:lumOff val="15000"/>
+                </a:schemeClr>
+              </a:buClr>
+              <a:buFont typeface="Garamond" pitchFamily="18" charset="0"/>
+              <a:buChar char="◦"/>
+              <a:defRPr sz="1400" kern="1200">
+                <a:solidFill>
+                  <a:schemeClr val="tx1"/>
+                </a:solidFill>
+                <a:latin typeface="+mn-lt"/>
+                <a:ea typeface="+mn-ea"/>
+                <a:cs typeface="+mn-cs"/>
+              </a:defRPr>
+            </a:lvl7pPr>
+            <a:lvl8pPr marL="2200000" indent="-228600" algn="l" defTabSz="914400" rtl="0" eaLnBrk="1" latinLnBrk="0" hangingPunct="1">
+              <a:lnSpc>
+                <a:spcPct val="100000"/>
+              </a:lnSpc>
+              <a:spcBef>
+                <a:spcPts val="500"/>
+              </a:spcBef>
+              <a:buClr>
+                <a:schemeClr val="tx1">
+                  <a:lumMod val="85000"/>
+                  <a:lumOff val="15000"/>
+                </a:schemeClr>
+              </a:buClr>
+              <a:buFont typeface="Garamond" pitchFamily="18" charset="0"/>
+              <a:buChar char="◦"/>
+              <a:defRPr sz="1400" kern="1200">
+                <a:solidFill>
+                  <a:schemeClr val="tx1"/>
+                </a:solidFill>
+                <a:latin typeface="+mn-lt"/>
+                <a:ea typeface="+mn-ea"/>
+                <a:cs typeface="+mn-cs"/>
+              </a:defRPr>
+            </a:lvl8pPr>
+            <a:lvl9pPr marL="2500000" indent="-228600" algn="l" defTabSz="914400" rtl="0" eaLnBrk="1" latinLnBrk="0" hangingPunct="1">
+              <a:lnSpc>
+                <a:spcPct val="100000"/>
+              </a:lnSpc>
+              <a:spcBef>
+                <a:spcPts val="500"/>
+              </a:spcBef>
+              <a:buClr>
+                <a:schemeClr val="tx1">
+                  <a:lumMod val="85000"/>
+                  <a:lumOff val="15000"/>
+                </a:schemeClr>
+              </a:buClr>
+              <a:buFont typeface="Garamond" pitchFamily="18" charset="0"/>
+              <a:buChar char="◦"/>
+              <a:defRPr sz="1400" kern="1200">
+                <a:solidFill>
+                  <a:schemeClr val="tx1"/>
+                </a:solidFill>
+                <a:latin typeface="+mn-lt"/>
+                <a:ea typeface="+mn-ea"/>
+                <a:cs typeface="+mn-cs"/>
+              </a:defRPr>
+            </a:lvl9pPr>
+          </a:lstStyle>
+          <a:p>
+            <a:r>
+              <a:rPr lang="en-US" sz="2000" u="sng" dirty="0"/>
+              <a:t>Input:</a:t>
+            </a:r>
+            <a:r>
+              <a:rPr lang="en-US" sz="2000" dirty="0"/>
+              <a:t>  7x7 Board – 1 Channel</a:t>
+            </a:r>
+          </a:p>
+          <a:p>
+            <a:pPr marL="0" indent="0">
+              <a:buNone/>
+            </a:pPr>
+            <a:endParaRPr lang="en-US" sz="2000" dirty="0"/>
+          </a:p>
+          <a:p>
+            <a:r>
+              <a:rPr lang="en-US" sz="2000" u="sng" dirty="0"/>
+              <a:t>Convolution Layers:</a:t>
+            </a:r>
+            <a:r>
+              <a:rPr lang="en-US" sz="2000" dirty="0"/>
+              <a:t>  Four 2D-Convolutions</a:t>
+            </a:r>
+          </a:p>
+          <a:p>
+            <a:pPr lvl="1"/>
+            <a:r>
+              <a:rPr lang="en-US" sz="1800" dirty="0"/>
+              <a:t>2DConv1:   Filter (5,5),  Same Padding, Channels (1,32),  Activation (</a:t>
+            </a:r>
+            <a:r>
+              <a:rPr lang="en-US" sz="1800" dirty="0" err="1"/>
+              <a:t>ReLU</a:t>
+            </a:r>
+            <a:r>
+              <a:rPr lang="en-US" sz="1800" dirty="0"/>
+              <a:t>) </a:t>
+            </a:r>
+          </a:p>
+          <a:p>
+            <a:pPr lvl="1"/>
+            <a:r>
+              <a:rPr lang="en-US" sz="1800" dirty="0"/>
+              <a:t>2DConv2:   Filter (5,5),  Same Padding, Channels (32,64),  Activation (</a:t>
+            </a:r>
+            <a:r>
+              <a:rPr lang="en-US" sz="1800" dirty="0" err="1"/>
+              <a:t>ReLU</a:t>
+            </a:r>
+            <a:r>
+              <a:rPr lang="en-US" sz="1800" dirty="0"/>
+              <a:t>)</a:t>
+            </a:r>
+          </a:p>
+          <a:p>
+            <a:pPr lvl="1"/>
+            <a:r>
+              <a:rPr lang="en-US" sz="1800" dirty="0"/>
+              <a:t>2DConv3:   Filter (5,5),  Same Padding, Channels (64,128),  Activation (</a:t>
+            </a:r>
+            <a:r>
+              <a:rPr lang="en-US" sz="1800" dirty="0" err="1"/>
+              <a:t>ReLU</a:t>
+            </a:r>
+            <a:r>
+              <a:rPr lang="en-US" sz="1800" dirty="0"/>
+              <a:t>)</a:t>
+            </a:r>
+          </a:p>
+          <a:p>
+            <a:pPr lvl="1"/>
+            <a:r>
+              <a:rPr lang="en-US" sz="1800" dirty="0"/>
+              <a:t>2DConv4:   Filter (5,5),  Same Padding, Channels (128,256),  Activation (</a:t>
+            </a:r>
+            <a:r>
+              <a:rPr lang="en-US" sz="1800" dirty="0" err="1"/>
+              <a:t>ReLU</a:t>
+            </a:r>
+            <a:r>
+              <a:rPr lang="en-US" sz="1800" dirty="0"/>
+              <a:t>)</a:t>
+            </a:r>
+          </a:p>
+          <a:p>
+            <a:endParaRPr lang="en-US" sz="2000" dirty="0"/>
+          </a:p>
+        </p:txBody>
+      </p:sp>
+      <p:pic>
+        <p:nvPicPr>
+          <p:cNvPr id="8" name="Picture 7" descr="A close up of a device&#10;&#10;Description automatically generated">
+            <a:extLst>
+              <a:ext uri="{FF2B5EF4-FFF2-40B4-BE49-F238E27FC236}">
+                <a16:creationId xmlns:a16="http://schemas.microsoft.com/office/drawing/2014/main" id="{D61D3BE4-FF38-4E31-B7D8-127E91D76319}"/>
+              </a:ext>
+            </a:extLst>
+          </p:cNvPr>
+          <p:cNvPicPr>
+            <a:picLocks noChangeAspect="1"/>
+          </p:cNvPicPr>
+          <p:nvPr/>
+        </p:nvPicPr>
+        <p:blipFill>
+          <a:blip r:embed="rId2"/>
+          <a:stretch>
+            <a:fillRect/>
+          </a:stretch>
+        </p:blipFill>
+        <p:spPr>
+          <a:xfrm>
+            <a:off x="1518083" y="1083151"/>
+            <a:ext cx="8833282" cy="2232659"/>
+          </a:xfrm>
+          <a:prstGeom prst="rect">
+            <a:avLst/>
+          </a:prstGeom>
+        </p:spPr>
+      </p:pic>
+      <p:sp>
+        <p:nvSpPr>
+          <p:cNvPr id="10" name="Content Placeholder 2">
+            <a:extLst>
+              <a:ext uri="{FF2B5EF4-FFF2-40B4-BE49-F238E27FC236}">
+                <a16:creationId xmlns:a16="http://schemas.microsoft.com/office/drawing/2014/main" id="{8EF71BF6-E3DF-427E-A1FD-E2D74F5965E5}"/>
+              </a:ext>
+            </a:extLst>
+          </p:cNvPr>
+          <p:cNvSpPr txBox="1">
+            <a:spLocks/>
+          </p:cNvSpPr>
+          <p:nvPr/>
+        </p:nvSpPr>
+        <p:spPr>
+          <a:xfrm>
+            <a:off x="7008515" y="3634560"/>
+            <a:ext cx="5764491" cy="2805053"/>
+          </a:xfrm>
+          <a:prstGeom prst="rect">
+            <a:avLst/>
+          </a:prstGeom>
+        </p:spPr>
+        <p:txBody>
+          <a:bodyPr vert="horz" lIns="91440" tIns="45720" rIns="91440" bIns="45720" rtlCol="0">
+            <a:normAutofit fontScale="85000" lnSpcReduction="20000"/>
+          </a:bodyPr>
+          <a:lstStyle>
+            <a:lvl1pPr marL="182880" indent="-182880" algn="l" defTabSz="914400" rtl="0" eaLnBrk="1" latinLnBrk="0" hangingPunct="1">
+              <a:lnSpc>
+                <a:spcPct val="120000"/>
+              </a:lnSpc>
+              <a:spcBef>
+                <a:spcPts val="900"/>
+              </a:spcBef>
+              <a:spcAft>
+                <a:spcPts val="0"/>
+              </a:spcAft>
+              <a:buClr>
+                <a:schemeClr val="tx1">
+                  <a:lumMod val="85000"/>
+                  <a:lumOff val="15000"/>
+                </a:schemeClr>
+              </a:buClr>
+              <a:buFont typeface="Garamond" pitchFamily="18" charset="0"/>
+              <a:buChar char="◦"/>
+              <a:defRPr sz="1400" kern="1200">
+                <a:solidFill>
+                  <a:schemeClr val="tx1"/>
+                </a:solidFill>
+                <a:latin typeface="+mn-lt"/>
+                <a:ea typeface="+mn-ea"/>
+                <a:cs typeface="+mn-cs"/>
+              </a:defRPr>
+            </a:lvl1pPr>
+            <a:lvl2pPr marL="457200" indent="-182880" algn="l" defTabSz="914400" rtl="0" eaLnBrk="1" latinLnBrk="0" hangingPunct="1">
+              <a:lnSpc>
+                <a:spcPct val="100000"/>
+              </a:lnSpc>
+              <a:spcBef>
+                <a:spcPts val="500"/>
+              </a:spcBef>
+              <a:buClr>
+                <a:schemeClr val="tx1">
+                  <a:lumMod val="85000"/>
+                  <a:lumOff val="15000"/>
+                </a:schemeClr>
+              </a:buClr>
+              <a:buFont typeface="Garamond" pitchFamily="18" charset="0"/>
+              <a:buChar char="◦"/>
+              <a:defRPr sz="1200" kern="1200">
+                <a:solidFill>
+                  <a:schemeClr val="tx1"/>
+                </a:solidFill>
+                <a:latin typeface="+mn-lt"/>
+                <a:ea typeface="+mn-ea"/>
+                <a:cs typeface="+mn-cs"/>
+              </a:defRPr>
+            </a:lvl2pPr>
+            <a:lvl3pPr marL="731520" indent="-182880" algn="l" defTabSz="914400" rtl="0" eaLnBrk="1" latinLnBrk="0" hangingPunct="1">
+              <a:lnSpc>
+                <a:spcPct val="100000"/>
+              </a:lnSpc>
+              <a:spcBef>
+                <a:spcPts val="500"/>
+              </a:spcBef>
+              <a:buClr>
+                <a:schemeClr val="tx1">
+                  <a:lumMod val="85000"/>
+                  <a:lumOff val="15000"/>
+                </a:schemeClr>
+              </a:buClr>
+              <a:buFont typeface="Garamond" pitchFamily="18" charset="0"/>
+              <a:buChar char="◦"/>
+              <a:defRPr sz="1100" kern="1200">
+                <a:solidFill>
+                  <a:schemeClr val="tx1"/>
+                </a:solidFill>
+                <a:latin typeface="+mn-lt"/>
+                <a:ea typeface="+mn-ea"/>
+                <a:cs typeface="+mn-cs"/>
+              </a:defRPr>
+            </a:lvl3pPr>
+            <a:lvl4pPr marL="1005840" indent="-182880" algn="l" defTabSz="914400" rtl="0" eaLnBrk="1" latinLnBrk="0" hangingPunct="1">
+              <a:lnSpc>
+                <a:spcPct val="100000"/>
+              </a:lnSpc>
+              <a:spcBef>
+                <a:spcPts val="500"/>
+              </a:spcBef>
+              <a:buClr>
+                <a:schemeClr val="tx1">
+                  <a:lumMod val="85000"/>
+                  <a:lumOff val="15000"/>
+                </a:schemeClr>
+              </a:buClr>
+              <a:buFont typeface="Garamond" pitchFamily="18" charset="0"/>
+              <a:buChar char="◦"/>
+              <a:defRPr sz="1100" kern="1200">
+                <a:solidFill>
+                  <a:schemeClr val="tx1"/>
+                </a:solidFill>
+                <a:latin typeface="+mn-lt"/>
+                <a:ea typeface="+mn-ea"/>
+                <a:cs typeface="+mn-cs"/>
+              </a:defRPr>
+            </a:lvl4pPr>
+            <a:lvl5pPr marL="1280160" indent="-182880" algn="l" defTabSz="914400" rtl="0" eaLnBrk="1" latinLnBrk="0" hangingPunct="1">
+              <a:lnSpc>
+                <a:spcPct val="100000"/>
+              </a:lnSpc>
+              <a:spcBef>
+                <a:spcPts val="500"/>
+              </a:spcBef>
+              <a:buClr>
+                <a:schemeClr val="tx1">
+                  <a:lumMod val="85000"/>
+                  <a:lumOff val="15000"/>
+                </a:schemeClr>
+              </a:buClr>
+              <a:buFont typeface="Garamond" pitchFamily="18" charset="0"/>
+              <a:buChar char="◦"/>
+              <a:defRPr sz="1100" kern="1200">
+                <a:solidFill>
+                  <a:schemeClr val="tx1"/>
+                </a:solidFill>
+                <a:latin typeface="+mn-lt"/>
+                <a:ea typeface="+mn-ea"/>
+                <a:cs typeface="+mn-cs"/>
+              </a:defRPr>
+            </a:lvl5pPr>
+            <a:lvl6pPr marL="1600000" indent="-228600" algn="l" defTabSz="914400" rtl="0" eaLnBrk="1" latinLnBrk="0" hangingPunct="1">
+              <a:lnSpc>
+                <a:spcPct val="100000"/>
+              </a:lnSpc>
+              <a:spcBef>
+                <a:spcPts val="500"/>
+              </a:spcBef>
+              <a:buClr>
+                <a:schemeClr val="tx1">
+                  <a:lumMod val="85000"/>
+                  <a:lumOff val="15000"/>
+                </a:schemeClr>
+              </a:buClr>
+              <a:buFont typeface="Garamond" pitchFamily="18" charset="0"/>
+              <a:buChar char="◦"/>
+              <a:defRPr sz="1400" kern="1200">
+                <a:solidFill>
+                  <a:schemeClr val="tx1"/>
+                </a:solidFill>
+                <a:latin typeface="+mn-lt"/>
+                <a:ea typeface="+mn-ea"/>
+                <a:cs typeface="+mn-cs"/>
+              </a:defRPr>
+            </a:lvl6pPr>
+            <a:lvl7pPr marL="1900000" indent="-228600" algn="l" defTabSz="914400" rtl="0" eaLnBrk="1" latinLnBrk="0" hangingPunct="1">
+              <a:lnSpc>
+                <a:spcPct val="100000"/>
+              </a:lnSpc>
+              <a:spcBef>
+                <a:spcPts val="500"/>
+              </a:spcBef>
+              <a:buClr>
+                <a:schemeClr val="tx1">
+                  <a:lumMod val="85000"/>
+                  <a:lumOff val="15000"/>
+                </a:schemeClr>
+              </a:buClr>
+              <a:buFont typeface="Garamond" pitchFamily="18" charset="0"/>
+              <a:buChar char="◦"/>
+              <a:defRPr sz="1400" kern="1200">
+                <a:solidFill>
+                  <a:schemeClr val="tx1"/>
+                </a:solidFill>
+                <a:latin typeface="+mn-lt"/>
+                <a:ea typeface="+mn-ea"/>
+                <a:cs typeface="+mn-cs"/>
+              </a:defRPr>
+            </a:lvl7pPr>
+            <a:lvl8pPr marL="2200000" indent="-228600" algn="l" defTabSz="914400" rtl="0" eaLnBrk="1" latinLnBrk="0" hangingPunct="1">
+              <a:lnSpc>
+                <a:spcPct val="100000"/>
+              </a:lnSpc>
+              <a:spcBef>
+                <a:spcPts val="500"/>
+              </a:spcBef>
+              <a:buClr>
+                <a:schemeClr val="tx1">
+                  <a:lumMod val="85000"/>
+                  <a:lumOff val="15000"/>
+                </a:schemeClr>
+              </a:buClr>
+              <a:buFont typeface="Garamond" pitchFamily="18" charset="0"/>
+              <a:buChar char="◦"/>
+              <a:defRPr sz="1400" kern="1200">
+                <a:solidFill>
+                  <a:schemeClr val="tx1"/>
+                </a:solidFill>
+                <a:latin typeface="+mn-lt"/>
+                <a:ea typeface="+mn-ea"/>
+                <a:cs typeface="+mn-cs"/>
+              </a:defRPr>
+            </a:lvl8pPr>
+            <a:lvl9pPr marL="2500000" indent="-228600" algn="l" defTabSz="914400" rtl="0" eaLnBrk="1" latinLnBrk="0" hangingPunct="1">
+              <a:lnSpc>
+                <a:spcPct val="100000"/>
+              </a:lnSpc>
+              <a:spcBef>
+                <a:spcPts val="500"/>
+              </a:spcBef>
+              <a:buClr>
+                <a:schemeClr val="tx1">
+                  <a:lumMod val="85000"/>
+                  <a:lumOff val="15000"/>
+                </a:schemeClr>
+              </a:buClr>
+              <a:buFont typeface="Garamond" pitchFamily="18" charset="0"/>
+              <a:buChar char="◦"/>
+              <a:defRPr sz="1400" kern="1200">
+                <a:solidFill>
+                  <a:schemeClr val="tx1"/>
+                </a:solidFill>
+                <a:latin typeface="+mn-lt"/>
+                <a:ea typeface="+mn-ea"/>
+                <a:cs typeface="+mn-cs"/>
+              </a:defRPr>
+            </a:lvl9pPr>
+          </a:lstStyle>
+          <a:p>
+            <a:r>
+              <a:rPr lang="en-US" sz="2000" u="sng" dirty="0"/>
+              <a:t>Dense Layers:</a:t>
+            </a:r>
+            <a:r>
+              <a:rPr lang="en-US" sz="2000" dirty="0"/>
+              <a:t>  </a:t>
+            </a:r>
+          </a:p>
+          <a:p>
+            <a:pPr lvl="2"/>
+            <a:r>
+              <a:rPr lang="en-US" sz="1700" dirty="0"/>
+              <a:t>Forward1:  (256*7*7,  1024)</a:t>
+            </a:r>
+          </a:p>
+          <a:p>
+            <a:pPr lvl="2"/>
+            <a:r>
+              <a:rPr lang="en-US" sz="1700" dirty="0"/>
+              <a:t>Forward2:  (1024, 49)</a:t>
+            </a:r>
+          </a:p>
+          <a:p>
+            <a:pPr marL="274320" lvl="1" indent="0">
+              <a:buNone/>
+            </a:pPr>
+            <a:endParaRPr lang="en-US" sz="2100" dirty="0"/>
+          </a:p>
+          <a:p>
+            <a:r>
+              <a:rPr lang="en-US" sz="2000" u="sng" dirty="0"/>
+              <a:t>Loss Function:</a:t>
+            </a:r>
+            <a:r>
+              <a:rPr lang="en-US" sz="2000" dirty="0"/>
+              <a:t> </a:t>
+            </a:r>
+          </a:p>
+          <a:p>
+            <a:pPr lvl="2"/>
+            <a:r>
+              <a:rPr lang="en-US" sz="1700" dirty="0"/>
+              <a:t>Hubber Loss Function</a:t>
+            </a:r>
+          </a:p>
+          <a:p>
+            <a:pPr marL="0" indent="0">
+              <a:buNone/>
+            </a:pPr>
+            <a:endParaRPr lang="en-US" sz="2000" dirty="0"/>
+          </a:p>
+          <a:p>
+            <a:r>
+              <a:rPr lang="en-US" sz="2000" dirty="0"/>
+              <a:t>Optimization: </a:t>
+            </a:r>
+          </a:p>
+          <a:p>
+            <a:pPr lvl="2"/>
+            <a:r>
+              <a:rPr lang="en-US" sz="1700" dirty="0"/>
+              <a:t> Adam Optimizer</a:t>
+            </a:r>
+            <a:endParaRPr lang="en-US" sz="1500" dirty="0"/>
+          </a:p>
+          <a:p>
+            <a:endParaRPr lang="en-US" sz="2000" dirty="0"/>
+          </a:p>
+        </p:txBody>
+      </p:sp>
+    </p:spTree>
+    <p:extLst>
+      <p:ext uri="{BB962C8B-B14F-4D97-AF65-F5344CB8AC3E}">
+        <p14:creationId xmlns:p14="http://schemas.microsoft.com/office/powerpoint/2010/main" val="3003769215"/>
+      </p:ext>
+    </p:extLst>
+  </p:cSld>
+  <p:clrMapOvr>
+    <a:masterClrMapping/>
+  </p:clrMapOvr>
+</p:sld>
+</file>
+
+<file path=ppt/slides/slide13.xml><?xml version="1.0" encoding="utf-8"?>
+<p:sld xmlns:a="http://schemas.openxmlformats.org/drawingml/2006/main" xmlns:r="http://schemas.openxmlformats.org/officeDocument/2006/relationships" xmlns:p="http://schemas.openxmlformats.org/presentationml/2006/main">
+  <p:cSld>
+    <p:spTree>
+      <p:nvGrpSpPr>
+        <p:cNvPr id="1" name=""/>
+        <p:cNvGrpSpPr/>
+        <p:nvPr/>
+      </p:nvGrpSpPr>
+      <p:grpSpPr>
+        <a:xfrm>
+          <a:off x="0" y="0"/>
+          <a:ext cx="0" cy="0"/>
+          <a:chOff x="0" y="0"/>
+          <a:chExt cx="0" cy="0"/>
+        </a:xfrm>
+      </p:grpSpPr>
+      <p:sp>
+        <p:nvSpPr>
+          <p:cNvPr id="2" name="Title 1">
+            <a:extLst>
+              <a:ext uri="{FF2B5EF4-FFF2-40B4-BE49-F238E27FC236}">
+                <a16:creationId xmlns:a16="http://schemas.microsoft.com/office/drawing/2014/main" id="{C7163C8E-B06B-4C54-90AD-A2C8E91013DF}"/>
+              </a:ext>
+            </a:extLst>
+          </p:cNvPr>
+          <p:cNvSpPr>
+            <a:spLocks noGrp="1"/>
+          </p:cNvSpPr>
+          <p:nvPr>
+            <p:ph type="title"/>
+          </p:nvPr>
+        </p:nvSpPr>
+        <p:spPr>
+          <a:xfrm>
+            <a:off x="435203" y="0"/>
+            <a:ext cx="10058400" cy="1371600"/>
+          </a:xfrm>
+        </p:spPr>
+        <p:txBody>
+          <a:bodyPr/>
+          <a:lstStyle/>
+          <a:p>
+            <a:r>
+              <a:rPr lang="en-US" b="1" dirty="0"/>
+              <a:t>CNN – Initialization Results </a:t>
+            </a:r>
+          </a:p>
+        </p:txBody>
+      </p:sp>
+      <p:sp>
+        <p:nvSpPr>
+          <p:cNvPr id="6" name="Content Placeholder 2">
+            <a:extLst>
+              <a:ext uri="{FF2B5EF4-FFF2-40B4-BE49-F238E27FC236}">
+                <a16:creationId xmlns:a16="http://schemas.microsoft.com/office/drawing/2014/main" id="{D3B15E3B-1828-42C4-8380-75CBC887B1DC}"/>
+              </a:ext>
+            </a:extLst>
+          </p:cNvPr>
+          <p:cNvSpPr txBox="1">
+            <a:spLocks/>
+          </p:cNvSpPr>
+          <p:nvPr/>
+        </p:nvSpPr>
+        <p:spPr>
+          <a:xfrm>
+            <a:off x="435203" y="1372066"/>
+            <a:ext cx="5764491" cy="4840197"/>
+          </a:xfrm>
+          <a:prstGeom prst="rect">
+            <a:avLst/>
+          </a:prstGeom>
+        </p:spPr>
+        <p:txBody>
+          <a:bodyPr vert="horz" lIns="91440" tIns="45720" rIns="91440" bIns="45720" rtlCol="0">
+            <a:normAutofit lnSpcReduction="10000"/>
+          </a:bodyPr>
+          <a:lstStyle>
+            <a:lvl1pPr marL="182880" indent="-182880" algn="l" defTabSz="914400" rtl="0" eaLnBrk="1" latinLnBrk="0" hangingPunct="1">
+              <a:lnSpc>
+                <a:spcPct val="120000"/>
+              </a:lnSpc>
+              <a:spcBef>
+                <a:spcPts val="900"/>
+              </a:spcBef>
+              <a:spcAft>
+                <a:spcPts val="0"/>
+              </a:spcAft>
+              <a:buClr>
+                <a:schemeClr val="tx1">
+                  <a:lumMod val="85000"/>
+                  <a:lumOff val="15000"/>
+                </a:schemeClr>
+              </a:buClr>
+              <a:buFont typeface="Garamond" pitchFamily="18" charset="0"/>
+              <a:buChar char="◦"/>
+              <a:defRPr sz="1400" kern="1200">
+                <a:solidFill>
+                  <a:schemeClr val="tx1"/>
+                </a:solidFill>
+                <a:latin typeface="+mn-lt"/>
+                <a:ea typeface="+mn-ea"/>
+                <a:cs typeface="+mn-cs"/>
+              </a:defRPr>
+            </a:lvl1pPr>
+            <a:lvl2pPr marL="457200" indent="-182880" algn="l" defTabSz="914400" rtl="0" eaLnBrk="1" latinLnBrk="0" hangingPunct="1">
+              <a:lnSpc>
+                <a:spcPct val="100000"/>
+              </a:lnSpc>
+              <a:spcBef>
+                <a:spcPts val="500"/>
+              </a:spcBef>
+              <a:buClr>
+                <a:schemeClr val="tx1">
+                  <a:lumMod val="85000"/>
+                  <a:lumOff val="15000"/>
+                </a:schemeClr>
+              </a:buClr>
+              <a:buFont typeface="Garamond" pitchFamily="18" charset="0"/>
+              <a:buChar char="◦"/>
+              <a:defRPr sz="1200" kern="1200">
+                <a:solidFill>
+                  <a:schemeClr val="tx1"/>
+                </a:solidFill>
+                <a:latin typeface="+mn-lt"/>
+                <a:ea typeface="+mn-ea"/>
+                <a:cs typeface="+mn-cs"/>
+              </a:defRPr>
+            </a:lvl2pPr>
+            <a:lvl3pPr marL="731520" indent="-182880" algn="l" defTabSz="914400" rtl="0" eaLnBrk="1" latinLnBrk="0" hangingPunct="1">
+              <a:lnSpc>
+                <a:spcPct val="100000"/>
+              </a:lnSpc>
+              <a:spcBef>
+                <a:spcPts val="500"/>
+              </a:spcBef>
+              <a:buClr>
+                <a:schemeClr val="tx1">
+                  <a:lumMod val="85000"/>
+                  <a:lumOff val="15000"/>
+                </a:schemeClr>
+              </a:buClr>
+              <a:buFont typeface="Garamond" pitchFamily="18" charset="0"/>
+              <a:buChar char="◦"/>
+              <a:defRPr sz="1100" kern="1200">
+                <a:solidFill>
+                  <a:schemeClr val="tx1"/>
+                </a:solidFill>
+                <a:latin typeface="+mn-lt"/>
+                <a:ea typeface="+mn-ea"/>
+                <a:cs typeface="+mn-cs"/>
+              </a:defRPr>
+            </a:lvl3pPr>
+            <a:lvl4pPr marL="1005840" indent="-182880" algn="l" defTabSz="914400" rtl="0" eaLnBrk="1" latinLnBrk="0" hangingPunct="1">
+              <a:lnSpc>
+                <a:spcPct val="100000"/>
+              </a:lnSpc>
+              <a:spcBef>
+                <a:spcPts val="500"/>
+              </a:spcBef>
+              <a:buClr>
+                <a:schemeClr val="tx1">
+                  <a:lumMod val="85000"/>
+                  <a:lumOff val="15000"/>
+                </a:schemeClr>
+              </a:buClr>
+              <a:buFont typeface="Garamond" pitchFamily="18" charset="0"/>
+              <a:buChar char="◦"/>
+              <a:defRPr sz="1100" kern="1200">
+                <a:solidFill>
+                  <a:schemeClr val="tx1"/>
+                </a:solidFill>
+                <a:latin typeface="+mn-lt"/>
+                <a:ea typeface="+mn-ea"/>
+                <a:cs typeface="+mn-cs"/>
+              </a:defRPr>
+            </a:lvl4pPr>
+            <a:lvl5pPr marL="1280160" indent="-182880" algn="l" defTabSz="914400" rtl="0" eaLnBrk="1" latinLnBrk="0" hangingPunct="1">
+              <a:lnSpc>
+                <a:spcPct val="100000"/>
+              </a:lnSpc>
+              <a:spcBef>
+                <a:spcPts val="500"/>
+              </a:spcBef>
+              <a:buClr>
+                <a:schemeClr val="tx1">
+                  <a:lumMod val="85000"/>
+                  <a:lumOff val="15000"/>
+                </a:schemeClr>
+              </a:buClr>
+              <a:buFont typeface="Garamond" pitchFamily="18" charset="0"/>
+              <a:buChar char="◦"/>
+              <a:defRPr sz="1100" kern="1200">
+                <a:solidFill>
+                  <a:schemeClr val="tx1"/>
+                </a:solidFill>
+                <a:latin typeface="+mn-lt"/>
+                <a:ea typeface="+mn-ea"/>
+                <a:cs typeface="+mn-cs"/>
+              </a:defRPr>
+            </a:lvl5pPr>
+            <a:lvl6pPr marL="1600000" indent="-228600" algn="l" defTabSz="914400" rtl="0" eaLnBrk="1" latinLnBrk="0" hangingPunct="1">
+              <a:lnSpc>
+                <a:spcPct val="100000"/>
+              </a:lnSpc>
+              <a:spcBef>
+                <a:spcPts val="500"/>
+              </a:spcBef>
+              <a:buClr>
+                <a:schemeClr val="tx1">
+                  <a:lumMod val="85000"/>
+                  <a:lumOff val="15000"/>
+                </a:schemeClr>
+              </a:buClr>
+              <a:buFont typeface="Garamond" pitchFamily="18" charset="0"/>
+              <a:buChar char="◦"/>
+              <a:defRPr sz="1400" kern="1200">
+                <a:solidFill>
+                  <a:schemeClr val="tx1"/>
+                </a:solidFill>
+                <a:latin typeface="+mn-lt"/>
+                <a:ea typeface="+mn-ea"/>
+                <a:cs typeface="+mn-cs"/>
+              </a:defRPr>
+            </a:lvl6pPr>
+            <a:lvl7pPr marL="1900000" indent="-228600" algn="l" defTabSz="914400" rtl="0" eaLnBrk="1" latinLnBrk="0" hangingPunct="1">
+              <a:lnSpc>
+                <a:spcPct val="100000"/>
+              </a:lnSpc>
+              <a:spcBef>
+                <a:spcPts val="500"/>
+              </a:spcBef>
+              <a:buClr>
+                <a:schemeClr val="tx1">
+                  <a:lumMod val="85000"/>
+                  <a:lumOff val="15000"/>
+                </a:schemeClr>
+              </a:buClr>
+              <a:buFont typeface="Garamond" pitchFamily="18" charset="0"/>
+              <a:buChar char="◦"/>
+              <a:defRPr sz="1400" kern="1200">
+                <a:solidFill>
+                  <a:schemeClr val="tx1"/>
+                </a:solidFill>
+                <a:latin typeface="+mn-lt"/>
+                <a:ea typeface="+mn-ea"/>
+                <a:cs typeface="+mn-cs"/>
+              </a:defRPr>
+            </a:lvl7pPr>
+            <a:lvl8pPr marL="2200000" indent="-228600" algn="l" defTabSz="914400" rtl="0" eaLnBrk="1" latinLnBrk="0" hangingPunct="1">
+              <a:lnSpc>
+                <a:spcPct val="100000"/>
+              </a:lnSpc>
+              <a:spcBef>
+                <a:spcPts val="500"/>
+              </a:spcBef>
+              <a:buClr>
+                <a:schemeClr val="tx1">
+                  <a:lumMod val="85000"/>
+                  <a:lumOff val="15000"/>
+                </a:schemeClr>
+              </a:buClr>
+              <a:buFont typeface="Garamond" pitchFamily="18" charset="0"/>
+              <a:buChar char="◦"/>
+              <a:defRPr sz="1400" kern="1200">
+                <a:solidFill>
+                  <a:schemeClr val="tx1"/>
+                </a:solidFill>
+                <a:latin typeface="+mn-lt"/>
+                <a:ea typeface="+mn-ea"/>
+                <a:cs typeface="+mn-cs"/>
+              </a:defRPr>
+            </a:lvl8pPr>
+            <a:lvl9pPr marL="2500000" indent="-228600" algn="l" defTabSz="914400" rtl="0" eaLnBrk="1" latinLnBrk="0" hangingPunct="1">
+              <a:lnSpc>
+                <a:spcPct val="100000"/>
+              </a:lnSpc>
+              <a:spcBef>
+                <a:spcPts val="500"/>
+              </a:spcBef>
+              <a:buClr>
+                <a:schemeClr val="tx1">
+                  <a:lumMod val="85000"/>
+                  <a:lumOff val="15000"/>
+                </a:schemeClr>
+              </a:buClr>
+              <a:buFont typeface="Garamond" pitchFamily="18" charset="0"/>
+              <a:buChar char="◦"/>
+              <a:defRPr sz="1400" kern="1200">
+                <a:solidFill>
+                  <a:schemeClr val="tx1"/>
+                </a:solidFill>
+                <a:latin typeface="+mn-lt"/>
+                <a:ea typeface="+mn-ea"/>
+                <a:cs typeface="+mn-cs"/>
+              </a:defRPr>
+            </a:lvl9pPr>
+          </a:lstStyle>
+          <a:p>
+            <a:r>
+              <a:rPr lang="en-US" sz="2000" dirty="0"/>
+              <a:t>5000 randomly generated boards (1 day)</a:t>
+            </a:r>
+          </a:p>
+          <a:p>
+            <a:pPr lvl="2"/>
+            <a:r>
+              <a:rPr lang="en-US" sz="1700" dirty="0"/>
+              <a:t>Train Set: 4000</a:t>
+            </a:r>
+          </a:p>
+          <a:p>
+            <a:pPr lvl="2"/>
+            <a:r>
+              <a:rPr lang="en-US" sz="1700" dirty="0"/>
+              <a:t>Test Set: 1000</a:t>
+            </a:r>
+          </a:p>
+          <a:p>
+            <a:pPr lvl="2"/>
+            <a:endParaRPr lang="en-US" sz="1700" dirty="0"/>
+          </a:p>
+          <a:p>
+            <a:r>
+              <a:rPr lang="en-US" sz="2000" dirty="0"/>
+              <a:t>Errors:</a:t>
+            </a:r>
+          </a:p>
+          <a:p>
+            <a:pPr lvl="2"/>
+            <a:r>
+              <a:rPr lang="en-US" sz="1700" dirty="0"/>
+              <a:t>Errors similar to FCNN </a:t>
+            </a:r>
+          </a:p>
+          <a:p>
+            <a:pPr lvl="2"/>
+            <a:r>
+              <a:rPr lang="en-US" sz="1700" dirty="0"/>
+              <a:t>Not enough training data</a:t>
+            </a:r>
+          </a:p>
+          <a:p>
+            <a:pPr lvl="2"/>
+            <a:r>
+              <a:rPr lang="en-US" sz="1700" dirty="0"/>
+              <a:t>Not able to capture a general relationship for initialization</a:t>
+            </a:r>
+          </a:p>
+          <a:p>
+            <a:endParaRPr lang="en-US" sz="2000" dirty="0"/>
+          </a:p>
+          <a:p>
+            <a:r>
+              <a:rPr lang="en-US" sz="2000" dirty="0"/>
+              <a:t>Improvements </a:t>
+            </a:r>
+            <a:r>
+              <a:rPr lang="en-US" sz="2000"/>
+              <a:t>&amp; Future Work:</a:t>
+            </a:r>
+            <a:endParaRPr lang="en-US" sz="2000" dirty="0"/>
+          </a:p>
+          <a:p>
+            <a:pPr lvl="2"/>
+            <a:r>
+              <a:rPr lang="en-US" sz="1700" dirty="0"/>
+              <a:t>Gather more data</a:t>
+            </a:r>
+          </a:p>
+          <a:p>
+            <a:pPr lvl="2"/>
+            <a:r>
+              <a:rPr lang="en-US" sz="1700" dirty="0"/>
+              <a:t>Currently gathering data for the complete Hill Climb Solution</a:t>
+            </a:r>
+          </a:p>
+          <a:p>
+            <a:pPr lvl="2"/>
+            <a:endParaRPr lang="en-US" sz="1700" dirty="0"/>
+          </a:p>
+          <a:p>
+            <a:pPr lvl="2"/>
+            <a:endParaRPr lang="en-US" sz="1700" dirty="0"/>
+          </a:p>
+        </p:txBody>
+      </p:sp>
+      <p:sp>
+        <p:nvSpPr>
+          <p:cNvPr id="9" name="TextBox 8">
+            <a:extLst>
+              <a:ext uri="{FF2B5EF4-FFF2-40B4-BE49-F238E27FC236}">
+                <a16:creationId xmlns:a16="http://schemas.microsoft.com/office/drawing/2014/main" id="{A6534E45-D1EB-4639-886B-86BBEC6811B2}"/>
+              </a:ext>
+            </a:extLst>
+          </p:cNvPr>
+          <p:cNvSpPr txBox="1"/>
+          <p:nvPr/>
+        </p:nvSpPr>
+        <p:spPr>
+          <a:xfrm>
+            <a:off x="7448549" y="3222665"/>
+            <a:ext cx="1266825" cy="369332"/>
+          </a:xfrm>
+          <a:prstGeom prst="rect">
+            <a:avLst/>
+          </a:prstGeom>
+          <a:noFill/>
+        </p:spPr>
+        <p:txBody>
+          <a:bodyPr wrap="square" rtlCol="0">
+            <a:spAutoFit/>
+          </a:bodyPr>
+          <a:lstStyle/>
+          <a:p>
+            <a:r>
+              <a:rPr lang="en-US" dirty="0"/>
+              <a:t>Original</a:t>
+            </a:r>
+          </a:p>
+        </p:txBody>
+      </p:sp>
+      <p:sp>
+        <p:nvSpPr>
+          <p:cNvPr id="11" name="TextBox 10">
+            <a:extLst>
+              <a:ext uri="{FF2B5EF4-FFF2-40B4-BE49-F238E27FC236}">
+                <a16:creationId xmlns:a16="http://schemas.microsoft.com/office/drawing/2014/main" id="{78D7C7FA-884F-48E0-8328-B1E9EB55F0FF}"/>
+              </a:ext>
+            </a:extLst>
+          </p:cNvPr>
+          <p:cNvSpPr txBox="1"/>
+          <p:nvPr/>
+        </p:nvSpPr>
+        <p:spPr>
+          <a:xfrm>
+            <a:off x="9699345" y="3232429"/>
+            <a:ext cx="1397280" cy="369332"/>
+          </a:xfrm>
+          <a:prstGeom prst="rect">
+            <a:avLst/>
+          </a:prstGeom>
+          <a:noFill/>
+        </p:spPr>
+        <p:txBody>
+          <a:bodyPr wrap="square" rtlCol="0">
+            <a:spAutoFit/>
+          </a:bodyPr>
+          <a:lstStyle/>
+          <a:p>
+            <a:r>
+              <a:rPr lang="en-US" dirty="0"/>
+              <a:t>Predicted</a:t>
+            </a:r>
+          </a:p>
+        </p:txBody>
+      </p:sp>
+      <p:sp>
+        <p:nvSpPr>
+          <p:cNvPr id="14" name="TextBox 13">
+            <a:extLst>
+              <a:ext uri="{FF2B5EF4-FFF2-40B4-BE49-F238E27FC236}">
+                <a16:creationId xmlns:a16="http://schemas.microsoft.com/office/drawing/2014/main" id="{7F440F5F-D4AB-4883-B9E6-6A9DC312A2F2}"/>
+              </a:ext>
+            </a:extLst>
+          </p:cNvPr>
+          <p:cNvSpPr txBox="1"/>
+          <p:nvPr/>
+        </p:nvSpPr>
+        <p:spPr>
+          <a:xfrm>
+            <a:off x="7448549" y="6032424"/>
+            <a:ext cx="1266825" cy="369332"/>
+          </a:xfrm>
+          <a:prstGeom prst="rect">
+            <a:avLst/>
+          </a:prstGeom>
+          <a:noFill/>
+        </p:spPr>
+        <p:txBody>
+          <a:bodyPr wrap="square" rtlCol="0">
+            <a:spAutoFit/>
+          </a:bodyPr>
+          <a:lstStyle/>
+          <a:p>
+            <a:r>
+              <a:rPr lang="en-US" dirty="0"/>
+              <a:t>Original</a:t>
+            </a:r>
+          </a:p>
+        </p:txBody>
+      </p:sp>
+      <p:sp>
+        <p:nvSpPr>
+          <p:cNvPr id="15" name="TextBox 14">
+            <a:extLst>
+              <a:ext uri="{FF2B5EF4-FFF2-40B4-BE49-F238E27FC236}">
+                <a16:creationId xmlns:a16="http://schemas.microsoft.com/office/drawing/2014/main" id="{4E9F967C-3249-4729-98B6-30FFC9FF6A63}"/>
+              </a:ext>
+            </a:extLst>
+          </p:cNvPr>
+          <p:cNvSpPr txBox="1"/>
+          <p:nvPr/>
+        </p:nvSpPr>
+        <p:spPr>
+          <a:xfrm>
+            <a:off x="9699345" y="6042188"/>
+            <a:ext cx="1397280" cy="369332"/>
+          </a:xfrm>
+          <a:prstGeom prst="rect">
+            <a:avLst/>
+          </a:prstGeom>
+          <a:noFill/>
+        </p:spPr>
+        <p:txBody>
+          <a:bodyPr wrap="square" rtlCol="0">
+            <a:spAutoFit/>
+          </a:bodyPr>
+          <a:lstStyle/>
+          <a:p>
+            <a:r>
+              <a:rPr lang="en-US" dirty="0"/>
+              <a:t>Predicted</a:t>
+            </a:r>
+          </a:p>
+        </p:txBody>
+      </p:sp>
+      <p:pic>
+        <p:nvPicPr>
+          <p:cNvPr id="12" name="Image19">
+            <a:extLst>
+              <a:ext uri="{FF2B5EF4-FFF2-40B4-BE49-F238E27FC236}">
+                <a16:creationId xmlns:a16="http://schemas.microsoft.com/office/drawing/2014/main" id="{20FF55A3-98D6-478E-B417-6BC865CA458C}"/>
+              </a:ext>
+            </a:extLst>
+          </p:cNvPr>
+          <p:cNvPicPr/>
+          <p:nvPr/>
+        </p:nvPicPr>
+        <p:blipFill rotWithShape="1">
+          <a:blip r:embed="rId2">
+            <a:lum/>
+            <a:alphaModFix/>
+          </a:blip>
+          <a:srcRect l="1591" t="1689" r="1705" b="1391"/>
+          <a:stretch/>
+        </p:blipFill>
+        <p:spPr>
+          <a:xfrm>
+            <a:off x="7017544" y="1143831"/>
+            <a:ext cx="2026444" cy="2049425"/>
+          </a:xfrm>
+          <a:prstGeom prst="rect">
+            <a:avLst/>
+          </a:prstGeom>
+        </p:spPr>
+      </p:pic>
+      <p:pic>
+        <p:nvPicPr>
+          <p:cNvPr id="16" name="Image20">
+            <a:extLst>
+              <a:ext uri="{FF2B5EF4-FFF2-40B4-BE49-F238E27FC236}">
+                <a16:creationId xmlns:a16="http://schemas.microsoft.com/office/drawing/2014/main" id="{C79878E4-CCC3-4EDA-99B2-726ABB3A7AE0}"/>
+              </a:ext>
+            </a:extLst>
+          </p:cNvPr>
+          <p:cNvPicPr>
+            <a:picLocks noGrp="1"/>
+          </p:cNvPicPr>
+          <p:nvPr>
+            <p:ph idx="1"/>
+          </p:nvPr>
+        </p:nvPicPr>
+        <p:blipFill rotWithShape="1">
+          <a:blip r:embed="rId3">
+            <a:lum/>
+            <a:alphaModFix/>
+          </a:blip>
+          <a:srcRect l="1000" t="1258" r="1778" b="1291"/>
+          <a:stretch/>
+        </p:blipFill>
+        <p:spPr>
+          <a:xfrm>
+            <a:off x="9455945" y="1123950"/>
+            <a:ext cx="2083594" cy="2088473"/>
+          </a:xfrm>
+          <a:prstGeom prst="rect">
+            <a:avLst/>
+          </a:prstGeom>
+        </p:spPr>
+      </p:pic>
+      <p:pic>
+        <p:nvPicPr>
+          <p:cNvPr id="18" name="Image21">
+            <a:extLst>
+              <a:ext uri="{FF2B5EF4-FFF2-40B4-BE49-F238E27FC236}">
+                <a16:creationId xmlns:a16="http://schemas.microsoft.com/office/drawing/2014/main" id="{2DF8CE02-A40D-4CC3-BB2A-9211B6479D5F}"/>
+              </a:ext>
+            </a:extLst>
+          </p:cNvPr>
+          <p:cNvPicPr/>
+          <p:nvPr/>
+        </p:nvPicPr>
+        <p:blipFill rotWithShape="1">
+          <a:blip r:embed="rId4">
+            <a:lum/>
+            <a:alphaModFix/>
+          </a:blip>
+          <a:srcRect l="1591" t="1391" r="1705" b="1689"/>
+          <a:stretch/>
+        </p:blipFill>
+        <p:spPr>
+          <a:xfrm>
+            <a:off x="7050881" y="3954897"/>
+            <a:ext cx="2026444" cy="2049425"/>
+          </a:xfrm>
+          <a:prstGeom prst="rect">
+            <a:avLst/>
+          </a:prstGeom>
+        </p:spPr>
+      </p:pic>
+      <p:pic>
+        <p:nvPicPr>
+          <p:cNvPr id="20" name="Image22">
+            <a:extLst>
+              <a:ext uri="{FF2B5EF4-FFF2-40B4-BE49-F238E27FC236}">
+                <a16:creationId xmlns:a16="http://schemas.microsoft.com/office/drawing/2014/main" id="{3D37A0A8-85DA-45A8-B91E-D24AA76544A6}"/>
+              </a:ext>
+            </a:extLst>
+          </p:cNvPr>
+          <p:cNvPicPr/>
+          <p:nvPr/>
+        </p:nvPicPr>
+        <p:blipFill rotWithShape="1">
+          <a:blip r:embed="rId5">
+            <a:lum/>
+            <a:alphaModFix/>
+          </a:blip>
+          <a:srcRect l="1817" t="1232" r="1477" b="1847"/>
+          <a:stretch/>
+        </p:blipFill>
+        <p:spPr>
+          <a:xfrm>
+            <a:off x="9494044" y="3943950"/>
+            <a:ext cx="2026444" cy="2049425"/>
+          </a:xfrm>
+          <a:prstGeom prst="rect">
+            <a:avLst/>
+          </a:prstGeom>
+        </p:spPr>
+      </p:pic>
+    </p:spTree>
+    <p:extLst>
+      <p:ext uri="{BB962C8B-B14F-4D97-AF65-F5344CB8AC3E}">
+        <p14:creationId xmlns:p14="http://schemas.microsoft.com/office/powerpoint/2010/main" val="1306484361"/>
+      </p:ext>
+    </p:extLst>
+  </p:cSld>
+  <p:clrMapOvr>
+    <a:masterClrMapping/>
+  </p:clrMapOvr>
+</p:sld>
+</file>
+
+<file path=ppt/slides/slide14.xml><?xml version="1.0" encoding="utf-8"?>
+<p:sld xmlns:a="http://schemas.openxmlformats.org/drawingml/2006/main" xmlns:r="http://schemas.openxmlformats.org/officeDocument/2006/relationships" xmlns:p="http://schemas.openxmlformats.org/presentationml/2006/main">
+  <p:cSld>
+    <p:spTree>
+      <p:nvGrpSpPr>
+        <p:cNvPr id="1" name=""/>
+        <p:cNvGrpSpPr/>
+        <p:nvPr/>
+      </p:nvGrpSpPr>
+      <p:grpSpPr>
+        <a:xfrm>
+          <a:off x="0" y="0"/>
+          <a:ext cx="0" cy="0"/>
+          <a:chOff x="0" y="0"/>
+          <a:chExt cx="0" cy="0"/>
+        </a:xfrm>
+      </p:grpSpPr>
+      <p:sp>
+        <p:nvSpPr>
+          <p:cNvPr id="2" name="Title 1">
+            <a:extLst>
+              <a:ext uri="{FF2B5EF4-FFF2-40B4-BE49-F238E27FC236}">
                 <a16:creationId xmlns:a16="http://schemas.microsoft.com/office/drawing/2014/main" id="{31DB08AB-9A45-4584-9BD3-BB127E73869C}"/>
               </a:ext>
             </a:extLst>
@@ -5980,24 +8475,6 @@
 </file>
 
 <file path=customXml/item1.xml><?xml version="1.0" encoding="utf-8"?>
-<?mso-contentType ?>
-<FormTemplates xmlns="http://schemas.microsoft.com/sharepoint/v3/contenttype/forms">
-  <Display>DocumentLibraryForm</Display>
-  <Edit>DocumentLibraryForm</Edit>
-  <New>DocumentLibraryForm</New>
-</FormTemplates>
-</file>
-
-<file path=customXml/item2.xml><?xml version="1.0" encoding="utf-8"?>
-<p:properties xmlns:p="http://schemas.microsoft.com/office/2006/metadata/properties" xmlns:xsi="http://www.w3.org/2001/XMLSchema-instance" xmlns:pc="http://schemas.microsoft.com/office/infopath/2007/PartnerControls">
-  <documentManagement>
-    <Status xmlns="71af3243-3dd4-4a8d-8c0d-dd76da1f02a5">Not started</Status>
-    <MediaServiceKeyPoints xmlns="71af3243-3dd4-4a8d-8c0d-dd76da1f02a5" xsi:nil="true"/>
-  </documentManagement>
-</p:properties>
-</file>
-
-<file path=customXml/item3.xml><?xml version="1.0" encoding="utf-8"?>
 <ct:contentTypeSchema xmlns:ct="http://schemas.microsoft.com/office/2006/metadata/contentType" xmlns:ma="http://schemas.microsoft.com/office/2006/metadata/properties/metaAttributes" ct:_="" ma:_="" ma:contentTypeName="Document" ma:contentTypeID="0x01010079F111ED35F8CC479449609E8A0923A6" ma:contentTypeVersion="12" ma:contentTypeDescription="Create a new document." ma:contentTypeScope="" ma:versionID="a410dd7f93c95333ffa1b60ed6adedd1">
   <xsd:schema xmlns:xsd="http://www.w3.org/2001/XMLSchema" xmlns:xs="http://www.w3.org/2001/XMLSchema" xmlns:p="http://schemas.microsoft.com/office/2006/metadata/properties" xmlns:ns2="71af3243-3dd4-4a8d-8c0d-dd76da1f02a5" xmlns:ns3="16c05727-aa75-4e4a-9b5f-8a80a1165891" targetNamespace="http://schemas.microsoft.com/office/2006/metadata/properties" ma:root="true" ma:fieldsID="a936d9baba76aa3866493feff160faab" ns2:_="" ns3:_="">
     <xsd:import namespace="71af3243-3dd4-4a8d-8c0d-dd76da1f02a5"/>
@@ -6218,25 +8695,25 @@
 </ct:contentTypeSchema>
 </file>
 
-<file path=customXml/itemProps1.xml><?xml version="1.0" encoding="utf-8"?>
-<ds:datastoreItem xmlns:ds="http://schemas.openxmlformats.org/officeDocument/2006/customXml" ds:itemID="{AE2713E1-6312-427E-BFCB-C5A5DA301373}">
-  <ds:schemaRefs>
-    <ds:schemaRef ds:uri="http://schemas.microsoft.com/sharepoint/v3/contenttype/forms"/>
-  </ds:schemaRefs>
-</ds:datastoreItem>
+<file path=customXml/item2.xml><?xml version="1.0" encoding="utf-8"?>
+<p:properties xmlns:p="http://schemas.microsoft.com/office/2006/metadata/properties" xmlns:xsi="http://www.w3.org/2001/XMLSchema-instance" xmlns:pc="http://schemas.microsoft.com/office/infopath/2007/PartnerControls">
+  <documentManagement>
+    <Status xmlns="71af3243-3dd4-4a8d-8c0d-dd76da1f02a5">Not started</Status>
+    <MediaServiceKeyPoints xmlns="71af3243-3dd4-4a8d-8c0d-dd76da1f02a5" xsi:nil="true"/>
+  </documentManagement>
+</p:properties>
 </file>
 
-<file path=customXml/itemProps2.xml><?xml version="1.0" encoding="utf-8"?>
-<ds:datastoreItem xmlns:ds="http://schemas.openxmlformats.org/officeDocument/2006/customXml" ds:itemID="{52F3B215-496E-4790-A364-7C1C46DEC771}">
-  <ds:schemaRefs>
-    <ds:schemaRef ds:uri="http://schemas.microsoft.com/office/2006/metadata/properties"/>
-    <ds:schemaRef ds:uri="http://schemas.microsoft.com/office/infopath/2007/PartnerControls"/>
-    <ds:schemaRef ds:uri="71af3243-3dd4-4a8d-8c0d-dd76da1f02a5"/>
-  </ds:schemaRefs>
-</ds:datastoreItem>
+<file path=customXml/item3.xml><?xml version="1.0" encoding="utf-8"?>
+<?mso-contentType ?>
+<FormTemplates xmlns="http://schemas.microsoft.com/sharepoint/v3/contenttype/forms">
+  <Display>DocumentLibraryForm</Display>
+  <Edit>DocumentLibraryForm</Edit>
+  <New>DocumentLibraryForm</New>
+</FormTemplates>
 </file>
 
-<file path=customXml/itemProps3.xml><?xml version="1.0" encoding="utf-8"?>
+<file path=customXml/itemProps1.xml><?xml version="1.0" encoding="utf-8"?>
 <ds:datastoreItem xmlns:ds="http://schemas.openxmlformats.org/officeDocument/2006/customXml" ds:itemID="{50DB95DD-0319-4EE5-8C5C-9CEDF75E024B}">
   <ds:schemaRefs>
     <ds:schemaRef ds:uri="http://schemas.microsoft.com/office/2006/metadata/contentType"/>
@@ -6253,4 +8730,22 @@
     <ds:schemaRef ds:uri="http://schemas.microsoft.com/internal/obd"/>
   </ds:schemaRefs>
 </ds:datastoreItem>
+</file>
+
+<file path=customXml/itemProps2.xml><?xml version="1.0" encoding="utf-8"?>
+<ds:datastoreItem xmlns:ds="http://schemas.openxmlformats.org/officeDocument/2006/customXml" ds:itemID="{52F3B215-496E-4790-A364-7C1C46DEC771}">
+  <ds:schemaRefs>
+    <ds:schemaRef ds:uri="http://schemas.microsoft.com/office/2006/metadata/properties"/>
+    <ds:schemaRef ds:uri="http://schemas.microsoft.com/office/infopath/2007/PartnerControls"/>
+    <ds:schemaRef ds:uri="71af3243-3dd4-4a8d-8c0d-dd76da1f02a5"/>
+  </ds:schemaRefs>
+</ds:datastoreItem>
+</file>
+
+<file path=customXml/itemProps3.xml><?xml version="1.0" encoding="utf-8"?>
+<ds:datastoreItem xmlns:ds="http://schemas.openxmlformats.org/officeDocument/2006/customXml" ds:itemID="{AE2713E1-6312-427E-BFCB-C5A5DA301373}">
+  <ds:schemaRefs>
+    <ds:schemaRef ds:uri="http://schemas.microsoft.com/sharepoint/v3/contenttype/forms"/>
+  </ds:schemaRefs>
+</ds:datastoreItem>
 </file>
--- a/Presentation/Final/Final Presentation.pptx
+++ b/Presentation/Final/Final Presentation.pptx
@@ -13,12 +13,11 @@
     <p:sldId id="296" r:id="rId10"/>
     <p:sldId id="300" r:id="rId11"/>
     <p:sldId id="297" r:id="rId12"/>
-    <p:sldId id="298" r:id="rId13"/>
-    <p:sldId id="302" r:id="rId14"/>
-    <p:sldId id="303" r:id="rId15"/>
-    <p:sldId id="304" r:id="rId16"/>
-    <p:sldId id="305" r:id="rId17"/>
-    <p:sldId id="299" r:id="rId18"/>
+    <p:sldId id="302" r:id="rId13"/>
+    <p:sldId id="303" r:id="rId14"/>
+    <p:sldId id="304" r:id="rId15"/>
+    <p:sldId id="305" r:id="rId16"/>
+    <p:sldId id="299" r:id="rId17"/>
   </p:sldIdLst>
   <p:sldSz cx="12192000" cy="6858000"/>
   <p:notesSz cx="6858000" cy="9144000"/>
@@ -4324,40 +4323,11 @@
           <a:p>
             <a:r>
               <a:rPr lang="en-US" b="1" dirty="0"/>
-              <a:t>Forward-Feed Neural-Net  (FCNN) </a:t>
-            </a:r>
-          </a:p>
-        </p:txBody>
-      </p:sp>
-      <p:pic>
-        <p:nvPicPr>
-          <p:cNvPr id="5" name="Content Placeholder 4" descr="Diagram, shape&#10;&#10;Description automatically generated">
-            <a:extLst>
-              <a:ext uri="{FF2B5EF4-FFF2-40B4-BE49-F238E27FC236}">
-                <a16:creationId xmlns:a16="http://schemas.microsoft.com/office/drawing/2014/main" id="{C8075173-CD84-4C54-AC47-8388734344F7}"/>
-              </a:ext>
-            </a:extLst>
-          </p:cNvPr>
-          <p:cNvPicPr>
-            <a:picLocks noGrp="1" noChangeAspect="1"/>
-          </p:cNvPicPr>
-          <p:nvPr>
-            <p:ph idx="1"/>
-          </p:nvPr>
-        </p:nvPicPr>
-        <p:blipFill>
-          <a:blip r:embed="rId2"/>
-          <a:stretch>
-            <a:fillRect/>
-          </a:stretch>
-        </p:blipFill>
-        <p:spPr>
-          <a:xfrm>
-            <a:off x="6499934" y="1278731"/>
-            <a:ext cx="5256863" cy="4300537"/>
-          </a:xfrm>
-        </p:spPr>
-      </p:pic>
+              <a:t>FCNN – Initialization Results </a:t>
+            </a:r>
+          </a:p>
+        </p:txBody>
+      </p:sp>
       <p:sp>
         <p:nvSpPr>
           <p:cNvPr id="6" name="Content Placeholder 2">
@@ -4608,89 +4578,351 @@
           </a:lstStyle>
           <a:p>
             <a:r>
-              <a:rPr lang="en-US" sz="2000" u="sng" dirty="0"/>
-              <a:t>Input:</a:t>
-            </a:r>
-            <a:r>
               <a:rPr lang="en-US" sz="2000" dirty="0"/>
-              <a:t>  49 Neurons (7x7 Board)</a:t>
-            </a:r>
-          </a:p>
-          <a:p>
-            <a:pPr marL="0" indent="0">
-              <a:buNone/>
-            </a:pPr>
+              <a:t>5000 randomly generated boards (1 day)</a:t>
+            </a:r>
+          </a:p>
+          <a:p>
+            <a:pPr lvl="2"/>
+            <a:r>
+              <a:rPr lang="en-US" sz="1700" dirty="0"/>
+              <a:t>Train Set: 4000</a:t>
+            </a:r>
+          </a:p>
+          <a:p>
+            <a:pPr lvl="2"/>
+            <a:r>
+              <a:rPr lang="en-US" sz="1700" dirty="0"/>
+              <a:t>Test Set: 1000</a:t>
+            </a:r>
+          </a:p>
+          <a:p>
+            <a:pPr lvl="2"/>
+            <a:endParaRPr lang="en-US" sz="1700" dirty="0"/>
+          </a:p>
+          <a:p>
+            <a:r>
+              <a:rPr lang="en-US" sz="2000" dirty="0"/>
+              <a:t>Errors:</a:t>
+            </a:r>
+          </a:p>
+          <a:p>
+            <a:pPr lvl="2"/>
+            <a:r>
+              <a:rPr lang="en-US" sz="1700" dirty="0"/>
+              <a:t>Incorrect Labels</a:t>
+            </a:r>
+          </a:p>
+          <a:p>
+            <a:pPr lvl="2"/>
+            <a:r>
+              <a:rPr lang="en-US" sz="1700" dirty="0"/>
+              <a:t>Not enough training data</a:t>
+            </a:r>
+          </a:p>
+          <a:p>
+            <a:pPr lvl="2"/>
+            <a:r>
+              <a:rPr lang="en-US" sz="1700" dirty="0"/>
+              <a:t>Not able to capture a general relationship for initialization</a:t>
+            </a:r>
+          </a:p>
+          <a:p>
             <a:endParaRPr lang="en-US" sz="2000" dirty="0"/>
           </a:p>
           <a:p>
             <a:r>
-              <a:rPr lang="en-US" sz="2000" u="sng" dirty="0"/>
-              <a:t>Hidden Layers:</a:t>
-            </a:r>
-            <a:r>
               <a:rPr lang="en-US" sz="2000" dirty="0"/>
-              <a:t>  2 Layers (1024 Neurons each)</a:t>
-            </a:r>
-          </a:p>
-          <a:p>
-            <a:endParaRPr lang="en-US" sz="2000" dirty="0"/>
-          </a:p>
-          <a:p>
-            <a:r>
-              <a:rPr lang="en-US" sz="2000" u="sng" dirty="0"/>
-              <a:t>Activation Functions:</a:t>
-            </a:r>
-            <a:r>
-              <a:rPr lang="en-US" sz="2000" dirty="0"/>
-              <a:t>  </a:t>
-            </a:r>
-            <a:r>
-              <a:rPr lang="en-US" sz="2000" dirty="0" err="1"/>
-              <a:t>ReLU</a:t>
-            </a:r>
-            <a:r>
-              <a:rPr lang="en-US" sz="2000" dirty="0"/>
-              <a:t> and </a:t>
-            </a:r>
-            <a:r>
-              <a:rPr lang="en-US" sz="2000" dirty="0" err="1"/>
-              <a:t>Softmax</a:t>
-            </a:r>
-            <a:endParaRPr lang="en-US" sz="2000" dirty="0"/>
-          </a:p>
-          <a:p>
-            <a:endParaRPr lang="en-US" sz="2000" dirty="0"/>
-          </a:p>
-          <a:p>
-            <a:r>
-              <a:rPr lang="en-US" sz="2000" u="sng" dirty="0"/>
-              <a:t>Optimization Function:</a:t>
-            </a:r>
-            <a:r>
-              <a:rPr lang="en-US" sz="2000" dirty="0"/>
-              <a:t>  Stochastic Gradient 			        Descent</a:t>
-            </a:r>
-          </a:p>
-          <a:p>
-            <a:r>
-              <a:rPr lang="en-US" sz="2000" u="sng" dirty="0"/>
-              <a:t>Output</a:t>
-            </a:r>
-            <a:r>
-              <a:rPr lang="en-US" sz="2000" dirty="0"/>
-              <a:t>:  49 Neurons (each neuron corresponds to digit from  0-8)</a:t>
-            </a:r>
-            <a:endParaRPr lang="en-US" sz="2000" u="sng" dirty="0"/>
-          </a:p>
-          <a:p>
-            <a:endParaRPr lang="en-US" sz="2000" dirty="0"/>
-          </a:p>
-        </p:txBody>
-      </p:sp>
+              <a:t>Improvements:</a:t>
+            </a:r>
+          </a:p>
+          <a:p>
+            <a:pPr lvl="2"/>
+            <a:r>
+              <a:rPr lang="en-US" sz="1700" dirty="0"/>
+              <a:t>Implement Convolutional Neural Nets (CNN)</a:t>
+            </a:r>
+          </a:p>
+          <a:p>
+            <a:pPr lvl="2"/>
+            <a:r>
+              <a:rPr lang="en-US" sz="1700" dirty="0"/>
+              <a:t>Gather more data</a:t>
+            </a:r>
+          </a:p>
+          <a:p>
+            <a:pPr lvl="2"/>
+            <a:endParaRPr lang="en-US" sz="1700" dirty="0"/>
+          </a:p>
+          <a:p>
+            <a:pPr lvl="2"/>
+            <a:endParaRPr lang="en-US" sz="1700" dirty="0"/>
+          </a:p>
+        </p:txBody>
+      </p:sp>
+      <p:pic>
+        <p:nvPicPr>
+          <p:cNvPr id="8" name="Content Placeholder 7">
+            <a:extLst>
+              <a:ext uri="{FF2B5EF4-FFF2-40B4-BE49-F238E27FC236}">
+                <a16:creationId xmlns:a16="http://schemas.microsoft.com/office/drawing/2014/main" id="{09DD596D-D20A-4B14-9BFE-0C8BFCDC6BAB}"/>
+              </a:ext>
+            </a:extLst>
+          </p:cNvPr>
+          <p:cNvPicPr>
+            <a:picLocks noGrp="1" noChangeAspect="1"/>
+          </p:cNvPicPr>
+          <p:nvPr>
+            <p:ph idx="1"/>
+          </p:nvPr>
+        </p:nvPicPr>
+        <p:blipFill>
+          <a:blip r:embed="rId2"/>
+          <a:stretch>
+            <a:fillRect/>
+          </a:stretch>
+        </p:blipFill>
+        <p:spPr>
+          <a:xfrm>
+            <a:off x="9256433" y="1111686"/>
+            <a:ext cx="2152650" cy="2152650"/>
+          </a:xfrm>
+          <a:prstGeom prst="rect">
+            <a:avLst/>
+          </a:prstGeom>
+        </p:spPr>
+      </p:pic>
+      <p:pic>
+        <p:nvPicPr>
+          <p:cNvPr id="7" name="Picture 6">
+            <a:extLst>
+              <a:ext uri="{FF2B5EF4-FFF2-40B4-BE49-F238E27FC236}">
+                <a16:creationId xmlns:a16="http://schemas.microsoft.com/office/drawing/2014/main" id="{103EABDE-9B85-49CB-8A37-7460E901E272}"/>
+              </a:ext>
+            </a:extLst>
+          </p:cNvPr>
+          <p:cNvPicPr>
+            <a:picLocks noChangeAspect="1"/>
+          </p:cNvPicPr>
+          <p:nvPr/>
+        </p:nvPicPr>
+        <p:blipFill rotWithShape="1">
+          <a:blip r:embed="rId3"/>
+          <a:srcRect l="1102" t="1329" r="1674" b="2101"/>
+          <a:stretch/>
+        </p:blipFill>
+        <p:spPr>
+          <a:xfrm>
+            <a:off x="6984206" y="1140261"/>
+            <a:ext cx="2083594" cy="2078832"/>
+          </a:xfrm>
+          <a:prstGeom prst="rect">
+            <a:avLst/>
+          </a:prstGeom>
+        </p:spPr>
+      </p:pic>
+      <p:sp>
+        <p:nvSpPr>
+          <p:cNvPr id="9" name="TextBox 8">
+            <a:extLst>
+              <a:ext uri="{FF2B5EF4-FFF2-40B4-BE49-F238E27FC236}">
+                <a16:creationId xmlns:a16="http://schemas.microsoft.com/office/drawing/2014/main" id="{A6534E45-D1EB-4639-886B-86BBEC6811B2}"/>
+              </a:ext>
+            </a:extLst>
+          </p:cNvPr>
+          <p:cNvSpPr txBox="1"/>
+          <p:nvPr/>
+        </p:nvSpPr>
+        <p:spPr>
+          <a:xfrm>
+            <a:off x="7448549" y="3222665"/>
+            <a:ext cx="1266825" cy="369332"/>
+          </a:xfrm>
+          <a:prstGeom prst="rect">
+            <a:avLst/>
+          </a:prstGeom>
+          <a:noFill/>
+        </p:spPr>
+        <p:txBody>
+          <a:bodyPr wrap="square" rtlCol="0">
+            <a:spAutoFit/>
+          </a:bodyPr>
+          <a:lstStyle/>
+          <a:p>
+            <a:r>
+              <a:rPr lang="en-US" dirty="0"/>
+              <a:t>Original</a:t>
+            </a:r>
+          </a:p>
+        </p:txBody>
+      </p:sp>
+      <p:sp>
+        <p:nvSpPr>
+          <p:cNvPr id="11" name="TextBox 10">
+            <a:extLst>
+              <a:ext uri="{FF2B5EF4-FFF2-40B4-BE49-F238E27FC236}">
+                <a16:creationId xmlns:a16="http://schemas.microsoft.com/office/drawing/2014/main" id="{78D7C7FA-884F-48E0-8328-B1E9EB55F0FF}"/>
+              </a:ext>
+            </a:extLst>
+          </p:cNvPr>
+          <p:cNvSpPr txBox="1"/>
+          <p:nvPr/>
+        </p:nvSpPr>
+        <p:spPr>
+          <a:xfrm>
+            <a:off x="9699345" y="3232429"/>
+            <a:ext cx="1397280" cy="369332"/>
+          </a:xfrm>
+          <a:prstGeom prst="rect">
+            <a:avLst/>
+          </a:prstGeom>
+          <a:noFill/>
+        </p:spPr>
+        <p:txBody>
+          <a:bodyPr wrap="square" rtlCol="0">
+            <a:spAutoFit/>
+          </a:bodyPr>
+          <a:lstStyle/>
+          <a:p>
+            <a:r>
+              <a:rPr lang="en-US" dirty="0"/>
+              <a:t>Predicted</a:t>
+            </a:r>
+          </a:p>
+        </p:txBody>
+      </p:sp>
+      <p:sp>
+        <p:nvSpPr>
+          <p:cNvPr id="14" name="TextBox 13">
+            <a:extLst>
+              <a:ext uri="{FF2B5EF4-FFF2-40B4-BE49-F238E27FC236}">
+                <a16:creationId xmlns:a16="http://schemas.microsoft.com/office/drawing/2014/main" id="{7F440F5F-D4AB-4883-B9E6-6A9DC312A2F2}"/>
+              </a:ext>
+            </a:extLst>
+          </p:cNvPr>
+          <p:cNvSpPr txBox="1"/>
+          <p:nvPr/>
+        </p:nvSpPr>
+        <p:spPr>
+          <a:xfrm>
+            <a:off x="7448549" y="6032424"/>
+            <a:ext cx="1266825" cy="369332"/>
+          </a:xfrm>
+          <a:prstGeom prst="rect">
+            <a:avLst/>
+          </a:prstGeom>
+          <a:noFill/>
+        </p:spPr>
+        <p:txBody>
+          <a:bodyPr wrap="square" rtlCol="0">
+            <a:spAutoFit/>
+          </a:bodyPr>
+          <a:lstStyle/>
+          <a:p>
+            <a:r>
+              <a:rPr lang="en-US" dirty="0"/>
+              <a:t>Original</a:t>
+            </a:r>
+          </a:p>
+        </p:txBody>
+      </p:sp>
+      <p:sp>
+        <p:nvSpPr>
+          <p:cNvPr id="15" name="TextBox 14">
+            <a:extLst>
+              <a:ext uri="{FF2B5EF4-FFF2-40B4-BE49-F238E27FC236}">
+                <a16:creationId xmlns:a16="http://schemas.microsoft.com/office/drawing/2014/main" id="{4E9F967C-3249-4729-98B6-30FFC9FF6A63}"/>
+              </a:ext>
+            </a:extLst>
+          </p:cNvPr>
+          <p:cNvSpPr txBox="1"/>
+          <p:nvPr/>
+        </p:nvSpPr>
+        <p:spPr>
+          <a:xfrm>
+            <a:off x="9699345" y="6042188"/>
+            <a:ext cx="1397280" cy="369332"/>
+          </a:xfrm>
+          <a:prstGeom prst="rect">
+            <a:avLst/>
+          </a:prstGeom>
+          <a:noFill/>
+        </p:spPr>
+        <p:txBody>
+          <a:bodyPr wrap="square" rtlCol="0">
+            <a:spAutoFit/>
+          </a:bodyPr>
+          <a:lstStyle/>
+          <a:p>
+            <a:r>
+              <a:rPr lang="en-US" dirty="0"/>
+              <a:t>Predicted</a:t>
+            </a:r>
+          </a:p>
+        </p:txBody>
+      </p:sp>
+      <p:pic>
+        <p:nvPicPr>
+          <p:cNvPr id="17" name="Picture 16" descr="A screen shot of a smart phone&#10;&#10;Description automatically generated">
+            <a:extLst>
+              <a:ext uri="{FF2B5EF4-FFF2-40B4-BE49-F238E27FC236}">
+                <a16:creationId xmlns:a16="http://schemas.microsoft.com/office/drawing/2014/main" id="{0A3F7C08-10D8-4CF5-8803-B4F77F22715E}"/>
+              </a:ext>
+            </a:extLst>
+          </p:cNvPr>
+          <p:cNvPicPr>
+            <a:picLocks noChangeAspect="1"/>
+          </p:cNvPicPr>
+          <p:nvPr/>
+        </p:nvPicPr>
+        <p:blipFill rotWithShape="1">
+          <a:blip r:embed="rId4"/>
+          <a:srcRect l="3361" t="13897" r="4727" b="5568"/>
+          <a:stretch/>
+        </p:blipFill>
+        <p:spPr>
+          <a:xfrm>
+            <a:off x="6984206" y="3963356"/>
+            <a:ext cx="2083594" cy="2078832"/>
+          </a:xfrm>
+          <a:prstGeom prst="rect">
+            <a:avLst/>
+          </a:prstGeom>
+        </p:spPr>
+      </p:pic>
+      <p:pic>
+        <p:nvPicPr>
+          <p:cNvPr id="19" name="Picture 18" descr="A close up of text on a white background&#10;&#10;Description automatically generated">
+            <a:extLst>
+              <a:ext uri="{FF2B5EF4-FFF2-40B4-BE49-F238E27FC236}">
+                <a16:creationId xmlns:a16="http://schemas.microsoft.com/office/drawing/2014/main" id="{CF0B870F-A5F2-4AA0-83C0-40C92B6F89EE}"/>
+              </a:ext>
+            </a:extLst>
+          </p:cNvPr>
+          <p:cNvPicPr>
+            <a:picLocks noChangeAspect="1"/>
+          </p:cNvPicPr>
+          <p:nvPr/>
+        </p:nvPicPr>
+        <p:blipFill rotWithShape="1">
+          <a:blip r:embed="rId5"/>
+          <a:srcRect l="4243" t="13282" r="5737" b="5884"/>
+          <a:stretch/>
+        </p:blipFill>
+        <p:spPr>
+          <a:xfrm>
+            <a:off x="9434512" y="3943350"/>
+            <a:ext cx="2083594" cy="2078832"/>
+          </a:xfrm>
+          <a:prstGeom prst="rect">
+            <a:avLst/>
+          </a:prstGeom>
+        </p:spPr>
+      </p:pic>
     </p:spTree>
     <p:extLst>
       <p:ext uri="{BB962C8B-B14F-4D97-AF65-F5344CB8AC3E}">
-        <p14:creationId xmlns:p14="http://schemas.microsoft.com/office/powerpoint/2010/main" val="2862732210"/>
+        <p14:creationId xmlns:p14="http://schemas.microsoft.com/office/powerpoint/2010/main" val="1308075861"/>
       </p:ext>
     </p:extLst>
   </p:cSld>
@@ -4745,11 +4977,2747 @@
           <a:p>
             <a:r>
               <a:rPr lang="en-US" b="1" dirty="0"/>
-              <a:t>FCNN – Initialization Results </a:t>
-            </a:r>
-          </a:p>
-        </p:txBody>
-      </p:sp>
+              <a:t>Convolutional Neural-Net  (CNN) </a:t>
+            </a:r>
+          </a:p>
+        </p:txBody>
+      </p:sp>
+      <p:sp>
+        <p:nvSpPr>
+          <p:cNvPr id="6" name="Content Placeholder 2">
+            <a:extLst>
+              <a:ext uri="{FF2B5EF4-FFF2-40B4-BE49-F238E27FC236}">
+                <a16:creationId xmlns:a16="http://schemas.microsoft.com/office/drawing/2014/main" id="{D3B15E3B-1828-42C4-8380-75CBC887B1DC}"/>
+              </a:ext>
+            </a:extLst>
+          </p:cNvPr>
+          <p:cNvSpPr txBox="1">
+            <a:spLocks/>
+          </p:cNvSpPr>
+          <p:nvPr/>
+        </p:nvSpPr>
+        <p:spPr>
+          <a:xfrm>
+            <a:off x="1274102" y="3636687"/>
+            <a:ext cx="5202199" cy="2805053"/>
+          </a:xfrm>
+          <a:prstGeom prst="rect">
+            <a:avLst/>
+          </a:prstGeom>
+        </p:spPr>
+        <p:txBody>
+          <a:bodyPr vert="horz" lIns="91440" tIns="45720" rIns="91440" bIns="45720" rtlCol="0">
+            <a:normAutofit fontScale="77500" lnSpcReduction="20000"/>
+          </a:bodyPr>
+          <a:lstStyle>
+            <a:lvl1pPr marL="182880" indent="-182880" algn="l" defTabSz="914400" rtl="0" eaLnBrk="1" latinLnBrk="0" hangingPunct="1">
+              <a:lnSpc>
+                <a:spcPct val="120000"/>
+              </a:lnSpc>
+              <a:spcBef>
+                <a:spcPts val="900"/>
+              </a:spcBef>
+              <a:spcAft>
+                <a:spcPts val="0"/>
+              </a:spcAft>
+              <a:buClr>
+                <a:schemeClr val="tx1">
+                  <a:lumMod val="85000"/>
+                  <a:lumOff val="15000"/>
+                </a:schemeClr>
+              </a:buClr>
+              <a:buFont typeface="Garamond" pitchFamily="18" charset="0"/>
+              <a:buChar char="◦"/>
+              <a:defRPr sz="1400" kern="1200">
+                <a:solidFill>
+                  <a:schemeClr val="tx1"/>
+                </a:solidFill>
+                <a:latin typeface="+mn-lt"/>
+                <a:ea typeface="+mn-ea"/>
+                <a:cs typeface="+mn-cs"/>
+              </a:defRPr>
+            </a:lvl1pPr>
+            <a:lvl2pPr marL="457200" indent="-182880" algn="l" defTabSz="914400" rtl="0" eaLnBrk="1" latinLnBrk="0" hangingPunct="1">
+              <a:lnSpc>
+                <a:spcPct val="100000"/>
+              </a:lnSpc>
+              <a:spcBef>
+                <a:spcPts val="500"/>
+              </a:spcBef>
+              <a:buClr>
+                <a:schemeClr val="tx1">
+                  <a:lumMod val="85000"/>
+                  <a:lumOff val="15000"/>
+                </a:schemeClr>
+              </a:buClr>
+              <a:buFont typeface="Garamond" pitchFamily="18" charset="0"/>
+              <a:buChar char="◦"/>
+              <a:defRPr sz="1200" kern="1200">
+                <a:solidFill>
+                  <a:schemeClr val="tx1"/>
+                </a:solidFill>
+                <a:latin typeface="+mn-lt"/>
+                <a:ea typeface="+mn-ea"/>
+                <a:cs typeface="+mn-cs"/>
+              </a:defRPr>
+            </a:lvl2pPr>
+            <a:lvl3pPr marL="731520" indent="-182880" algn="l" defTabSz="914400" rtl="0" eaLnBrk="1" latinLnBrk="0" hangingPunct="1">
+              <a:lnSpc>
+                <a:spcPct val="100000"/>
+              </a:lnSpc>
+              <a:spcBef>
+                <a:spcPts val="500"/>
+              </a:spcBef>
+              <a:buClr>
+                <a:schemeClr val="tx1">
+                  <a:lumMod val="85000"/>
+                  <a:lumOff val="15000"/>
+                </a:schemeClr>
+              </a:buClr>
+              <a:buFont typeface="Garamond" pitchFamily="18" charset="0"/>
+              <a:buChar char="◦"/>
+              <a:defRPr sz="1100" kern="1200">
+                <a:solidFill>
+                  <a:schemeClr val="tx1"/>
+                </a:solidFill>
+                <a:latin typeface="+mn-lt"/>
+                <a:ea typeface="+mn-ea"/>
+                <a:cs typeface="+mn-cs"/>
+              </a:defRPr>
+            </a:lvl3pPr>
+            <a:lvl4pPr marL="1005840" indent="-182880" algn="l" defTabSz="914400" rtl="0" eaLnBrk="1" latinLnBrk="0" hangingPunct="1">
+              <a:lnSpc>
+                <a:spcPct val="100000"/>
+              </a:lnSpc>
+              <a:spcBef>
+                <a:spcPts val="500"/>
+              </a:spcBef>
+              <a:buClr>
+                <a:schemeClr val="tx1">
+                  <a:lumMod val="85000"/>
+                  <a:lumOff val="15000"/>
+                </a:schemeClr>
+              </a:buClr>
+              <a:buFont typeface="Garamond" pitchFamily="18" charset="0"/>
+              <a:buChar char="◦"/>
+              <a:defRPr sz="1100" kern="1200">
+                <a:solidFill>
+                  <a:schemeClr val="tx1"/>
+                </a:solidFill>
+                <a:latin typeface="+mn-lt"/>
+                <a:ea typeface="+mn-ea"/>
+                <a:cs typeface="+mn-cs"/>
+              </a:defRPr>
+            </a:lvl4pPr>
+            <a:lvl5pPr marL="1280160" indent="-182880" algn="l" defTabSz="914400" rtl="0" eaLnBrk="1" latinLnBrk="0" hangingPunct="1">
+              <a:lnSpc>
+                <a:spcPct val="100000"/>
+              </a:lnSpc>
+              <a:spcBef>
+                <a:spcPts val="500"/>
+              </a:spcBef>
+              <a:buClr>
+                <a:schemeClr val="tx1">
+                  <a:lumMod val="85000"/>
+                  <a:lumOff val="15000"/>
+                </a:schemeClr>
+              </a:buClr>
+              <a:buFont typeface="Garamond" pitchFamily="18" charset="0"/>
+              <a:buChar char="◦"/>
+              <a:defRPr sz="1100" kern="1200">
+                <a:solidFill>
+                  <a:schemeClr val="tx1"/>
+                </a:solidFill>
+                <a:latin typeface="+mn-lt"/>
+                <a:ea typeface="+mn-ea"/>
+                <a:cs typeface="+mn-cs"/>
+              </a:defRPr>
+            </a:lvl5pPr>
+            <a:lvl6pPr marL="1600000" indent="-228600" algn="l" defTabSz="914400" rtl="0" eaLnBrk="1" latinLnBrk="0" hangingPunct="1">
+              <a:lnSpc>
+                <a:spcPct val="100000"/>
+              </a:lnSpc>
+              <a:spcBef>
+                <a:spcPts val="500"/>
+              </a:spcBef>
+              <a:buClr>
+                <a:schemeClr val="tx1">
+                  <a:lumMod val="85000"/>
+                  <a:lumOff val="15000"/>
+                </a:schemeClr>
+              </a:buClr>
+              <a:buFont typeface="Garamond" pitchFamily="18" charset="0"/>
+              <a:buChar char="◦"/>
+              <a:defRPr sz="1400" kern="1200">
+                <a:solidFill>
+                  <a:schemeClr val="tx1"/>
+                </a:solidFill>
+                <a:latin typeface="+mn-lt"/>
+                <a:ea typeface="+mn-ea"/>
+                <a:cs typeface="+mn-cs"/>
+              </a:defRPr>
+            </a:lvl6pPr>
+            <a:lvl7pPr marL="1900000" indent="-228600" algn="l" defTabSz="914400" rtl="0" eaLnBrk="1" latinLnBrk="0" hangingPunct="1">
+              <a:lnSpc>
+                <a:spcPct val="100000"/>
+              </a:lnSpc>
+              <a:spcBef>
+                <a:spcPts val="500"/>
+              </a:spcBef>
+              <a:buClr>
+                <a:schemeClr val="tx1">
+                  <a:lumMod val="85000"/>
+                  <a:lumOff val="15000"/>
+                </a:schemeClr>
+              </a:buClr>
+              <a:buFont typeface="Garamond" pitchFamily="18" charset="0"/>
+              <a:buChar char="◦"/>
+              <a:defRPr sz="1400" kern="1200">
+                <a:solidFill>
+                  <a:schemeClr val="tx1"/>
+                </a:solidFill>
+                <a:latin typeface="+mn-lt"/>
+                <a:ea typeface="+mn-ea"/>
+                <a:cs typeface="+mn-cs"/>
+              </a:defRPr>
+            </a:lvl7pPr>
+            <a:lvl8pPr marL="2200000" indent="-228600" algn="l" defTabSz="914400" rtl="0" eaLnBrk="1" latinLnBrk="0" hangingPunct="1">
+              <a:lnSpc>
+                <a:spcPct val="100000"/>
+              </a:lnSpc>
+              <a:spcBef>
+                <a:spcPts val="500"/>
+              </a:spcBef>
+              <a:buClr>
+                <a:schemeClr val="tx1">
+                  <a:lumMod val="85000"/>
+                  <a:lumOff val="15000"/>
+                </a:schemeClr>
+              </a:buClr>
+              <a:buFont typeface="Garamond" pitchFamily="18" charset="0"/>
+              <a:buChar char="◦"/>
+              <a:defRPr sz="1400" kern="1200">
+                <a:solidFill>
+                  <a:schemeClr val="tx1"/>
+                </a:solidFill>
+                <a:latin typeface="+mn-lt"/>
+                <a:ea typeface="+mn-ea"/>
+                <a:cs typeface="+mn-cs"/>
+              </a:defRPr>
+            </a:lvl8pPr>
+            <a:lvl9pPr marL="2500000" indent="-228600" algn="l" defTabSz="914400" rtl="0" eaLnBrk="1" latinLnBrk="0" hangingPunct="1">
+              <a:lnSpc>
+                <a:spcPct val="100000"/>
+              </a:lnSpc>
+              <a:spcBef>
+                <a:spcPts val="500"/>
+              </a:spcBef>
+              <a:buClr>
+                <a:schemeClr val="tx1">
+                  <a:lumMod val="85000"/>
+                  <a:lumOff val="15000"/>
+                </a:schemeClr>
+              </a:buClr>
+              <a:buFont typeface="Garamond" pitchFamily="18" charset="0"/>
+              <a:buChar char="◦"/>
+              <a:defRPr sz="1400" kern="1200">
+                <a:solidFill>
+                  <a:schemeClr val="tx1"/>
+                </a:solidFill>
+                <a:latin typeface="+mn-lt"/>
+                <a:ea typeface="+mn-ea"/>
+                <a:cs typeface="+mn-cs"/>
+              </a:defRPr>
+            </a:lvl9pPr>
+          </a:lstStyle>
+          <a:p>
+            <a:r>
+              <a:rPr lang="en-US" sz="2000" u="sng" dirty="0"/>
+              <a:t>Input:</a:t>
+            </a:r>
+            <a:r>
+              <a:rPr lang="en-US" sz="2000" dirty="0"/>
+              <a:t>  7x7 Board – 1 Channel</a:t>
+            </a:r>
+          </a:p>
+          <a:p>
+            <a:pPr marL="0" indent="0">
+              <a:buNone/>
+            </a:pPr>
+            <a:endParaRPr lang="en-US" sz="2000" dirty="0"/>
+          </a:p>
+          <a:p>
+            <a:r>
+              <a:rPr lang="en-US" sz="2000" u="sng" dirty="0"/>
+              <a:t>Convolution Layers:</a:t>
+            </a:r>
+            <a:r>
+              <a:rPr lang="en-US" sz="2000" dirty="0"/>
+              <a:t>  Four 2D-Convolutions</a:t>
+            </a:r>
+          </a:p>
+          <a:p>
+            <a:pPr lvl="1"/>
+            <a:r>
+              <a:rPr lang="en-US" sz="1800" dirty="0"/>
+              <a:t>2DConv1:   Filter (5,5),  Same Padding, Channels (1,32),  Activation (</a:t>
+            </a:r>
+            <a:r>
+              <a:rPr lang="en-US" sz="1800" dirty="0" err="1"/>
+              <a:t>ReLU</a:t>
+            </a:r>
+            <a:r>
+              <a:rPr lang="en-US" sz="1800" dirty="0"/>
+              <a:t>) </a:t>
+            </a:r>
+          </a:p>
+          <a:p>
+            <a:pPr lvl="1"/>
+            <a:r>
+              <a:rPr lang="en-US" sz="1800" dirty="0"/>
+              <a:t>2DConv2:   Filter (5,5),  Same Padding, Channels (32,64),  Activation (</a:t>
+            </a:r>
+            <a:r>
+              <a:rPr lang="en-US" sz="1800" dirty="0" err="1"/>
+              <a:t>ReLU</a:t>
+            </a:r>
+            <a:r>
+              <a:rPr lang="en-US" sz="1800" dirty="0"/>
+              <a:t>)</a:t>
+            </a:r>
+          </a:p>
+          <a:p>
+            <a:pPr lvl="1"/>
+            <a:r>
+              <a:rPr lang="en-US" sz="1800" dirty="0"/>
+              <a:t>2DConv3:   Filter (5,5),  Same Padding, Channels (64,128),  Activation (</a:t>
+            </a:r>
+            <a:r>
+              <a:rPr lang="en-US" sz="1800" dirty="0" err="1"/>
+              <a:t>ReLU</a:t>
+            </a:r>
+            <a:r>
+              <a:rPr lang="en-US" sz="1800" dirty="0"/>
+              <a:t>)</a:t>
+            </a:r>
+          </a:p>
+          <a:p>
+            <a:pPr lvl="1"/>
+            <a:r>
+              <a:rPr lang="en-US" sz="1800" dirty="0"/>
+              <a:t>2DConv4:   Filter (5,5),  Same Padding, Channels (128,256),  Activation (</a:t>
+            </a:r>
+            <a:r>
+              <a:rPr lang="en-US" sz="1800" dirty="0" err="1"/>
+              <a:t>ReLU</a:t>
+            </a:r>
+            <a:r>
+              <a:rPr lang="en-US" sz="1800" dirty="0"/>
+              <a:t>)</a:t>
+            </a:r>
+          </a:p>
+          <a:p>
+            <a:endParaRPr lang="en-US" sz="2000" dirty="0"/>
+          </a:p>
+        </p:txBody>
+      </p:sp>
+      <p:pic>
+        <p:nvPicPr>
+          <p:cNvPr id="8" name="Picture 7" descr="A close up of a device&#10;&#10;Description automatically generated">
+            <a:extLst>
+              <a:ext uri="{FF2B5EF4-FFF2-40B4-BE49-F238E27FC236}">
+                <a16:creationId xmlns:a16="http://schemas.microsoft.com/office/drawing/2014/main" id="{D61D3BE4-FF38-4E31-B7D8-127E91D76319}"/>
+              </a:ext>
+            </a:extLst>
+          </p:cNvPr>
+          <p:cNvPicPr>
+            <a:picLocks noChangeAspect="1"/>
+          </p:cNvPicPr>
+          <p:nvPr/>
+        </p:nvPicPr>
+        <p:blipFill>
+          <a:blip r:embed="rId2"/>
+          <a:stretch>
+            <a:fillRect/>
+          </a:stretch>
+        </p:blipFill>
+        <p:spPr>
+          <a:xfrm>
+            <a:off x="1518083" y="1083151"/>
+            <a:ext cx="8833282" cy="2232659"/>
+          </a:xfrm>
+          <a:prstGeom prst="rect">
+            <a:avLst/>
+          </a:prstGeom>
+        </p:spPr>
+      </p:pic>
+      <p:sp>
+        <p:nvSpPr>
+          <p:cNvPr id="10" name="Content Placeholder 2">
+            <a:extLst>
+              <a:ext uri="{FF2B5EF4-FFF2-40B4-BE49-F238E27FC236}">
+                <a16:creationId xmlns:a16="http://schemas.microsoft.com/office/drawing/2014/main" id="{8EF71BF6-E3DF-427E-A1FD-E2D74F5965E5}"/>
+              </a:ext>
+            </a:extLst>
+          </p:cNvPr>
+          <p:cNvSpPr txBox="1">
+            <a:spLocks/>
+          </p:cNvSpPr>
+          <p:nvPr/>
+        </p:nvSpPr>
+        <p:spPr>
+          <a:xfrm>
+            <a:off x="7008515" y="3634560"/>
+            <a:ext cx="5764491" cy="2805053"/>
+          </a:xfrm>
+          <a:prstGeom prst="rect">
+            <a:avLst/>
+          </a:prstGeom>
+        </p:spPr>
+        <p:txBody>
+          <a:bodyPr vert="horz" lIns="91440" tIns="45720" rIns="91440" bIns="45720" rtlCol="0">
+            <a:normAutofit fontScale="85000" lnSpcReduction="20000"/>
+          </a:bodyPr>
+          <a:lstStyle>
+            <a:lvl1pPr marL="182880" indent="-182880" algn="l" defTabSz="914400" rtl="0" eaLnBrk="1" latinLnBrk="0" hangingPunct="1">
+              <a:lnSpc>
+                <a:spcPct val="120000"/>
+              </a:lnSpc>
+              <a:spcBef>
+                <a:spcPts val="900"/>
+              </a:spcBef>
+              <a:spcAft>
+                <a:spcPts val="0"/>
+              </a:spcAft>
+              <a:buClr>
+                <a:schemeClr val="tx1">
+                  <a:lumMod val="85000"/>
+                  <a:lumOff val="15000"/>
+                </a:schemeClr>
+              </a:buClr>
+              <a:buFont typeface="Garamond" pitchFamily="18" charset="0"/>
+              <a:buChar char="◦"/>
+              <a:defRPr sz="1400" kern="1200">
+                <a:solidFill>
+                  <a:schemeClr val="tx1"/>
+                </a:solidFill>
+                <a:latin typeface="+mn-lt"/>
+                <a:ea typeface="+mn-ea"/>
+                <a:cs typeface="+mn-cs"/>
+              </a:defRPr>
+            </a:lvl1pPr>
+            <a:lvl2pPr marL="457200" indent="-182880" algn="l" defTabSz="914400" rtl="0" eaLnBrk="1" latinLnBrk="0" hangingPunct="1">
+              <a:lnSpc>
+                <a:spcPct val="100000"/>
+              </a:lnSpc>
+              <a:spcBef>
+                <a:spcPts val="500"/>
+              </a:spcBef>
+              <a:buClr>
+                <a:schemeClr val="tx1">
+                  <a:lumMod val="85000"/>
+                  <a:lumOff val="15000"/>
+                </a:schemeClr>
+              </a:buClr>
+              <a:buFont typeface="Garamond" pitchFamily="18" charset="0"/>
+              <a:buChar char="◦"/>
+              <a:defRPr sz="1200" kern="1200">
+                <a:solidFill>
+                  <a:schemeClr val="tx1"/>
+                </a:solidFill>
+                <a:latin typeface="+mn-lt"/>
+                <a:ea typeface="+mn-ea"/>
+                <a:cs typeface="+mn-cs"/>
+              </a:defRPr>
+            </a:lvl2pPr>
+            <a:lvl3pPr marL="731520" indent="-182880" algn="l" defTabSz="914400" rtl="0" eaLnBrk="1" latinLnBrk="0" hangingPunct="1">
+              <a:lnSpc>
+                <a:spcPct val="100000"/>
+              </a:lnSpc>
+              <a:spcBef>
+                <a:spcPts val="500"/>
+              </a:spcBef>
+              <a:buClr>
+                <a:schemeClr val="tx1">
+                  <a:lumMod val="85000"/>
+                  <a:lumOff val="15000"/>
+                </a:schemeClr>
+              </a:buClr>
+              <a:buFont typeface="Garamond" pitchFamily="18" charset="0"/>
+              <a:buChar char="◦"/>
+              <a:defRPr sz="1100" kern="1200">
+                <a:solidFill>
+                  <a:schemeClr val="tx1"/>
+                </a:solidFill>
+                <a:latin typeface="+mn-lt"/>
+                <a:ea typeface="+mn-ea"/>
+                <a:cs typeface="+mn-cs"/>
+              </a:defRPr>
+            </a:lvl3pPr>
+            <a:lvl4pPr marL="1005840" indent="-182880" algn="l" defTabSz="914400" rtl="0" eaLnBrk="1" latinLnBrk="0" hangingPunct="1">
+              <a:lnSpc>
+                <a:spcPct val="100000"/>
+              </a:lnSpc>
+              <a:spcBef>
+                <a:spcPts val="500"/>
+              </a:spcBef>
+              <a:buClr>
+                <a:schemeClr val="tx1">
+                  <a:lumMod val="85000"/>
+                  <a:lumOff val="15000"/>
+                </a:schemeClr>
+              </a:buClr>
+              <a:buFont typeface="Garamond" pitchFamily="18" charset="0"/>
+              <a:buChar char="◦"/>
+              <a:defRPr sz="1100" kern="1200">
+                <a:solidFill>
+                  <a:schemeClr val="tx1"/>
+                </a:solidFill>
+                <a:latin typeface="+mn-lt"/>
+                <a:ea typeface="+mn-ea"/>
+                <a:cs typeface="+mn-cs"/>
+              </a:defRPr>
+            </a:lvl4pPr>
+            <a:lvl5pPr marL="1280160" indent="-182880" algn="l" defTabSz="914400" rtl="0" eaLnBrk="1" latinLnBrk="0" hangingPunct="1">
+              <a:lnSpc>
+                <a:spcPct val="100000"/>
+              </a:lnSpc>
+              <a:spcBef>
+                <a:spcPts val="500"/>
+              </a:spcBef>
+              <a:buClr>
+                <a:schemeClr val="tx1">
+                  <a:lumMod val="85000"/>
+                  <a:lumOff val="15000"/>
+                </a:schemeClr>
+              </a:buClr>
+              <a:buFont typeface="Garamond" pitchFamily="18" charset="0"/>
+              <a:buChar char="◦"/>
+              <a:defRPr sz="1100" kern="1200">
+                <a:solidFill>
+                  <a:schemeClr val="tx1"/>
+                </a:solidFill>
+                <a:latin typeface="+mn-lt"/>
+                <a:ea typeface="+mn-ea"/>
+                <a:cs typeface="+mn-cs"/>
+              </a:defRPr>
+            </a:lvl5pPr>
+            <a:lvl6pPr marL="1600000" indent="-228600" algn="l" defTabSz="914400" rtl="0" eaLnBrk="1" latinLnBrk="0" hangingPunct="1">
+              <a:lnSpc>
+                <a:spcPct val="100000"/>
+              </a:lnSpc>
+              <a:spcBef>
+                <a:spcPts val="500"/>
+              </a:spcBef>
+              <a:buClr>
+                <a:schemeClr val="tx1">
+                  <a:lumMod val="85000"/>
+                  <a:lumOff val="15000"/>
+                </a:schemeClr>
+              </a:buClr>
+              <a:buFont typeface="Garamond" pitchFamily="18" charset="0"/>
+              <a:buChar char="◦"/>
+              <a:defRPr sz="1400" kern="1200">
+                <a:solidFill>
+                  <a:schemeClr val="tx1"/>
+                </a:solidFill>
+                <a:latin typeface="+mn-lt"/>
+                <a:ea typeface="+mn-ea"/>
+                <a:cs typeface="+mn-cs"/>
+              </a:defRPr>
+            </a:lvl6pPr>
+            <a:lvl7pPr marL="1900000" indent="-228600" algn="l" defTabSz="914400" rtl="0" eaLnBrk="1" latinLnBrk="0" hangingPunct="1">
+              <a:lnSpc>
+                <a:spcPct val="100000"/>
+              </a:lnSpc>
+              <a:spcBef>
+                <a:spcPts val="500"/>
+              </a:spcBef>
+              <a:buClr>
+                <a:schemeClr val="tx1">
+                  <a:lumMod val="85000"/>
+                  <a:lumOff val="15000"/>
+                </a:schemeClr>
+              </a:buClr>
+              <a:buFont typeface="Garamond" pitchFamily="18" charset="0"/>
+              <a:buChar char="◦"/>
+              <a:defRPr sz="1400" kern="1200">
+                <a:solidFill>
+                  <a:schemeClr val="tx1"/>
+                </a:solidFill>
+                <a:latin typeface="+mn-lt"/>
+                <a:ea typeface="+mn-ea"/>
+                <a:cs typeface="+mn-cs"/>
+              </a:defRPr>
+            </a:lvl7pPr>
+            <a:lvl8pPr marL="2200000" indent="-228600" algn="l" defTabSz="914400" rtl="0" eaLnBrk="1" latinLnBrk="0" hangingPunct="1">
+              <a:lnSpc>
+                <a:spcPct val="100000"/>
+              </a:lnSpc>
+              <a:spcBef>
+                <a:spcPts val="500"/>
+              </a:spcBef>
+              <a:buClr>
+                <a:schemeClr val="tx1">
+                  <a:lumMod val="85000"/>
+                  <a:lumOff val="15000"/>
+                </a:schemeClr>
+              </a:buClr>
+              <a:buFont typeface="Garamond" pitchFamily="18" charset="0"/>
+              <a:buChar char="◦"/>
+              <a:defRPr sz="1400" kern="1200">
+                <a:solidFill>
+                  <a:schemeClr val="tx1"/>
+                </a:solidFill>
+                <a:latin typeface="+mn-lt"/>
+                <a:ea typeface="+mn-ea"/>
+                <a:cs typeface="+mn-cs"/>
+              </a:defRPr>
+            </a:lvl8pPr>
+            <a:lvl9pPr marL="2500000" indent="-228600" algn="l" defTabSz="914400" rtl="0" eaLnBrk="1" latinLnBrk="0" hangingPunct="1">
+              <a:lnSpc>
+                <a:spcPct val="100000"/>
+              </a:lnSpc>
+              <a:spcBef>
+                <a:spcPts val="500"/>
+              </a:spcBef>
+              <a:buClr>
+                <a:schemeClr val="tx1">
+                  <a:lumMod val="85000"/>
+                  <a:lumOff val="15000"/>
+                </a:schemeClr>
+              </a:buClr>
+              <a:buFont typeface="Garamond" pitchFamily="18" charset="0"/>
+              <a:buChar char="◦"/>
+              <a:defRPr sz="1400" kern="1200">
+                <a:solidFill>
+                  <a:schemeClr val="tx1"/>
+                </a:solidFill>
+                <a:latin typeface="+mn-lt"/>
+                <a:ea typeface="+mn-ea"/>
+                <a:cs typeface="+mn-cs"/>
+              </a:defRPr>
+            </a:lvl9pPr>
+          </a:lstStyle>
+          <a:p>
+            <a:r>
+              <a:rPr lang="en-US" sz="2000" u="sng" dirty="0"/>
+              <a:t>Dense Layers:</a:t>
+            </a:r>
+            <a:r>
+              <a:rPr lang="en-US" sz="2000" dirty="0"/>
+              <a:t>  </a:t>
+            </a:r>
+          </a:p>
+          <a:p>
+            <a:pPr lvl="2"/>
+            <a:r>
+              <a:rPr lang="en-US" sz="1700" dirty="0"/>
+              <a:t>Forward1:  (256*7*7,  1024)</a:t>
+            </a:r>
+          </a:p>
+          <a:p>
+            <a:pPr lvl="2"/>
+            <a:r>
+              <a:rPr lang="en-US" sz="1700" dirty="0"/>
+              <a:t>Forward2:  (1024, 49)</a:t>
+            </a:r>
+          </a:p>
+          <a:p>
+            <a:pPr marL="274320" lvl="1" indent="0">
+              <a:buNone/>
+            </a:pPr>
+            <a:endParaRPr lang="en-US" sz="2100" dirty="0"/>
+          </a:p>
+          <a:p>
+            <a:r>
+              <a:rPr lang="en-US" sz="2000" u="sng" dirty="0"/>
+              <a:t>Loss Function:</a:t>
+            </a:r>
+            <a:r>
+              <a:rPr lang="en-US" sz="2000" dirty="0"/>
+              <a:t> </a:t>
+            </a:r>
+          </a:p>
+          <a:p>
+            <a:pPr lvl="2"/>
+            <a:r>
+              <a:rPr lang="en-US" sz="1700" dirty="0"/>
+              <a:t>Hubber Loss Function</a:t>
+            </a:r>
+          </a:p>
+          <a:p>
+            <a:pPr marL="0" indent="0">
+              <a:buNone/>
+            </a:pPr>
+            <a:endParaRPr lang="en-US" sz="2000" dirty="0"/>
+          </a:p>
+          <a:p>
+            <a:r>
+              <a:rPr lang="en-US" sz="2000" dirty="0"/>
+              <a:t>Optimization: </a:t>
+            </a:r>
+          </a:p>
+          <a:p>
+            <a:pPr lvl="2"/>
+            <a:r>
+              <a:rPr lang="en-US" sz="1700" dirty="0"/>
+              <a:t> Adam Optimizer</a:t>
+            </a:r>
+            <a:endParaRPr lang="en-US" sz="1500" dirty="0"/>
+          </a:p>
+          <a:p>
+            <a:endParaRPr lang="en-US" sz="2000" dirty="0"/>
+          </a:p>
+        </p:txBody>
+      </p:sp>
+    </p:spTree>
+    <p:extLst>
+      <p:ext uri="{BB962C8B-B14F-4D97-AF65-F5344CB8AC3E}">
+        <p14:creationId xmlns:p14="http://schemas.microsoft.com/office/powerpoint/2010/main" val="3003769215"/>
+      </p:ext>
+    </p:extLst>
+  </p:cSld>
+  <p:clrMapOvr>
+    <a:masterClrMapping/>
+  </p:clrMapOvr>
+</p:sld>
+</file>
+
+<file path=ppt/slides/slide12.xml><?xml version="1.0" encoding="utf-8"?>
+<p:sld xmlns:a="http://schemas.openxmlformats.org/drawingml/2006/main" xmlns:r="http://schemas.openxmlformats.org/officeDocument/2006/relationships" xmlns:p="http://schemas.openxmlformats.org/presentationml/2006/main">
+  <p:cSld>
+    <p:spTree>
+      <p:nvGrpSpPr>
+        <p:cNvPr id="1" name=""/>
+        <p:cNvGrpSpPr/>
+        <p:nvPr/>
+      </p:nvGrpSpPr>
+      <p:grpSpPr>
+        <a:xfrm>
+          <a:off x="0" y="0"/>
+          <a:ext cx="0" cy="0"/>
+          <a:chOff x="0" y="0"/>
+          <a:chExt cx="0" cy="0"/>
+        </a:xfrm>
+      </p:grpSpPr>
+      <p:sp>
+        <p:nvSpPr>
+          <p:cNvPr id="2" name="Title 1">
+            <a:extLst>
+              <a:ext uri="{FF2B5EF4-FFF2-40B4-BE49-F238E27FC236}">
+                <a16:creationId xmlns:a16="http://schemas.microsoft.com/office/drawing/2014/main" id="{C7163C8E-B06B-4C54-90AD-A2C8E91013DF}"/>
+              </a:ext>
+            </a:extLst>
+          </p:cNvPr>
+          <p:cNvSpPr>
+            <a:spLocks noGrp="1"/>
+          </p:cNvSpPr>
+          <p:nvPr>
+            <p:ph type="title"/>
+          </p:nvPr>
+        </p:nvSpPr>
+        <p:spPr>
+          <a:xfrm>
+            <a:off x="435203" y="0"/>
+            <a:ext cx="10058400" cy="1371600"/>
+          </a:xfrm>
+        </p:spPr>
+        <p:txBody>
+          <a:bodyPr/>
+          <a:lstStyle/>
+          <a:p>
+            <a:r>
+              <a:rPr lang="en-US" b="1" dirty="0"/>
+              <a:t>CNN – Initialization Results </a:t>
+            </a:r>
+          </a:p>
+        </p:txBody>
+      </p:sp>
+      <p:sp>
+        <p:nvSpPr>
+          <p:cNvPr id="6" name="Content Placeholder 2">
+            <a:extLst>
+              <a:ext uri="{FF2B5EF4-FFF2-40B4-BE49-F238E27FC236}">
+                <a16:creationId xmlns:a16="http://schemas.microsoft.com/office/drawing/2014/main" id="{D3B15E3B-1828-42C4-8380-75CBC887B1DC}"/>
+              </a:ext>
+            </a:extLst>
+          </p:cNvPr>
+          <p:cNvSpPr txBox="1">
+            <a:spLocks/>
+          </p:cNvSpPr>
+          <p:nvPr/>
+        </p:nvSpPr>
+        <p:spPr>
+          <a:xfrm>
+            <a:off x="435203" y="1372066"/>
+            <a:ext cx="5764491" cy="4840197"/>
+          </a:xfrm>
+          <a:prstGeom prst="rect">
+            <a:avLst/>
+          </a:prstGeom>
+        </p:spPr>
+        <p:txBody>
+          <a:bodyPr vert="horz" lIns="91440" tIns="45720" rIns="91440" bIns="45720" rtlCol="0">
+            <a:normAutofit lnSpcReduction="10000"/>
+          </a:bodyPr>
+          <a:lstStyle>
+            <a:lvl1pPr marL="182880" indent="-182880" algn="l" defTabSz="914400" rtl="0" eaLnBrk="1" latinLnBrk="0" hangingPunct="1">
+              <a:lnSpc>
+                <a:spcPct val="120000"/>
+              </a:lnSpc>
+              <a:spcBef>
+                <a:spcPts val="900"/>
+              </a:spcBef>
+              <a:spcAft>
+                <a:spcPts val="0"/>
+              </a:spcAft>
+              <a:buClr>
+                <a:schemeClr val="tx1">
+                  <a:lumMod val="85000"/>
+                  <a:lumOff val="15000"/>
+                </a:schemeClr>
+              </a:buClr>
+              <a:buFont typeface="Garamond" pitchFamily="18" charset="0"/>
+              <a:buChar char="◦"/>
+              <a:defRPr sz="1400" kern="1200">
+                <a:solidFill>
+                  <a:schemeClr val="tx1"/>
+                </a:solidFill>
+                <a:latin typeface="+mn-lt"/>
+                <a:ea typeface="+mn-ea"/>
+                <a:cs typeface="+mn-cs"/>
+              </a:defRPr>
+            </a:lvl1pPr>
+            <a:lvl2pPr marL="457200" indent="-182880" algn="l" defTabSz="914400" rtl="0" eaLnBrk="1" latinLnBrk="0" hangingPunct="1">
+              <a:lnSpc>
+                <a:spcPct val="100000"/>
+              </a:lnSpc>
+              <a:spcBef>
+                <a:spcPts val="500"/>
+              </a:spcBef>
+              <a:buClr>
+                <a:schemeClr val="tx1">
+                  <a:lumMod val="85000"/>
+                  <a:lumOff val="15000"/>
+                </a:schemeClr>
+              </a:buClr>
+              <a:buFont typeface="Garamond" pitchFamily="18" charset="0"/>
+              <a:buChar char="◦"/>
+              <a:defRPr sz="1200" kern="1200">
+                <a:solidFill>
+                  <a:schemeClr val="tx1"/>
+                </a:solidFill>
+                <a:latin typeface="+mn-lt"/>
+                <a:ea typeface="+mn-ea"/>
+                <a:cs typeface="+mn-cs"/>
+              </a:defRPr>
+            </a:lvl2pPr>
+            <a:lvl3pPr marL="731520" indent="-182880" algn="l" defTabSz="914400" rtl="0" eaLnBrk="1" latinLnBrk="0" hangingPunct="1">
+              <a:lnSpc>
+                <a:spcPct val="100000"/>
+              </a:lnSpc>
+              <a:spcBef>
+                <a:spcPts val="500"/>
+              </a:spcBef>
+              <a:buClr>
+                <a:schemeClr val="tx1">
+                  <a:lumMod val="85000"/>
+                  <a:lumOff val="15000"/>
+                </a:schemeClr>
+              </a:buClr>
+              <a:buFont typeface="Garamond" pitchFamily="18" charset="0"/>
+              <a:buChar char="◦"/>
+              <a:defRPr sz="1100" kern="1200">
+                <a:solidFill>
+                  <a:schemeClr val="tx1"/>
+                </a:solidFill>
+                <a:latin typeface="+mn-lt"/>
+                <a:ea typeface="+mn-ea"/>
+                <a:cs typeface="+mn-cs"/>
+              </a:defRPr>
+            </a:lvl3pPr>
+            <a:lvl4pPr marL="1005840" indent="-182880" algn="l" defTabSz="914400" rtl="0" eaLnBrk="1" latinLnBrk="0" hangingPunct="1">
+              <a:lnSpc>
+                <a:spcPct val="100000"/>
+              </a:lnSpc>
+              <a:spcBef>
+                <a:spcPts val="500"/>
+              </a:spcBef>
+              <a:buClr>
+                <a:schemeClr val="tx1">
+                  <a:lumMod val="85000"/>
+                  <a:lumOff val="15000"/>
+                </a:schemeClr>
+              </a:buClr>
+              <a:buFont typeface="Garamond" pitchFamily="18" charset="0"/>
+              <a:buChar char="◦"/>
+              <a:defRPr sz="1100" kern="1200">
+                <a:solidFill>
+                  <a:schemeClr val="tx1"/>
+                </a:solidFill>
+                <a:latin typeface="+mn-lt"/>
+                <a:ea typeface="+mn-ea"/>
+                <a:cs typeface="+mn-cs"/>
+              </a:defRPr>
+            </a:lvl4pPr>
+            <a:lvl5pPr marL="1280160" indent="-182880" algn="l" defTabSz="914400" rtl="0" eaLnBrk="1" latinLnBrk="0" hangingPunct="1">
+              <a:lnSpc>
+                <a:spcPct val="100000"/>
+              </a:lnSpc>
+              <a:spcBef>
+                <a:spcPts val="500"/>
+              </a:spcBef>
+              <a:buClr>
+                <a:schemeClr val="tx1">
+                  <a:lumMod val="85000"/>
+                  <a:lumOff val="15000"/>
+                </a:schemeClr>
+              </a:buClr>
+              <a:buFont typeface="Garamond" pitchFamily="18" charset="0"/>
+              <a:buChar char="◦"/>
+              <a:defRPr sz="1100" kern="1200">
+                <a:solidFill>
+                  <a:schemeClr val="tx1"/>
+                </a:solidFill>
+                <a:latin typeface="+mn-lt"/>
+                <a:ea typeface="+mn-ea"/>
+                <a:cs typeface="+mn-cs"/>
+              </a:defRPr>
+            </a:lvl5pPr>
+            <a:lvl6pPr marL="1600000" indent="-228600" algn="l" defTabSz="914400" rtl="0" eaLnBrk="1" latinLnBrk="0" hangingPunct="1">
+              <a:lnSpc>
+                <a:spcPct val="100000"/>
+              </a:lnSpc>
+              <a:spcBef>
+                <a:spcPts val="500"/>
+              </a:spcBef>
+              <a:buClr>
+                <a:schemeClr val="tx1">
+                  <a:lumMod val="85000"/>
+                  <a:lumOff val="15000"/>
+                </a:schemeClr>
+              </a:buClr>
+              <a:buFont typeface="Garamond" pitchFamily="18" charset="0"/>
+              <a:buChar char="◦"/>
+              <a:defRPr sz="1400" kern="1200">
+                <a:solidFill>
+                  <a:schemeClr val="tx1"/>
+                </a:solidFill>
+                <a:latin typeface="+mn-lt"/>
+                <a:ea typeface="+mn-ea"/>
+                <a:cs typeface="+mn-cs"/>
+              </a:defRPr>
+            </a:lvl6pPr>
+            <a:lvl7pPr marL="1900000" indent="-228600" algn="l" defTabSz="914400" rtl="0" eaLnBrk="1" latinLnBrk="0" hangingPunct="1">
+              <a:lnSpc>
+                <a:spcPct val="100000"/>
+              </a:lnSpc>
+              <a:spcBef>
+                <a:spcPts val="500"/>
+              </a:spcBef>
+              <a:buClr>
+                <a:schemeClr val="tx1">
+                  <a:lumMod val="85000"/>
+                  <a:lumOff val="15000"/>
+                </a:schemeClr>
+              </a:buClr>
+              <a:buFont typeface="Garamond" pitchFamily="18" charset="0"/>
+              <a:buChar char="◦"/>
+              <a:defRPr sz="1400" kern="1200">
+                <a:solidFill>
+                  <a:schemeClr val="tx1"/>
+                </a:solidFill>
+                <a:latin typeface="+mn-lt"/>
+                <a:ea typeface="+mn-ea"/>
+                <a:cs typeface="+mn-cs"/>
+              </a:defRPr>
+            </a:lvl7pPr>
+            <a:lvl8pPr marL="2200000" indent="-228600" algn="l" defTabSz="914400" rtl="0" eaLnBrk="1" latinLnBrk="0" hangingPunct="1">
+              <a:lnSpc>
+                <a:spcPct val="100000"/>
+              </a:lnSpc>
+              <a:spcBef>
+                <a:spcPts val="500"/>
+              </a:spcBef>
+              <a:buClr>
+                <a:schemeClr val="tx1">
+                  <a:lumMod val="85000"/>
+                  <a:lumOff val="15000"/>
+                </a:schemeClr>
+              </a:buClr>
+              <a:buFont typeface="Garamond" pitchFamily="18" charset="0"/>
+              <a:buChar char="◦"/>
+              <a:defRPr sz="1400" kern="1200">
+                <a:solidFill>
+                  <a:schemeClr val="tx1"/>
+                </a:solidFill>
+                <a:latin typeface="+mn-lt"/>
+                <a:ea typeface="+mn-ea"/>
+                <a:cs typeface="+mn-cs"/>
+              </a:defRPr>
+            </a:lvl8pPr>
+            <a:lvl9pPr marL="2500000" indent="-228600" algn="l" defTabSz="914400" rtl="0" eaLnBrk="1" latinLnBrk="0" hangingPunct="1">
+              <a:lnSpc>
+                <a:spcPct val="100000"/>
+              </a:lnSpc>
+              <a:spcBef>
+                <a:spcPts val="500"/>
+              </a:spcBef>
+              <a:buClr>
+                <a:schemeClr val="tx1">
+                  <a:lumMod val="85000"/>
+                  <a:lumOff val="15000"/>
+                </a:schemeClr>
+              </a:buClr>
+              <a:buFont typeface="Garamond" pitchFamily="18" charset="0"/>
+              <a:buChar char="◦"/>
+              <a:defRPr sz="1400" kern="1200">
+                <a:solidFill>
+                  <a:schemeClr val="tx1"/>
+                </a:solidFill>
+                <a:latin typeface="+mn-lt"/>
+                <a:ea typeface="+mn-ea"/>
+                <a:cs typeface="+mn-cs"/>
+              </a:defRPr>
+            </a:lvl9pPr>
+          </a:lstStyle>
+          <a:p>
+            <a:r>
+              <a:rPr lang="en-US" sz="2000" dirty="0"/>
+              <a:t>5000 randomly generated boards (1 day)</a:t>
+            </a:r>
+          </a:p>
+          <a:p>
+            <a:pPr lvl="2"/>
+            <a:r>
+              <a:rPr lang="en-US" sz="1700" dirty="0"/>
+              <a:t>Train Set: 4000</a:t>
+            </a:r>
+          </a:p>
+          <a:p>
+            <a:pPr lvl="2"/>
+            <a:r>
+              <a:rPr lang="en-US" sz="1700" dirty="0"/>
+              <a:t>Test Set: 1000</a:t>
+            </a:r>
+          </a:p>
+          <a:p>
+            <a:pPr lvl="2"/>
+            <a:endParaRPr lang="en-US" sz="1700" dirty="0"/>
+          </a:p>
+          <a:p>
+            <a:r>
+              <a:rPr lang="en-US" sz="2000" dirty="0"/>
+              <a:t>Errors:</a:t>
+            </a:r>
+          </a:p>
+          <a:p>
+            <a:pPr lvl="2"/>
+            <a:r>
+              <a:rPr lang="en-US" sz="1700" dirty="0"/>
+              <a:t>Errors similar to FCNN </a:t>
+            </a:r>
+          </a:p>
+          <a:p>
+            <a:pPr lvl="2"/>
+            <a:r>
+              <a:rPr lang="en-US" sz="1700" dirty="0"/>
+              <a:t>Not enough training data</a:t>
+            </a:r>
+          </a:p>
+          <a:p>
+            <a:pPr lvl="2"/>
+            <a:r>
+              <a:rPr lang="en-US" sz="1700" dirty="0"/>
+              <a:t>Not able to capture a general relationship for initialization</a:t>
+            </a:r>
+          </a:p>
+          <a:p>
+            <a:endParaRPr lang="en-US" sz="2000" dirty="0"/>
+          </a:p>
+          <a:p>
+            <a:r>
+              <a:rPr lang="en-US" sz="2000" dirty="0"/>
+              <a:t>Improvements </a:t>
+            </a:r>
+            <a:r>
+              <a:rPr lang="en-US" sz="2000"/>
+              <a:t>&amp; Future Work:</a:t>
+            </a:r>
+            <a:endParaRPr lang="en-US" sz="2000" dirty="0"/>
+          </a:p>
+          <a:p>
+            <a:pPr lvl="2"/>
+            <a:r>
+              <a:rPr lang="en-US" sz="1700" dirty="0"/>
+              <a:t>Gather more data</a:t>
+            </a:r>
+          </a:p>
+          <a:p>
+            <a:pPr lvl="2"/>
+            <a:r>
+              <a:rPr lang="en-US" sz="1700" dirty="0"/>
+              <a:t>Currently gathering data for the complete Hill Climb Solution</a:t>
+            </a:r>
+          </a:p>
+          <a:p>
+            <a:pPr lvl="2"/>
+            <a:endParaRPr lang="en-US" sz="1700" dirty="0"/>
+          </a:p>
+          <a:p>
+            <a:pPr lvl="2"/>
+            <a:endParaRPr lang="en-US" sz="1700" dirty="0"/>
+          </a:p>
+        </p:txBody>
+      </p:sp>
+      <p:sp>
+        <p:nvSpPr>
+          <p:cNvPr id="9" name="TextBox 8">
+            <a:extLst>
+              <a:ext uri="{FF2B5EF4-FFF2-40B4-BE49-F238E27FC236}">
+                <a16:creationId xmlns:a16="http://schemas.microsoft.com/office/drawing/2014/main" id="{A6534E45-D1EB-4639-886B-86BBEC6811B2}"/>
+              </a:ext>
+            </a:extLst>
+          </p:cNvPr>
+          <p:cNvSpPr txBox="1"/>
+          <p:nvPr/>
+        </p:nvSpPr>
+        <p:spPr>
+          <a:xfrm>
+            <a:off x="7448549" y="3222665"/>
+            <a:ext cx="1266825" cy="369332"/>
+          </a:xfrm>
+          <a:prstGeom prst="rect">
+            <a:avLst/>
+          </a:prstGeom>
+          <a:noFill/>
+        </p:spPr>
+        <p:txBody>
+          <a:bodyPr wrap="square" rtlCol="0">
+            <a:spAutoFit/>
+          </a:bodyPr>
+          <a:lstStyle/>
+          <a:p>
+            <a:r>
+              <a:rPr lang="en-US" dirty="0"/>
+              <a:t>Original</a:t>
+            </a:r>
+          </a:p>
+        </p:txBody>
+      </p:sp>
+      <p:sp>
+        <p:nvSpPr>
+          <p:cNvPr id="11" name="TextBox 10">
+            <a:extLst>
+              <a:ext uri="{FF2B5EF4-FFF2-40B4-BE49-F238E27FC236}">
+                <a16:creationId xmlns:a16="http://schemas.microsoft.com/office/drawing/2014/main" id="{78D7C7FA-884F-48E0-8328-B1E9EB55F0FF}"/>
+              </a:ext>
+            </a:extLst>
+          </p:cNvPr>
+          <p:cNvSpPr txBox="1"/>
+          <p:nvPr/>
+        </p:nvSpPr>
+        <p:spPr>
+          <a:xfrm>
+            <a:off x="9699345" y="3232429"/>
+            <a:ext cx="1397280" cy="369332"/>
+          </a:xfrm>
+          <a:prstGeom prst="rect">
+            <a:avLst/>
+          </a:prstGeom>
+          <a:noFill/>
+        </p:spPr>
+        <p:txBody>
+          <a:bodyPr wrap="square" rtlCol="0">
+            <a:spAutoFit/>
+          </a:bodyPr>
+          <a:lstStyle/>
+          <a:p>
+            <a:r>
+              <a:rPr lang="en-US" dirty="0"/>
+              <a:t>Predicted</a:t>
+            </a:r>
+          </a:p>
+        </p:txBody>
+      </p:sp>
+      <p:sp>
+        <p:nvSpPr>
+          <p:cNvPr id="14" name="TextBox 13">
+            <a:extLst>
+              <a:ext uri="{FF2B5EF4-FFF2-40B4-BE49-F238E27FC236}">
+                <a16:creationId xmlns:a16="http://schemas.microsoft.com/office/drawing/2014/main" id="{7F440F5F-D4AB-4883-B9E6-6A9DC312A2F2}"/>
+              </a:ext>
+            </a:extLst>
+          </p:cNvPr>
+          <p:cNvSpPr txBox="1"/>
+          <p:nvPr/>
+        </p:nvSpPr>
+        <p:spPr>
+          <a:xfrm>
+            <a:off x="7448549" y="6032424"/>
+            <a:ext cx="1266825" cy="369332"/>
+          </a:xfrm>
+          <a:prstGeom prst="rect">
+            <a:avLst/>
+          </a:prstGeom>
+          <a:noFill/>
+        </p:spPr>
+        <p:txBody>
+          <a:bodyPr wrap="square" rtlCol="0">
+            <a:spAutoFit/>
+          </a:bodyPr>
+          <a:lstStyle/>
+          <a:p>
+            <a:r>
+              <a:rPr lang="en-US" dirty="0"/>
+              <a:t>Original</a:t>
+            </a:r>
+          </a:p>
+        </p:txBody>
+      </p:sp>
+      <p:sp>
+        <p:nvSpPr>
+          <p:cNvPr id="15" name="TextBox 14">
+            <a:extLst>
+              <a:ext uri="{FF2B5EF4-FFF2-40B4-BE49-F238E27FC236}">
+                <a16:creationId xmlns:a16="http://schemas.microsoft.com/office/drawing/2014/main" id="{4E9F967C-3249-4729-98B6-30FFC9FF6A63}"/>
+              </a:ext>
+            </a:extLst>
+          </p:cNvPr>
+          <p:cNvSpPr txBox="1"/>
+          <p:nvPr/>
+        </p:nvSpPr>
+        <p:spPr>
+          <a:xfrm>
+            <a:off x="9699345" y="6042188"/>
+            <a:ext cx="1397280" cy="369332"/>
+          </a:xfrm>
+          <a:prstGeom prst="rect">
+            <a:avLst/>
+          </a:prstGeom>
+          <a:noFill/>
+        </p:spPr>
+        <p:txBody>
+          <a:bodyPr wrap="square" rtlCol="0">
+            <a:spAutoFit/>
+          </a:bodyPr>
+          <a:lstStyle/>
+          <a:p>
+            <a:r>
+              <a:rPr lang="en-US" dirty="0"/>
+              <a:t>Predicted</a:t>
+            </a:r>
+          </a:p>
+        </p:txBody>
+      </p:sp>
+      <p:pic>
+        <p:nvPicPr>
+          <p:cNvPr id="12" name="Image19">
+            <a:extLst>
+              <a:ext uri="{FF2B5EF4-FFF2-40B4-BE49-F238E27FC236}">
+                <a16:creationId xmlns:a16="http://schemas.microsoft.com/office/drawing/2014/main" id="{20FF55A3-98D6-478E-B417-6BC865CA458C}"/>
+              </a:ext>
+            </a:extLst>
+          </p:cNvPr>
+          <p:cNvPicPr/>
+          <p:nvPr/>
+        </p:nvPicPr>
+        <p:blipFill rotWithShape="1">
+          <a:blip r:embed="rId2">
+            <a:lum/>
+            <a:alphaModFix/>
+          </a:blip>
+          <a:srcRect l="1591" t="1689" r="1705" b="1391"/>
+          <a:stretch/>
+        </p:blipFill>
+        <p:spPr>
+          <a:xfrm>
+            <a:off x="7017544" y="1143831"/>
+            <a:ext cx="2026444" cy="2049425"/>
+          </a:xfrm>
+          <a:prstGeom prst="rect">
+            <a:avLst/>
+          </a:prstGeom>
+        </p:spPr>
+      </p:pic>
+      <p:pic>
+        <p:nvPicPr>
+          <p:cNvPr id="16" name="Image20">
+            <a:extLst>
+              <a:ext uri="{FF2B5EF4-FFF2-40B4-BE49-F238E27FC236}">
+                <a16:creationId xmlns:a16="http://schemas.microsoft.com/office/drawing/2014/main" id="{C79878E4-CCC3-4EDA-99B2-726ABB3A7AE0}"/>
+              </a:ext>
+            </a:extLst>
+          </p:cNvPr>
+          <p:cNvPicPr>
+            <a:picLocks noGrp="1"/>
+          </p:cNvPicPr>
+          <p:nvPr>
+            <p:ph idx="1"/>
+          </p:nvPr>
+        </p:nvPicPr>
+        <p:blipFill rotWithShape="1">
+          <a:blip r:embed="rId3">
+            <a:lum/>
+            <a:alphaModFix/>
+          </a:blip>
+          <a:srcRect l="1000" t="1258" r="1778" b="1291"/>
+          <a:stretch/>
+        </p:blipFill>
+        <p:spPr>
+          <a:xfrm>
+            <a:off x="9455945" y="1123950"/>
+            <a:ext cx="2083594" cy="2088473"/>
+          </a:xfrm>
+          <a:prstGeom prst="rect">
+            <a:avLst/>
+          </a:prstGeom>
+        </p:spPr>
+      </p:pic>
+      <p:pic>
+        <p:nvPicPr>
+          <p:cNvPr id="18" name="Image21">
+            <a:extLst>
+              <a:ext uri="{FF2B5EF4-FFF2-40B4-BE49-F238E27FC236}">
+                <a16:creationId xmlns:a16="http://schemas.microsoft.com/office/drawing/2014/main" id="{2DF8CE02-A40D-4CC3-BB2A-9211B6479D5F}"/>
+              </a:ext>
+            </a:extLst>
+          </p:cNvPr>
+          <p:cNvPicPr/>
+          <p:nvPr/>
+        </p:nvPicPr>
+        <p:blipFill rotWithShape="1">
+          <a:blip r:embed="rId4">
+            <a:lum/>
+            <a:alphaModFix/>
+          </a:blip>
+          <a:srcRect l="1591" t="1391" r="1705" b="1689"/>
+          <a:stretch/>
+        </p:blipFill>
+        <p:spPr>
+          <a:xfrm>
+            <a:off x="7050881" y="3954897"/>
+            <a:ext cx="2026444" cy="2049425"/>
+          </a:xfrm>
+          <a:prstGeom prst="rect">
+            <a:avLst/>
+          </a:prstGeom>
+        </p:spPr>
+      </p:pic>
+      <p:pic>
+        <p:nvPicPr>
+          <p:cNvPr id="20" name="Image22">
+            <a:extLst>
+              <a:ext uri="{FF2B5EF4-FFF2-40B4-BE49-F238E27FC236}">
+                <a16:creationId xmlns:a16="http://schemas.microsoft.com/office/drawing/2014/main" id="{3D37A0A8-85DA-45A8-B91E-D24AA76544A6}"/>
+              </a:ext>
+            </a:extLst>
+          </p:cNvPr>
+          <p:cNvPicPr/>
+          <p:nvPr/>
+        </p:nvPicPr>
+        <p:blipFill rotWithShape="1">
+          <a:blip r:embed="rId5">
+            <a:lum/>
+            <a:alphaModFix/>
+          </a:blip>
+          <a:srcRect l="1817" t="1232" r="1477" b="1847"/>
+          <a:stretch/>
+        </p:blipFill>
+        <p:spPr>
+          <a:xfrm>
+            <a:off x="9494044" y="3943950"/>
+            <a:ext cx="2026444" cy="2049425"/>
+          </a:xfrm>
+          <a:prstGeom prst="rect">
+            <a:avLst/>
+          </a:prstGeom>
+        </p:spPr>
+      </p:pic>
+    </p:spTree>
+    <p:extLst>
+      <p:ext uri="{BB962C8B-B14F-4D97-AF65-F5344CB8AC3E}">
+        <p14:creationId xmlns:p14="http://schemas.microsoft.com/office/powerpoint/2010/main" val="1306484361"/>
+      </p:ext>
+    </p:extLst>
+  </p:cSld>
+  <p:clrMapOvr>
+    <a:masterClrMapping/>
+  </p:clrMapOvr>
+</p:sld>
+</file>
+
+<file path=ppt/slides/slide13.xml><?xml version="1.0" encoding="utf-8"?>
+<p:sld xmlns:a="http://schemas.openxmlformats.org/drawingml/2006/main" xmlns:r="http://schemas.openxmlformats.org/officeDocument/2006/relationships" xmlns:p="http://schemas.openxmlformats.org/presentationml/2006/main">
+  <p:cSld>
+    <p:spTree>
+      <p:nvGrpSpPr>
+        <p:cNvPr id="1" name=""/>
+        <p:cNvGrpSpPr/>
+        <p:nvPr/>
+      </p:nvGrpSpPr>
+      <p:grpSpPr>
+        <a:xfrm>
+          <a:off x="0" y="0"/>
+          <a:ext cx="0" cy="0"/>
+          <a:chOff x="0" y="0"/>
+          <a:chExt cx="0" cy="0"/>
+        </a:xfrm>
+      </p:grpSpPr>
+      <p:sp>
+        <p:nvSpPr>
+          <p:cNvPr id="2" name="Title 1">
+            <a:extLst>
+              <a:ext uri="{FF2B5EF4-FFF2-40B4-BE49-F238E27FC236}">
+                <a16:creationId xmlns:a16="http://schemas.microsoft.com/office/drawing/2014/main" id="{31DB08AB-9A45-4584-9BD3-BB127E73869C}"/>
+              </a:ext>
+            </a:extLst>
+          </p:cNvPr>
+          <p:cNvSpPr>
+            <a:spLocks noGrp="1"/>
+          </p:cNvSpPr>
+          <p:nvPr>
+            <p:ph type="title"/>
+          </p:nvPr>
+        </p:nvSpPr>
+        <p:spPr/>
+        <p:txBody>
+          <a:bodyPr/>
+          <a:lstStyle/>
+          <a:p>
+            <a:r>
+              <a:rPr lang="en-US" dirty="0"/>
+              <a:t>Next Steps</a:t>
+            </a:r>
+          </a:p>
+        </p:txBody>
+      </p:sp>
+      <p:sp>
+        <p:nvSpPr>
+          <p:cNvPr id="3" name="Content Placeholder 2">
+            <a:extLst>
+              <a:ext uri="{FF2B5EF4-FFF2-40B4-BE49-F238E27FC236}">
+                <a16:creationId xmlns:a16="http://schemas.microsoft.com/office/drawing/2014/main" id="{CCD03B6E-F2BE-4E7E-89E4-779B4BB2F7A4}"/>
+              </a:ext>
+            </a:extLst>
+          </p:cNvPr>
+          <p:cNvSpPr>
+            <a:spLocks noGrp="1"/>
+          </p:cNvSpPr>
+          <p:nvPr>
+            <p:ph idx="1"/>
+          </p:nvPr>
+        </p:nvSpPr>
+        <p:spPr/>
+        <p:txBody>
+          <a:bodyPr>
+            <a:normAutofit/>
+          </a:bodyPr>
+          <a:lstStyle/>
+          <a:p>
+            <a:r>
+              <a:rPr lang="en-US" sz="2000" dirty="0"/>
+              <a:t>While we are proud of the work we have done here, there is no doubt that more work (particularly, exploration of different algorithms) could yield even better results.</a:t>
+            </a:r>
+          </a:p>
+          <a:p>
+            <a:r>
+              <a:rPr lang="en-US" sz="2000" dirty="0"/>
+              <a:t>We strongly believe that the Light Up puzzle is an excellent logic puzzle for introducing newcomers to the field of AI to some of the more advanced algorithms available to them.</a:t>
+            </a:r>
+          </a:p>
+        </p:txBody>
+      </p:sp>
+    </p:spTree>
+    <p:extLst>
+      <p:ext uri="{BB962C8B-B14F-4D97-AF65-F5344CB8AC3E}">
+        <p14:creationId xmlns:p14="http://schemas.microsoft.com/office/powerpoint/2010/main" val="1718903431"/>
+      </p:ext>
+    </p:extLst>
+  </p:cSld>
+  <p:clrMapOvr>
+    <a:masterClrMapping/>
+  </p:clrMapOvr>
+</p:sld>
+</file>
+
+<file path=ppt/slides/slide2.xml><?xml version="1.0" encoding="utf-8"?>
+<p:sld xmlns:a="http://schemas.openxmlformats.org/drawingml/2006/main" xmlns:r="http://schemas.openxmlformats.org/officeDocument/2006/relationships" xmlns:p="http://schemas.openxmlformats.org/presentationml/2006/main">
+  <p:cSld>
+    <p:spTree>
+      <p:nvGrpSpPr>
+        <p:cNvPr id="1" name=""/>
+        <p:cNvGrpSpPr/>
+        <p:nvPr/>
+      </p:nvGrpSpPr>
+      <p:grpSpPr>
+        <a:xfrm>
+          <a:off x="0" y="0"/>
+          <a:ext cx="0" cy="0"/>
+          <a:chOff x="0" y="0"/>
+          <a:chExt cx="0" cy="0"/>
+        </a:xfrm>
+      </p:grpSpPr>
+      <p:sp>
+        <p:nvSpPr>
+          <p:cNvPr id="2" name="Title 1">
+            <a:extLst>
+              <a:ext uri="{FF2B5EF4-FFF2-40B4-BE49-F238E27FC236}">
+                <a16:creationId xmlns:a16="http://schemas.microsoft.com/office/drawing/2014/main" id="{EE9A0C30-D636-49E3-8D28-821E8CE44B92}"/>
+              </a:ext>
+            </a:extLst>
+          </p:cNvPr>
+          <p:cNvSpPr>
+            <a:spLocks noGrp="1"/>
+          </p:cNvSpPr>
+          <p:nvPr>
+            <p:ph type="title"/>
+          </p:nvPr>
+        </p:nvSpPr>
+        <p:spPr/>
+        <p:txBody>
+          <a:bodyPr/>
+          <a:lstStyle/>
+          <a:p>
+            <a:r>
+              <a:rPr lang="en-US" dirty="0"/>
+              <a:t>Recap: Problem Definition</a:t>
+            </a:r>
+          </a:p>
+        </p:txBody>
+      </p:sp>
+      <p:sp>
+        <p:nvSpPr>
+          <p:cNvPr id="3" name="Content Placeholder 2">
+            <a:extLst>
+              <a:ext uri="{FF2B5EF4-FFF2-40B4-BE49-F238E27FC236}">
+                <a16:creationId xmlns:a16="http://schemas.microsoft.com/office/drawing/2014/main" id="{F9F08C7F-9202-48B1-A6E7-151A7EAD5443}"/>
+              </a:ext>
+            </a:extLst>
+          </p:cNvPr>
+          <p:cNvSpPr>
+            <a:spLocks noGrp="1"/>
+          </p:cNvSpPr>
+          <p:nvPr>
+            <p:ph sz="half" idx="1"/>
+          </p:nvPr>
+        </p:nvSpPr>
+        <p:spPr/>
+        <p:txBody>
+          <a:bodyPr>
+            <a:normAutofit/>
+          </a:bodyPr>
+          <a:lstStyle/>
+          <a:p>
+            <a:r>
+              <a:rPr lang="en-US" sz="2000" dirty="0"/>
+              <a:t>The Light Up puzzle involves placing light bulbs into white squares to illuminate the entire board without any overlapping rays.</a:t>
+            </a:r>
+          </a:p>
+          <a:p>
+            <a:r>
+              <a:rPr lang="en-US" sz="2000" dirty="0"/>
+              <a:t>Black squares can’t be filled, and black squares with numbers inside them must have that number of adjacent bulbs.</a:t>
+            </a:r>
+          </a:p>
+        </p:txBody>
+      </p:sp>
+      <p:pic>
+        <p:nvPicPr>
+          <p:cNvPr id="6" name="Content Placeholder 5" descr="A picture containing shape&#10;&#10;Description automatically generated">
+            <a:extLst>
+              <a:ext uri="{FF2B5EF4-FFF2-40B4-BE49-F238E27FC236}">
+                <a16:creationId xmlns:a16="http://schemas.microsoft.com/office/drawing/2014/main" id="{174703F7-FA7C-4E36-87F1-592FFAF04680}"/>
+              </a:ext>
+            </a:extLst>
+          </p:cNvPr>
+          <p:cNvPicPr>
+            <a:picLocks noGrp="1" noChangeAspect="1"/>
+          </p:cNvPicPr>
+          <p:nvPr>
+            <p:ph sz="half" idx="2"/>
+          </p:nvPr>
+        </p:nvPicPr>
+        <p:blipFill>
+          <a:blip r:embed="rId2"/>
+          <a:stretch>
+            <a:fillRect/>
+          </a:stretch>
+        </p:blipFill>
+        <p:spPr>
+          <a:xfrm>
+            <a:off x="8410575" y="3137535"/>
+            <a:ext cx="2714625" cy="2714625"/>
+          </a:xfrm>
+        </p:spPr>
+      </p:pic>
+      <p:pic>
+        <p:nvPicPr>
+          <p:cNvPr id="8" name="Picture 7" descr="A screen shot of a social media post&#10;&#10;Description automatically generated">
+            <a:extLst>
+              <a:ext uri="{FF2B5EF4-FFF2-40B4-BE49-F238E27FC236}">
+                <a16:creationId xmlns:a16="http://schemas.microsoft.com/office/drawing/2014/main" id="{617E5EC7-BF20-4560-9BA8-B238C2FB99FC}"/>
+              </a:ext>
+            </a:extLst>
+          </p:cNvPr>
+          <p:cNvPicPr>
+            <a:picLocks noChangeAspect="1"/>
+          </p:cNvPicPr>
+          <p:nvPr/>
+        </p:nvPicPr>
+        <p:blipFill>
+          <a:blip r:embed="rId3"/>
+          <a:stretch>
+            <a:fillRect/>
+          </a:stretch>
+        </p:blipFill>
+        <p:spPr>
+          <a:xfrm>
+            <a:off x="6461762" y="2103120"/>
+            <a:ext cx="1828800" cy="1828800"/>
+          </a:xfrm>
+          <a:prstGeom prst="rect">
+            <a:avLst/>
+          </a:prstGeom>
+        </p:spPr>
+      </p:pic>
+      <p:cxnSp>
+        <p:nvCxnSpPr>
+          <p:cNvPr id="10" name="Straight Arrow Connector 9">
+            <a:extLst>
+              <a:ext uri="{FF2B5EF4-FFF2-40B4-BE49-F238E27FC236}">
+                <a16:creationId xmlns:a16="http://schemas.microsoft.com/office/drawing/2014/main" id="{C0D269D0-F881-4448-91C5-F3CD3CBA6585}"/>
+              </a:ext>
+            </a:extLst>
+          </p:cNvPr>
+          <p:cNvCxnSpPr/>
+          <p:nvPr/>
+        </p:nvCxnSpPr>
+        <p:spPr>
+          <a:xfrm>
+            <a:off x="8410575" y="2635624"/>
+            <a:ext cx="692523" cy="381896"/>
+          </a:xfrm>
+          <a:prstGeom prst="straightConnector1">
+            <a:avLst/>
+          </a:prstGeom>
+          <a:ln w="9525" cap="flat" cmpd="sng" algn="ctr">
+            <a:solidFill>
+              <a:schemeClr val="dk1"/>
+            </a:solidFill>
+            <a:prstDash val="solid"/>
+            <a:round/>
+            <a:headEnd type="none" w="med" len="med"/>
+            <a:tailEnd type="arrow" w="med" len="med"/>
+          </a:ln>
+        </p:spPr>
+        <p:style>
+          <a:lnRef idx="0">
+            <a:scrgbClr r="0" g="0" b="0"/>
+          </a:lnRef>
+          <a:fillRef idx="0">
+            <a:scrgbClr r="0" g="0" b="0"/>
+          </a:fillRef>
+          <a:effectRef idx="0">
+            <a:scrgbClr r="0" g="0" b="0"/>
+          </a:effectRef>
+          <a:fontRef idx="minor">
+            <a:schemeClr val="tx1"/>
+          </a:fontRef>
+        </p:style>
+      </p:cxnSp>
+      <p:cxnSp>
+        <p:nvCxnSpPr>
+          <p:cNvPr id="11" name="Straight Arrow Connector 10">
+            <a:extLst>
+              <a:ext uri="{FF2B5EF4-FFF2-40B4-BE49-F238E27FC236}">
+                <a16:creationId xmlns:a16="http://schemas.microsoft.com/office/drawing/2014/main" id="{23050569-7485-478F-8D22-81A7A0EF75AB}"/>
+              </a:ext>
+            </a:extLst>
+          </p:cNvPr>
+          <p:cNvCxnSpPr/>
+          <p:nvPr/>
+        </p:nvCxnSpPr>
+        <p:spPr>
+          <a:xfrm>
+            <a:off x="7598039" y="4112951"/>
+            <a:ext cx="692523" cy="381896"/>
+          </a:xfrm>
+          <a:prstGeom prst="straightConnector1">
+            <a:avLst/>
+          </a:prstGeom>
+          <a:ln w="9525" cap="flat" cmpd="sng" algn="ctr">
+            <a:solidFill>
+              <a:schemeClr val="dk1"/>
+            </a:solidFill>
+            <a:prstDash val="solid"/>
+            <a:round/>
+            <a:headEnd type="none" w="med" len="med"/>
+            <a:tailEnd type="arrow" w="med" len="med"/>
+          </a:ln>
+        </p:spPr>
+        <p:style>
+          <a:lnRef idx="0">
+            <a:scrgbClr r="0" g="0" b="0"/>
+          </a:lnRef>
+          <a:fillRef idx="0">
+            <a:scrgbClr r="0" g="0" b="0"/>
+          </a:fillRef>
+          <a:effectRef idx="0">
+            <a:scrgbClr r="0" g="0" b="0"/>
+          </a:effectRef>
+          <a:fontRef idx="minor">
+            <a:schemeClr val="tx1"/>
+          </a:fontRef>
+        </p:style>
+      </p:cxnSp>
+    </p:spTree>
+    <p:extLst>
+      <p:ext uri="{BB962C8B-B14F-4D97-AF65-F5344CB8AC3E}">
+        <p14:creationId xmlns:p14="http://schemas.microsoft.com/office/powerpoint/2010/main" val="2294821133"/>
+      </p:ext>
+    </p:extLst>
+  </p:cSld>
+  <p:clrMapOvr>
+    <a:masterClrMapping/>
+  </p:clrMapOvr>
+</p:sld>
+</file>
+
+<file path=ppt/slides/slide3.xml><?xml version="1.0" encoding="utf-8"?>
+<p:sld xmlns:a="http://schemas.openxmlformats.org/drawingml/2006/main" xmlns:r="http://schemas.openxmlformats.org/officeDocument/2006/relationships" xmlns:p="http://schemas.openxmlformats.org/presentationml/2006/main">
+  <p:cSld>
+    <p:spTree>
+      <p:nvGrpSpPr>
+        <p:cNvPr id="1" name=""/>
+        <p:cNvGrpSpPr/>
+        <p:nvPr/>
+      </p:nvGrpSpPr>
+      <p:grpSpPr>
+        <a:xfrm>
+          <a:off x="0" y="0"/>
+          <a:ext cx="0" cy="0"/>
+          <a:chOff x="0" y="0"/>
+          <a:chExt cx="0" cy="0"/>
+        </a:xfrm>
+      </p:grpSpPr>
+      <p:sp>
+        <p:nvSpPr>
+          <p:cNvPr id="2" name="Title 1">
+            <a:extLst>
+              <a:ext uri="{FF2B5EF4-FFF2-40B4-BE49-F238E27FC236}">
+                <a16:creationId xmlns:a16="http://schemas.microsoft.com/office/drawing/2014/main" id="{0B96A388-7430-43CB-ACA0-6EA508A67142}"/>
+              </a:ext>
+            </a:extLst>
+          </p:cNvPr>
+          <p:cNvSpPr>
+            <a:spLocks noGrp="1"/>
+          </p:cNvSpPr>
+          <p:nvPr>
+            <p:ph type="title"/>
+          </p:nvPr>
+        </p:nvSpPr>
+        <p:spPr/>
+        <p:txBody>
+          <a:bodyPr/>
+          <a:lstStyle/>
+          <a:p>
+            <a:r>
+              <a:rPr lang="en-US" dirty="0"/>
+              <a:t>Recap: Our Approach	</a:t>
+            </a:r>
+          </a:p>
+        </p:txBody>
+      </p:sp>
+      <p:sp>
+        <p:nvSpPr>
+          <p:cNvPr id="3" name="Content Placeholder 2">
+            <a:extLst>
+              <a:ext uri="{FF2B5EF4-FFF2-40B4-BE49-F238E27FC236}">
+                <a16:creationId xmlns:a16="http://schemas.microsoft.com/office/drawing/2014/main" id="{DC680DC9-62BE-48D7-B2DD-E0F74810805E}"/>
+              </a:ext>
+            </a:extLst>
+          </p:cNvPr>
+          <p:cNvSpPr>
+            <a:spLocks noGrp="1"/>
+          </p:cNvSpPr>
+          <p:nvPr>
+            <p:ph idx="1"/>
+          </p:nvPr>
+        </p:nvSpPr>
+        <p:spPr/>
+        <p:txBody>
+          <a:bodyPr>
+            <a:normAutofit/>
+          </a:bodyPr>
+          <a:lstStyle/>
+          <a:p>
+            <a:pPr marL="0" indent="0">
+              <a:buNone/>
+            </a:pPr>
+            <a:r>
+              <a:rPr lang="en-US" sz="2000" dirty="0"/>
+              <a:t>To solve the oft-ignored Light Up puzzle with artificial intelligence, we planned a three-step approach.</a:t>
+            </a:r>
+          </a:p>
+          <a:p>
+            <a:pPr marL="342900" indent="-342900">
+              <a:buFont typeface="+mj-lt"/>
+              <a:buAutoNum type="arabicPeriod"/>
+            </a:pPr>
+            <a:r>
+              <a:rPr lang="en-US" sz="2000" dirty="0"/>
+              <a:t>First, randomly generate puzzles, then find optimal solutions using hill climbing.</a:t>
+            </a:r>
+          </a:p>
+          <a:p>
+            <a:pPr marL="342900" indent="-342900">
+              <a:buFont typeface="+mj-lt"/>
+              <a:buAutoNum type="arabicPeriod"/>
+            </a:pPr>
+            <a:r>
+              <a:rPr lang="en-US" sz="2000" dirty="0"/>
+              <a:t>Second, find optimal solutions using simulated annealing.</a:t>
+            </a:r>
+          </a:p>
+          <a:p>
+            <a:pPr marL="342900" indent="-342900">
+              <a:buFont typeface="+mj-lt"/>
+              <a:buAutoNum type="arabicPeriod"/>
+            </a:pPr>
+            <a:r>
+              <a:rPr lang="en-US" sz="2000" dirty="0"/>
+              <a:t>Third, use the data generated by the hill climbing and simulated annealing algorithms to train a deep neural network.</a:t>
+            </a:r>
+          </a:p>
+        </p:txBody>
+      </p:sp>
+    </p:spTree>
+    <p:extLst>
+      <p:ext uri="{BB962C8B-B14F-4D97-AF65-F5344CB8AC3E}">
+        <p14:creationId xmlns:p14="http://schemas.microsoft.com/office/powerpoint/2010/main" val="1973931166"/>
+      </p:ext>
+    </p:extLst>
+  </p:cSld>
+  <p:clrMapOvr>
+    <a:masterClrMapping/>
+  </p:clrMapOvr>
+</p:sld>
+</file>
+
+<file path=ppt/slides/slide4.xml><?xml version="1.0" encoding="utf-8"?>
+<p:sld xmlns:a="http://schemas.openxmlformats.org/drawingml/2006/main" xmlns:r="http://schemas.openxmlformats.org/officeDocument/2006/relationships" xmlns:p="http://schemas.openxmlformats.org/presentationml/2006/main">
+  <p:cSld>
+    <p:spTree>
+      <p:nvGrpSpPr>
+        <p:cNvPr id="1" name=""/>
+        <p:cNvGrpSpPr/>
+        <p:nvPr/>
+      </p:nvGrpSpPr>
+      <p:grpSpPr>
+        <a:xfrm>
+          <a:off x="0" y="0"/>
+          <a:ext cx="0" cy="0"/>
+          <a:chOff x="0" y="0"/>
+          <a:chExt cx="0" cy="0"/>
+        </a:xfrm>
+      </p:grpSpPr>
+      <p:sp>
+        <p:nvSpPr>
+          <p:cNvPr id="2" name="Title 1">
+            <a:extLst>
+              <a:ext uri="{FF2B5EF4-FFF2-40B4-BE49-F238E27FC236}">
+                <a16:creationId xmlns:a16="http://schemas.microsoft.com/office/drawing/2014/main" id="{4DB879A0-3FA9-44E0-ADDA-6748EF3E910D}"/>
+              </a:ext>
+            </a:extLst>
+          </p:cNvPr>
+          <p:cNvSpPr>
+            <a:spLocks noGrp="1"/>
+          </p:cNvSpPr>
+          <p:nvPr>
+            <p:ph type="title"/>
+          </p:nvPr>
+        </p:nvSpPr>
+        <p:spPr/>
+        <p:txBody>
+          <a:bodyPr/>
+          <a:lstStyle/>
+          <a:p>
+            <a:r>
+              <a:rPr lang="en-US" dirty="0"/>
+              <a:t>Our Progress</a:t>
+            </a:r>
+          </a:p>
+        </p:txBody>
+      </p:sp>
+      <p:sp>
+        <p:nvSpPr>
+          <p:cNvPr id="3" name="Content Placeholder 2">
+            <a:extLst>
+              <a:ext uri="{FF2B5EF4-FFF2-40B4-BE49-F238E27FC236}">
+                <a16:creationId xmlns:a16="http://schemas.microsoft.com/office/drawing/2014/main" id="{C5465BCD-1C7B-4224-BCCB-2C9DAC57D603}"/>
+              </a:ext>
+            </a:extLst>
+          </p:cNvPr>
+          <p:cNvSpPr>
+            <a:spLocks noGrp="1"/>
+          </p:cNvSpPr>
+          <p:nvPr>
+            <p:ph idx="1"/>
+          </p:nvPr>
+        </p:nvSpPr>
+        <p:spPr/>
+        <p:txBody>
+          <a:bodyPr>
+            <a:normAutofit/>
+          </a:bodyPr>
+          <a:lstStyle/>
+          <a:p>
+            <a:r>
+              <a:rPr lang="en-US" sz="2000" dirty="0"/>
+              <a:t>Since our midterm presentation, we have…</a:t>
+            </a:r>
+          </a:p>
+          <a:p>
+            <a:pPr lvl="1"/>
+            <a:r>
+              <a:rPr lang="en-US" sz="1800" dirty="0"/>
+              <a:t>…completed initialization code for randomly generating Light Up puzzles.</a:t>
+            </a:r>
+          </a:p>
+          <a:p>
+            <a:pPr lvl="1"/>
+            <a:r>
+              <a:rPr lang="en-US" sz="1800" dirty="0"/>
+              <a:t>…implemented hill climbing and simulated annealing for finding optimal solutions.</a:t>
+            </a:r>
+          </a:p>
+          <a:p>
+            <a:pPr lvl="1"/>
+            <a:r>
+              <a:rPr lang="en-US" sz="1800" dirty="0"/>
+              <a:t>…successfully trained a convolutional neural network using the data generated by hill climbing and simulated annealing.</a:t>
+            </a:r>
+          </a:p>
+          <a:p>
+            <a:pPr lvl="2"/>
+            <a:r>
+              <a:rPr lang="en-US" sz="1700" dirty="0"/>
+              <a:t>(Note to self: This one might not actually be ready by the time we present. Check in with Robert for a progress report.)</a:t>
+            </a:r>
+          </a:p>
+        </p:txBody>
+      </p:sp>
+    </p:spTree>
+    <p:extLst>
+      <p:ext uri="{BB962C8B-B14F-4D97-AF65-F5344CB8AC3E}">
+        <p14:creationId xmlns:p14="http://schemas.microsoft.com/office/powerpoint/2010/main" val="4240498704"/>
+      </p:ext>
+    </p:extLst>
+  </p:cSld>
+  <p:clrMapOvr>
+    <a:masterClrMapping/>
+  </p:clrMapOvr>
+</p:sld>
+</file>
+
+<file path=ppt/slides/slide5.xml><?xml version="1.0" encoding="utf-8"?>
+<p:sld xmlns:a="http://schemas.openxmlformats.org/drawingml/2006/main" xmlns:r="http://schemas.openxmlformats.org/officeDocument/2006/relationships" xmlns:p="http://schemas.openxmlformats.org/presentationml/2006/main">
+  <p:cSld>
+    <p:spTree>
+      <p:nvGrpSpPr>
+        <p:cNvPr id="1" name=""/>
+        <p:cNvGrpSpPr/>
+        <p:nvPr/>
+      </p:nvGrpSpPr>
+      <p:grpSpPr>
+        <a:xfrm>
+          <a:off x="0" y="0"/>
+          <a:ext cx="0" cy="0"/>
+          <a:chOff x="0" y="0"/>
+          <a:chExt cx="0" cy="0"/>
+        </a:xfrm>
+      </p:grpSpPr>
+      <p:sp>
+        <p:nvSpPr>
+          <p:cNvPr id="2" name="Title 1">
+            <a:extLst>
+              <a:ext uri="{FF2B5EF4-FFF2-40B4-BE49-F238E27FC236}">
+                <a16:creationId xmlns:a16="http://schemas.microsoft.com/office/drawing/2014/main" id="{C98BAD10-4E24-4BE6-BA74-68B8612C4AD7}"/>
+              </a:ext>
+            </a:extLst>
+          </p:cNvPr>
+          <p:cNvSpPr>
+            <a:spLocks noGrp="1"/>
+          </p:cNvSpPr>
+          <p:nvPr>
+            <p:ph type="title"/>
+          </p:nvPr>
+        </p:nvSpPr>
+        <p:spPr/>
+        <p:txBody>
+          <a:bodyPr/>
+          <a:lstStyle/>
+          <a:p>
+            <a:r>
+              <a:rPr lang="en-US" dirty="0"/>
+              <a:t>Our Progress</a:t>
+            </a:r>
+          </a:p>
+        </p:txBody>
+      </p:sp>
+      <p:sp>
+        <p:nvSpPr>
+          <p:cNvPr id="3" name="Content Placeholder 2">
+            <a:extLst>
+              <a:ext uri="{FF2B5EF4-FFF2-40B4-BE49-F238E27FC236}">
+                <a16:creationId xmlns:a16="http://schemas.microsoft.com/office/drawing/2014/main" id="{7B8CA816-D250-421B-A87B-023559B4F9D2}"/>
+              </a:ext>
+            </a:extLst>
+          </p:cNvPr>
+          <p:cNvSpPr>
+            <a:spLocks noGrp="1"/>
+          </p:cNvSpPr>
+          <p:nvPr>
+            <p:ph sz="half" idx="1"/>
+          </p:nvPr>
+        </p:nvSpPr>
+        <p:spPr/>
+        <p:txBody>
+          <a:bodyPr>
+            <a:normAutofit lnSpcReduction="10000"/>
+          </a:bodyPr>
+          <a:lstStyle/>
+          <a:p>
+            <a:r>
+              <a:rPr lang="en-US" sz="2000" dirty="0"/>
+              <a:t>Since our midterm presentation, we have…</a:t>
+            </a:r>
+          </a:p>
+          <a:p>
+            <a:pPr lvl="1"/>
+            <a:r>
+              <a:rPr lang="en-US" sz="1800" dirty="0"/>
+              <a:t>…completed initialization code for randomly generating Light Up puzzles (see right for an example of how boards </a:t>
+            </a:r>
+            <a:r>
+              <a:rPr lang="en-US" sz="1800"/>
+              <a:t>are represented).</a:t>
+            </a:r>
+            <a:endParaRPr lang="en-US" sz="1800" dirty="0"/>
+          </a:p>
+          <a:p>
+            <a:pPr lvl="1"/>
+            <a:r>
+              <a:rPr lang="en-US" sz="1800" dirty="0"/>
+              <a:t>…implemented hill climbing and simulated annealing for finding optimal solutions.</a:t>
+            </a:r>
+          </a:p>
+          <a:p>
+            <a:pPr lvl="1"/>
+            <a:r>
+              <a:rPr lang="en-US" sz="1800" dirty="0"/>
+              <a:t>…successfully trained a convolutional neural network using the data generated by hill climbing and simulated annealing.</a:t>
+            </a:r>
+          </a:p>
+        </p:txBody>
+      </p:sp>
+      <p:sp>
+        <p:nvSpPr>
+          <p:cNvPr id="4" name="Content Placeholder 3">
+            <a:extLst>
+              <a:ext uri="{FF2B5EF4-FFF2-40B4-BE49-F238E27FC236}">
+                <a16:creationId xmlns:a16="http://schemas.microsoft.com/office/drawing/2014/main" id="{CE886D06-995D-44E0-A3EC-62285EE9CAAE}"/>
+              </a:ext>
+            </a:extLst>
+          </p:cNvPr>
+          <p:cNvSpPr>
+            <a:spLocks noGrp="1"/>
+          </p:cNvSpPr>
+          <p:nvPr>
+            <p:ph sz="half" idx="2"/>
+          </p:nvPr>
+        </p:nvSpPr>
+        <p:spPr>
+          <a:xfrm>
+            <a:off x="8471534" y="4160520"/>
+            <a:ext cx="3720465" cy="2697480"/>
+          </a:xfrm>
+        </p:spPr>
+        <p:txBody>
+          <a:bodyPr>
+            <a:normAutofit lnSpcReduction="10000"/>
+          </a:bodyPr>
+          <a:lstStyle/>
+          <a:p>
+            <a:pPr marL="0" indent="0">
+              <a:buNone/>
+            </a:pPr>
+            <a:r>
+              <a:rPr lang="en-US" dirty="0">
+                <a:latin typeface="Courier New" panose="02070309020205020404" pitchFamily="49" charset="0"/>
+                <a:cs typeface="Courier New" panose="02070309020205020404" pitchFamily="49" charset="0"/>
+              </a:rPr>
+              <a:t>[6,6,0,6,6,6,6],</a:t>
+            </a:r>
+            <a:br>
+              <a:rPr lang="en-US" dirty="0">
+                <a:latin typeface="Courier New" panose="02070309020205020404" pitchFamily="49" charset="0"/>
+                <a:cs typeface="Courier New" panose="02070309020205020404" pitchFamily="49" charset="0"/>
+              </a:rPr>
+            </a:br>
+            <a:r>
+              <a:rPr lang="en-US" dirty="0">
+                <a:latin typeface="Courier New" panose="02070309020205020404" pitchFamily="49" charset="0"/>
+                <a:cs typeface="Courier New" panose="02070309020205020404" pitchFamily="49" charset="0"/>
+              </a:rPr>
+              <a:t>[5,6,6,6,6,6,6],</a:t>
+            </a:r>
+            <a:br>
+              <a:rPr lang="en-US" dirty="0">
+                <a:latin typeface="Courier New" panose="02070309020205020404" pitchFamily="49" charset="0"/>
+                <a:cs typeface="Courier New" panose="02070309020205020404" pitchFamily="49" charset="0"/>
+              </a:rPr>
+            </a:br>
+            <a:r>
+              <a:rPr lang="en-US" dirty="0">
+                <a:latin typeface="Courier New" panose="02070309020205020404" pitchFamily="49" charset="0"/>
+                <a:cs typeface="Courier New" panose="02070309020205020404" pitchFamily="49" charset="0"/>
+              </a:rPr>
+              <a:t>[6,6,6,6,6,6,6],</a:t>
+            </a:r>
+            <a:br>
+              <a:rPr lang="en-US" dirty="0">
+                <a:latin typeface="Courier New" panose="02070309020205020404" pitchFamily="49" charset="0"/>
+                <a:cs typeface="Courier New" panose="02070309020205020404" pitchFamily="49" charset="0"/>
+              </a:rPr>
+            </a:br>
+            <a:r>
+              <a:rPr lang="en-US" dirty="0">
+                <a:latin typeface="Courier New" panose="02070309020205020404" pitchFamily="49" charset="0"/>
+                <a:cs typeface="Courier New" panose="02070309020205020404" pitchFamily="49" charset="0"/>
+              </a:rPr>
+              <a:t>[6,6,6,6,5,6,6],</a:t>
+            </a:r>
+            <a:br>
+              <a:rPr lang="en-US" dirty="0">
+                <a:latin typeface="Courier New" panose="02070309020205020404" pitchFamily="49" charset="0"/>
+                <a:cs typeface="Courier New" panose="02070309020205020404" pitchFamily="49" charset="0"/>
+              </a:rPr>
+            </a:br>
+            <a:r>
+              <a:rPr lang="en-US" dirty="0">
+                <a:latin typeface="Courier New" panose="02070309020205020404" pitchFamily="49" charset="0"/>
+                <a:cs typeface="Courier New" panose="02070309020205020404" pitchFamily="49" charset="0"/>
+              </a:rPr>
+              <a:t>[6,1,6,6,6,6,3],</a:t>
+            </a:r>
+            <a:br>
+              <a:rPr lang="en-US" dirty="0">
+                <a:latin typeface="Courier New" panose="02070309020205020404" pitchFamily="49" charset="0"/>
+                <a:cs typeface="Courier New" panose="02070309020205020404" pitchFamily="49" charset="0"/>
+              </a:rPr>
+            </a:br>
+            <a:r>
+              <a:rPr lang="en-US" dirty="0">
+                <a:latin typeface="Courier New" panose="02070309020205020404" pitchFamily="49" charset="0"/>
+                <a:cs typeface="Courier New" panose="02070309020205020404" pitchFamily="49" charset="0"/>
+              </a:rPr>
+              <a:t>[6,6,6,6,6,6,6],</a:t>
+            </a:r>
+            <a:br>
+              <a:rPr lang="en-US" dirty="0">
+                <a:latin typeface="Courier New" panose="02070309020205020404" pitchFamily="49" charset="0"/>
+                <a:cs typeface="Courier New" panose="02070309020205020404" pitchFamily="49" charset="0"/>
+              </a:rPr>
+            </a:br>
+            <a:r>
+              <a:rPr lang="en-US" dirty="0">
+                <a:latin typeface="Courier New" panose="02070309020205020404" pitchFamily="49" charset="0"/>
+                <a:cs typeface="Courier New" panose="02070309020205020404" pitchFamily="49" charset="0"/>
+              </a:rPr>
+              <a:t>[3,6,6,6,6,6,6]</a:t>
+            </a:r>
+          </a:p>
+        </p:txBody>
+      </p:sp>
+      <p:pic>
+        <p:nvPicPr>
+          <p:cNvPr id="6" name="Picture 5" descr="A screen shot of a building&#10;&#10;Description automatically generated">
+            <a:extLst>
+              <a:ext uri="{FF2B5EF4-FFF2-40B4-BE49-F238E27FC236}">
+                <a16:creationId xmlns:a16="http://schemas.microsoft.com/office/drawing/2014/main" id="{F832B0DC-7633-4B97-AF28-DDC5FC78B7D5}"/>
+              </a:ext>
+            </a:extLst>
+          </p:cNvPr>
+          <p:cNvPicPr>
+            <a:picLocks noChangeAspect="1"/>
+          </p:cNvPicPr>
+          <p:nvPr/>
+        </p:nvPicPr>
+        <p:blipFill>
+          <a:blip r:embed="rId2"/>
+          <a:stretch>
+            <a:fillRect/>
+          </a:stretch>
+        </p:blipFill>
+        <p:spPr>
+          <a:xfrm>
+            <a:off x="6461760" y="2103120"/>
+            <a:ext cx="2009775" cy="2057400"/>
+          </a:xfrm>
+          <a:prstGeom prst="rect">
+            <a:avLst/>
+          </a:prstGeom>
+        </p:spPr>
+      </p:pic>
+      <p:cxnSp>
+        <p:nvCxnSpPr>
+          <p:cNvPr id="7" name="Straight Arrow Connector 6">
+            <a:extLst>
+              <a:ext uri="{FF2B5EF4-FFF2-40B4-BE49-F238E27FC236}">
+                <a16:creationId xmlns:a16="http://schemas.microsoft.com/office/drawing/2014/main" id="{625A95D0-40E5-4DC6-9FC6-0CF661B267A8}"/>
+              </a:ext>
+            </a:extLst>
+          </p:cNvPr>
+          <p:cNvCxnSpPr/>
+          <p:nvPr/>
+        </p:nvCxnSpPr>
+        <p:spPr>
+          <a:xfrm>
+            <a:off x="8510532" y="3778624"/>
+            <a:ext cx="692523" cy="381896"/>
+          </a:xfrm>
+          <a:prstGeom prst="straightConnector1">
+            <a:avLst/>
+          </a:prstGeom>
+          <a:ln w="9525" cap="flat" cmpd="sng" algn="ctr">
+            <a:solidFill>
+              <a:schemeClr val="dk1"/>
+            </a:solidFill>
+            <a:prstDash val="solid"/>
+            <a:round/>
+            <a:headEnd type="none" w="med" len="med"/>
+            <a:tailEnd type="arrow" w="med" len="med"/>
+          </a:ln>
+        </p:spPr>
+        <p:style>
+          <a:lnRef idx="0">
+            <a:scrgbClr r="0" g="0" b="0"/>
+          </a:lnRef>
+          <a:fillRef idx="0">
+            <a:scrgbClr r="0" g="0" b="0"/>
+          </a:fillRef>
+          <a:effectRef idx="0">
+            <a:scrgbClr r="0" g="0" b="0"/>
+          </a:effectRef>
+          <a:fontRef idx="minor">
+            <a:schemeClr val="tx1"/>
+          </a:fontRef>
+        </p:style>
+      </p:cxnSp>
+      <p:cxnSp>
+        <p:nvCxnSpPr>
+          <p:cNvPr id="8" name="Straight Arrow Connector 7">
+            <a:extLst>
+              <a:ext uri="{FF2B5EF4-FFF2-40B4-BE49-F238E27FC236}">
+                <a16:creationId xmlns:a16="http://schemas.microsoft.com/office/drawing/2014/main" id="{04133E34-60F1-4879-8D94-FB9E7F795385}"/>
+              </a:ext>
+            </a:extLst>
+          </p:cNvPr>
+          <p:cNvCxnSpPr/>
+          <p:nvPr/>
+        </p:nvCxnSpPr>
+        <p:spPr>
+          <a:xfrm>
+            <a:off x="7818009" y="4249446"/>
+            <a:ext cx="692523" cy="381896"/>
+          </a:xfrm>
+          <a:prstGeom prst="straightConnector1">
+            <a:avLst/>
+          </a:prstGeom>
+          <a:ln w="9525" cap="flat" cmpd="sng" algn="ctr">
+            <a:solidFill>
+              <a:schemeClr val="dk1"/>
+            </a:solidFill>
+            <a:prstDash val="solid"/>
+            <a:round/>
+            <a:headEnd type="none" w="med" len="med"/>
+            <a:tailEnd type="arrow" w="med" len="med"/>
+          </a:ln>
+        </p:spPr>
+        <p:style>
+          <a:lnRef idx="0">
+            <a:scrgbClr r="0" g="0" b="0"/>
+          </a:lnRef>
+          <a:fillRef idx="0">
+            <a:scrgbClr r="0" g="0" b="0"/>
+          </a:fillRef>
+          <a:effectRef idx="0">
+            <a:scrgbClr r="0" g="0" b="0"/>
+          </a:effectRef>
+          <a:fontRef idx="minor">
+            <a:schemeClr val="tx1"/>
+          </a:fontRef>
+        </p:style>
+      </p:cxnSp>
+    </p:spTree>
+    <p:extLst>
+      <p:ext uri="{BB962C8B-B14F-4D97-AF65-F5344CB8AC3E}">
+        <p14:creationId xmlns:p14="http://schemas.microsoft.com/office/powerpoint/2010/main" val="4258766527"/>
+      </p:ext>
+    </p:extLst>
+  </p:cSld>
+  <p:clrMapOvr>
+    <a:masterClrMapping/>
+  </p:clrMapOvr>
+</p:sld>
+</file>
+
+<file path=ppt/slides/slide6.xml><?xml version="1.0" encoding="utf-8"?>
+<p:sld xmlns:a="http://schemas.openxmlformats.org/drawingml/2006/main" xmlns:r="http://schemas.openxmlformats.org/officeDocument/2006/relationships" xmlns:p="http://schemas.openxmlformats.org/presentationml/2006/main">
+  <p:cSld>
+    <p:spTree>
+      <p:nvGrpSpPr>
+        <p:cNvPr id="1" name=""/>
+        <p:cNvGrpSpPr/>
+        <p:nvPr/>
+      </p:nvGrpSpPr>
+      <p:grpSpPr>
+        <a:xfrm>
+          <a:off x="0" y="0"/>
+          <a:ext cx="0" cy="0"/>
+          <a:chOff x="0" y="0"/>
+          <a:chExt cx="0" cy="0"/>
+        </a:xfrm>
+      </p:grpSpPr>
+      <p:sp>
+        <p:nvSpPr>
+          <p:cNvPr id="2" name="Title 1">
+            <a:extLst>
+              <a:ext uri="{FF2B5EF4-FFF2-40B4-BE49-F238E27FC236}">
+                <a16:creationId xmlns:a16="http://schemas.microsoft.com/office/drawing/2014/main" id="{C7163C8E-B06B-4C54-90AD-A2C8E91013DF}"/>
+              </a:ext>
+            </a:extLst>
+          </p:cNvPr>
+          <p:cNvSpPr>
+            <a:spLocks noGrp="1"/>
+          </p:cNvSpPr>
+          <p:nvPr>
+            <p:ph type="title"/>
+          </p:nvPr>
+        </p:nvSpPr>
+        <p:spPr/>
+        <p:txBody>
+          <a:bodyPr/>
+          <a:lstStyle/>
+          <a:p>
+            <a:r>
+              <a:rPr lang="en-US" dirty="0"/>
+              <a:t>Results: Hill Climbing</a:t>
+            </a:r>
+          </a:p>
+        </p:txBody>
+      </p:sp>
+      <p:sp>
+        <p:nvSpPr>
+          <p:cNvPr id="3" name="Content Placeholder 2">
+            <a:extLst>
+              <a:ext uri="{FF2B5EF4-FFF2-40B4-BE49-F238E27FC236}">
+                <a16:creationId xmlns:a16="http://schemas.microsoft.com/office/drawing/2014/main" id="{FD94790F-C2EE-4292-8006-3AC4B55B20A0}"/>
+              </a:ext>
+            </a:extLst>
+          </p:cNvPr>
+          <p:cNvSpPr>
+            <a:spLocks noGrp="1"/>
+          </p:cNvSpPr>
+          <p:nvPr>
+            <p:ph idx="1"/>
+          </p:nvPr>
+        </p:nvSpPr>
+        <p:spPr/>
+        <p:txBody>
+          <a:bodyPr>
+            <a:normAutofit/>
+          </a:bodyPr>
+          <a:lstStyle/>
+          <a:p>
+            <a:r>
+              <a:rPr lang="en-US" sz="2000" dirty="0"/>
+              <a:t>Our work on hill climbing and simulated annealing was divided into three parts:</a:t>
+            </a:r>
+          </a:p>
+          <a:p>
+            <a:pPr lvl="1"/>
+            <a:r>
+              <a:rPr lang="en-US" sz="1800" dirty="0"/>
+              <a:t>Vanilla hill climbing with no special puzzle parameters.</a:t>
+            </a:r>
+          </a:p>
+          <a:p>
+            <a:pPr lvl="1"/>
+            <a:r>
+              <a:rPr lang="en-US" sz="1800" dirty="0"/>
+              <a:t>Vanilla hill climbing with a puzzle with a single, unique optimal solution.</a:t>
+            </a:r>
+          </a:p>
+          <a:p>
+            <a:pPr lvl="1"/>
+            <a:r>
+              <a:rPr lang="en-US" sz="1800" dirty="0"/>
+              <a:t>Simulated annealing with a puzzle with a single, unique optimal solution.</a:t>
+            </a:r>
+          </a:p>
+          <a:p>
+            <a:r>
+              <a:rPr lang="en-US" sz="2000" dirty="0"/>
+              <a:t>The first of those proved to be the weakest implementation — if the puzzle lacked a single, unique optimal solution, vanilla hill climbing could rarely produce a globally optimal solution.</a:t>
+            </a:r>
+          </a:p>
+          <a:p>
+            <a:r>
+              <a:rPr lang="en-US" sz="2000" dirty="0"/>
+              <a:t>If there </a:t>
+            </a:r>
+            <a:r>
+              <a:rPr lang="en-US" sz="2000" i="1" dirty="0"/>
+              <a:t>was</a:t>
+            </a:r>
+            <a:r>
+              <a:rPr lang="en-US" sz="2000" dirty="0"/>
+              <a:t> a single, unique optimal solution, however, vanilla hill climbing </a:t>
+            </a:r>
+            <a:r>
+              <a:rPr lang="en-US" sz="2000" i="1" dirty="0"/>
+              <a:t>could</a:t>
+            </a:r>
+            <a:r>
+              <a:rPr lang="en-US" sz="2000" dirty="0"/>
+              <a:t> find it — given enough evaluations.</a:t>
+            </a:r>
+          </a:p>
+        </p:txBody>
+      </p:sp>
+    </p:spTree>
+    <p:extLst>
+      <p:ext uri="{BB962C8B-B14F-4D97-AF65-F5344CB8AC3E}">
+        <p14:creationId xmlns:p14="http://schemas.microsoft.com/office/powerpoint/2010/main" val="1387601495"/>
+      </p:ext>
+    </p:extLst>
+  </p:cSld>
+  <p:clrMapOvr>
+    <a:masterClrMapping/>
+  </p:clrMapOvr>
+</p:sld>
+</file>
+
+<file path=ppt/slides/slide7.xml><?xml version="1.0" encoding="utf-8"?>
+<p:sld xmlns:a="http://schemas.openxmlformats.org/drawingml/2006/main" xmlns:r="http://schemas.openxmlformats.org/officeDocument/2006/relationships" xmlns:p="http://schemas.openxmlformats.org/presentationml/2006/main">
+  <p:cSld>
+    <p:spTree>
+      <p:nvGrpSpPr>
+        <p:cNvPr id="1" name=""/>
+        <p:cNvGrpSpPr/>
+        <p:nvPr/>
+      </p:nvGrpSpPr>
+      <p:grpSpPr>
+        <a:xfrm>
+          <a:off x="0" y="0"/>
+          <a:ext cx="0" cy="0"/>
+          <a:chOff x="0" y="0"/>
+          <a:chExt cx="0" cy="0"/>
+        </a:xfrm>
+      </p:grpSpPr>
+      <p:sp>
+        <p:nvSpPr>
+          <p:cNvPr id="2" name="Title 1">
+            <a:extLst>
+              <a:ext uri="{FF2B5EF4-FFF2-40B4-BE49-F238E27FC236}">
+                <a16:creationId xmlns:a16="http://schemas.microsoft.com/office/drawing/2014/main" id="{CF73D406-4BA3-4193-B9AB-751146C54D67}"/>
+              </a:ext>
+            </a:extLst>
+          </p:cNvPr>
+          <p:cNvSpPr>
+            <a:spLocks noGrp="1"/>
+          </p:cNvSpPr>
+          <p:nvPr>
+            <p:ph type="title"/>
+          </p:nvPr>
+        </p:nvSpPr>
+        <p:spPr/>
+        <p:txBody>
+          <a:bodyPr/>
+          <a:lstStyle/>
+          <a:p>
+            <a:r>
+              <a:rPr lang="en-US" dirty="0"/>
+              <a:t>Results: Hill Climbing (Cont.)</a:t>
+            </a:r>
+          </a:p>
+        </p:txBody>
+      </p:sp>
+      <p:sp>
+        <p:nvSpPr>
+          <p:cNvPr id="3" name="Content Placeholder 2">
+            <a:extLst>
+              <a:ext uri="{FF2B5EF4-FFF2-40B4-BE49-F238E27FC236}">
+                <a16:creationId xmlns:a16="http://schemas.microsoft.com/office/drawing/2014/main" id="{3A6B422A-5BB4-4624-A557-E5AAD4C112CC}"/>
+              </a:ext>
+            </a:extLst>
+          </p:cNvPr>
+          <p:cNvSpPr>
+            <a:spLocks noGrp="1"/>
+          </p:cNvSpPr>
+          <p:nvPr>
+            <p:ph sz="half" idx="1"/>
+          </p:nvPr>
+        </p:nvSpPr>
+        <p:spPr/>
+        <p:txBody>
+          <a:bodyPr/>
+          <a:lstStyle/>
+          <a:p>
+            <a:r>
+              <a:rPr lang="en-US" dirty="0"/>
+              <a:t>To the right, you can see sample results from vanilla hill climbing with an optimized puzzle.</a:t>
+            </a:r>
+          </a:p>
+          <a:p>
+            <a:r>
+              <a:rPr lang="en-US" dirty="0"/>
+              <a:t>In one trial, at 300 function evaluations, the algorithm was able to find a globally optimal solution.</a:t>
+            </a:r>
+          </a:p>
+          <a:p>
+            <a:r>
+              <a:rPr lang="en-US" dirty="0"/>
+              <a:t>This particular run was not representative of all runs with these parameters, however, which often required thousands of evaluations.</a:t>
+            </a:r>
+          </a:p>
+        </p:txBody>
+      </p:sp>
+      <p:pic>
+        <p:nvPicPr>
+          <p:cNvPr id="10" name="Content Placeholder 9" descr="A close up of a sign&#10;&#10;Description automatically generated">
+            <a:extLst>
+              <a:ext uri="{FF2B5EF4-FFF2-40B4-BE49-F238E27FC236}">
+                <a16:creationId xmlns:a16="http://schemas.microsoft.com/office/drawing/2014/main" id="{3AC6BC85-B88C-4463-96AE-B4EE44D8F52E}"/>
+              </a:ext>
+            </a:extLst>
+          </p:cNvPr>
+          <p:cNvPicPr>
+            <a:picLocks noGrp="1" noChangeAspect="1"/>
+          </p:cNvPicPr>
+          <p:nvPr>
+            <p:ph sz="half" idx="2"/>
+          </p:nvPr>
+        </p:nvPicPr>
+        <p:blipFill>
+          <a:blip r:embed="rId2"/>
+          <a:stretch>
+            <a:fillRect/>
+          </a:stretch>
+        </p:blipFill>
+        <p:spPr>
+          <a:xfrm>
+            <a:off x="8041255" y="2103438"/>
+            <a:ext cx="1503814" cy="3748087"/>
+          </a:xfrm>
+        </p:spPr>
+      </p:pic>
+    </p:spTree>
+    <p:extLst>
+      <p:ext uri="{BB962C8B-B14F-4D97-AF65-F5344CB8AC3E}">
+        <p14:creationId xmlns:p14="http://schemas.microsoft.com/office/powerpoint/2010/main" val="832658327"/>
+      </p:ext>
+    </p:extLst>
+  </p:cSld>
+  <p:clrMapOvr>
+    <a:masterClrMapping/>
+  </p:clrMapOvr>
+</p:sld>
+</file>
+
+<file path=ppt/slides/slide8.xml><?xml version="1.0" encoding="utf-8"?>
+<p:sld xmlns:a="http://schemas.openxmlformats.org/drawingml/2006/main" xmlns:r="http://schemas.openxmlformats.org/officeDocument/2006/relationships" xmlns:p="http://schemas.openxmlformats.org/presentationml/2006/main">
+  <p:cSld>
+    <p:spTree>
+      <p:nvGrpSpPr>
+        <p:cNvPr id="1" name=""/>
+        <p:cNvGrpSpPr/>
+        <p:nvPr/>
+      </p:nvGrpSpPr>
+      <p:grpSpPr>
+        <a:xfrm>
+          <a:off x="0" y="0"/>
+          <a:ext cx="0" cy="0"/>
+          <a:chOff x="0" y="0"/>
+          <a:chExt cx="0" cy="0"/>
+        </a:xfrm>
+      </p:grpSpPr>
+      <p:sp>
+        <p:nvSpPr>
+          <p:cNvPr id="2" name="Title 1">
+            <a:extLst>
+              <a:ext uri="{FF2B5EF4-FFF2-40B4-BE49-F238E27FC236}">
+                <a16:creationId xmlns:a16="http://schemas.microsoft.com/office/drawing/2014/main" id="{C7163C8E-B06B-4C54-90AD-A2C8E91013DF}"/>
+              </a:ext>
+            </a:extLst>
+          </p:cNvPr>
+          <p:cNvSpPr>
+            <a:spLocks noGrp="1"/>
+          </p:cNvSpPr>
+          <p:nvPr>
+            <p:ph type="title"/>
+          </p:nvPr>
+        </p:nvSpPr>
+        <p:spPr/>
+        <p:txBody>
+          <a:bodyPr/>
+          <a:lstStyle/>
+          <a:p>
+            <a:r>
+              <a:rPr lang="en-US" dirty="0"/>
+              <a:t>Results: Simulated Annealing</a:t>
+            </a:r>
+          </a:p>
+        </p:txBody>
+      </p:sp>
+      <p:sp>
+        <p:nvSpPr>
+          <p:cNvPr id="3" name="Content Placeholder 2">
+            <a:extLst>
+              <a:ext uri="{FF2B5EF4-FFF2-40B4-BE49-F238E27FC236}">
+                <a16:creationId xmlns:a16="http://schemas.microsoft.com/office/drawing/2014/main" id="{FD94790F-C2EE-4292-8006-3AC4B55B20A0}"/>
+              </a:ext>
+            </a:extLst>
+          </p:cNvPr>
+          <p:cNvSpPr>
+            <a:spLocks noGrp="1"/>
+          </p:cNvSpPr>
+          <p:nvPr>
+            <p:ph idx="1"/>
+          </p:nvPr>
+        </p:nvSpPr>
+        <p:spPr/>
+        <p:txBody>
+          <a:bodyPr>
+            <a:normAutofit/>
+          </a:bodyPr>
+          <a:lstStyle/>
+          <a:p>
+            <a:r>
+              <a:rPr lang="en-US" sz="2000" dirty="0"/>
+              <a:t>Simulated annealing was found to be a much more robust algorithm than vanilla hill climbing, often producing globally optimal solutions in less than one thousand function evaluations.</a:t>
+            </a:r>
+          </a:p>
+          <a:p>
+            <a:r>
+              <a:rPr lang="en-US" sz="2000" dirty="0"/>
+              <a:t>“Often” does not mean “always,” however, and simulated annealing would still occasionally have trouble — in one instance, 8,700 evaluations were needed to find the global optimum.</a:t>
+            </a:r>
+          </a:p>
+          <a:p>
+            <a:r>
+              <a:rPr lang="en-US" sz="2000" dirty="0"/>
+              <a:t>This is still an improvement over vanilla hill climbing with the same puzzle parameters, though, which sometimes needed over 10,000 function evaluations to solve a problem of similar complexity.</a:t>
+            </a:r>
+          </a:p>
+        </p:txBody>
+      </p:sp>
+    </p:spTree>
+    <p:extLst>
+      <p:ext uri="{BB962C8B-B14F-4D97-AF65-F5344CB8AC3E}">
+        <p14:creationId xmlns:p14="http://schemas.microsoft.com/office/powerpoint/2010/main" val="3777218147"/>
+      </p:ext>
+    </p:extLst>
+  </p:cSld>
+  <p:clrMapOvr>
+    <a:masterClrMapping/>
+  </p:clrMapOvr>
+</p:sld>
+</file>
+
+<file path=ppt/slides/slide9.xml><?xml version="1.0" encoding="utf-8"?>
+<p:sld xmlns:a="http://schemas.openxmlformats.org/drawingml/2006/main" xmlns:r="http://schemas.openxmlformats.org/officeDocument/2006/relationships" xmlns:p="http://schemas.openxmlformats.org/presentationml/2006/main">
+  <p:cSld>
+    <p:spTree>
+      <p:nvGrpSpPr>
+        <p:cNvPr id="1" name=""/>
+        <p:cNvGrpSpPr/>
+        <p:nvPr/>
+      </p:nvGrpSpPr>
+      <p:grpSpPr>
+        <a:xfrm>
+          <a:off x="0" y="0"/>
+          <a:ext cx="0" cy="0"/>
+          <a:chOff x="0" y="0"/>
+          <a:chExt cx="0" cy="0"/>
+        </a:xfrm>
+      </p:grpSpPr>
+      <p:sp>
+        <p:nvSpPr>
+          <p:cNvPr id="2" name="Title 1">
+            <a:extLst>
+              <a:ext uri="{FF2B5EF4-FFF2-40B4-BE49-F238E27FC236}">
+                <a16:creationId xmlns:a16="http://schemas.microsoft.com/office/drawing/2014/main" id="{C7163C8E-B06B-4C54-90AD-A2C8E91013DF}"/>
+              </a:ext>
+            </a:extLst>
+          </p:cNvPr>
+          <p:cNvSpPr>
+            <a:spLocks noGrp="1"/>
+          </p:cNvSpPr>
+          <p:nvPr>
+            <p:ph type="title"/>
+          </p:nvPr>
+        </p:nvSpPr>
+        <p:spPr>
+          <a:xfrm>
+            <a:off x="435203" y="0"/>
+            <a:ext cx="10058400" cy="1371600"/>
+          </a:xfrm>
+        </p:spPr>
+        <p:txBody>
+          <a:bodyPr/>
+          <a:lstStyle/>
+          <a:p>
+            <a:r>
+              <a:rPr lang="en-US" b="1" dirty="0"/>
+              <a:t>Forward-Feed Neural-Net  (FCNN) </a:t>
+            </a:r>
+          </a:p>
+        </p:txBody>
+      </p:sp>
+      <p:pic>
+        <p:nvPicPr>
+          <p:cNvPr id="5" name="Content Placeholder 4" descr="Diagram, shape&#10;&#10;Description automatically generated">
+            <a:extLst>
+              <a:ext uri="{FF2B5EF4-FFF2-40B4-BE49-F238E27FC236}">
+                <a16:creationId xmlns:a16="http://schemas.microsoft.com/office/drawing/2014/main" id="{C8075173-CD84-4C54-AC47-8388734344F7}"/>
+              </a:ext>
+            </a:extLst>
+          </p:cNvPr>
+          <p:cNvPicPr>
+            <a:picLocks noGrp="1" noChangeAspect="1"/>
+          </p:cNvPicPr>
+          <p:nvPr>
+            <p:ph idx="1"/>
+          </p:nvPr>
+        </p:nvPicPr>
+        <p:blipFill>
+          <a:blip r:embed="rId2"/>
+          <a:stretch>
+            <a:fillRect/>
+          </a:stretch>
+        </p:blipFill>
+        <p:spPr>
+          <a:xfrm>
+            <a:off x="6499934" y="1278731"/>
+            <a:ext cx="5256863" cy="4300537"/>
+          </a:xfrm>
+        </p:spPr>
+      </p:pic>
       <p:sp>
         <p:nvSpPr>
           <p:cNvPr id="6" name="Content Placeholder 2">
@@ -5000,666 +7968,12 @@
           </a:lstStyle>
           <a:p>
             <a:r>
-              <a:rPr lang="en-US" sz="2000" dirty="0"/>
-              <a:t>5000 randomly generated boards (1 day)</a:t>
-            </a:r>
-          </a:p>
-          <a:p>
-            <a:pPr lvl="2"/>
-            <a:r>
-              <a:rPr lang="en-US" sz="1700" dirty="0"/>
-              <a:t>Train Set: 4000</a:t>
-            </a:r>
-          </a:p>
-          <a:p>
-            <a:pPr lvl="2"/>
-            <a:r>
-              <a:rPr lang="en-US" sz="1700" dirty="0"/>
-              <a:t>Test Set: 1000</a:t>
-            </a:r>
-          </a:p>
-          <a:p>
-            <a:pPr lvl="2"/>
-            <a:endParaRPr lang="en-US" sz="1700" dirty="0"/>
-          </a:p>
-          <a:p>
-            <a:r>
-              <a:rPr lang="en-US" sz="2000" dirty="0"/>
-              <a:t>Errors:</a:t>
-            </a:r>
-          </a:p>
-          <a:p>
-            <a:pPr lvl="2"/>
-            <a:r>
-              <a:rPr lang="en-US" sz="1700" dirty="0"/>
-              <a:t>Incorrect Labels</a:t>
-            </a:r>
-          </a:p>
-          <a:p>
-            <a:pPr lvl="2"/>
-            <a:r>
-              <a:rPr lang="en-US" sz="1700" dirty="0"/>
-              <a:t>Not enough training data</a:t>
-            </a:r>
-          </a:p>
-          <a:p>
-            <a:pPr lvl="2"/>
-            <a:r>
-              <a:rPr lang="en-US" sz="1700" dirty="0"/>
-              <a:t>Not able to capture a general relationship for initialization</a:t>
-            </a:r>
-          </a:p>
-          <a:p>
-            <a:endParaRPr lang="en-US" sz="2000" dirty="0"/>
-          </a:p>
-          <a:p>
-            <a:r>
-              <a:rPr lang="en-US" sz="2000" dirty="0"/>
-              <a:t>Improvements:</a:t>
-            </a:r>
-          </a:p>
-          <a:p>
-            <a:pPr lvl="2"/>
-            <a:r>
-              <a:rPr lang="en-US" sz="1700" dirty="0"/>
-              <a:t>Implement Convolutional Neural Nets (CNN)</a:t>
-            </a:r>
-          </a:p>
-          <a:p>
-            <a:pPr lvl="2"/>
-            <a:r>
-              <a:rPr lang="en-US" sz="1700" dirty="0"/>
-              <a:t>Gather more data</a:t>
-            </a:r>
-          </a:p>
-          <a:p>
-            <a:pPr lvl="2"/>
-            <a:endParaRPr lang="en-US" sz="1700" dirty="0"/>
-          </a:p>
-          <a:p>
-            <a:pPr lvl="2"/>
-            <a:endParaRPr lang="en-US" sz="1700" dirty="0"/>
-          </a:p>
-        </p:txBody>
-      </p:sp>
-      <p:pic>
-        <p:nvPicPr>
-          <p:cNvPr id="8" name="Content Placeholder 7">
-            <a:extLst>
-              <a:ext uri="{FF2B5EF4-FFF2-40B4-BE49-F238E27FC236}">
-                <a16:creationId xmlns:a16="http://schemas.microsoft.com/office/drawing/2014/main" id="{09DD596D-D20A-4B14-9BFE-0C8BFCDC6BAB}"/>
-              </a:ext>
-            </a:extLst>
-          </p:cNvPr>
-          <p:cNvPicPr>
-            <a:picLocks noGrp="1" noChangeAspect="1"/>
-          </p:cNvPicPr>
-          <p:nvPr>
-            <p:ph idx="1"/>
-          </p:nvPr>
-        </p:nvPicPr>
-        <p:blipFill>
-          <a:blip r:embed="rId2"/>
-          <a:stretch>
-            <a:fillRect/>
-          </a:stretch>
-        </p:blipFill>
-        <p:spPr>
-          <a:xfrm>
-            <a:off x="9256433" y="1111686"/>
-            <a:ext cx="2152650" cy="2152650"/>
-          </a:xfrm>
-          <a:prstGeom prst="rect">
-            <a:avLst/>
-          </a:prstGeom>
-        </p:spPr>
-      </p:pic>
-      <p:pic>
-        <p:nvPicPr>
-          <p:cNvPr id="7" name="Picture 6">
-            <a:extLst>
-              <a:ext uri="{FF2B5EF4-FFF2-40B4-BE49-F238E27FC236}">
-                <a16:creationId xmlns:a16="http://schemas.microsoft.com/office/drawing/2014/main" id="{103EABDE-9B85-49CB-8A37-7460E901E272}"/>
-              </a:ext>
-            </a:extLst>
-          </p:cNvPr>
-          <p:cNvPicPr>
-            <a:picLocks noChangeAspect="1"/>
-          </p:cNvPicPr>
-          <p:nvPr/>
-        </p:nvPicPr>
-        <p:blipFill rotWithShape="1">
-          <a:blip r:embed="rId3"/>
-          <a:srcRect l="1102" t="1329" r="1674" b="2101"/>
-          <a:stretch/>
-        </p:blipFill>
-        <p:spPr>
-          <a:xfrm>
-            <a:off x="6984206" y="1140261"/>
-            <a:ext cx="2083594" cy="2078832"/>
-          </a:xfrm>
-          <a:prstGeom prst="rect">
-            <a:avLst/>
-          </a:prstGeom>
-        </p:spPr>
-      </p:pic>
-      <p:sp>
-        <p:nvSpPr>
-          <p:cNvPr id="9" name="TextBox 8">
-            <a:extLst>
-              <a:ext uri="{FF2B5EF4-FFF2-40B4-BE49-F238E27FC236}">
-                <a16:creationId xmlns:a16="http://schemas.microsoft.com/office/drawing/2014/main" id="{A6534E45-D1EB-4639-886B-86BBEC6811B2}"/>
-              </a:ext>
-            </a:extLst>
-          </p:cNvPr>
-          <p:cNvSpPr txBox="1"/>
-          <p:nvPr/>
-        </p:nvSpPr>
-        <p:spPr>
-          <a:xfrm>
-            <a:off x="7448549" y="3222665"/>
-            <a:ext cx="1266825" cy="369332"/>
-          </a:xfrm>
-          <a:prstGeom prst="rect">
-            <a:avLst/>
-          </a:prstGeom>
-          <a:noFill/>
-        </p:spPr>
-        <p:txBody>
-          <a:bodyPr wrap="square" rtlCol="0">
-            <a:spAutoFit/>
-          </a:bodyPr>
-          <a:lstStyle/>
-          <a:p>
-            <a:r>
-              <a:rPr lang="en-US" dirty="0"/>
-              <a:t>Original</a:t>
-            </a:r>
-          </a:p>
-        </p:txBody>
-      </p:sp>
-      <p:sp>
-        <p:nvSpPr>
-          <p:cNvPr id="11" name="TextBox 10">
-            <a:extLst>
-              <a:ext uri="{FF2B5EF4-FFF2-40B4-BE49-F238E27FC236}">
-                <a16:creationId xmlns:a16="http://schemas.microsoft.com/office/drawing/2014/main" id="{78D7C7FA-884F-48E0-8328-B1E9EB55F0FF}"/>
-              </a:ext>
-            </a:extLst>
-          </p:cNvPr>
-          <p:cNvSpPr txBox="1"/>
-          <p:nvPr/>
-        </p:nvSpPr>
-        <p:spPr>
-          <a:xfrm>
-            <a:off x="9699345" y="3232429"/>
-            <a:ext cx="1397280" cy="369332"/>
-          </a:xfrm>
-          <a:prstGeom prst="rect">
-            <a:avLst/>
-          </a:prstGeom>
-          <a:noFill/>
-        </p:spPr>
-        <p:txBody>
-          <a:bodyPr wrap="square" rtlCol="0">
-            <a:spAutoFit/>
-          </a:bodyPr>
-          <a:lstStyle/>
-          <a:p>
-            <a:r>
-              <a:rPr lang="en-US" dirty="0"/>
-              <a:t>Predicted</a:t>
-            </a:r>
-          </a:p>
-        </p:txBody>
-      </p:sp>
-      <p:sp>
-        <p:nvSpPr>
-          <p:cNvPr id="14" name="TextBox 13">
-            <a:extLst>
-              <a:ext uri="{FF2B5EF4-FFF2-40B4-BE49-F238E27FC236}">
-                <a16:creationId xmlns:a16="http://schemas.microsoft.com/office/drawing/2014/main" id="{7F440F5F-D4AB-4883-B9E6-6A9DC312A2F2}"/>
-              </a:ext>
-            </a:extLst>
-          </p:cNvPr>
-          <p:cNvSpPr txBox="1"/>
-          <p:nvPr/>
-        </p:nvSpPr>
-        <p:spPr>
-          <a:xfrm>
-            <a:off x="7448549" y="6032424"/>
-            <a:ext cx="1266825" cy="369332"/>
-          </a:xfrm>
-          <a:prstGeom prst="rect">
-            <a:avLst/>
-          </a:prstGeom>
-          <a:noFill/>
-        </p:spPr>
-        <p:txBody>
-          <a:bodyPr wrap="square" rtlCol="0">
-            <a:spAutoFit/>
-          </a:bodyPr>
-          <a:lstStyle/>
-          <a:p>
-            <a:r>
-              <a:rPr lang="en-US" dirty="0"/>
-              <a:t>Original</a:t>
-            </a:r>
-          </a:p>
-        </p:txBody>
-      </p:sp>
-      <p:sp>
-        <p:nvSpPr>
-          <p:cNvPr id="15" name="TextBox 14">
-            <a:extLst>
-              <a:ext uri="{FF2B5EF4-FFF2-40B4-BE49-F238E27FC236}">
-                <a16:creationId xmlns:a16="http://schemas.microsoft.com/office/drawing/2014/main" id="{4E9F967C-3249-4729-98B6-30FFC9FF6A63}"/>
-              </a:ext>
-            </a:extLst>
-          </p:cNvPr>
-          <p:cNvSpPr txBox="1"/>
-          <p:nvPr/>
-        </p:nvSpPr>
-        <p:spPr>
-          <a:xfrm>
-            <a:off x="9699345" y="6042188"/>
-            <a:ext cx="1397280" cy="369332"/>
-          </a:xfrm>
-          <a:prstGeom prst="rect">
-            <a:avLst/>
-          </a:prstGeom>
-          <a:noFill/>
-        </p:spPr>
-        <p:txBody>
-          <a:bodyPr wrap="square" rtlCol="0">
-            <a:spAutoFit/>
-          </a:bodyPr>
-          <a:lstStyle/>
-          <a:p>
-            <a:r>
-              <a:rPr lang="en-US" dirty="0"/>
-              <a:t>Predicted</a:t>
-            </a:r>
-          </a:p>
-        </p:txBody>
-      </p:sp>
-      <p:pic>
-        <p:nvPicPr>
-          <p:cNvPr id="17" name="Picture 16" descr="A screen shot of a smart phone&#10;&#10;Description automatically generated">
-            <a:extLst>
-              <a:ext uri="{FF2B5EF4-FFF2-40B4-BE49-F238E27FC236}">
-                <a16:creationId xmlns:a16="http://schemas.microsoft.com/office/drawing/2014/main" id="{0A3F7C08-10D8-4CF5-8803-B4F77F22715E}"/>
-              </a:ext>
-            </a:extLst>
-          </p:cNvPr>
-          <p:cNvPicPr>
-            <a:picLocks noChangeAspect="1"/>
-          </p:cNvPicPr>
-          <p:nvPr/>
-        </p:nvPicPr>
-        <p:blipFill rotWithShape="1">
-          <a:blip r:embed="rId4"/>
-          <a:srcRect l="3361" t="13897" r="4727" b="5568"/>
-          <a:stretch/>
-        </p:blipFill>
-        <p:spPr>
-          <a:xfrm>
-            <a:off x="6984206" y="3963356"/>
-            <a:ext cx="2083594" cy="2078832"/>
-          </a:xfrm>
-          <a:prstGeom prst="rect">
-            <a:avLst/>
-          </a:prstGeom>
-        </p:spPr>
-      </p:pic>
-      <p:pic>
-        <p:nvPicPr>
-          <p:cNvPr id="19" name="Picture 18" descr="A close up of text on a white background&#10;&#10;Description automatically generated">
-            <a:extLst>
-              <a:ext uri="{FF2B5EF4-FFF2-40B4-BE49-F238E27FC236}">
-                <a16:creationId xmlns:a16="http://schemas.microsoft.com/office/drawing/2014/main" id="{CF0B870F-A5F2-4AA0-83C0-40C92B6F89EE}"/>
-              </a:ext>
-            </a:extLst>
-          </p:cNvPr>
-          <p:cNvPicPr>
-            <a:picLocks noChangeAspect="1"/>
-          </p:cNvPicPr>
-          <p:nvPr/>
-        </p:nvPicPr>
-        <p:blipFill rotWithShape="1">
-          <a:blip r:embed="rId5"/>
-          <a:srcRect l="4243" t="13282" r="5737" b="5884"/>
-          <a:stretch/>
-        </p:blipFill>
-        <p:spPr>
-          <a:xfrm>
-            <a:off x="9434512" y="3943350"/>
-            <a:ext cx="2083594" cy="2078832"/>
-          </a:xfrm>
-          <a:prstGeom prst="rect">
-            <a:avLst/>
-          </a:prstGeom>
-        </p:spPr>
-      </p:pic>
-    </p:spTree>
-    <p:extLst>
-      <p:ext uri="{BB962C8B-B14F-4D97-AF65-F5344CB8AC3E}">
-        <p14:creationId xmlns:p14="http://schemas.microsoft.com/office/powerpoint/2010/main" val="1308075861"/>
-      </p:ext>
-    </p:extLst>
-  </p:cSld>
-  <p:clrMapOvr>
-    <a:masterClrMapping/>
-  </p:clrMapOvr>
-</p:sld>
-</file>
-
-<file path=ppt/slides/slide12.xml><?xml version="1.0" encoding="utf-8"?>
-<p:sld xmlns:a="http://schemas.openxmlformats.org/drawingml/2006/main" xmlns:r="http://schemas.openxmlformats.org/officeDocument/2006/relationships" xmlns:p="http://schemas.openxmlformats.org/presentationml/2006/main">
-  <p:cSld>
-    <p:spTree>
-      <p:nvGrpSpPr>
-        <p:cNvPr id="1" name=""/>
-        <p:cNvGrpSpPr/>
-        <p:nvPr/>
-      </p:nvGrpSpPr>
-      <p:grpSpPr>
-        <a:xfrm>
-          <a:off x="0" y="0"/>
-          <a:ext cx="0" cy="0"/>
-          <a:chOff x="0" y="0"/>
-          <a:chExt cx="0" cy="0"/>
-        </a:xfrm>
-      </p:grpSpPr>
-      <p:sp>
-        <p:nvSpPr>
-          <p:cNvPr id="2" name="Title 1">
-            <a:extLst>
-              <a:ext uri="{FF2B5EF4-FFF2-40B4-BE49-F238E27FC236}">
-                <a16:creationId xmlns:a16="http://schemas.microsoft.com/office/drawing/2014/main" id="{C7163C8E-B06B-4C54-90AD-A2C8E91013DF}"/>
-              </a:ext>
-            </a:extLst>
-          </p:cNvPr>
-          <p:cNvSpPr>
-            <a:spLocks noGrp="1"/>
-          </p:cNvSpPr>
-          <p:nvPr>
-            <p:ph type="title"/>
-          </p:nvPr>
-        </p:nvSpPr>
-        <p:spPr>
-          <a:xfrm>
-            <a:off x="435203" y="0"/>
-            <a:ext cx="10058400" cy="1371600"/>
-          </a:xfrm>
-        </p:spPr>
-        <p:txBody>
-          <a:bodyPr/>
-          <a:lstStyle/>
-          <a:p>
-            <a:r>
-              <a:rPr lang="en-US" b="1" dirty="0"/>
-              <a:t>Convolutional Neural-Net  (CNN) </a:t>
-            </a:r>
-          </a:p>
-        </p:txBody>
-      </p:sp>
-      <p:sp>
-        <p:nvSpPr>
-          <p:cNvPr id="6" name="Content Placeholder 2">
-            <a:extLst>
-              <a:ext uri="{FF2B5EF4-FFF2-40B4-BE49-F238E27FC236}">
-                <a16:creationId xmlns:a16="http://schemas.microsoft.com/office/drawing/2014/main" id="{D3B15E3B-1828-42C4-8380-75CBC887B1DC}"/>
-              </a:ext>
-            </a:extLst>
-          </p:cNvPr>
-          <p:cNvSpPr txBox="1">
-            <a:spLocks/>
-          </p:cNvSpPr>
-          <p:nvPr/>
-        </p:nvSpPr>
-        <p:spPr>
-          <a:xfrm>
-            <a:off x="1274102" y="3636687"/>
-            <a:ext cx="5202199" cy="2805053"/>
-          </a:xfrm>
-          <a:prstGeom prst="rect">
-            <a:avLst/>
-          </a:prstGeom>
-        </p:spPr>
-        <p:txBody>
-          <a:bodyPr vert="horz" lIns="91440" tIns="45720" rIns="91440" bIns="45720" rtlCol="0">
-            <a:normAutofit fontScale="77500" lnSpcReduction="20000"/>
-          </a:bodyPr>
-          <a:lstStyle>
-            <a:lvl1pPr marL="182880" indent="-182880" algn="l" defTabSz="914400" rtl="0" eaLnBrk="1" latinLnBrk="0" hangingPunct="1">
-              <a:lnSpc>
-                <a:spcPct val="120000"/>
-              </a:lnSpc>
-              <a:spcBef>
-                <a:spcPts val="900"/>
-              </a:spcBef>
-              <a:spcAft>
-                <a:spcPts val="0"/>
-              </a:spcAft>
-              <a:buClr>
-                <a:schemeClr val="tx1">
-                  <a:lumMod val="85000"/>
-                  <a:lumOff val="15000"/>
-                </a:schemeClr>
-              </a:buClr>
-              <a:buFont typeface="Garamond" pitchFamily="18" charset="0"/>
-              <a:buChar char="◦"/>
-              <a:defRPr sz="1400" kern="1200">
-                <a:solidFill>
-                  <a:schemeClr val="tx1"/>
-                </a:solidFill>
-                <a:latin typeface="+mn-lt"/>
-                <a:ea typeface="+mn-ea"/>
-                <a:cs typeface="+mn-cs"/>
-              </a:defRPr>
-            </a:lvl1pPr>
-            <a:lvl2pPr marL="457200" indent="-182880" algn="l" defTabSz="914400" rtl="0" eaLnBrk="1" latinLnBrk="0" hangingPunct="1">
-              <a:lnSpc>
-                <a:spcPct val="100000"/>
-              </a:lnSpc>
-              <a:spcBef>
-                <a:spcPts val="500"/>
-              </a:spcBef>
-              <a:buClr>
-                <a:schemeClr val="tx1">
-                  <a:lumMod val="85000"/>
-                  <a:lumOff val="15000"/>
-                </a:schemeClr>
-              </a:buClr>
-              <a:buFont typeface="Garamond" pitchFamily="18" charset="0"/>
-              <a:buChar char="◦"/>
-              <a:defRPr sz="1200" kern="1200">
-                <a:solidFill>
-                  <a:schemeClr val="tx1"/>
-                </a:solidFill>
-                <a:latin typeface="+mn-lt"/>
-                <a:ea typeface="+mn-ea"/>
-                <a:cs typeface="+mn-cs"/>
-              </a:defRPr>
-            </a:lvl2pPr>
-            <a:lvl3pPr marL="731520" indent="-182880" algn="l" defTabSz="914400" rtl="0" eaLnBrk="1" latinLnBrk="0" hangingPunct="1">
-              <a:lnSpc>
-                <a:spcPct val="100000"/>
-              </a:lnSpc>
-              <a:spcBef>
-                <a:spcPts val="500"/>
-              </a:spcBef>
-              <a:buClr>
-                <a:schemeClr val="tx1">
-                  <a:lumMod val="85000"/>
-                  <a:lumOff val="15000"/>
-                </a:schemeClr>
-              </a:buClr>
-              <a:buFont typeface="Garamond" pitchFamily="18" charset="0"/>
-              <a:buChar char="◦"/>
-              <a:defRPr sz="1100" kern="1200">
-                <a:solidFill>
-                  <a:schemeClr val="tx1"/>
-                </a:solidFill>
-                <a:latin typeface="+mn-lt"/>
-                <a:ea typeface="+mn-ea"/>
-                <a:cs typeface="+mn-cs"/>
-              </a:defRPr>
-            </a:lvl3pPr>
-            <a:lvl4pPr marL="1005840" indent="-182880" algn="l" defTabSz="914400" rtl="0" eaLnBrk="1" latinLnBrk="0" hangingPunct="1">
-              <a:lnSpc>
-                <a:spcPct val="100000"/>
-              </a:lnSpc>
-              <a:spcBef>
-                <a:spcPts val="500"/>
-              </a:spcBef>
-              <a:buClr>
-                <a:schemeClr val="tx1">
-                  <a:lumMod val="85000"/>
-                  <a:lumOff val="15000"/>
-                </a:schemeClr>
-              </a:buClr>
-              <a:buFont typeface="Garamond" pitchFamily="18" charset="0"/>
-              <a:buChar char="◦"/>
-              <a:defRPr sz="1100" kern="1200">
-                <a:solidFill>
-                  <a:schemeClr val="tx1"/>
-                </a:solidFill>
-                <a:latin typeface="+mn-lt"/>
-                <a:ea typeface="+mn-ea"/>
-                <a:cs typeface="+mn-cs"/>
-              </a:defRPr>
-            </a:lvl4pPr>
-            <a:lvl5pPr marL="1280160" indent="-182880" algn="l" defTabSz="914400" rtl="0" eaLnBrk="1" latinLnBrk="0" hangingPunct="1">
-              <a:lnSpc>
-                <a:spcPct val="100000"/>
-              </a:lnSpc>
-              <a:spcBef>
-                <a:spcPts val="500"/>
-              </a:spcBef>
-              <a:buClr>
-                <a:schemeClr val="tx1">
-                  <a:lumMod val="85000"/>
-                  <a:lumOff val="15000"/>
-                </a:schemeClr>
-              </a:buClr>
-              <a:buFont typeface="Garamond" pitchFamily="18" charset="0"/>
-              <a:buChar char="◦"/>
-              <a:defRPr sz="1100" kern="1200">
-                <a:solidFill>
-                  <a:schemeClr val="tx1"/>
-                </a:solidFill>
-                <a:latin typeface="+mn-lt"/>
-                <a:ea typeface="+mn-ea"/>
-                <a:cs typeface="+mn-cs"/>
-              </a:defRPr>
-            </a:lvl5pPr>
-            <a:lvl6pPr marL="1600000" indent="-228600" algn="l" defTabSz="914400" rtl="0" eaLnBrk="1" latinLnBrk="0" hangingPunct="1">
-              <a:lnSpc>
-                <a:spcPct val="100000"/>
-              </a:lnSpc>
-              <a:spcBef>
-                <a:spcPts val="500"/>
-              </a:spcBef>
-              <a:buClr>
-                <a:schemeClr val="tx1">
-                  <a:lumMod val="85000"/>
-                  <a:lumOff val="15000"/>
-                </a:schemeClr>
-              </a:buClr>
-              <a:buFont typeface="Garamond" pitchFamily="18" charset="0"/>
-              <a:buChar char="◦"/>
-              <a:defRPr sz="1400" kern="1200">
-                <a:solidFill>
-                  <a:schemeClr val="tx1"/>
-                </a:solidFill>
-                <a:latin typeface="+mn-lt"/>
-                <a:ea typeface="+mn-ea"/>
-                <a:cs typeface="+mn-cs"/>
-              </a:defRPr>
-            </a:lvl6pPr>
-            <a:lvl7pPr marL="1900000" indent="-228600" algn="l" defTabSz="914400" rtl="0" eaLnBrk="1" latinLnBrk="0" hangingPunct="1">
-              <a:lnSpc>
-                <a:spcPct val="100000"/>
-              </a:lnSpc>
-              <a:spcBef>
-                <a:spcPts val="500"/>
-              </a:spcBef>
-              <a:buClr>
-                <a:schemeClr val="tx1">
-                  <a:lumMod val="85000"/>
-                  <a:lumOff val="15000"/>
-                </a:schemeClr>
-              </a:buClr>
-              <a:buFont typeface="Garamond" pitchFamily="18" charset="0"/>
-              <a:buChar char="◦"/>
-              <a:defRPr sz="1400" kern="1200">
-                <a:solidFill>
-                  <a:schemeClr val="tx1"/>
-                </a:solidFill>
-                <a:latin typeface="+mn-lt"/>
-                <a:ea typeface="+mn-ea"/>
-                <a:cs typeface="+mn-cs"/>
-              </a:defRPr>
-            </a:lvl7pPr>
-            <a:lvl8pPr marL="2200000" indent="-228600" algn="l" defTabSz="914400" rtl="0" eaLnBrk="1" latinLnBrk="0" hangingPunct="1">
-              <a:lnSpc>
-                <a:spcPct val="100000"/>
-              </a:lnSpc>
-              <a:spcBef>
-                <a:spcPts val="500"/>
-              </a:spcBef>
-              <a:buClr>
-                <a:schemeClr val="tx1">
-                  <a:lumMod val="85000"/>
-                  <a:lumOff val="15000"/>
-                </a:schemeClr>
-              </a:buClr>
-              <a:buFont typeface="Garamond" pitchFamily="18" charset="0"/>
-              <a:buChar char="◦"/>
-              <a:defRPr sz="1400" kern="1200">
-                <a:solidFill>
-                  <a:schemeClr val="tx1"/>
-                </a:solidFill>
-                <a:latin typeface="+mn-lt"/>
-                <a:ea typeface="+mn-ea"/>
-                <a:cs typeface="+mn-cs"/>
-              </a:defRPr>
-            </a:lvl8pPr>
-            <a:lvl9pPr marL="2500000" indent="-228600" algn="l" defTabSz="914400" rtl="0" eaLnBrk="1" latinLnBrk="0" hangingPunct="1">
-              <a:lnSpc>
-                <a:spcPct val="100000"/>
-              </a:lnSpc>
-              <a:spcBef>
-                <a:spcPts val="500"/>
-              </a:spcBef>
-              <a:buClr>
-                <a:schemeClr val="tx1">
-                  <a:lumMod val="85000"/>
-                  <a:lumOff val="15000"/>
-                </a:schemeClr>
-              </a:buClr>
-              <a:buFont typeface="Garamond" pitchFamily="18" charset="0"/>
-              <a:buChar char="◦"/>
-              <a:defRPr sz="1400" kern="1200">
-                <a:solidFill>
-                  <a:schemeClr val="tx1"/>
-                </a:solidFill>
-                <a:latin typeface="+mn-lt"/>
-                <a:ea typeface="+mn-ea"/>
-                <a:cs typeface="+mn-cs"/>
-              </a:defRPr>
-            </a:lvl9pPr>
-          </a:lstStyle>
-          <a:p>
-            <a:r>
               <a:rPr lang="en-US" sz="2000" u="sng" dirty="0"/>
               <a:t>Input:</a:t>
             </a:r>
             <a:r>
               <a:rPr lang="en-US" sz="2000" dirty="0"/>
-              <a:t>  7x7 Board – 1 Channel</a:t>
+              <a:t>  49 Neurons (7x7 Board)</a:t>
             </a:r>
           </a:p>
           <a:p>
@@ -5671,422 +7985,62 @@
           <a:p>
             <a:r>
               <a:rPr lang="en-US" sz="2000" u="sng" dirty="0"/>
-              <a:t>Convolution Layers:</a:t>
+              <a:t>Hidden Layers:</a:t>
             </a:r>
             <a:r>
               <a:rPr lang="en-US" sz="2000" dirty="0"/>
-              <a:t>  Four 2D-Convolutions</a:t>
-            </a:r>
-          </a:p>
-          <a:p>
-            <a:pPr lvl="1"/>
-            <a:r>
-              <a:rPr lang="en-US" sz="1800" dirty="0"/>
-              <a:t>2DConv1:   Filter (5,5),  Same Padding, Channels (1,32),  Activation (</a:t>
-            </a:r>
-            <a:r>
-              <a:rPr lang="en-US" sz="1800" dirty="0" err="1"/>
-              <a:t>ReLU</a:t>
-            </a:r>
-            <a:r>
-              <a:rPr lang="en-US" sz="1800" dirty="0"/>
-              <a:t>) </a:t>
-            </a:r>
-          </a:p>
-          <a:p>
-            <a:pPr lvl="1"/>
-            <a:r>
-              <a:rPr lang="en-US" sz="1800" dirty="0"/>
-              <a:t>2DConv2:   Filter (5,5),  Same Padding, Channels (32,64),  Activation (</a:t>
-            </a:r>
-            <a:r>
-              <a:rPr lang="en-US" sz="1800" dirty="0" err="1"/>
-              <a:t>ReLU</a:t>
-            </a:r>
-            <a:r>
-              <a:rPr lang="en-US" sz="1800" dirty="0"/>
-              <a:t>)</a:t>
-            </a:r>
-          </a:p>
-          <a:p>
-            <a:pPr lvl="1"/>
-            <a:r>
-              <a:rPr lang="en-US" sz="1800" dirty="0"/>
-              <a:t>2DConv3:   Filter (5,5),  Same Padding, Channels (64,128),  Activation (</a:t>
-            </a:r>
-            <a:r>
-              <a:rPr lang="en-US" sz="1800" dirty="0" err="1"/>
-              <a:t>ReLU</a:t>
-            </a:r>
-            <a:r>
-              <a:rPr lang="en-US" sz="1800" dirty="0"/>
-              <a:t>)</a:t>
-            </a:r>
-          </a:p>
-          <a:p>
-            <a:pPr lvl="1"/>
-            <a:r>
-              <a:rPr lang="en-US" sz="1800" dirty="0"/>
-              <a:t>2DConv4:   Filter (5,5),  Same Padding, Channels (128,256),  Activation (</a:t>
-            </a:r>
-            <a:r>
-              <a:rPr lang="en-US" sz="1800" dirty="0" err="1"/>
-              <a:t>ReLU</a:t>
-            </a:r>
-            <a:r>
-              <a:rPr lang="en-US" sz="1800" dirty="0"/>
-              <a:t>)</a:t>
+              <a:t>  2 Layers (1024 Neurons each)</a:t>
             </a:r>
           </a:p>
           <a:p>
             <a:endParaRPr lang="en-US" sz="2000" dirty="0"/>
           </a:p>
-        </p:txBody>
-      </p:sp>
-      <p:pic>
-        <p:nvPicPr>
-          <p:cNvPr id="8" name="Picture 7" descr="A close up of a device&#10;&#10;Description automatically generated">
-            <a:extLst>
-              <a:ext uri="{FF2B5EF4-FFF2-40B4-BE49-F238E27FC236}">
-                <a16:creationId xmlns:a16="http://schemas.microsoft.com/office/drawing/2014/main" id="{D61D3BE4-FF38-4E31-B7D8-127E91D76319}"/>
-              </a:ext>
-            </a:extLst>
-          </p:cNvPr>
-          <p:cNvPicPr>
-            <a:picLocks noChangeAspect="1"/>
-          </p:cNvPicPr>
-          <p:nvPr/>
-        </p:nvPicPr>
-        <p:blipFill>
-          <a:blip r:embed="rId2"/>
-          <a:stretch>
-            <a:fillRect/>
-          </a:stretch>
-        </p:blipFill>
-        <p:spPr>
-          <a:xfrm>
-            <a:off x="1518083" y="1083151"/>
-            <a:ext cx="8833282" cy="2232659"/>
-          </a:xfrm>
-          <a:prstGeom prst="rect">
-            <a:avLst/>
-          </a:prstGeom>
-        </p:spPr>
-      </p:pic>
-      <p:sp>
-        <p:nvSpPr>
-          <p:cNvPr id="10" name="Content Placeholder 2">
-            <a:extLst>
-              <a:ext uri="{FF2B5EF4-FFF2-40B4-BE49-F238E27FC236}">
-                <a16:creationId xmlns:a16="http://schemas.microsoft.com/office/drawing/2014/main" id="{8EF71BF6-E3DF-427E-A1FD-E2D74F5965E5}"/>
-              </a:ext>
-            </a:extLst>
-          </p:cNvPr>
-          <p:cNvSpPr txBox="1">
-            <a:spLocks/>
-          </p:cNvSpPr>
-          <p:nvPr/>
-        </p:nvSpPr>
-        <p:spPr>
-          <a:xfrm>
-            <a:off x="7008515" y="3634560"/>
-            <a:ext cx="5764491" cy="2805053"/>
-          </a:xfrm>
-          <a:prstGeom prst="rect">
-            <a:avLst/>
-          </a:prstGeom>
-        </p:spPr>
-        <p:txBody>
-          <a:bodyPr vert="horz" lIns="91440" tIns="45720" rIns="91440" bIns="45720" rtlCol="0">
-            <a:normAutofit fontScale="85000" lnSpcReduction="20000"/>
-          </a:bodyPr>
-          <a:lstStyle>
-            <a:lvl1pPr marL="182880" indent="-182880" algn="l" defTabSz="914400" rtl="0" eaLnBrk="1" latinLnBrk="0" hangingPunct="1">
-              <a:lnSpc>
-                <a:spcPct val="120000"/>
-              </a:lnSpc>
-              <a:spcBef>
-                <a:spcPts val="900"/>
-              </a:spcBef>
-              <a:spcAft>
-                <a:spcPts val="0"/>
-              </a:spcAft>
-              <a:buClr>
-                <a:schemeClr val="tx1">
-                  <a:lumMod val="85000"/>
-                  <a:lumOff val="15000"/>
-                </a:schemeClr>
-              </a:buClr>
-              <a:buFont typeface="Garamond" pitchFamily="18" charset="0"/>
-              <a:buChar char="◦"/>
-              <a:defRPr sz="1400" kern="1200">
-                <a:solidFill>
-                  <a:schemeClr val="tx1"/>
-                </a:solidFill>
-                <a:latin typeface="+mn-lt"/>
-                <a:ea typeface="+mn-ea"/>
-                <a:cs typeface="+mn-cs"/>
-              </a:defRPr>
-            </a:lvl1pPr>
-            <a:lvl2pPr marL="457200" indent="-182880" algn="l" defTabSz="914400" rtl="0" eaLnBrk="1" latinLnBrk="0" hangingPunct="1">
-              <a:lnSpc>
-                <a:spcPct val="100000"/>
-              </a:lnSpc>
-              <a:spcBef>
-                <a:spcPts val="500"/>
-              </a:spcBef>
-              <a:buClr>
-                <a:schemeClr val="tx1">
-                  <a:lumMod val="85000"/>
-                  <a:lumOff val="15000"/>
-                </a:schemeClr>
-              </a:buClr>
-              <a:buFont typeface="Garamond" pitchFamily="18" charset="0"/>
-              <a:buChar char="◦"/>
-              <a:defRPr sz="1200" kern="1200">
-                <a:solidFill>
-                  <a:schemeClr val="tx1"/>
-                </a:solidFill>
-                <a:latin typeface="+mn-lt"/>
-                <a:ea typeface="+mn-ea"/>
-                <a:cs typeface="+mn-cs"/>
-              </a:defRPr>
-            </a:lvl2pPr>
-            <a:lvl3pPr marL="731520" indent="-182880" algn="l" defTabSz="914400" rtl="0" eaLnBrk="1" latinLnBrk="0" hangingPunct="1">
-              <a:lnSpc>
-                <a:spcPct val="100000"/>
-              </a:lnSpc>
-              <a:spcBef>
-                <a:spcPts val="500"/>
-              </a:spcBef>
-              <a:buClr>
-                <a:schemeClr val="tx1">
-                  <a:lumMod val="85000"/>
-                  <a:lumOff val="15000"/>
-                </a:schemeClr>
-              </a:buClr>
-              <a:buFont typeface="Garamond" pitchFamily="18" charset="0"/>
-              <a:buChar char="◦"/>
-              <a:defRPr sz="1100" kern="1200">
-                <a:solidFill>
-                  <a:schemeClr val="tx1"/>
-                </a:solidFill>
-                <a:latin typeface="+mn-lt"/>
-                <a:ea typeface="+mn-ea"/>
-                <a:cs typeface="+mn-cs"/>
-              </a:defRPr>
-            </a:lvl3pPr>
-            <a:lvl4pPr marL="1005840" indent="-182880" algn="l" defTabSz="914400" rtl="0" eaLnBrk="1" latinLnBrk="0" hangingPunct="1">
-              <a:lnSpc>
-                <a:spcPct val="100000"/>
-              </a:lnSpc>
-              <a:spcBef>
-                <a:spcPts val="500"/>
-              </a:spcBef>
-              <a:buClr>
-                <a:schemeClr val="tx1">
-                  <a:lumMod val="85000"/>
-                  <a:lumOff val="15000"/>
-                </a:schemeClr>
-              </a:buClr>
-              <a:buFont typeface="Garamond" pitchFamily="18" charset="0"/>
-              <a:buChar char="◦"/>
-              <a:defRPr sz="1100" kern="1200">
-                <a:solidFill>
-                  <a:schemeClr val="tx1"/>
-                </a:solidFill>
-                <a:latin typeface="+mn-lt"/>
-                <a:ea typeface="+mn-ea"/>
-                <a:cs typeface="+mn-cs"/>
-              </a:defRPr>
-            </a:lvl4pPr>
-            <a:lvl5pPr marL="1280160" indent="-182880" algn="l" defTabSz="914400" rtl="0" eaLnBrk="1" latinLnBrk="0" hangingPunct="1">
-              <a:lnSpc>
-                <a:spcPct val="100000"/>
-              </a:lnSpc>
-              <a:spcBef>
-                <a:spcPts val="500"/>
-              </a:spcBef>
-              <a:buClr>
-                <a:schemeClr val="tx1">
-                  <a:lumMod val="85000"/>
-                  <a:lumOff val="15000"/>
-                </a:schemeClr>
-              </a:buClr>
-              <a:buFont typeface="Garamond" pitchFamily="18" charset="0"/>
-              <a:buChar char="◦"/>
-              <a:defRPr sz="1100" kern="1200">
-                <a:solidFill>
-                  <a:schemeClr val="tx1"/>
-                </a:solidFill>
-                <a:latin typeface="+mn-lt"/>
-                <a:ea typeface="+mn-ea"/>
-                <a:cs typeface="+mn-cs"/>
-              </a:defRPr>
-            </a:lvl5pPr>
-            <a:lvl6pPr marL="1600000" indent="-228600" algn="l" defTabSz="914400" rtl="0" eaLnBrk="1" latinLnBrk="0" hangingPunct="1">
-              <a:lnSpc>
-                <a:spcPct val="100000"/>
-              </a:lnSpc>
-              <a:spcBef>
-                <a:spcPts val="500"/>
-              </a:spcBef>
-              <a:buClr>
-                <a:schemeClr val="tx1">
-                  <a:lumMod val="85000"/>
-                  <a:lumOff val="15000"/>
-                </a:schemeClr>
-              </a:buClr>
-              <a:buFont typeface="Garamond" pitchFamily="18" charset="0"/>
-              <a:buChar char="◦"/>
-              <a:defRPr sz="1400" kern="1200">
-                <a:solidFill>
-                  <a:schemeClr val="tx1"/>
-                </a:solidFill>
-                <a:latin typeface="+mn-lt"/>
-                <a:ea typeface="+mn-ea"/>
-                <a:cs typeface="+mn-cs"/>
-              </a:defRPr>
-            </a:lvl6pPr>
-            <a:lvl7pPr marL="1900000" indent="-228600" algn="l" defTabSz="914400" rtl="0" eaLnBrk="1" latinLnBrk="0" hangingPunct="1">
-              <a:lnSpc>
-                <a:spcPct val="100000"/>
-              </a:lnSpc>
-              <a:spcBef>
-                <a:spcPts val="500"/>
-              </a:spcBef>
-              <a:buClr>
-                <a:schemeClr val="tx1">
-                  <a:lumMod val="85000"/>
-                  <a:lumOff val="15000"/>
-                </a:schemeClr>
-              </a:buClr>
-              <a:buFont typeface="Garamond" pitchFamily="18" charset="0"/>
-              <a:buChar char="◦"/>
-              <a:defRPr sz="1400" kern="1200">
-                <a:solidFill>
-                  <a:schemeClr val="tx1"/>
-                </a:solidFill>
-                <a:latin typeface="+mn-lt"/>
-                <a:ea typeface="+mn-ea"/>
-                <a:cs typeface="+mn-cs"/>
-              </a:defRPr>
-            </a:lvl7pPr>
-            <a:lvl8pPr marL="2200000" indent="-228600" algn="l" defTabSz="914400" rtl="0" eaLnBrk="1" latinLnBrk="0" hangingPunct="1">
-              <a:lnSpc>
-                <a:spcPct val="100000"/>
-              </a:lnSpc>
-              <a:spcBef>
-                <a:spcPts val="500"/>
-              </a:spcBef>
-              <a:buClr>
-                <a:schemeClr val="tx1">
-                  <a:lumMod val="85000"/>
-                  <a:lumOff val="15000"/>
-                </a:schemeClr>
-              </a:buClr>
-              <a:buFont typeface="Garamond" pitchFamily="18" charset="0"/>
-              <a:buChar char="◦"/>
-              <a:defRPr sz="1400" kern="1200">
-                <a:solidFill>
-                  <a:schemeClr val="tx1"/>
-                </a:solidFill>
-                <a:latin typeface="+mn-lt"/>
-                <a:ea typeface="+mn-ea"/>
-                <a:cs typeface="+mn-cs"/>
-              </a:defRPr>
-            </a:lvl8pPr>
-            <a:lvl9pPr marL="2500000" indent="-228600" algn="l" defTabSz="914400" rtl="0" eaLnBrk="1" latinLnBrk="0" hangingPunct="1">
-              <a:lnSpc>
-                <a:spcPct val="100000"/>
-              </a:lnSpc>
-              <a:spcBef>
-                <a:spcPts val="500"/>
-              </a:spcBef>
-              <a:buClr>
-                <a:schemeClr val="tx1">
-                  <a:lumMod val="85000"/>
-                  <a:lumOff val="15000"/>
-                </a:schemeClr>
-              </a:buClr>
-              <a:buFont typeface="Garamond" pitchFamily="18" charset="0"/>
-              <a:buChar char="◦"/>
-              <a:defRPr sz="1400" kern="1200">
-                <a:solidFill>
-                  <a:schemeClr val="tx1"/>
-                </a:solidFill>
-                <a:latin typeface="+mn-lt"/>
-                <a:ea typeface="+mn-ea"/>
-                <a:cs typeface="+mn-cs"/>
-              </a:defRPr>
-            </a:lvl9pPr>
-          </a:lstStyle>
           <a:p>
             <a:r>
               <a:rPr lang="en-US" sz="2000" u="sng" dirty="0"/>
-              <a:t>Dense Layers:</a:t>
+              <a:t>Activation Functions:</a:t>
             </a:r>
             <a:r>
               <a:rPr lang="en-US" sz="2000" dirty="0"/>
               <a:t>  </a:t>
             </a:r>
-          </a:p>
-          <a:p>
-            <a:pPr lvl="2"/>
-            <a:r>
-              <a:rPr lang="en-US" sz="1700" dirty="0"/>
-              <a:t>Forward1:  (256*7*7,  1024)</a:t>
-            </a:r>
-          </a:p>
-          <a:p>
-            <a:pPr lvl="2"/>
-            <a:r>
-              <a:rPr lang="en-US" sz="1700" dirty="0"/>
-              <a:t>Forward2:  (1024, 49)</a:t>
-            </a:r>
-          </a:p>
-          <a:p>
-            <a:pPr marL="274320" lvl="1" indent="0">
-              <a:buNone/>
-            </a:pPr>
-            <a:endParaRPr lang="en-US" sz="2100" dirty="0"/>
+            <a:r>
+              <a:rPr lang="en-US" sz="2000" dirty="0" err="1"/>
+              <a:t>ReLU</a:t>
+            </a:r>
+            <a:r>
+              <a:rPr lang="en-US" sz="2000" dirty="0"/>
+              <a:t> and </a:t>
+            </a:r>
+            <a:r>
+              <a:rPr lang="en-US" sz="2000" dirty="0" err="1"/>
+              <a:t>Softmax</a:t>
+            </a:r>
+            <a:endParaRPr lang="en-US" sz="2000" dirty="0"/>
+          </a:p>
+          <a:p>
+            <a:endParaRPr lang="en-US" sz="2000" dirty="0"/>
           </a:p>
           <a:p>
             <a:r>
               <a:rPr lang="en-US" sz="2000" u="sng" dirty="0"/>
-              <a:t>Loss Function:</a:t>
+              <a:t>Optimization Function:</a:t>
             </a:r>
             <a:r>
               <a:rPr lang="en-US" sz="2000" dirty="0"/>
-              <a:t> </a:t>
-            </a:r>
-          </a:p>
-          <a:p>
-            <a:pPr lvl="2"/>
-            <a:r>
-              <a:rPr lang="en-US" sz="1700" dirty="0"/>
-              <a:t>Hubber Loss Function</a:t>
-            </a:r>
-          </a:p>
-          <a:p>
-            <a:pPr marL="0" indent="0">
-              <a:buNone/>
-            </a:pPr>
-            <a:endParaRPr lang="en-US" sz="2000" dirty="0"/>
-          </a:p>
-          <a:p>
+              <a:t>  Stochastic Gradient 			        Descent</a:t>
+            </a:r>
+          </a:p>
+          <a:p>
+            <a:r>
+              <a:rPr lang="en-US" sz="2000" u="sng" dirty="0"/>
+              <a:t>Output</a:t>
+            </a:r>
             <a:r>
               <a:rPr lang="en-US" sz="2000" dirty="0"/>
-              <a:t>Optimization: </a:t>
-            </a:r>
-          </a:p>
-          <a:p>
-            <a:pPr lvl="2"/>
-            <a:r>
-              <a:rPr lang="en-US" sz="1700" dirty="0"/>
-              <a:t> Adam Optimizer</a:t>
-            </a:r>
-            <a:endParaRPr lang="en-US" sz="1500" dirty="0"/>
+              <a:t>:  49 Neurons (each neuron corresponds to digit from  0-8)</a:t>
+            </a:r>
+            <a:endParaRPr lang="en-US" sz="2000" u="sng" dirty="0"/>
           </a:p>
           <a:p>
             <a:endParaRPr lang="en-US" sz="2000" dirty="0"/>
@@ -6096,2056 +8050,7 @@
     </p:spTree>
     <p:extLst>
       <p:ext uri="{BB962C8B-B14F-4D97-AF65-F5344CB8AC3E}">
-        <p14:creationId xmlns:p14="http://schemas.microsoft.com/office/powerpoint/2010/main" val="3003769215"/>
-      </p:ext>
-    </p:extLst>
-  </p:cSld>
-  <p:clrMapOvr>
-    <a:masterClrMapping/>
-  </p:clrMapOvr>
-</p:sld>
-</file>
-
-<file path=ppt/slides/slide13.xml><?xml version="1.0" encoding="utf-8"?>
-<p:sld xmlns:a="http://schemas.openxmlformats.org/drawingml/2006/main" xmlns:r="http://schemas.openxmlformats.org/officeDocument/2006/relationships" xmlns:p="http://schemas.openxmlformats.org/presentationml/2006/main">
-  <p:cSld>
-    <p:spTree>
-      <p:nvGrpSpPr>
-        <p:cNvPr id="1" name=""/>
-        <p:cNvGrpSpPr/>
-        <p:nvPr/>
-      </p:nvGrpSpPr>
-      <p:grpSpPr>
-        <a:xfrm>
-          <a:off x="0" y="0"/>
-          <a:ext cx="0" cy="0"/>
-          <a:chOff x="0" y="0"/>
-          <a:chExt cx="0" cy="0"/>
-        </a:xfrm>
-      </p:grpSpPr>
-      <p:sp>
-        <p:nvSpPr>
-          <p:cNvPr id="2" name="Title 1">
-            <a:extLst>
-              <a:ext uri="{FF2B5EF4-FFF2-40B4-BE49-F238E27FC236}">
-                <a16:creationId xmlns:a16="http://schemas.microsoft.com/office/drawing/2014/main" id="{C7163C8E-B06B-4C54-90AD-A2C8E91013DF}"/>
-              </a:ext>
-            </a:extLst>
-          </p:cNvPr>
-          <p:cNvSpPr>
-            <a:spLocks noGrp="1"/>
-          </p:cNvSpPr>
-          <p:nvPr>
-            <p:ph type="title"/>
-          </p:nvPr>
-        </p:nvSpPr>
-        <p:spPr>
-          <a:xfrm>
-            <a:off x="435203" y="0"/>
-            <a:ext cx="10058400" cy="1371600"/>
-          </a:xfrm>
-        </p:spPr>
-        <p:txBody>
-          <a:bodyPr/>
-          <a:lstStyle/>
-          <a:p>
-            <a:r>
-              <a:rPr lang="en-US" b="1" dirty="0"/>
-              <a:t>CNN – Initialization Results </a:t>
-            </a:r>
-          </a:p>
-        </p:txBody>
-      </p:sp>
-      <p:sp>
-        <p:nvSpPr>
-          <p:cNvPr id="6" name="Content Placeholder 2">
-            <a:extLst>
-              <a:ext uri="{FF2B5EF4-FFF2-40B4-BE49-F238E27FC236}">
-                <a16:creationId xmlns:a16="http://schemas.microsoft.com/office/drawing/2014/main" id="{D3B15E3B-1828-42C4-8380-75CBC887B1DC}"/>
-              </a:ext>
-            </a:extLst>
-          </p:cNvPr>
-          <p:cNvSpPr txBox="1">
-            <a:spLocks/>
-          </p:cNvSpPr>
-          <p:nvPr/>
-        </p:nvSpPr>
-        <p:spPr>
-          <a:xfrm>
-            <a:off x="435203" y="1372066"/>
-            <a:ext cx="5764491" cy="4840197"/>
-          </a:xfrm>
-          <a:prstGeom prst="rect">
-            <a:avLst/>
-          </a:prstGeom>
-        </p:spPr>
-        <p:txBody>
-          <a:bodyPr vert="horz" lIns="91440" tIns="45720" rIns="91440" bIns="45720" rtlCol="0">
-            <a:normAutofit lnSpcReduction="10000"/>
-          </a:bodyPr>
-          <a:lstStyle>
-            <a:lvl1pPr marL="182880" indent="-182880" algn="l" defTabSz="914400" rtl="0" eaLnBrk="1" latinLnBrk="0" hangingPunct="1">
-              <a:lnSpc>
-                <a:spcPct val="120000"/>
-              </a:lnSpc>
-              <a:spcBef>
-                <a:spcPts val="900"/>
-              </a:spcBef>
-              <a:spcAft>
-                <a:spcPts val="0"/>
-              </a:spcAft>
-              <a:buClr>
-                <a:schemeClr val="tx1">
-                  <a:lumMod val="85000"/>
-                  <a:lumOff val="15000"/>
-                </a:schemeClr>
-              </a:buClr>
-              <a:buFont typeface="Garamond" pitchFamily="18" charset="0"/>
-              <a:buChar char="◦"/>
-              <a:defRPr sz="1400" kern="1200">
-                <a:solidFill>
-                  <a:schemeClr val="tx1"/>
-                </a:solidFill>
-                <a:latin typeface="+mn-lt"/>
-                <a:ea typeface="+mn-ea"/>
-                <a:cs typeface="+mn-cs"/>
-              </a:defRPr>
-            </a:lvl1pPr>
-            <a:lvl2pPr marL="457200" indent="-182880" algn="l" defTabSz="914400" rtl="0" eaLnBrk="1" latinLnBrk="0" hangingPunct="1">
-              <a:lnSpc>
-                <a:spcPct val="100000"/>
-              </a:lnSpc>
-              <a:spcBef>
-                <a:spcPts val="500"/>
-              </a:spcBef>
-              <a:buClr>
-                <a:schemeClr val="tx1">
-                  <a:lumMod val="85000"/>
-                  <a:lumOff val="15000"/>
-                </a:schemeClr>
-              </a:buClr>
-              <a:buFont typeface="Garamond" pitchFamily="18" charset="0"/>
-              <a:buChar char="◦"/>
-              <a:defRPr sz="1200" kern="1200">
-                <a:solidFill>
-                  <a:schemeClr val="tx1"/>
-                </a:solidFill>
-                <a:latin typeface="+mn-lt"/>
-                <a:ea typeface="+mn-ea"/>
-                <a:cs typeface="+mn-cs"/>
-              </a:defRPr>
-            </a:lvl2pPr>
-            <a:lvl3pPr marL="731520" indent="-182880" algn="l" defTabSz="914400" rtl="0" eaLnBrk="1" latinLnBrk="0" hangingPunct="1">
-              <a:lnSpc>
-                <a:spcPct val="100000"/>
-              </a:lnSpc>
-              <a:spcBef>
-                <a:spcPts val="500"/>
-              </a:spcBef>
-              <a:buClr>
-                <a:schemeClr val="tx1">
-                  <a:lumMod val="85000"/>
-                  <a:lumOff val="15000"/>
-                </a:schemeClr>
-              </a:buClr>
-              <a:buFont typeface="Garamond" pitchFamily="18" charset="0"/>
-              <a:buChar char="◦"/>
-              <a:defRPr sz="1100" kern="1200">
-                <a:solidFill>
-                  <a:schemeClr val="tx1"/>
-                </a:solidFill>
-                <a:latin typeface="+mn-lt"/>
-                <a:ea typeface="+mn-ea"/>
-                <a:cs typeface="+mn-cs"/>
-              </a:defRPr>
-            </a:lvl3pPr>
-            <a:lvl4pPr marL="1005840" indent="-182880" algn="l" defTabSz="914400" rtl="0" eaLnBrk="1" latinLnBrk="0" hangingPunct="1">
-              <a:lnSpc>
-                <a:spcPct val="100000"/>
-              </a:lnSpc>
-              <a:spcBef>
-                <a:spcPts val="500"/>
-              </a:spcBef>
-              <a:buClr>
-                <a:schemeClr val="tx1">
-                  <a:lumMod val="85000"/>
-                  <a:lumOff val="15000"/>
-                </a:schemeClr>
-              </a:buClr>
-              <a:buFont typeface="Garamond" pitchFamily="18" charset="0"/>
-              <a:buChar char="◦"/>
-              <a:defRPr sz="1100" kern="1200">
-                <a:solidFill>
-                  <a:schemeClr val="tx1"/>
-                </a:solidFill>
-                <a:latin typeface="+mn-lt"/>
-                <a:ea typeface="+mn-ea"/>
-                <a:cs typeface="+mn-cs"/>
-              </a:defRPr>
-            </a:lvl4pPr>
-            <a:lvl5pPr marL="1280160" indent="-182880" algn="l" defTabSz="914400" rtl="0" eaLnBrk="1" latinLnBrk="0" hangingPunct="1">
-              <a:lnSpc>
-                <a:spcPct val="100000"/>
-              </a:lnSpc>
-              <a:spcBef>
-                <a:spcPts val="500"/>
-              </a:spcBef>
-              <a:buClr>
-                <a:schemeClr val="tx1">
-                  <a:lumMod val="85000"/>
-                  <a:lumOff val="15000"/>
-                </a:schemeClr>
-              </a:buClr>
-              <a:buFont typeface="Garamond" pitchFamily="18" charset="0"/>
-              <a:buChar char="◦"/>
-              <a:defRPr sz="1100" kern="1200">
-                <a:solidFill>
-                  <a:schemeClr val="tx1"/>
-                </a:solidFill>
-                <a:latin typeface="+mn-lt"/>
-                <a:ea typeface="+mn-ea"/>
-                <a:cs typeface="+mn-cs"/>
-              </a:defRPr>
-            </a:lvl5pPr>
-            <a:lvl6pPr marL="1600000" indent="-228600" algn="l" defTabSz="914400" rtl="0" eaLnBrk="1" latinLnBrk="0" hangingPunct="1">
-              <a:lnSpc>
-                <a:spcPct val="100000"/>
-              </a:lnSpc>
-              <a:spcBef>
-                <a:spcPts val="500"/>
-              </a:spcBef>
-              <a:buClr>
-                <a:schemeClr val="tx1">
-                  <a:lumMod val="85000"/>
-                  <a:lumOff val="15000"/>
-                </a:schemeClr>
-              </a:buClr>
-              <a:buFont typeface="Garamond" pitchFamily="18" charset="0"/>
-              <a:buChar char="◦"/>
-              <a:defRPr sz="1400" kern="1200">
-                <a:solidFill>
-                  <a:schemeClr val="tx1"/>
-                </a:solidFill>
-                <a:latin typeface="+mn-lt"/>
-                <a:ea typeface="+mn-ea"/>
-                <a:cs typeface="+mn-cs"/>
-              </a:defRPr>
-            </a:lvl6pPr>
-            <a:lvl7pPr marL="1900000" indent="-228600" algn="l" defTabSz="914400" rtl="0" eaLnBrk="1" latinLnBrk="0" hangingPunct="1">
-              <a:lnSpc>
-                <a:spcPct val="100000"/>
-              </a:lnSpc>
-              <a:spcBef>
-                <a:spcPts val="500"/>
-              </a:spcBef>
-              <a:buClr>
-                <a:schemeClr val="tx1">
-                  <a:lumMod val="85000"/>
-                  <a:lumOff val="15000"/>
-                </a:schemeClr>
-              </a:buClr>
-              <a:buFont typeface="Garamond" pitchFamily="18" charset="0"/>
-              <a:buChar char="◦"/>
-              <a:defRPr sz="1400" kern="1200">
-                <a:solidFill>
-                  <a:schemeClr val="tx1"/>
-                </a:solidFill>
-                <a:latin typeface="+mn-lt"/>
-                <a:ea typeface="+mn-ea"/>
-                <a:cs typeface="+mn-cs"/>
-              </a:defRPr>
-            </a:lvl7pPr>
-            <a:lvl8pPr marL="2200000" indent="-228600" algn="l" defTabSz="914400" rtl="0" eaLnBrk="1" latinLnBrk="0" hangingPunct="1">
-              <a:lnSpc>
-                <a:spcPct val="100000"/>
-              </a:lnSpc>
-              <a:spcBef>
-                <a:spcPts val="500"/>
-              </a:spcBef>
-              <a:buClr>
-                <a:schemeClr val="tx1">
-                  <a:lumMod val="85000"/>
-                  <a:lumOff val="15000"/>
-                </a:schemeClr>
-              </a:buClr>
-              <a:buFont typeface="Garamond" pitchFamily="18" charset="0"/>
-              <a:buChar char="◦"/>
-              <a:defRPr sz="1400" kern="1200">
-                <a:solidFill>
-                  <a:schemeClr val="tx1"/>
-                </a:solidFill>
-                <a:latin typeface="+mn-lt"/>
-                <a:ea typeface="+mn-ea"/>
-                <a:cs typeface="+mn-cs"/>
-              </a:defRPr>
-            </a:lvl8pPr>
-            <a:lvl9pPr marL="2500000" indent="-228600" algn="l" defTabSz="914400" rtl="0" eaLnBrk="1" latinLnBrk="0" hangingPunct="1">
-              <a:lnSpc>
-                <a:spcPct val="100000"/>
-              </a:lnSpc>
-              <a:spcBef>
-                <a:spcPts val="500"/>
-              </a:spcBef>
-              <a:buClr>
-                <a:schemeClr val="tx1">
-                  <a:lumMod val="85000"/>
-                  <a:lumOff val="15000"/>
-                </a:schemeClr>
-              </a:buClr>
-              <a:buFont typeface="Garamond" pitchFamily="18" charset="0"/>
-              <a:buChar char="◦"/>
-              <a:defRPr sz="1400" kern="1200">
-                <a:solidFill>
-                  <a:schemeClr val="tx1"/>
-                </a:solidFill>
-                <a:latin typeface="+mn-lt"/>
-                <a:ea typeface="+mn-ea"/>
-                <a:cs typeface="+mn-cs"/>
-              </a:defRPr>
-            </a:lvl9pPr>
-          </a:lstStyle>
-          <a:p>
-            <a:r>
-              <a:rPr lang="en-US" sz="2000" dirty="0"/>
-              <a:t>5000 randomly generated boards (1 day)</a:t>
-            </a:r>
-          </a:p>
-          <a:p>
-            <a:pPr lvl="2"/>
-            <a:r>
-              <a:rPr lang="en-US" sz="1700" dirty="0"/>
-              <a:t>Train Set: 4000</a:t>
-            </a:r>
-          </a:p>
-          <a:p>
-            <a:pPr lvl="2"/>
-            <a:r>
-              <a:rPr lang="en-US" sz="1700" dirty="0"/>
-              <a:t>Test Set: 1000</a:t>
-            </a:r>
-          </a:p>
-          <a:p>
-            <a:pPr lvl="2"/>
-            <a:endParaRPr lang="en-US" sz="1700" dirty="0"/>
-          </a:p>
-          <a:p>
-            <a:r>
-              <a:rPr lang="en-US" sz="2000" dirty="0"/>
-              <a:t>Errors:</a:t>
-            </a:r>
-          </a:p>
-          <a:p>
-            <a:pPr lvl="2"/>
-            <a:r>
-              <a:rPr lang="en-US" sz="1700" dirty="0"/>
-              <a:t>Errors similar to FCNN </a:t>
-            </a:r>
-          </a:p>
-          <a:p>
-            <a:pPr lvl="2"/>
-            <a:r>
-              <a:rPr lang="en-US" sz="1700" dirty="0"/>
-              <a:t>Not enough training data</a:t>
-            </a:r>
-          </a:p>
-          <a:p>
-            <a:pPr lvl="2"/>
-            <a:r>
-              <a:rPr lang="en-US" sz="1700" dirty="0"/>
-              <a:t>Not able to capture a general relationship for initialization</a:t>
-            </a:r>
-          </a:p>
-          <a:p>
-            <a:endParaRPr lang="en-US" sz="2000" dirty="0"/>
-          </a:p>
-          <a:p>
-            <a:r>
-              <a:rPr lang="en-US" sz="2000" dirty="0"/>
-              <a:t>Improvements </a:t>
-            </a:r>
-            <a:r>
-              <a:rPr lang="en-US" sz="2000"/>
-              <a:t>&amp; Future Work:</a:t>
-            </a:r>
-            <a:endParaRPr lang="en-US" sz="2000" dirty="0"/>
-          </a:p>
-          <a:p>
-            <a:pPr lvl="2"/>
-            <a:r>
-              <a:rPr lang="en-US" sz="1700" dirty="0"/>
-              <a:t>Gather more data</a:t>
-            </a:r>
-          </a:p>
-          <a:p>
-            <a:pPr lvl="2"/>
-            <a:r>
-              <a:rPr lang="en-US" sz="1700" dirty="0"/>
-              <a:t>Currently gathering data for the complete Hill Climb Solution</a:t>
-            </a:r>
-          </a:p>
-          <a:p>
-            <a:pPr lvl="2"/>
-            <a:endParaRPr lang="en-US" sz="1700" dirty="0"/>
-          </a:p>
-          <a:p>
-            <a:pPr lvl="2"/>
-            <a:endParaRPr lang="en-US" sz="1700" dirty="0"/>
-          </a:p>
-        </p:txBody>
-      </p:sp>
-      <p:sp>
-        <p:nvSpPr>
-          <p:cNvPr id="9" name="TextBox 8">
-            <a:extLst>
-              <a:ext uri="{FF2B5EF4-FFF2-40B4-BE49-F238E27FC236}">
-                <a16:creationId xmlns:a16="http://schemas.microsoft.com/office/drawing/2014/main" id="{A6534E45-D1EB-4639-886B-86BBEC6811B2}"/>
-              </a:ext>
-            </a:extLst>
-          </p:cNvPr>
-          <p:cNvSpPr txBox="1"/>
-          <p:nvPr/>
-        </p:nvSpPr>
-        <p:spPr>
-          <a:xfrm>
-            <a:off x="7448549" y="3222665"/>
-            <a:ext cx="1266825" cy="369332"/>
-          </a:xfrm>
-          <a:prstGeom prst="rect">
-            <a:avLst/>
-          </a:prstGeom>
-          <a:noFill/>
-        </p:spPr>
-        <p:txBody>
-          <a:bodyPr wrap="square" rtlCol="0">
-            <a:spAutoFit/>
-          </a:bodyPr>
-          <a:lstStyle/>
-          <a:p>
-            <a:r>
-              <a:rPr lang="en-US" dirty="0"/>
-              <a:t>Original</a:t>
-            </a:r>
-          </a:p>
-        </p:txBody>
-      </p:sp>
-      <p:sp>
-        <p:nvSpPr>
-          <p:cNvPr id="11" name="TextBox 10">
-            <a:extLst>
-              <a:ext uri="{FF2B5EF4-FFF2-40B4-BE49-F238E27FC236}">
-                <a16:creationId xmlns:a16="http://schemas.microsoft.com/office/drawing/2014/main" id="{78D7C7FA-884F-48E0-8328-B1E9EB55F0FF}"/>
-              </a:ext>
-            </a:extLst>
-          </p:cNvPr>
-          <p:cNvSpPr txBox="1"/>
-          <p:nvPr/>
-        </p:nvSpPr>
-        <p:spPr>
-          <a:xfrm>
-            <a:off x="9699345" y="3232429"/>
-            <a:ext cx="1397280" cy="369332"/>
-          </a:xfrm>
-          <a:prstGeom prst="rect">
-            <a:avLst/>
-          </a:prstGeom>
-          <a:noFill/>
-        </p:spPr>
-        <p:txBody>
-          <a:bodyPr wrap="square" rtlCol="0">
-            <a:spAutoFit/>
-          </a:bodyPr>
-          <a:lstStyle/>
-          <a:p>
-            <a:r>
-              <a:rPr lang="en-US" dirty="0"/>
-              <a:t>Predicted</a:t>
-            </a:r>
-          </a:p>
-        </p:txBody>
-      </p:sp>
-      <p:sp>
-        <p:nvSpPr>
-          <p:cNvPr id="14" name="TextBox 13">
-            <a:extLst>
-              <a:ext uri="{FF2B5EF4-FFF2-40B4-BE49-F238E27FC236}">
-                <a16:creationId xmlns:a16="http://schemas.microsoft.com/office/drawing/2014/main" id="{7F440F5F-D4AB-4883-B9E6-6A9DC312A2F2}"/>
-              </a:ext>
-            </a:extLst>
-          </p:cNvPr>
-          <p:cNvSpPr txBox="1"/>
-          <p:nvPr/>
-        </p:nvSpPr>
-        <p:spPr>
-          <a:xfrm>
-            <a:off x="7448549" y="6032424"/>
-            <a:ext cx="1266825" cy="369332"/>
-          </a:xfrm>
-          <a:prstGeom prst="rect">
-            <a:avLst/>
-          </a:prstGeom>
-          <a:noFill/>
-        </p:spPr>
-        <p:txBody>
-          <a:bodyPr wrap="square" rtlCol="0">
-            <a:spAutoFit/>
-          </a:bodyPr>
-          <a:lstStyle/>
-          <a:p>
-            <a:r>
-              <a:rPr lang="en-US" dirty="0"/>
-              <a:t>Original</a:t>
-            </a:r>
-          </a:p>
-        </p:txBody>
-      </p:sp>
-      <p:sp>
-        <p:nvSpPr>
-          <p:cNvPr id="15" name="TextBox 14">
-            <a:extLst>
-              <a:ext uri="{FF2B5EF4-FFF2-40B4-BE49-F238E27FC236}">
-                <a16:creationId xmlns:a16="http://schemas.microsoft.com/office/drawing/2014/main" id="{4E9F967C-3249-4729-98B6-30FFC9FF6A63}"/>
-              </a:ext>
-            </a:extLst>
-          </p:cNvPr>
-          <p:cNvSpPr txBox="1"/>
-          <p:nvPr/>
-        </p:nvSpPr>
-        <p:spPr>
-          <a:xfrm>
-            <a:off x="9699345" y="6042188"/>
-            <a:ext cx="1397280" cy="369332"/>
-          </a:xfrm>
-          <a:prstGeom prst="rect">
-            <a:avLst/>
-          </a:prstGeom>
-          <a:noFill/>
-        </p:spPr>
-        <p:txBody>
-          <a:bodyPr wrap="square" rtlCol="0">
-            <a:spAutoFit/>
-          </a:bodyPr>
-          <a:lstStyle/>
-          <a:p>
-            <a:r>
-              <a:rPr lang="en-US" dirty="0"/>
-              <a:t>Predicted</a:t>
-            </a:r>
-          </a:p>
-        </p:txBody>
-      </p:sp>
-      <p:pic>
-        <p:nvPicPr>
-          <p:cNvPr id="12" name="Image19">
-            <a:extLst>
-              <a:ext uri="{FF2B5EF4-FFF2-40B4-BE49-F238E27FC236}">
-                <a16:creationId xmlns:a16="http://schemas.microsoft.com/office/drawing/2014/main" id="{20FF55A3-98D6-478E-B417-6BC865CA458C}"/>
-              </a:ext>
-            </a:extLst>
-          </p:cNvPr>
-          <p:cNvPicPr/>
-          <p:nvPr/>
-        </p:nvPicPr>
-        <p:blipFill rotWithShape="1">
-          <a:blip r:embed="rId2">
-            <a:lum/>
-            <a:alphaModFix/>
-          </a:blip>
-          <a:srcRect l="1591" t="1689" r="1705" b="1391"/>
-          <a:stretch/>
-        </p:blipFill>
-        <p:spPr>
-          <a:xfrm>
-            <a:off x="7017544" y="1143831"/>
-            <a:ext cx="2026444" cy="2049425"/>
-          </a:xfrm>
-          <a:prstGeom prst="rect">
-            <a:avLst/>
-          </a:prstGeom>
-        </p:spPr>
-      </p:pic>
-      <p:pic>
-        <p:nvPicPr>
-          <p:cNvPr id="16" name="Image20">
-            <a:extLst>
-              <a:ext uri="{FF2B5EF4-FFF2-40B4-BE49-F238E27FC236}">
-                <a16:creationId xmlns:a16="http://schemas.microsoft.com/office/drawing/2014/main" id="{C79878E4-CCC3-4EDA-99B2-726ABB3A7AE0}"/>
-              </a:ext>
-            </a:extLst>
-          </p:cNvPr>
-          <p:cNvPicPr>
-            <a:picLocks noGrp="1"/>
-          </p:cNvPicPr>
-          <p:nvPr>
-            <p:ph idx="1"/>
-          </p:nvPr>
-        </p:nvPicPr>
-        <p:blipFill rotWithShape="1">
-          <a:blip r:embed="rId3">
-            <a:lum/>
-            <a:alphaModFix/>
-          </a:blip>
-          <a:srcRect l="1000" t="1258" r="1778" b="1291"/>
-          <a:stretch/>
-        </p:blipFill>
-        <p:spPr>
-          <a:xfrm>
-            <a:off x="9455945" y="1123950"/>
-            <a:ext cx="2083594" cy="2088473"/>
-          </a:xfrm>
-          <a:prstGeom prst="rect">
-            <a:avLst/>
-          </a:prstGeom>
-        </p:spPr>
-      </p:pic>
-      <p:pic>
-        <p:nvPicPr>
-          <p:cNvPr id="18" name="Image21">
-            <a:extLst>
-              <a:ext uri="{FF2B5EF4-FFF2-40B4-BE49-F238E27FC236}">
-                <a16:creationId xmlns:a16="http://schemas.microsoft.com/office/drawing/2014/main" id="{2DF8CE02-A40D-4CC3-BB2A-9211B6479D5F}"/>
-              </a:ext>
-            </a:extLst>
-          </p:cNvPr>
-          <p:cNvPicPr/>
-          <p:nvPr/>
-        </p:nvPicPr>
-        <p:blipFill rotWithShape="1">
-          <a:blip r:embed="rId4">
-            <a:lum/>
-            <a:alphaModFix/>
-          </a:blip>
-          <a:srcRect l="1591" t="1391" r="1705" b="1689"/>
-          <a:stretch/>
-        </p:blipFill>
-        <p:spPr>
-          <a:xfrm>
-            <a:off x="7050881" y="3954897"/>
-            <a:ext cx="2026444" cy="2049425"/>
-          </a:xfrm>
-          <a:prstGeom prst="rect">
-            <a:avLst/>
-          </a:prstGeom>
-        </p:spPr>
-      </p:pic>
-      <p:pic>
-        <p:nvPicPr>
-          <p:cNvPr id="20" name="Image22">
-            <a:extLst>
-              <a:ext uri="{FF2B5EF4-FFF2-40B4-BE49-F238E27FC236}">
-                <a16:creationId xmlns:a16="http://schemas.microsoft.com/office/drawing/2014/main" id="{3D37A0A8-85DA-45A8-B91E-D24AA76544A6}"/>
-              </a:ext>
-            </a:extLst>
-          </p:cNvPr>
-          <p:cNvPicPr/>
-          <p:nvPr/>
-        </p:nvPicPr>
-        <p:blipFill rotWithShape="1">
-          <a:blip r:embed="rId5">
-            <a:lum/>
-            <a:alphaModFix/>
-          </a:blip>
-          <a:srcRect l="1817" t="1232" r="1477" b="1847"/>
-          <a:stretch/>
-        </p:blipFill>
-        <p:spPr>
-          <a:xfrm>
-            <a:off x="9494044" y="3943950"/>
-            <a:ext cx="2026444" cy="2049425"/>
-          </a:xfrm>
-          <a:prstGeom prst="rect">
-            <a:avLst/>
-          </a:prstGeom>
-        </p:spPr>
-      </p:pic>
-    </p:spTree>
-    <p:extLst>
-      <p:ext uri="{BB962C8B-B14F-4D97-AF65-F5344CB8AC3E}">
-        <p14:creationId xmlns:p14="http://schemas.microsoft.com/office/powerpoint/2010/main" val="1306484361"/>
-      </p:ext>
-    </p:extLst>
-  </p:cSld>
-  <p:clrMapOvr>
-    <a:masterClrMapping/>
-  </p:clrMapOvr>
-</p:sld>
-</file>
-
-<file path=ppt/slides/slide14.xml><?xml version="1.0" encoding="utf-8"?>
-<p:sld xmlns:a="http://schemas.openxmlformats.org/drawingml/2006/main" xmlns:r="http://schemas.openxmlformats.org/officeDocument/2006/relationships" xmlns:p="http://schemas.openxmlformats.org/presentationml/2006/main">
-  <p:cSld>
-    <p:spTree>
-      <p:nvGrpSpPr>
-        <p:cNvPr id="1" name=""/>
-        <p:cNvGrpSpPr/>
-        <p:nvPr/>
-      </p:nvGrpSpPr>
-      <p:grpSpPr>
-        <a:xfrm>
-          <a:off x="0" y="0"/>
-          <a:ext cx="0" cy="0"/>
-          <a:chOff x="0" y="0"/>
-          <a:chExt cx="0" cy="0"/>
-        </a:xfrm>
-      </p:grpSpPr>
-      <p:sp>
-        <p:nvSpPr>
-          <p:cNvPr id="2" name="Title 1">
-            <a:extLst>
-              <a:ext uri="{FF2B5EF4-FFF2-40B4-BE49-F238E27FC236}">
-                <a16:creationId xmlns:a16="http://schemas.microsoft.com/office/drawing/2014/main" id="{31DB08AB-9A45-4584-9BD3-BB127E73869C}"/>
-              </a:ext>
-            </a:extLst>
-          </p:cNvPr>
-          <p:cNvSpPr>
-            <a:spLocks noGrp="1"/>
-          </p:cNvSpPr>
-          <p:nvPr>
-            <p:ph type="title"/>
-          </p:nvPr>
-        </p:nvSpPr>
-        <p:spPr/>
-        <p:txBody>
-          <a:bodyPr/>
-          <a:lstStyle/>
-          <a:p>
-            <a:r>
-              <a:rPr lang="en-US" dirty="0"/>
-              <a:t>Next Steps</a:t>
-            </a:r>
-          </a:p>
-        </p:txBody>
-      </p:sp>
-      <p:sp>
-        <p:nvSpPr>
-          <p:cNvPr id="3" name="Content Placeholder 2">
-            <a:extLst>
-              <a:ext uri="{FF2B5EF4-FFF2-40B4-BE49-F238E27FC236}">
-                <a16:creationId xmlns:a16="http://schemas.microsoft.com/office/drawing/2014/main" id="{CCD03B6E-F2BE-4E7E-89E4-779B4BB2F7A4}"/>
-              </a:ext>
-            </a:extLst>
-          </p:cNvPr>
-          <p:cNvSpPr>
-            <a:spLocks noGrp="1"/>
-          </p:cNvSpPr>
-          <p:nvPr>
-            <p:ph idx="1"/>
-          </p:nvPr>
-        </p:nvSpPr>
-        <p:spPr/>
-        <p:txBody>
-          <a:bodyPr>
-            <a:normAutofit/>
-          </a:bodyPr>
-          <a:lstStyle/>
-          <a:p>
-            <a:r>
-              <a:rPr lang="en-US" sz="2000" dirty="0"/>
-              <a:t>While we are proud of the work we have done here, there is no doubt that more work (particularly, exploration of different algorithms) could yield even better results.</a:t>
-            </a:r>
-          </a:p>
-          <a:p>
-            <a:r>
-              <a:rPr lang="en-US" sz="2000" dirty="0"/>
-              <a:t>We strongly believe that the Light Up puzzle is an excellent logic puzzle for introducing newcomers to the field of AI to some of the more advanced algorithms available to them.</a:t>
-            </a:r>
-          </a:p>
-        </p:txBody>
-      </p:sp>
-    </p:spTree>
-    <p:extLst>
-      <p:ext uri="{BB962C8B-B14F-4D97-AF65-F5344CB8AC3E}">
-        <p14:creationId xmlns:p14="http://schemas.microsoft.com/office/powerpoint/2010/main" val="1718903431"/>
-      </p:ext>
-    </p:extLst>
-  </p:cSld>
-  <p:clrMapOvr>
-    <a:masterClrMapping/>
-  </p:clrMapOvr>
-</p:sld>
-</file>
-
-<file path=ppt/slides/slide2.xml><?xml version="1.0" encoding="utf-8"?>
-<p:sld xmlns:a="http://schemas.openxmlformats.org/drawingml/2006/main" xmlns:r="http://schemas.openxmlformats.org/officeDocument/2006/relationships" xmlns:p="http://schemas.openxmlformats.org/presentationml/2006/main">
-  <p:cSld>
-    <p:spTree>
-      <p:nvGrpSpPr>
-        <p:cNvPr id="1" name=""/>
-        <p:cNvGrpSpPr/>
-        <p:nvPr/>
-      </p:nvGrpSpPr>
-      <p:grpSpPr>
-        <a:xfrm>
-          <a:off x="0" y="0"/>
-          <a:ext cx="0" cy="0"/>
-          <a:chOff x="0" y="0"/>
-          <a:chExt cx="0" cy="0"/>
-        </a:xfrm>
-      </p:grpSpPr>
-      <p:sp>
-        <p:nvSpPr>
-          <p:cNvPr id="2" name="Title 1">
-            <a:extLst>
-              <a:ext uri="{FF2B5EF4-FFF2-40B4-BE49-F238E27FC236}">
-                <a16:creationId xmlns:a16="http://schemas.microsoft.com/office/drawing/2014/main" id="{EE9A0C30-D636-49E3-8D28-821E8CE44B92}"/>
-              </a:ext>
-            </a:extLst>
-          </p:cNvPr>
-          <p:cNvSpPr>
-            <a:spLocks noGrp="1"/>
-          </p:cNvSpPr>
-          <p:nvPr>
-            <p:ph type="title"/>
-          </p:nvPr>
-        </p:nvSpPr>
-        <p:spPr/>
-        <p:txBody>
-          <a:bodyPr/>
-          <a:lstStyle/>
-          <a:p>
-            <a:r>
-              <a:rPr lang="en-US" dirty="0"/>
-              <a:t>Recap: Problem Definition</a:t>
-            </a:r>
-          </a:p>
-        </p:txBody>
-      </p:sp>
-      <p:sp>
-        <p:nvSpPr>
-          <p:cNvPr id="3" name="Content Placeholder 2">
-            <a:extLst>
-              <a:ext uri="{FF2B5EF4-FFF2-40B4-BE49-F238E27FC236}">
-                <a16:creationId xmlns:a16="http://schemas.microsoft.com/office/drawing/2014/main" id="{F9F08C7F-9202-48B1-A6E7-151A7EAD5443}"/>
-              </a:ext>
-            </a:extLst>
-          </p:cNvPr>
-          <p:cNvSpPr>
-            <a:spLocks noGrp="1"/>
-          </p:cNvSpPr>
-          <p:nvPr>
-            <p:ph sz="half" idx="1"/>
-          </p:nvPr>
-        </p:nvSpPr>
-        <p:spPr/>
-        <p:txBody>
-          <a:bodyPr>
-            <a:normAutofit/>
-          </a:bodyPr>
-          <a:lstStyle/>
-          <a:p>
-            <a:r>
-              <a:rPr lang="en-US" sz="2000" dirty="0"/>
-              <a:t>The Light Up puzzle involves placing light bulbs into white squares to illuminate the entire board without any overlapping rays.</a:t>
-            </a:r>
-          </a:p>
-          <a:p>
-            <a:r>
-              <a:rPr lang="en-US" sz="2000" dirty="0"/>
-              <a:t>Black squares can’t be filled, and black squares with numbers inside them must have that number of adjacent bulbs.</a:t>
-            </a:r>
-          </a:p>
-        </p:txBody>
-      </p:sp>
-      <p:pic>
-        <p:nvPicPr>
-          <p:cNvPr id="6" name="Content Placeholder 5" descr="A picture containing shape&#10;&#10;Description automatically generated">
-            <a:extLst>
-              <a:ext uri="{FF2B5EF4-FFF2-40B4-BE49-F238E27FC236}">
-                <a16:creationId xmlns:a16="http://schemas.microsoft.com/office/drawing/2014/main" id="{174703F7-FA7C-4E36-87F1-592FFAF04680}"/>
-              </a:ext>
-            </a:extLst>
-          </p:cNvPr>
-          <p:cNvPicPr>
-            <a:picLocks noGrp="1" noChangeAspect="1"/>
-          </p:cNvPicPr>
-          <p:nvPr>
-            <p:ph sz="half" idx="2"/>
-          </p:nvPr>
-        </p:nvPicPr>
-        <p:blipFill>
-          <a:blip r:embed="rId2"/>
-          <a:stretch>
-            <a:fillRect/>
-          </a:stretch>
-        </p:blipFill>
-        <p:spPr>
-          <a:xfrm>
-            <a:off x="8410575" y="3137535"/>
-            <a:ext cx="2714625" cy="2714625"/>
-          </a:xfrm>
-        </p:spPr>
-      </p:pic>
-      <p:pic>
-        <p:nvPicPr>
-          <p:cNvPr id="8" name="Picture 7" descr="A screen shot of a social media post&#10;&#10;Description automatically generated">
-            <a:extLst>
-              <a:ext uri="{FF2B5EF4-FFF2-40B4-BE49-F238E27FC236}">
-                <a16:creationId xmlns:a16="http://schemas.microsoft.com/office/drawing/2014/main" id="{617E5EC7-BF20-4560-9BA8-B238C2FB99FC}"/>
-              </a:ext>
-            </a:extLst>
-          </p:cNvPr>
-          <p:cNvPicPr>
-            <a:picLocks noChangeAspect="1"/>
-          </p:cNvPicPr>
-          <p:nvPr/>
-        </p:nvPicPr>
-        <p:blipFill>
-          <a:blip r:embed="rId3"/>
-          <a:stretch>
-            <a:fillRect/>
-          </a:stretch>
-        </p:blipFill>
-        <p:spPr>
-          <a:xfrm>
-            <a:off x="6461762" y="2103120"/>
-            <a:ext cx="1828800" cy="1828800"/>
-          </a:xfrm>
-          <a:prstGeom prst="rect">
-            <a:avLst/>
-          </a:prstGeom>
-        </p:spPr>
-      </p:pic>
-      <p:cxnSp>
-        <p:nvCxnSpPr>
-          <p:cNvPr id="10" name="Straight Arrow Connector 9">
-            <a:extLst>
-              <a:ext uri="{FF2B5EF4-FFF2-40B4-BE49-F238E27FC236}">
-                <a16:creationId xmlns:a16="http://schemas.microsoft.com/office/drawing/2014/main" id="{C0D269D0-F881-4448-91C5-F3CD3CBA6585}"/>
-              </a:ext>
-            </a:extLst>
-          </p:cNvPr>
-          <p:cNvCxnSpPr/>
-          <p:nvPr/>
-        </p:nvCxnSpPr>
-        <p:spPr>
-          <a:xfrm>
-            <a:off x="8410575" y="2635624"/>
-            <a:ext cx="692523" cy="381896"/>
-          </a:xfrm>
-          <a:prstGeom prst="straightConnector1">
-            <a:avLst/>
-          </a:prstGeom>
-          <a:ln w="9525" cap="flat" cmpd="sng" algn="ctr">
-            <a:solidFill>
-              <a:schemeClr val="dk1"/>
-            </a:solidFill>
-            <a:prstDash val="solid"/>
-            <a:round/>
-            <a:headEnd type="none" w="med" len="med"/>
-            <a:tailEnd type="arrow" w="med" len="med"/>
-          </a:ln>
-        </p:spPr>
-        <p:style>
-          <a:lnRef idx="0">
-            <a:scrgbClr r="0" g="0" b="0"/>
-          </a:lnRef>
-          <a:fillRef idx="0">
-            <a:scrgbClr r="0" g="0" b="0"/>
-          </a:fillRef>
-          <a:effectRef idx="0">
-            <a:scrgbClr r="0" g="0" b="0"/>
-          </a:effectRef>
-          <a:fontRef idx="minor">
-            <a:schemeClr val="tx1"/>
-          </a:fontRef>
-        </p:style>
-      </p:cxnSp>
-      <p:cxnSp>
-        <p:nvCxnSpPr>
-          <p:cNvPr id="11" name="Straight Arrow Connector 10">
-            <a:extLst>
-              <a:ext uri="{FF2B5EF4-FFF2-40B4-BE49-F238E27FC236}">
-                <a16:creationId xmlns:a16="http://schemas.microsoft.com/office/drawing/2014/main" id="{23050569-7485-478F-8D22-81A7A0EF75AB}"/>
-              </a:ext>
-            </a:extLst>
-          </p:cNvPr>
-          <p:cNvCxnSpPr/>
-          <p:nvPr/>
-        </p:nvCxnSpPr>
-        <p:spPr>
-          <a:xfrm>
-            <a:off x="7598039" y="4112951"/>
-            <a:ext cx="692523" cy="381896"/>
-          </a:xfrm>
-          <a:prstGeom prst="straightConnector1">
-            <a:avLst/>
-          </a:prstGeom>
-          <a:ln w="9525" cap="flat" cmpd="sng" algn="ctr">
-            <a:solidFill>
-              <a:schemeClr val="dk1"/>
-            </a:solidFill>
-            <a:prstDash val="solid"/>
-            <a:round/>
-            <a:headEnd type="none" w="med" len="med"/>
-            <a:tailEnd type="arrow" w="med" len="med"/>
-          </a:ln>
-        </p:spPr>
-        <p:style>
-          <a:lnRef idx="0">
-            <a:scrgbClr r="0" g="0" b="0"/>
-          </a:lnRef>
-          <a:fillRef idx="0">
-            <a:scrgbClr r="0" g="0" b="0"/>
-          </a:fillRef>
-          <a:effectRef idx="0">
-            <a:scrgbClr r="0" g="0" b="0"/>
-          </a:effectRef>
-          <a:fontRef idx="minor">
-            <a:schemeClr val="tx1"/>
-          </a:fontRef>
-        </p:style>
-      </p:cxnSp>
-    </p:spTree>
-    <p:extLst>
-      <p:ext uri="{BB962C8B-B14F-4D97-AF65-F5344CB8AC3E}">
-        <p14:creationId xmlns:p14="http://schemas.microsoft.com/office/powerpoint/2010/main" val="2294821133"/>
-      </p:ext>
-    </p:extLst>
-  </p:cSld>
-  <p:clrMapOvr>
-    <a:masterClrMapping/>
-  </p:clrMapOvr>
-</p:sld>
-</file>
-
-<file path=ppt/slides/slide3.xml><?xml version="1.0" encoding="utf-8"?>
-<p:sld xmlns:a="http://schemas.openxmlformats.org/drawingml/2006/main" xmlns:r="http://schemas.openxmlformats.org/officeDocument/2006/relationships" xmlns:p="http://schemas.openxmlformats.org/presentationml/2006/main">
-  <p:cSld>
-    <p:spTree>
-      <p:nvGrpSpPr>
-        <p:cNvPr id="1" name=""/>
-        <p:cNvGrpSpPr/>
-        <p:nvPr/>
-      </p:nvGrpSpPr>
-      <p:grpSpPr>
-        <a:xfrm>
-          <a:off x="0" y="0"/>
-          <a:ext cx="0" cy="0"/>
-          <a:chOff x="0" y="0"/>
-          <a:chExt cx="0" cy="0"/>
-        </a:xfrm>
-      </p:grpSpPr>
-      <p:sp>
-        <p:nvSpPr>
-          <p:cNvPr id="2" name="Title 1">
-            <a:extLst>
-              <a:ext uri="{FF2B5EF4-FFF2-40B4-BE49-F238E27FC236}">
-                <a16:creationId xmlns:a16="http://schemas.microsoft.com/office/drawing/2014/main" id="{0B96A388-7430-43CB-ACA0-6EA508A67142}"/>
-              </a:ext>
-            </a:extLst>
-          </p:cNvPr>
-          <p:cNvSpPr>
-            <a:spLocks noGrp="1"/>
-          </p:cNvSpPr>
-          <p:nvPr>
-            <p:ph type="title"/>
-          </p:nvPr>
-        </p:nvSpPr>
-        <p:spPr/>
-        <p:txBody>
-          <a:bodyPr/>
-          <a:lstStyle/>
-          <a:p>
-            <a:r>
-              <a:rPr lang="en-US" dirty="0"/>
-              <a:t>Recap: Our Approach	</a:t>
-            </a:r>
-          </a:p>
-        </p:txBody>
-      </p:sp>
-      <p:sp>
-        <p:nvSpPr>
-          <p:cNvPr id="3" name="Content Placeholder 2">
-            <a:extLst>
-              <a:ext uri="{FF2B5EF4-FFF2-40B4-BE49-F238E27FC236}">
-                <a16:creationId xmlns:a16="http://schemas.microsoft.com/office/drawing/2014/main" id="{DC680DC9-62BE-48D7-B2DD-E0F74810805E}"/>
-              </a:ext>
-            </a:extLst>
-          </p:cNvPr>
-          <p:cNvSpPr>
-            <a:spLocks noGrp="1"/>
-          </p:cNvSpPr>
-          <p:nvPr>
-            <p:ph idx="1"/>
-          </p:nvPr>
-        </p:nvSpPr>
-        <p:spPr/>
-        <p:txBody>
-          <a:bodyPr>
-            <a:normAutofit/>
-          </a:bodyPr>
-          <a:lstStyle/>
-          <a:p>
-            <a:pPr marL="0" indent="0">
-              <a:buNone/>
-            </a:pPr>
-            <a:r>
-              <a:rPr lang="en-US" sz="2000" dirty="0"/>
-              <a:t>To solve the oft-ignored Light Up puzzle with artificial intelligence, we planned a three-step approach.</a:t>
-            </a:r>
-          </a:p>
-          <a:p>
-            <a:pPr marL="342900" indent="-342900">
-              <a:buFont typeface="+mj-lt"/>
-              <a:buAutoNum type="arabicPeriod"/>
-            </a:pPr>
-            <a:r>
-              <a:rPr lang="en-US" sz="2000" dirty="0"/>
-              <a:t>First, randomly generate puzzles, then find optimal solutions using hill climbing.</a:t>
-            </a:r>
-          </a:p>
-          <a:p>
-            <a:pPr marL="342900" indent="-342900">
-              <a:buFont typeface="+mj-lt"/>
-              <a:buAutoNum type="arabicPeriod"/>
-            </a:pPr>
-            <a:r>
-              <a:rPr lang="en-US" sz="2000" dirty="0"/>
-              <a:t>Second, find optimal solutions using simulated annealing.</a:t>
-            </a:r>
-          </a:p>
-          <a:p>
-            <a:pPr marL="342900" indent="-342900">
-              <a:buFont typeface="+mj-lt"/>
-              <a:buAutoNum type="arabicPeriod"/>
-            </a:pPr>
-            <a:r>
-              <a:rPr lang="en-US" sz="2000" dirty="0"/>
-              <a:t>Third, use the data generated by the hill climbing and simulated annealing algorithms to train a deep neural network.</a:t>
-            </a:r>
-          </a:p>
-        </p:txBody>
-      </p:sp>
-    </p:spTree>
-    <p:extLst>
-      <p:ext uri="{BB962C8B-B14F-4D97-AF65-F5344CB8AC3E}">
-        <p14:creationId xmlns:p14="http://schemas.microsoft.com/office/powerpoint/2010/main" val="1973931166"/>
-      </p:ext>
-    </p:extLst>
-  </p:cSld>
-  <p:clrMapOvr>
-    <a:masterClrMapping/>
-  </p:clrMapOvr>
-</p:sld>
-</file>
-
-<file path=ppt/slides/slide4.xml><?xml version="1.0" encoding="utf-8"?>
-<p:sld xmlns:a="http://schemas.openxmlformats.org/drawingml/2006/main" xmlns:r="http://schemas.openxmlformats.org/officeDocument/2006/relationships" xmlns:p="http://schemas.openxmlformats.org/presentationml/2006/main">
-  <p:cSld>
-    <p:spTree>
-      <p:nvGrpSpPr>
-        <p:cNvPr id="1" name=""/>
-        <p:cNvGrpSpPr/>
-        <p:nvPr/>
-      </p:nvGrpSpPr>
-      <p:grpSpPr>
-        <a:xfrm>
-          <a:off x="0" y="0"/>
-          <a:ext cx="0" cy="0"/>
-          <a:chOff x="0" y="0"/>
-          <a:chExt cx="0" cy="0"/>
-        </a:xfrm>
-      </p:grpSpPr>
-      <p:sp>
-        <p:nvSpPr>
-          <p:cNvPr id="2" name="Title 1">
-            <a:extLst>
-              <a:ext uri="{FF2B5EF4-FFF2-40B4-BE49-F238E27FC236}">
-                <a16:creationId xmlns:a16="http://schemas.microsoft.com/office/drawing/2014/main" id="{4DB879A0-3FA9-44E0-ADDA-6748EF3E910D}"/>
-              </a:ext>
-            </a:extLst>
-          </p:cNvPr>
-          <p:cNvSpPr>
-            <a:spLocks noGrp="1"/>
-          </p:cNvSpPr>
-          <p:nvPr>
-            <p:ph type="title"/>
-          </p:nvPr>
-        </p:nvSpPr>
-        <p:spPr/>
-        <p:txBody>
-          <a:bodyPr/>
-          <a:lstStyle/>
-          <a:p>
-            <a:r>
-              <a:rPr lang="en-US" dirty="0"/>
-              <a:t>Our Progress</a:t>
-            </a:r>
-          </a:p>
-        </p:txBody>
-      </p:sp>
-      <p:sp>
-        <p:nvSpPr>
-          <p:cNvPr id="3" name="Content Placeholder 2">
-            <a:extLst>
-              <a:ext uri="{FF2B5EF4-FFF2-40B4-BE49-F238E27FC236}">
-                <a16:creationId xmlns:a16="http://schemas.microsoft.com/office/drawing/2014/main" id="{C5465BCD-1C7B-4224-BCCB-2C9DAC57D603}"/>
-              </a:ext>
-            </a:extLst>
-          </p:cNvPr>
-          <p:cNvSpPr>
-            <a:spLocks noGrp="1"/>
-          </p:cNvSpPr>
-          <p:nvPr>
-            <p:ph idx="1"/>
-          </p:nvPr>
-        </p:nvSpPr>
-        <p:spPr/>
-        <p:txBody>
-          <a:bodyPr>
-            <a:normAutofit/>
-          </a:bodyPr>
-          <a:lstStyle/>
-          <a:p>
-            <a:r>
-              <a:rPr lang="en-US" sz="2000" dirty="0"/>
-              <a:t>Since our midterm presentation, we have…</a:t>
-            </a:r>
-          </a:p>
-          <a:p>
-            <a:pPr lvl="1"/>
-            <a:r>
-              <a:rPr lang="en-US" sz="1800" dirty="0"/>
-              <a:t>…completed initialization code for randomly generating Light Up puzzles.</a:t>
-            </a:r>
-          </a:p>
-          <a:p>
-            <a:pPr lvl="1"/>
-            <a:r>
-              <a:rPr lang="en-US" sz="1800" dirty="0"/>
-              <a:t>…implemented hill climbing and simulated annealing for finding optimal solutions.</a:t>
-            </a:r>
-          </a:p>
-          <a:p>
-            <a:pPr lvl="1"/>
-            <a:r>
-              <a:rPr lang="en-US" sz="1800" dirty="0"/>
-              <a:t>…successfully trained a convolutional neural network using the data generated by hill climbing and simulated annealing.</a:t>
-            </a:r>
-          </a:p>
-          <a:p>
-            <a:pPr lvl="2"/>
-            <a:r>
-              <a:rPr lang="en-US" sz="1700" dirty="0"/>
-              <a:t>(Note to self: This one might not actually be ready by the time we present. Check in with Robert for a progress report.)</a:t>
-            </a:r>
-          </a:p>
-        </p:txBody>
-      </p:sp>
-    </p:spTree>
-    <p:extLst>
-      <p:ext uri="{BB962C8B-B14F-4D97-AF65-F5344CB8AC3E}">
-        <p14:creationId xmlns:p14="http://schemas.microsoft.com/office/powerpoint/2010/main" val="4240498704"/>
-      </p:ext>
-    </p:extLst>
-  </p:cSld>
-  <p:clrMapOvr>
-    <a:masterClrMapping/>
-  </p:clrMapOvr>
-</p:sld>
-</file>
-
-<file path=ppt/slides/slide5.xml><?xml version="1.0" encoding="utf-8"?>
-<p:sld xmlns:a="http://schemas.openxmlformats.org/drawingml/2006/main" xmlns:r="http://schemas.openxmlformats.org/officeDocument/2006/relationships" xmlns:p="http://schemas.openxmlformats.org/presentationml/2006/main">
-  <p:cSld>
-    <p:spTree>
-      <p:nvGrpSpPr>
-        <p:cNvPr id="1" name=""/>
-        <p:cNvGrpSpPr/>
-        <p:nvPr/>
-      </p:nvGrpSpPr>
-      <p:grpSpPr>
-        <a:xfrm>
-          <a:off x="0" y="0"/>
-          <a:ext cx="0" cy="0"/>
-          <a:chOff x="0" y="0"/>
-          <a:chExt cx="0" cy="0"/>
-        </a:xfrm>
-      </p:grpSpPr>
-      <p:sp>
-        <p:nvSpPr>
-          <p:cNvPr id="2" name="Title 1">
-            <a:extLst>
-              <a:ext uri="{FF2B5EF4-FFF2-40B4-BE49-F238E27FC236}">
-                <a16:creationId xmlns:a16="http://schemas.microsoft.com/office/drawing/2014/main" id="{C98BAD10-4E24-4BE6-BA74-68B8612C4AD7}"/>
-              </a:ext>
-            </a:extLst>
-          </p:cNvPr>
-          <p:cNvSpPr>
-            <a:spLocks noGrp="1"/>
-          </p:cNvSpPr>
-          <p:nvPr>
-            <p:ph type="title"/>
-          </p:nvPr>
-        </p:nvSpPr>
-        <p:spPr/>
-        <p:txBody>
-          <a:bodyPr/>
-          <a:lstStyle/>
-          <a:p>
-            <a:r>
-              <a:rPr lang="en-US" dirty="0"/>
-              <a:t>Our Progress</a:t>
-            </a:r>
-          </a:p>
-        </p:txBody>
-      </p:sp>
-      <p:sp>
-        <p:nvSpPr>
-          <p:cNvPr id="3" name="Content Placeholder 2">
-            <a:extLst>
-              <a:ext uri="{FF2B5EF4-FFF2-40B4-BE49-F238E27FC236}">
-                <a16:creationId xmlns:a16="http://schemas.microsoft.com/office/drawing/2014/main" id="{7B8CA816-D250-421B-A87B-023559B4F9D2}"/>
-              </a:ext>
-            </a:extLst>
-          </p:cNvPr>
-          <p:cNvSpPr>
-            <a:spLocks noGrp="1"/>
-          </p:cNvSpPr>
-          <p:nvPr>
-            <p:ph sz="half" idx="1"/>
-          </p:nvPr>
-        </p:nvSpPr>
-        <p:spPr/>
-        <p:txBody>
-          <a:bodyPr>
-            <a:normAutofit lnSpcReduction="10000"/>
-          </a:bodyPr>
-          <a:lstStyle/>
-          <a:p>
-            <a:r>
-              <a:rPr lang="en-US" sz="2000" dirty="0"/>
-              <a:t>Since our midterm presentation, we have…</a:t>
-            </a:r>
-          </a:p>
-          <a:p>
-            <a:pPr lvl="1"/>
-            <a:r>
-              <a:rPr lang="en-US" sz="1800" dirty="0"/>
-              <a:t>…completed initialization code for randomly generating Light Up puzzles (see right for an example of how boards </a:t>
-            </a:r>
-            <a:r>
-              <a:rPr lang="en-US" sz="1800"/>
-              <a:t>are represented).</a:t>
-            </a:r>
-            <a:endParaRPr lang="en-US" sz="1800" dirty="0"/>
-          </a:p>
-          <a:p>
-            <a:pPr lvl="1"/>
-            <a:r>
-              <a:rPr lang="en-US" sz="1800" dirty="0"/>
-              <a:t>…implemented hill climbing and simulated annealing for finding optimal solutions.</a:t>
-            </a:r>
-          </a:p>
-          <a:p>
-            <a:pPr lvl="1"/>
-            <a:r>
-              <a:rPr lang="en-US" sz="1800" dirty="0"/>
-              <a:t>…successfully trained a convolutional neural network using the data generated by hill climbing and simulated annealing.</a:t>
-            </a:r>
-          </a:p>
-        </p:txBody>
-      </p:sp>
-      <p:sp>
-        <p:nvSpPr>
-          <p:cNvPr id="4" name="Content Placeholder 3">
-            <a:extLst>
-              <a:ext uri="{FF2B5EF4-FFF2-40B4-BE49-F238E27FC236}">
-                <a16:creationId xmlns:a16="http://schemas.microsoft.com/office/drawing/2014/main" id="{CE886D06-995D-44E0-A3EC-62285EE9CAAE}"/>
-              </a:ext>
-            </a:extLst>
-          </p:cNvPr>
-          <p:cNvSpPr>
-            <a:spLocks noGrp="1"/>
-          </p:cNvSpPr>
-          <p:nvPr>
-            <p:ph sz="half" idx="2"/>
-          </p:nvPr>
-        </p:nvSpPr>
-        <p:spPr>
-          <a:xfrm>
-            <a:off x="8471534" y="4160520"/>
-            <a:ext cx="3720465" cy="2697480"/>
-          </a:xfrm>
-        </p:spPr>
-        <p:txBody>
-          <a:bodyPr>
-            <a:normAutofit lnSpcReduction="10000"/>
-          </a:bodyPr>
-          <a:lstStyle/>
-          <a:p>
-            <a:pPr marL="0" indent="0">
-              <a:buNone/>
-            </a:pPr>
-            <a:r>
-              <a:rPr lang="en-US" dirty="0">
-                <a:latin typeface="Courier New" panose="02070309020205020404" pitchFamily="49" charset="0"/>
-                <a:cs typeface="Courier New" panose="02070309020205020404" pitchFamily="49" charset="0"/>
-              </a:rPr>
-              <a:t>[6,6,0,6,6,6,6],</a:t>
-            </a:r>
-            <a:br>
-              <a:rPr lang="en-US" dirty="0">
-                <a:latin typeface="Courier New" panose="02070309020205020404" pitchFamily="49" charset="0"/>
-                <a:cs typeface="Courier New" panose="02070309020205020404" pitchFamily="49" charset="0"/>
-              </a:rPr>
-            </a:br>
-            <a:r>
-              <a:rPr lang="en-US" dirty="0">
-                <a:latin typeface="Courier New" panose="02070309020205020404" pitchFamily="49" charset="0"/>
-                <a:cs typeface="Courier New" panose="02070309020205020404" pitchFamily="49" charset="0"/>
-              </a:rPr>
-              <a:t>[5,6,6,6,6,6,6],</a:t>
-            </a:r>
-            <a:br>
-              <a:rPr lang="en-US" dirty="0">
-                <a:latin typeface="Courier New" panose="02070309020205020404" pitchFamily="49" charset="0"/>
-                <a:cs typeface="Courier New" panose="02070309020205020404" pitchFamily="49" charset="0"/>
-              </a:rPr>
-            </a:br>
-            <a:r>
-              <a:rPr lang="en-US" dirty="0">
-                <a:latin typeface="Courier New" panose="02070309020205020404" pitchFamily="49" charset="0"/>
-                <a:cs typeface="Courier New" panose="02070309020205020404" pitchFamily="49" charset="0"/>
-              </a:rPr>
-              <a:t>[6,6,6,6,6,6,6],</a:t>
-            </a:r>
-            <a:br>
-              <a:rPr lang="en-US" dirty="0">
-                <a:latin typeface="Courier New" panose="02070309020205020404" pitchFamily="49" charset="0"/>
-                <a:cs typeface="Courier New" panose="02070309020205020404" pitchFamily="49" charset="0"/>
-              </a:rPr>
-            </a:br>
-            <a:r>
-              <a:rPr lang="en-US" dirty="0">
-                <a:latin typeface="Courier New" panose="02070309020205020404" pitchFamily="49" charset="0"/>
-                <a:cs typeface="Courier New" panose="02070309020205020404" pitchFamily="49" charset="0"/>
-              </a:rPr>
-              <a:t>[6,6,6,6,5,6,6],</a:t>
-            </a:r>
-            <a:br>
-              <a:rPr lang="en-US" dirty="0">
-                <a:latin typeface="Courier New" panose="02070309020205020404" pitchFamily="49" charset="0"/>
-                <a:cs typeface="Courier New" panose="02070309020205020404" pitchFamily="49" charset="0"/>
-              </a:rPr>
-            </a:br>
-            <a:r>
-              <a:rPr lang="en-US" dirty="0">
-                <a:latin typeface="Courier New" panose="02070309020205020404" pitchFamily="49" charset="0"/>
-                <a:cs typeface="Courier New" panose="02070309020205020404" pitchFamily="49" charset="0"/>
-              </a:rPr>
-              <a:t>[6,1,6,6,6,6,3],</a:t>
-            </a:r>
-            <a:br>
-              <a:rPr lang="en-US" dirty="0">
-                <a:latin typeface="Courier New" panose="02070309020205020404" pitchFamily="49" charset="0"/>
-                <a:cs typeface="Courier New" panose="02070309020205020404" pitchFamily="49" charset="0"/>
-              </a:rPr>
-            </a:br>
-            <a:r>
-              <a:rPr lang="en-US" dirty="0">
-                <a:latin typeface="Courier New" panose="02070309020205020404" pitchFamily="49" charset="0"/>
-                <a:cs typeface="Courier New" panose="02070309020205020404" pitchFamily="49" charset="0"/>
-              </a:rPr>
-              <a:t>[6,6,6,6,6,6,6],</a:t>
-            </a:r>
-            <a:br>
-              <a:rPr lang="en-US" dirty="0">
-                <a:latin typeface="Courier New" panose="02070309020205020404" pitchFamily="49" charset="0"/>
-                <a:cs typeface="Courier New" panose="02070309020205020404" pitchFamily="49" charset="0"/>
-              </a:rPr>
-            </a:br>
-            <a:r>
-              <a:rPr lang="en-US" dirty="0">
-                <a:latin typeface="Courier New" panose="02070309020205020404" pitchFamily="49" charset="0"/>
-                <a:cs typeface="Courier New" panose="02070309020205020404" pitchFamily="49" charset="0"/>
-              </a:rPr>
-              <a:t>[3,6,6,6,6,6,6]</a:t>
-            </a:r>
-          </a:p>
-        </p:txBody>
-      </p:sp>
-      <p:pic>
-        <p:nvPicPr>
-          <p:cNvPr id="6" name="Picture 5" descr="A screen shot of a building&#10;&#10;Description automatically generated">
-            <a:extLst>
-              <a:ext uri="{FF2B5EF4-FFF2-40B4-BE49-F238E27FC236}">
-                <a16:creationId xmlns:a16="http://schemas.microsoft.com/office/drawing/2014/main" id="{F832B0DC-7633-4B97-AF28-DDC5FC78B7D5}"/>
-              </a:ext>
-            </a:extLst>
-          </p:cNvPr>
-          <p:cNvPicPr>
-            <a:picLocks noChangeAspect="1"/>
-          </p:cNvPicPr>
-          <p:nvPr/>
-        </p:nvPicPr>
-        <p:blipFill>
-          <a:blip r:embed="rId2"/>
-          <a:stretch>
-            <a:fillRect/>
-          </a:stretch>
-        </p:blipFill>
-        <p:spPr>
-          <a:xfrm>
-            <a:off x="6461760" y="2103120"/>
-            <a:ext cx="2009775" cy="2057400"/>
-          </a:xfrm>
-          <a:prstGeom prst="rect">
-            <a:avLst/>
-          </a:prstGeom>
-        </p:spPr>
-      </p:pic>
-      <p:cxnSp>
-        <p:nvCxnSpPr>
-          <p:cNvPr id="7" name="Straight Arrow Connector 6">
-            <a:extLst>
-              <a:ext uri="{FF2B5EF4-FFF2-40B4-BE49-F238E27FC236}">
-                <a16:creationId xmlns:a16="http://schemas.microsoft.com/office/drawing/2014/main" id="{625A95D0-40E5-4DC6-9FC6-0CF661B267A8}"/>
-              </a:ext>
-            </a:extLst>
-          </p:cNvPr>
-          <p:cNvCxnSpPr/>
-          <p:nvPr/>
-        </p:nvCxnSpPr>
-        <p:spPr>
-          <a:xfrm>
-            <a:off x="8510532" y="3778624"/>
-            <a:ext cx="692523" cy="381896"/>
-          </a:xfrm>
-          <a:prstGeom prst="straightConnector1">
-            <a:avLst/>
-          </a:prstGeom>
-          <a:ln w="9525" cap="flat" cmpd="sng" algn="ctr">
-            <a:solidFill>
-              <a:schemeClr val="dk1"/>
-            </a:solidFill>
-            <a:prstDash val="solid"/>
-            <a:round/>
-            <a:headEnd type="none" w="med" len="med"/>
-            <a:tailEnd type="arrow" w="med" len="med"/>
-          </a:ln>
-        </p:spPr>
-        <p:style>
-          <a:lnRef idx="0">
-            <a:scrgbClr r="0" g="0" b="0"/>
-          </a:lnRef>
-          <a:fillRef idx="0">
-            <a:scrgbClr r="0" g="0" b="0"/>
-          </a:fillRef>
-          <a:effectRef idx="0">
-            <a:scrgbClr r="0" g="0" b="0"/>
-          </a:effectRef>
-          <a:fontRef idx="minor">
-            <a:schemeClr val="tx1"/>
-          </a:fontRef>
-        </p:style>
-      </p:cxnSp>
-      <p:cxnSp>
-        <p:nvCxnSpPr>
-          <p:cNvPr id="8" name="Straight Arrow Connector 7">
-            <a:extLst>
-              <a:ext uri="{FF2B5EF4-FFF2-40B4-BE49-F238E27FC236}">
-                <a16:creationId xmlns:a16="http://schemas.microsoft.com/office/drawing/2014/main" id="{04133E34-60F1-4879-8D94-FB9E7F795385}"/>
-              </a:ext>
-            </a:extLst>
-          </p:cNvPr>
-          <p:cNvCxnSpPr/>
-          <p:nvPr/>
-        </p:nvCxnSpPr>
-        <p:spPr>
-          <a:xfrm>
-            <a:off x="7818009" y="4249446"/>
-            <a:ext cx="692523" cy="381896"/>
-          </a:xfrm>
-          <a:prstGeom prst="straightConnector1">
-            <a:avLst/>
-          </a:prstGeom>
-          <a:ln w="9525" cap="flat" cmpd="sng" algn="ctr">
-            <a:solidFill>
-              <a:schemeClr val="dk1"/>
-            </a:solidFill>
-            <a:prstDash val="solid"/>
-            <a:round/>
-            <a:headEnd type="none" w="med" len="med"/>
-            <a:tailEnd type="arrow" w="med" len="med"/>
-          </a:ln>
-        </p:spPr>
-        <p:style>
-          <a:lnRef idx="0">
-            <a:scrgbClr r="0" g="0" b="0"/>
-          </a:lnRef>
-          <a:fillRef idx="0">
-            <a:scrgbClr r="0" g="0" b="0"/>
-          </a:fillRef>
-          <a:effectRef idx="0">
-            <a:scrgbClr r="0" g="0" b="0"/>
-          </a:effectRef>
-          <a:fontRef idx="minor">
-            <a:schemeClr val="tx1"/>
-          </a:fontRef>
-        </p:style>
-      </p:cxnSp>
-    </p:spTree>
-    <p:extLst>
-      <p:ext uri="{BB962C8B-B14F-4D97-AF65-F5344CB8AC3E}">
-        <p14:creationId xmlns:p14="http://schemas.microsoft.com/office/powerpoint/2010/main" val="4258766527"/>
-      </p:ext>
-    </p:extLst>
-  </p:cSld>
-  <p:clrMapOvr>
-    <a:masterClrMapping/>
-  </p:clrMapOvr>
-</p:sld>
-</file>
-
-<file path=ppt/slides/slide6.xml><?xml version="1.0" encoding="utf-8"?>
-<p:sld xmlns:a="http://schemas.openxmlformats.org/drawingml/2006/main" xmlns:r="http://schemas.openxmlformats.org/officeDocument/2006/relationships" xmlns:p="http://schemas.openxmlformats.org/presentationml/2006/main">
-  <p:cSld>
-    <p:spTree>
-      <p:nvGrpSpPr>
-        <p:cNvPr id="1" name=""/>
-        <p:cNvGrpSpPr/>
-        <p:nvPr/>
-      </p:nvGrpSpPr>
-      <p:grpSpPr>
-        <a:xfrm>
-          <a:off x="0" y="0"/>
-          <a:ext cx="0" cy="0"/>
-          <a:chOff x="0" y="0"/>
-          <a:chExt cx="0" cy="0"/>
-        </a:xfrm>
-      </p:grpSpPr>
-      <p:sp>
-        <p:nvSpPr>
-          <p:cNvPr id="2" name="Title 1">
-            <a:extLst>
-              <a:ext uri="{FF2B5EF4-FFF2-40B4-BE49-F238E27FC236}">
-                <a16:creationId xmlns:a16="http://schemas.microsoft.com/office/drawing/2014/main" id="{C7163C8E-B06B-4C54-90AD-A2C8E91013DF}"/>
-              </a:ext>
-            </a:extLst>
-          </p:cNvPr>
-          <p:cNvSpPr>
-            <a:spLocks noGrp="1"/>
-          </p:cNvSpPr>
-          <p:nvPr>
-            <p:ph type="title"/>
-          </p:nvPr>
-        </p:nvSpPr>
-        <p:spPr/>
-        <p:txBody>
-          <a:bodyPr/>
-          <a:lstStyle/>
-          <a:p>
-            <a:r>
-              <a:rPr lang="en-US" dirty="0"/>
-              <a:t>Results: Hill Climbing</a:t>
-            </a:r>
-          </a:p>
-        </p:txBody>
-      </p:sp>
-      <p:sp>
-        <p:nvSpPr>
-          <p:cNvPr id="3" name="Content Placeholder 2">
-            <a:extLst>
-              <a:ext uri="{FF2B5EF4-FFF2-40B4-BE49-F238E27FC236}">
-                <a16:creationId xmlns:a16="http://schemas.microsoft.com/office/drawing/2014/main" id="{FD94790F-C2EE-4292-8006-3AC4B55B20A0}"/>
-              </a:ext>
-            </a:extLst>
-          </p:cNvPr>
-          <p:cNvSpPr>
-            <a:spLocks noGrp="1"/>
-          </p:cNvSpPr>
-          <p:nvPr>
-            <p:ph idx="1"/>
-          </p:nvPr>
-        </p:nvSpPr>
-        <p:spPr/>
-        <p:txBody>
-          <a:bodyPr>
-            <a:normAutofit/>
-          </a:bodyPr>
-          <a:lstStyle/>
-          <a:p>
-            <a:r>
-              <a:rPr lang="en-US" sz="2000" dirty="0"/>
-              <a:t>Our work on hill climbing and simulated annealing was divided into three parts:</a:t>
-            </a:r>
-          </a:p>
-          <a:p>
-            <a:pPr lvl="1"/>
-            <a:r>
-              <a:rPr lang="en-US" sz="1800" dirty="0"/>
-              <a:t>Vanilla hill climbing with no special puzzle parameters.</a:t>
-            </a:r>
-          </a:p>
-          <a:p>
-            <a:pPr lvl="1"/>
-            <a:r>
-              <a:rPr lang="en-US" sz="1800" dirty="0"/>
-              <a:t>Vanilla hill climbing with a puzzle with a single, unique optimal solution.</a:t>
-            </a:r>
-          </a:p>
-          <a:p>
-            <a:pPr lvl="1"/>
-            <a:r>
-              <a:rPr lang="en-US" sz="1800" dirty="0"/>
-              <a:t>Simulated annealing with a puzzle with a single, unique optimal solution.</a:t>
-            </a:r>
-          </a:p>
-          <a:p>
-            <a:r>
-              <a:rPr lang="en-US" sz="2000" dirty="0"/>
-              <a:t>The first of those proved to be the weakest implementation — if the puzzle lacked a single, unique optimal solution, vanilla hill climbing could rarely produce a globally optimal solution.</a:t>
-            </a:r>
-          </a:p>
-          <a:p>
-            <a:r>
-              <a:rPr lang="en-US" sz="2000" dirty="0"/>
-              <a:t>If there </a:t>
-            </a:r>
-            <a:r>
-              <a:rPr lang="en-US" sz="2000" i="1" dirty="0"/>
-              <a:t>was</a:t>
-            </a:r>
-            <a:r>
-              <a:rPr lang="en-US" sz="2000" dirty="0"/>
-              <a:t> a single, unique optimal solution, however, vanilla hill climbing </a:t>
-            </a:r>
-            <a:r>
-              <a:rPr lang="en-US" sz="2000" i="1" dirty="0"/>
-              <a:t>could</a:t>
-            </a:r>
-            <a:r>
-              <a:rPr lang="en-US" sz="2000" dirty="0"/>
-              <a:t> find it — given enough evaluations.</a:t>
-            </a:r>
-          </a:p>
-        </p:txBody>
-      </p:sp>
-    </p:spTree>
-    <p:extLst>
-      <p:ext uri="{BB962C8B-B14F-4D97-AF65-F5344CB8AC3E}">
-        <p14:creationId xmlns:p14="http://schemas.microsoft.com/office/powerpoint/2010/main" val="1387601495"/>
-      </p:ext>
-    </p:extLst>
-  </p:cSld>
-  <p:clrMapOvr>
-    <a:masterClrMapping/>
-  </p:clrMapOvr>
-</p:sld>
-</file>
-
-<file path=ppt/slides/slide7.xml><?xml version="1.0" encoding="utf-8"?>
-<p:sld xmlns:a="http://schemas.openxmlformats.org/drawingml/2006/main" xmlns:r="http://schemas.openxmlformats.org/officeDocument/2006/relationships" xmlns:p="http://schemas.openxmlformats.org/presentationml/2006/main">
-  <p:cSld>
-    <p:spTree>
-      <p:nvGrpSpPr>
-        <p:cNvPr id="1" name=""/>
-        <p:cNvGrpSpPr/>
-        <p:nvPr/>
-      </p:nvGrpSpPr>
-      <p:grpSpPr>
-        <a:xfrm>
-          <a:off x="0" y="0"/>
-          <a:ext cx="0" cy="0"/>
-          <a:chOff x="0" y="0"/>
-          <a:chExt cx="0" cy="0"/>
-        </a:xfrm>
-      </p:grpSpPr>
-      <p:sp>
-        <p:nvSpPr>
-          <p:cNvPr id="2" name="Title 1">
-            <a:extLst>
-              <a:ext uri="{FF2B5EF4-FFF2-40B4-BE49-F238E27FC236}">
-                <a16:creationId xmlns:a16="http://schemas.microsoft.com/office/drawing/2014/main" id="{CF73D406-4BA3-4193-B9AB-751146C54D67}"/>
-              </a:ext>
-            </a:extLst>
-          </p:cNvPr>
-          <p:cNvSpPr>
-            <a:spLocks noGrp="1"/>
-          </p:cNvSpPr>
-          <p:nvPr>
-            <p:ph type="title"/>
-          </p:nvPr>
-        </p:nvSpPr>
-        <p:spPr/>
-        <p:txBody>
-          <a:bodyPr/>
-          <a:lstStyle/>
-          <a:p>
-            <a:r>
-              <a:rPr lang="en-US" dirty="0"/>
-              <a:t>Results: Hill Climbing (Cont.)</a:t>
-            </a:r>
-          </a:p>
-        </p:txBody>
-      </p:sp>
-      <p:sp>
-        <p:nvSpPr>
-          <p:cNvPr id="3" name="Content Placeholder 2">
-            <a:extLst>
-              <a:ext uri="{FF2B5EF4-FFF2-40B4-BE49-F238E27FC236}">
-                <a16:creationId xmlns:a16="http://schemas.microsoft.com/office/drawing/2014/main" id="{3A6B422A-5BB4-4624-A557-E5AAD4C112CC}"/>
-              </a:ext>
-            </a:extLst>
-          </p:cNvPr>
-          <p:cNvSpPr>
-            <a:spLocks noGrp="1"/>
-          </p:cNvSpPr>
-          <p:nvPr>
-            <p:ph sz="half" idx="1"/>
-          </p:nvPr>
-        </p:nvSpPr>
-        <p:spPr/>
-        <p:txBody>
-          <a:bodyPr/>
-          <a:lstStyle/>
-          <a:p>
-            <a:r>
-              <a:rPr lang="en-US" dirty="0"/>
-              <a:t>To the right, you can see sample results from vanilla hill climbing with an optimized puzzle.</a:t>
-            </a:r>
-          </a:p>
-          <a:p>
-            <a:r>
-              <a:rPr lang="en-US" dirty="0"/>
-              <a:t>In one trial, at 300 function evaluations, the algorithm was able to find a globally optimal solution.</a:t>
-            </a:r>
-          </a:p>
-          <a:p>
-            <a:r>
-              <a:rPr lang="en-US" dirty="0"/>
-              <a:t>This particular run was not representative of all runs with these parameters, however, which often required thousands of evaluations.</a:t>
-            </a:r>
-          </a:p>
-        </p:txBody>
-      </p:sp>
-      <p:pic>
-        <p:nvPicPr>
-          <p:cNvPr id="10" name="Content Placeholder 9" descr="A close up of a sign&#10;&#10;Description automatically generated">
-            <a:extLst>
-              <a:ext uri="{FF2B5EF4-FFF2-40B4-BE49-F238E27FC236}">
-                <a16:creationId xmlns:a16="http://schemas.microsoft.com/office/drawing/2014/main" id="{3AC6BC85-B88C-4463-96AE-B4EE44D8F52E}"/>
-              </a:ext>
-            </a:extLst>
-          </p:cNvPr>
-          <p:cNvPicPr>
-            <a:picLocks noGrp="1" noChangeAspect="1"/>
-          </p:cNvPicPr>
-          <p:nvPr>
-            <p:ph sz="half" idx="2"/>
-          </p:nvPr>
-        </p:nvPicPr>
-        <p:blipFill>
-          <a:blip r:embed="rId2"/>
-          <a:stretch>
-            <a:fillRect/>
-          </a:stretch>
-        </p:blipFill>
-        <p:spPr>
-          <a:xfrm>
-            <a:off x="8041255" y="2103438"/>
-            <a:ext cx="1503814" cy="3748087"/>
-          </a:xfrm>
-        </p:spPr>
-      </p:pic>
-    </p:spTree>
-    <p:extLst>
-      <p:ext uri="{BB962C8B-B14F-4D97-AF65-F5344CB8AC3E}">
-        <p14:creationId xmlns:p14="http://schemas.microsoft.com/office/powerpoint/2010/main" val="832658327"/>
-      </p:ext>
-    </p:extLst>
-  </p:cSld>
-  <p:clrMapOvr>
-    <a:masterClrMapping/>
-  </p:clrMapOvr>
-</p:sld>
-</file>
-
-<file path=ppt/slides/slide8.xml><?xml version="1.0" encoding="utf-8"?>
-<p:sld xmlns:a="http://schemas.openxmlformats.org/drawingml/2006/main" xmlns:r="http://schemas.openxmlformats.org/officeDocument/2006/relationships" xmlns:p="http://schemas.openxmlformats.org/presentationml/2006/main">
-  <p:cSld>
-    <p:spTree>
-      <p:nvGrpSpPr>
-        <p:cNvPr id="1" name=""/>
-        <p:cNvGrpSpPr/>
-        <p:nvPr/>
-      </p:nvGrpSpPr>
-      <p:grpSpPr>
-        <a:xfrm>
-          <a:off x="0" y="0"/>
-          <a:ext cx="0" cy="0"/>
-          <a:chOff x="0" y="0"/>
-          <a:chExt cx="0" cy="0"/>
-        </a:xfrm>
-      </p:grpSpPr>
-      <p:sp>
-        <p:nvSpPr>
-          <p:cNvPr id="2" name="Title 1">
-            <a:extLst>
-              <a:ext uri="{FF2B5EF4-FFF2-40B4-BE49-F238E27FC236}">
-                <a16:creationId xmlns:a16="http://schemas.microsoft.com/office/drawing/2014/main" id="{C7163C8E-B06B-4C54-90AD-A2C8E91013DF}"/>
-              </a:ext>
-            </a:extLst>
-          </p:cNvPr>
-          <p:cNvSpPr>
-            <a:spLocks noGrp="1"/>
-          </p:cNvSpPr>
-          <p:nvPr>
-            <p:ph type="title"/>
-          </p:nvPr>
-        </p:nvSpPr>
-        <p:spPr/>
-        <p:txBody>
-          <a:bodyPr/>
-          <a:lstStyle/>
-          <a:p>
-            <a:r>
-              <a:rPr lang="en-US" dirty="0"/>
-              <a:t>Results: Simulated Annealing</a:t>
-            </a:r>
-          </a:p>
-        </p:txBody>
-      </p:sp>
-      <p:sp>
-        <p:nvSpPr>
-          <p:cNvPr id="3" name="Content Placeholder 2">
-            <a:extLst>
-              <a:ext uri="{FF2B5EF4-FFF2-40B4-BE49-F238E27FC236}">
-                <a16:creationId xmlns:a16="http://schemas.microsoft.com/office/drawing/2014/main" id="{FD94790F-C2EE-4292-8006-3AC4B55B20A0}"/>
-              </a:ext>
-            </a:extLst>
-          </p:cNvPr>
-          <p:cNvSpPr>
-            <a:spLocks noGrp="1"/>
-          </p:cNvSpPr>
-          <p:nvPr>
-            <p:ph idx="1"/>
-          </p:nvPr>
-        </p:nvSpPr>
-        <p:spPr/>
-        <p:txBody>
-          <a:bodyPr>
-            <a:normAutofit/>
-          </a:bodyPr>
-          <a:lstStyle/>
-          <a:p>
-            <a:r>
-              <a:rPr lang="en-US" sz="2000" dirty="0"/>
-              <a:t>Simulated annealing was found to be a much more robust algorithm than vanilla hill climbing, often producing globally optimal solutions in less than one thousand function evaluations.</a:t>
-            </a:r>
-          </a:p>
-          <a:p>
-            <a:r>
-              <a:rPr lang="en-US" sz="2000" dirty="0"/>
-              <a:t>“Often” does not mean “always,” however, and simulated annealing would still occasionally have trouble — in one instance, 8,700 evaluations were needed to find the global optimum.</a:t>
-            </a:r>
-          </a:p>
-          <a:p>
-            <a:r>
-              <a:rPr lang="en-US" sz="2000" dirty="0"/>
-              <a:t>This is still an improvement over vanilla hill climbing with the same puzzle parameters, though, which sometimes needed over 10,000 function evaluations to solve a problem of similar complexity.</a:t>
-            </a:r>
-          </a:p>
-        </p:txBody>
-      </p:sp>
-    </p:spTree>
-    <p:extLst>
-      <p:ext uri="{BB962C8B-B14F-4D97-AF65-F5344CB8AC3E}">
-        <p14:creationId xmlns:p14="http://schemas.microsoft.com/office/powerpoint/2010/main" val="3777218147"/>
-      </p:ext>
-    </p:extLst>
-  </p:cSld>
-  <p:clrMapOvr>
-    <a:masterClrMapping/>
-  </p:clrMapOvr>
-</p:sld>
-</file>
-
-<file path=ppt/slides/slide9.xml><?xml version="1.0" encoding="utf-8"?>
-<p:sld xmlns:a="http://schemas.openxmlformats.org/drawingml/2006/main" xmlns:r="http://schemas.openxmlformats.org/officeDocument/2006/relationships" xmlns:p="http://schemas.openxmlformats.org/presentationml/2006/main">
-  <p:cSld>
-    <p:spTree>
-      <p:nvGrpSpPr>
-        <p:cNvPr id="1" name=""/>
-        <p:cNvGrpSpPr/>
-        <p:nvPr/>
-      </p:nvGrpSpPr>
-      <p:grpSpPr>
-        <a:xfrm>
-          <a:off x="0" y="0"/>
-          <a:ext cx="0" cy="0"/>
-          <a:chOff x="0" y="0"/>
-          <a:chExt cx="0" cy="0"/>
-        </a:xfrm>
-      </p:grpSpPr>
-      <p:sp>
-        <p:nvSpPr>
-          <p:cNvPr id="2" name="Title 1">
-            <a:extLst>
-              <a:ext uri="{FF2B5EF4-FFF2-40B4-BE49-F238E27FC236}">
-                <a16:creationId xmlns:a16="http://schemas.microsoft.com/office/drawing/2014/main" id="{C7163C8E-B06B-4C54-90AD-A2C8E91013DF}"/>
-              </a:ext>
-            </a:extLst>
-          </p:cNvPr>
-          <p:cNvSpPr>
-            <a:spLocks noGrp="1"/>
-          </p:cNvSpPr>
-          <p:nvPr>
-            <p:ph type="title"/>
-          </p:nvPr>
-        </p:nvSpPr>
-        <p:spPr/>
-        <p:txBody>
-          <a:bodyPr/>
-          <a:lstStyle/>
-          <a:p>
-            <a:r>
-              <a:rPr lang="en-US" dirty="0"/>
-              <a:t>Results: Convolutional/Deep Neural Network</a:t>
-            </a:r>
-          </a:p>
-        </p:txBody>
-      </p:sp>
-      <p:sp>
-        <p:nvSpPr>
-          <p:cNvPr id="3" name="Content Placeholder 2">
-            <a:extLst>
-              <a:ext uri="{FF2B5EF4-FFF2-40B4-BE49-F238E27FC236}">
-                <a16:creationId xmlns:a16="http://schemas.microsoft.com/office/drawing/2014/main" id="{FD94790F-C2EE-4292-8006-3AC4B55B20A0}"/>
-              </a:ext>
-            </a:extLst>
-          </p:cNvPr>
-          <p:cNvSpPr>
-            <a:spLocks noGrp="1"/>
-          </p:cNvSpPr>
-          <p:nvPr>
-            <p:ph idx="1"/>
-          </p:nvPr>
-        </p:nvSpPr>
-        <p:spPr/>
-        <p:txBody>
-          <a:bodyPr>
-            <a:normAutofit/>
-          </a:bodyPr>
-          <a:lstStyle/>
-          <a:p>
-            <a:r>
-              <a:rPr lang="en-US" sz="2000" dirty="0"/>
-              <a:t>Now that hill climbing and simulated annealing have produced results, we plan to use the inputs and outputs to train a convolutional neural network to produce optimal solutions to random puzzles.</a:t>
-            </a:r>
-          </a:p>
-          <a:p>
-            <a:r>
-              <a:rPr lang="en-US" sz="2000" dirty="0"/>
-              <a:t>We imagine this final algorithm will be fully implemented by the end of this week.</a:t>
-            </a:r>
-          </a:p>
-        </p:txBody>
-      </p:sp>
-    </p:spTree>
-    <p:extLst>
-      <p:ext uri="{BB962C8B-B14F-4D97-AF65-F5344CB8AC3E}">
-        <p14:creationId xmlns:p14="http://schemas.microsoft.com/office/powerpoint/2010/main" val="3976004483"/>
+        <p14:creationId xmlns:p14="http://schemas.microsoft.com/office/powerpoint/2010/main" val="2862732210"/>
       </p:ext>
     </p:extLst>
   </p:cSld>
@@ -8696,21 +8601,21 @@
 </file>
 
 <file path=customXml/item2.xml><?xml version="1.0" encoding="utf-8"?>
+<?mso-contentType ?>
+<FormTemplates xmlns="http://schemas.microsoft.com/sharepoint/v3/contenttype/forms">
+  <Display>DocumentLibraryForm</Display>
+  <Edit>DocumentLibraryForm</Edit>
+  <New>DocumentLibraryForm</New>
+</FormTemplates>
+</file>
+
+<file path=customXml/item3.xml><?xml version="1.0" encoding="utf-8"?>
 <p:properties xmlns:p="http://schemas.microsoft.com/office/2006/metadata/properties" xmlns:xsi="http://www.w3.org/2001/XMLSchema-instance" xmlns:pc="http://schemas.microsoft.com/office/infopath/2007/PartnerControls">
   <documentManagement>
     <Status xmlns="71af3243-3dd4-4a8d-8c0d-dd76da1f02a5">Not started</Status>
     <MediaServiceKeyPoints xmlns="71af3243-3dd4-4a8d-8c0d-dd76da1f02a5" xsi:nil="true"/>
   </documentManagement>
 </p:properties>
-</file>
-
-<file path=customXml/item3.xml><?xml version="1.0" encoding="utf-8"?>
-<?mso-contentType ?>
-<FormTemplates xmlns="http://schemas.microsoft.com/sharepoint/v3/contenttype/forms">
-  <Display>DocumentLibraryForm</Display>
-  <Edit>DocumentLibraryForm</Edit>
-  <New>DocumentLibraryForm</New>
-</FormTemplates>
 </file>
 
 <file path=customXml/itemProps1.xml><?xml version="1.0" encoding="utf-8"?>
@@ -8733,6 +8638,14 @@
 </file>
 
 <file path=customXml/itemProps2.xml><?xml version="1.0" encoding="utf-8"?>
+<ds:datastoreItem xmlns:ds="http://schemas.openxmlformats.org/officeDocument/2006/customXml" ds:itemID="{AE2713E1-6312-427E-BFCB-C5A5DA301373}">
+  <ds:schemaRefs>
+    <ds:schemaRef ds:uri="http://schemas.microsoft.com/sharepoint/v3/contenttype/forms"/>
+  </ds:schemaRefs>
+</ds:datastoreItem>
+</file>
+
+<file path=customXml/itemProps3.xml><?xml version="1.0" encoding="utf-8"?>
 <ds:datastoreItem xmlns:ds="http://schemas.openxmlformats.org/officeDocument/2006/customXml" ds:itemID="{52F3B215-496E-4790-A364-7C1C46DEC771}">
   <ds:schemaRefs>
     <ds:schemaRef ds:uri="http://schemas.microsoft.com/office/2006/metadata/properties"/>
@@ -8740,12 +8653,4 @@
     <ds:schemaRef ds:uri="71af3243-3dd4-4a8d-8c0d-dd76da1f02a5"/>
   </ds:schemaRefs>
 </ds:datastoreItem>
-</file>
-
-<file path=customXml/itemProps3.xml><?xml version="1.0" encoding="utf-8"?>
-<ds:datastoreItem xmlns:ds="http://schemas.openxmlformats.org/officeDocument/2006/customXml" ds:itemID="{AE2713E1-6312-427E-BFCB-C5A5DA301373}">
-  <ds:schemaRefs>
-    <ds:schemaRef ds:uri="http://schemas.microsoft.com/sharepoint/v3/contenttype/forms"/>
-  </ds:schemaRefs>
-</ds:datastoreItem>
 </file>
--- a/Presentation/Final/Final Presentation.pptx
+++ b/Presentation/Final/Final Presentation.pptx
@@ -12,12 +12,15 @@
     <p:sldId id="301" r:id="rId9"/>
     <p:sldId id="296" r:id="rId10"/>
     <p:sldId id="300" r:id="rId11"/>
-    <p:sldId id="297" r:id="rId12"/>
-    <p:sldId id="302" r:id="rId13"/>
-    <p:sldId id="303" r:id="rId14"/>
-    <p:sldId id="304" r:id="rId15"/>
-    <p:sldId id="305" r:id="rId16"/>
-    <p:sldId id="299" r:id="rId17"/>
+    <p:sldId id="308" r:id="rId12"/>
+    <p:sldId id="306" r:id="rId13"/>
+    <p:sldId id="307" r:id="rId14"/>
+    <p:sldId id="297" r:id="rId15"/>
+    <p:sldId id="302" r:id="rId16"/>
+    <p:sldId id="303" r:id="rId17"/>
+    <p:sldId id="304" r:id="rId18"/>
+    <p:sldId id="305" r:id="rId19"/>
+    <p:sldId id="299" r:id="rId20"/>
   </p:sldIdLst>
   <p:sldSz cx="12192000" cy="6858000"/>
   <p:notesSz cx="6858000" cy="9144000"/>
@@ -593,7 +596,7 @@
           <a:p>
             <a:fld id="{EA0C0817-A112-4847-8014-A94B7D2A4EA3}" type="datetime1">
               <a:rPr lang="en-US" smtClean="0"/>
-              <a:t>11/15/2020</a:t>
+              <a:t>11/15/20</a:t>
             </a:fld>
             <a:endParaRPr lang="en-US" dirty="0"/>
           </a:p>
@@ -795,7 +798,7 @@
           <a:p>
             <a:fld id="{7332B432-ACDA-4023-A761-2BAB76577B62}" type="datetime1">
               <a:rPr lang="en-US" smtClean="0"/>
-              <a:t>11/15/2020</a:t>
+              <a:t>11/15/20</a:t>
             </a:fld>
             <a:endParaRPr lang="en-US" dirty="0"/>
           </a:p>
@@ -1394,7 +1397,7 @@
           <a:p>
             <a:fld id="{D9C646AA-F36E-4540-911D-FFFC0A0EF24A}" type="datetime1">
               <a:rPr lang="en-US" smtClean="0"/>
-              <a:t>11/15/2020</a:t>
+              <a:t>11/15/20</a:t>
             </a:fld>
             <a:endParaRPr lang="en-US" dirty="0"/>
           </a:p>
@@ -1714,7 +1717,7 @@
           <a:p>
             <a:fld id="{69186D26-FA5F-4637-B602-B7C2DC34CFD4}" type="datetime1">
               <a:rPr lang="en-US" smtClean="0"/>
-              <a:t>11/15/2020</a:t>
+              <a:t>11/15/20</a:t>
             </a:fld>
             <a:endParaRPr lang="en-US" dirty="0"/>
           </a:p>
@@ -2151,7 +2154,7 @@
           <a:p>
             <a:fld id="{8A7F15D8-96D1-4781-BC50-CA8A088B2FE4}" type="datetime1">
               <a:rPr lang="en-US" smtClean="0"/>
-              <a:t>11/15/2020</a:t>
+              <a:t>11/15/20</a:t>
             </a:fld>
             <a:endParaRPr lang="en-US" dirty="0"/>
           </a:p>
@@ -2269,7 +2272,7 @@
           <a:p>
             <a:fld id="{F9A96C99-B8F8-4528-BD05-0E16E943DC09}" type="datetime1">
               <a:rPr lang="en-US" smtClean="0"/>
-              <a:t>11/15/2020</a:t>
+              <a:t>11/15/20</a:t>
             </a:fld>
             <a:endParaRPr lang="en-US" dirty="0"/>
           </a:p>
@@ -2364,7 +2367,7 @@
           <a:p>
             <a:fld id="{03636942-C211-4B28-8DBD-C953E00AF71B}" type="datetime1">
               <a:rPr lang="en-US" smtClean="0"/>
-              <a:t>11/15/2020</a:t>
+              <a:t>11/15/20</a:t>
             </a:fld>
             <a:endParaRPr lang="en-US" dirty="0"/>
           </a:p>
@@ -2781,7 +2784,7 @@
           <a:p>
             <a:fld id="{7E8D12A6-918A-48BD-8CB9-CA713993B0EA}" type="datetime1">
               <a:rPr lang="en-US" smtClean="0"/>
-              <a:t>11/15/2020</a:t>
+              <a:t>11/15/20</a:t>
             </a:fld>
             <a:endParaRPr lang="en-US" dirty="0"/>
           </a:p>
@@ -3043,7 +3046,7 @@
             <a:fld id="{E778CE86-875F-4587-BCF6-FA054AFC0D53}" type="datetime1">
               <a:rPr lang="en-US" smtClean="0"/>
               <a:pPr/>
-              <a:t>11/15/2020</a:t>
+              <a:t>11/15/20</a:t>
             </a:fld>
             <a:endParaRPr lang="en-US" dirty="0"/>
           </a:p>
@@ -3559,7 +3562,7 @@
           <a:p>
             <a:fld id="{F6FA2B21-3FCD-4721-B95C-427943F61125}" type="datetime1">
               <a:rPr lang="en-US" smtClean="0"/>
-              <a:t>11/15/2020</a:t>
+              <a:t>11/15/20</a:t>
             </a:fld>
             <a:endParaRPr lang="en-US" dirty="0"/>
           </a:p>
@@ -4300,6 +4303,197 @@
           <p:cNvPr id="2" name="Title 1">
             <a:extLst>
               <a:ext uri="{FF2B5EF4-FFF2-40B4-BE49-F238E27FC236}">
+                <a16:creationId xmlns:a16="http://schemas.microsoft.com/office/drawing/2014/main" id="{F53F79B3-F38B-7149-AEE5-C8C45C78AB5A}"/>
+              </a:ext>
+            </a:extLst>
+          </p:cNvPr>
+          <p:cNvSpPr>
+            <a:spLocks noGrp="1"/>
+          </p:cNvSpPr>
+          <p:nvPr>
+            <p:ph type="title"/>
+          </p:nvPr>
+        </p:nvSpPr>
+        <p:spPr>
+          <a:xfrm>
+            <a:off x="1066800" y="642594"/>
+            <a:ext cx="10058400" cy="946720"/>
+          </a:xfrm>
+        </p:spPr>
+        <p:txBody>
+          <a:bodyPr/>
+          <a:lstStyle/>
+          <a:p>
+            <a:r>
+              <a:rPr lang="en-US" dirty="0"/>
+              <a:t>T-Test result</a:t>
+            </a:r>
+          </a:p>
+        </p:txBody>
+      </p:sp>
+      <p:sp>
+        <p:nvSpPr>
+          <p:cNvPr id="3" name="Content Placeholder 2">
+            <a:extLst>
+              <a:ext uri="{FF2B5EF4-FFF2-40B4-BE49-F238E27FC236}">
+                <a16:creationId xmlns:a16="http://schemas.microsoft.com/office/drawing/2014/main" id="{6CAC0126-11D3-C946-8ED3-B4212B0DAA4D}"/>
+              </a:ext>
+            </a:extLst>
+          </p:cNvPr>
+          <p:cNvSpPr>
+            <a:spLocks noGrp="1"/>
+          </p:cNvSpPr>
+          <p:nvPr>
+            <p:ph sz="half" idx="1"/>
+          </p:nvPr>
+        </p:nvSpPr>
+        <p:spPr/>
+        <p:txBody>
+          <a:bodyPr>
+            <a:normAutofit/>
+          </a:bodyPr>
+          <a:lstStyle/>
+          <a:p>
+            <a:endParaRPr lang="en-US" dirty="0"/>
+          </a:p>
+        </p:txBody>
+      </p:sp>
+      <p:sp>
+        <p:nvSpPr>
+          <p:cNvPr id="4" name="Content Placeholder 3">
+            <a:extLst>
+              <a:ext uri="{FF2B5EF4-FFF2-40B4-BE49-F238E27FC236}">
+                <a16:creationId xmlns:a16="http://schemas.microsoft.com/office/drawing/2014/main" id="{E636D1A1-7948-5649-BEB6-72163DA3FDA8}"/>
+              </a:ext>
+            </a:extLst>
+          </p:cNvPr>
+          <p:cNvSpPr>
+            <a:spLocks noGrp="1"/>
+          </p:cNvSpPr>
+          <p:nvPr>
+            <p:ph sz="half" idx="2"/>
+          </p:nvPr>
+        </p:nvSpPr>
+        <p:spPr>
+          <a:xfrm>
+            <a:off x="899886" y="5036348"/>
+            <a:ext cx="10225313" cy="943538"/>
+          </a:xfrm>
+        </p:spPr>
+        <p:txBody>
+          <a:bodyPr>
+            <a:normAutofit/>
+          </a:bodyPr>
+          <a:lstStyle/>
+          <a:p>
+            <a:r>
+              <a:rPr lang="en-US" dirty="0"/>
+              <a:t>P-Value: 4.11 E-08.       Too small to 0.05</a:t>
+            </a:r>
+          </a:p>
+          <a:p>
+            <a:r>
+              <a:rPr lang="en-US" dirty="0"/>
+              <a:t>Statistically speaking:  3 actions has better performance than 2 actions</a:t>
+            </a:r>
+          </a:p>
+        </p:txBody>
+      </p:sp>
+      <p:pic>
+        <p:nvPicPr>
+          <p:cNvPr id="5" name="Picture 4">
+            <a:extLst>
+              <a:ext uri="{FF2B5EF4-FFF2-40B4-BE49-F238E27FC236}">
+                <a16:creationId xmlns:a16="http://schemas.microsoft.com/office/drawing/2014/main" id="{82A3D208-1B99-DC49-8D2C-EC728C59053D}"/>
+              </a:ext>
+            </a:extLst>
+          </p:cNvPr>
+          <p:cNvPicPr>
+            <a:picLocks noChangeAspect="1"/>
+          </p:cNvPicPr>
+          <p:nvPr/>
+        </p:nvPicPr>
+        <p:blipFill>
+          <a:blip r:embed="rId2"/>
+          <a:stretch>
+            <a:fillRect/>
+          </a:stretch>
+        </p:blipFill>
+        <p:spPr>
+          <a:xfrm>
+            <a:off x="1066800" y="2245160"/>
+            <a:ext cx="7559343" cy="2728795"/>
+          </a:xfrm>
+          <a:prstGeom prst="rect">
+            <a:avLst/>
+          </a:prstGeom>
+        </p:spPr>
+      </p:pic>
+      <p:pic>
+        <p:nvPicPr>
+          <p:cNvPr id="6" name="Picture 5">
+            <a:extLst>
+              <a:ext uri="{FF2B5EF4-FFF2-40B4-BE49-F238E27FC236}">
+                <a16:creationId xmlns:a16="http://schemas.microsoft.com/office/drawing/2014/main" id="{7306F8FD-169F-304D-AE9E-C1B7CFA4551D}"/>
+              </a:ext>
+            </a:extLst>
+          </p:cNvPr>
+          <p:cNvPicPr>
+            <a:picLocks noChangeAspect="1"/>
+          </p:cNvPicPr>
+          <p:nvPr/>
+        </p:nvPicPr>
+        <p:blipFill>
+          <a:blip r:embed="rId3"/>
+          <a:stretch>
+            <a:fillRect/>
+          </a:stretch>
+        </p:blipFill>
+        <p:spPr>
+          <a:xfrm>
+            <a:off x="1054100" y="1509667"/>
+            <a:ext cx="10083800" cy="673100"/>
+          </a:xfrm>
+          <a:prstGeom prst="rect">
+            <a:avLst/>
+          </a:prstGeom>
+        </p:spPr>
+      </p:pic>
+    </p:spTree>
+    <p:extLst>
+      <p:ext uri="{BB962C8B-B14F-4D97-AF65-F5344CB8AC3E}">
+        <p14:creationId xmlns:p14="http://schemas.microsoft.com/office/powerpoint/2010/main" val="3306205741"/>
+      </p:ext>
+    </p:extLst>
+  </p:cSld>
+  <p:clrMapOvr>
+    <a:masterClrMapping/>
+  </p:clrMapOvr>
+</p:sld>
+</file>
+
+<file path=ppt/slides/slide11.xml><?xml version="1.0" encoding="utf-8"?>
+<p:sld xmlns:a="http://schemas.openxmlformats.org/drawingml/2006/main" xmlns:r="http://schemas.openxmlformats.org/officeDocument/2006/relationships" xmlns:p="http://schemas.openxmlformats.org/presentationml/2006/main">
+  <p:cSld>
+    <p:spTree>
+      <p:nvGrpSpPr>
+        <p:cNvPr id="1" name=""/>
+        <p:cNvGrpSpPr/>
+        <p:nvPr/>
+      </p:nvGrpSpPr>
+      <p:grpSpPr>
+        <a:xfrm>
+          <a:off x="0" y="0"/>
+          <a:ext cx="0" cy="0"/>
+          <a:chOff x="0" y="0"/>
+          <a:chExt cx="0" cy="0"/>
+        </a:xfrm>
+      </p:grpSpPr>
+      <p:sp>
+        <p:nvSpPr>
+          <p:cNvPr id="2" name="Title 1">
+            <a:extLst>
+              <a:ext uri="{FF2B5EF4-FFF2-40B4-BE49-F238E27FC236}">
                 <a16:creationId xmlns:a16="http://schemas.microsoft.com/office/drawing/2014/main" id="{C7163C8E-B06B-4C54-90AD-A2C8E91013DF}"/>
               </a:ext>
             </a:extLst>
@@ -4311,6 +4505,106 @@
             <p:ph type="title"/>
           </p:nvPr>
         </p:nvSpPr>
+        <p:spPr/>
+        <p:txBody>
+          <a:bodyPr/>
+          <a:lstStyle/>
+          <a:p>
+            <a:r>
+              <a:rPr lang="en-US" dirty="0"/>
+              <a:t>Results: Simulated Annealing</a:t>
+            </a:r>
+          </a:p>
+        </p:txBody>
+      </p:sp>
+      <p:sp>
+        <p:nvSpPr>
+          <p:cNvPr id="3" name="Content Placeholder 2">
+            <a:extLst>
+              <a:ext uri="{FF2B5EF4-FFF2-40B4-BE49-F238E27FC236}">
+                <a16:creationId xmlns:a16="http://schemas.microsoft.com/office/drawing/2014/main" id="{FD94790F-C2EE-4292-8006-3AC4B55B20A0}"/>
+              </a:ext>
+            </a:extLst>
+          </p:cNvPr>
+          <p:cNvSpPr>
+            <a:spLocks noGrp="1"/>
+          </p:cNvSpPr>
+          <p:nvPr>
+            <p:ph idx="1"/>
+          </p:nvPr>
+        </p:nvSpPr>
+        <p:spPr/>
+        <p:txBody>
+          <a:bodyPr>
+            <a:normAutofit/>
+          </a:bodyPr>
+          <a:lstStyle/>
+          <a:p>
+            <a:r>
+              <a:rPr lang="en-US" sz="2000" dirty="0"/>
+              <a:t>Simulated annealing was found to be a much more robust algorithm than vanilla hill climbing, often producing globally optimal solutions in less than one thousand function evaluations.</a:t>
+            </a:r>
+          </a:p>
+          <a:p>
+            <a:r>
+              <a:rPr lang="en-US" sz="2000" dirty="0"/>
+              <a:t>“Often” does not mean “always,” however, and simulated annealing would still occasionally have trouble — in one instance, 8,700 evaluations were needed to find the global optimum.</a:t>
+            </a:r>
+          </a:p>
+          <a:p>
+            <a:r>
+              <a:rPr lang="en-US" sz="2000" dirty="0"/>
+              <a:t>This is still an improvement over vanilla hill climbing with the same puzzle parameters, though, which sometimes needed over 10,000 function evaluations to solve a problem of similar complexity.</a:t>
+            </a:r>
+          </a:p>
+        </p:txBody>
+      </p:sp>
+    </p:spTree>
+    <p:extLst>
+      <p:ext uri="{BB962C8B-B14F-4D97-AF65-F5344CB8AC3E}">
+        <p14:creationId xmlns:p14="http://schemas.microsoft.com/office/powerpoint/2010/main" val="3777218147"/>
+      </p:ext>
+    </p:extLst>
+  </p:cSld>
+  <p:clrMapOvr>
+    <a:masterClrMapping/>
+  </p:clrMapOvr>
+</p:sld>
+</file>
+
+<file path=ppt/slides/slide12.xml><?xml version="1.0" encoding="utf-8"?>
+<p:sld xmlns:a="http://schemas.openxmlformats.org/drawingml/2006/main" xmlns:r="http://schemas.openxmlformats.org/officeDocument/2006/relationships" xmlns:p="http://schemas.openxmlformats.org/presentationml/2006/main">
+  <p:cSld>
+    <p:spTree>
+      <p:nvGrpSpPr>
+        <p:cNvPr id="1" name=""/>
+        <p:cNvGrpSpPr/>
+        <p:nvPr/>
+      </p:nvGrpSpPr>
+      <p:grpSpPr>
+        <a:xfrm>
+          <a:off x="0" y="0"/>
+          <a:ext cx="0" cy="0"/>
+          <a:chOff x="0" y="0"/>
+          <a:chExt cx="0" cy="0"/>
+        </a:xfrm>
+      </p:grpSpPr>
+      <p:sp>
+        <p:nvSpPr>
+          <p:cNvPr id="2" name="Title 1">
+            <a:extLst>
+              <a:ext uri="{FF2B5EF4-FFF2-40B4-BE49-F238E27FC236}">
+                <a16:creationId xmlns:a16="http://schemas.microsoft.com/office/drawing/2014/main" id="{C7163C8E-B06B-4C54-90AD-A2C8E91013DF}"/>
+              </a:ext>
+            </a:extLst>
+          </p:cNvPr>
+          <p:cNvSpPr>
+            <a:spLocks noGrp="1"/>
+          </p:cNvSpPr>
+          <p:nvPr>
+            <p:ph type="title"/>
+          </p:nvPr>
+        </p:nvSpPr>
         <p:spPr>
           <a:xfrm>
             <a:off x="435203" y="0"/>
@@ -4323,11 +4617,40 @@
           <a:p>
             <a:r>
               <a:rPr lang="en-US" b="1" dirty="0"/>
-              <a:t>FCNN – Initialization Results </a:t>
-            </a:r>
-          </a:p>
-        </p:txBody>
-      </p:sp>
+              <a:t>Forward-Feed Neural-Net  (FCNN) </a:t>
+            </a:r>
+          </a:p>
+        </p:txBody>
+      </p:sp>
+      <p:pic>
+        <p:nvPicPr>
+          <p:cNvPr id="5" name="Content Placeholder 4" descr="Diagram, shape&#10;&#10;Description automatically generated">
+            <a:extLst>
+              <a:ext uri="{FF2B5EF4-FFF2-40B4-BE49-F238E27FC236}">
+                <a16:creationId xmlns:a16="http://schemas.microsoft.com/office/drawing/2014/main" id="{C8075173-CD84-4C54-AC47-8388734344F7}"/>
+              </a:ext>
+            </a:extLst>
+          </p:cNvPr>
+          <p:cNvPicPr>
+            <a:picLocks noGrp="1" noChangeAspect="1"/>
+          </p:cNvPicPr>
+          <p:nvPr>
+            <p:ph idx="1"/>
+          </p:nvPr>
+        </p:nvPicPr>
+        <p:blipFill>
+          <a:blip r:embed="rId2"/>
+          <a:stretch>
+            <a:fillRect/>
+          </a:stretch>
+        </p:blipFill>
+        <p:spPr>
+          <a:xfrm>
+            <a:off x="6499934" y="1278731"/>
+            <a:ext cx="5256863" cy="4300537"/>
+          </a:xfrm>
+        </p:spPr>
+      </p:pic>
       <p:sp>
         <p:nvSpPr>
           <p:cNvPr id="6" name="Content Placeholder 2">
@@ -4578,6 +4901,398 @@
           </a:lstStyle>
           <a:p>
             <a:r>
+              <a:rPr lang="en-US" sz="2000" u="sng" dirty="0"/>
+              <a:t>Input:</a:t>
+            </a:r>
+            <a:r>
+              <a:rPr lang="en-US" sz="2000" dirty="0"/>
+              <a:t>  49 Neurons (7x7 Board)</a:t>
+            </a:r>
+          </a:p>
+          <a:p>
+            <a:pPr marL="0" indent="0">
+              <a:buNone/>
+            </a:pPr>
+            <a:endParaRPr lang="en-US" sz="2000" dirty="0"/>
+          </a:p>
+          <a:p>
+            <a:r>
+              <a:rPr lang="en-US" sz="2000" u="sng" dirty="0"/>
+              <a:t>Hidden Layers:</a:t>
+            </a:r>
+            <a:r>
+              <a:rPr lang="en-US" sz="2000" dirty="0"/>
+              <a:t>  2 Layers (1024 Neurons each)</a:t>
+            </a:r>
+          </a:p>
+          <a:p>
+            <a:endParaRPr lang="en-US" sz="2000" dirty="0"/>
+          </a:p>
+          <a:p>
+            <a:r>
+              <a:rPr lang="en-US" sz="2000" u="sng" dirty="0"/>
+              <a:t>Activation Functions:</a:t>
+            </a:r>
+            <a:r>
+              <a:rPr lang="en-US" sz="2000" dirty="0"/>
+              <a:t>  </a:t>
+            </a:r>
+            <a:r>
+              <a:rPr lang="en-US" sz="2000" dirty="0" err="1"/>
+              <a:t>ReLU</a:t>
+            </a:r>
+            <a:r>
+              <a:rPr lang="en-US" sz="2000" dirty="0"/>
+              <a:t> and </a:t>
+            </a:r>
+            <a:r>
+              <a:rPr lang="en-US" sz="2000" dirty="0" err="1"/>
+              <a:t>Softmax</a:t>
+            </a:r>
+            <a:endParaRPr lang="en-US" sz="2000" dirty="0"/>
+          </a:p>
+          <a:p>
+            <a:endParaRPr lang="en-US" sz="2000" dirty="0"/>
+          </a:p>
+          <a:p>
+            <a:r>
+              <a:rPr lang="en-US" sz="2000" u="sng" dirty="0"/>
+              <a:t>Optimization Function:</a:t>
+            </a:r>
+            <a:r>
+              <a:rPr lang="en-US" sz="2000" dirty="0"/>
+              <a:t>  Stochastic Gradient 			        Descent</a:t>
+            </a:r>
+          </a:p>
+          <a:p>
+            <a:r>
+              <a:rPr lang="en-US" sz="2000" u="sng" dirty="0"/>
+              <a:t>Output</a:t>
+            </a:r>
+            <a:r>
+              <a:rPr lang="en-US" sz="2000" dirty="0"/>
+              <a:t>:  49 Neurons (each neuron corresponds to digit from  0-8)</a:t>
+            </a:r>
+            <a:endParaRPr lang="en-US" sz="2000" u="sng" dirty="0"/>
+          </a:p>
+          <a:p>
+            <a:endParaRPr lang="en-US" sz="2000" dirty="0"/>
+          </a:p>
+        </p:txBody>
+      </p:sp>
+    </p:spTree>
+    <p:extLst>
+      <p:ext uri="{BB962C8B-B14F-4D97-AF65-F5344CB8AC3E}">
+        <p14:creationId xmlns:p14="http://schemas.microsoft.com/office/powerpoint/2010/main" val="2862732210"/>
+      </p:ext>
+    </p:extLst>
+  </p:cSld>
+  <p:clrMapOvr>
+    <a:masterClrMapping/>
+  </p:clrMapOvr>
+</p:sld>
+</file>
+
+<file path=ppt/slides/slide13.xml><?xml version="1.0" encoding="utf-8"?>
+<p:sld xmlns:a="http://schemas.openxmlformats.org/drawingml/2006/main" xmlns:r="http://schemas.openxmlformats.org/officeDocument/2006/relationships" xmlns:p="http://schemas.openxmlformats.org/presentationml/2006/main">
+  <p:cSld>
+    <p:spTree>
+      <p:nvGrpSpPr>
+        <p:cNvPr id="1" name=""/>
+        <p:cNvGrpSpPr/>
+        <p:nvPr/>
+      </p:nvGrpSpPr>
+      <p:grpSpPr>
+        <a:xfrm>
+          <a:off x="0" y="0"/>
+          <a:ext cx="0" cy="0"/>
+          <a:chOff x="0" y="0"/>
+          <a:chExt cx="0" cy="0"/>
+        </a:xfrm>
+      </p:grpSpPr>
+      <p:sp>
+        <p:nvSpPr>
+          <p:cNvPr id="2" name="Title 1">
+            <a:extLst>
+              <a:ext uri="{FF2B5EF4-FFF2-40B4-BE49-F238E27FC236}">
+                <a16:creationId xmlns:a16="http://schemas.microsoft.com/office/drawing/2014/main" id="{C7163C8E-B06B-4C54-90AD-A2C8E91013DF}"/>
+              </a:ext>
+            </a:extLst>
+          </p:cNvPr>
+          <p:cNvSpPr>
+            <a:spLocks noGrp="1"/>
+          </p:cNvSpPr>
+          <p:nvPr>
+            <p:ph type="title"/>
+          </p:nvPr>
+        </p:nvSpPr>
+        <p:spPr>
+          <a:xfrm>
+            <a:off x="435203" y="0"/>
+            <a:ext cx="10058400" cy="1371600"/>
+          </a:xfrm>
+        </p:spPr>
+        <p:txBody>
+          <a:bodyPr/>
+          <a:lstStyle/>
+          <a:p>
+            <a:r>
+              <a:rPr lang="en-US" b="1" dirty="0"/>
+              <a:t>FCNN – Initialization Results </a:t>
+            </a:r>
+          </a:p>
+        </p:txBody>
+      </p:sp>
+      <p:sp>
+        <p:nvSpPr>
+          <p:cNvPr id="6" name="Content Placeholder 2">
+            <a:extLst>
+              <a:ext uri="{FF2B5EF4-FFF2-40B4-BE49-F238E27FC236}">
+                <a16:creationId xmlns:a16="http://schemas.microsoft.com/office/drawing/2014/main" id="{D3B15E3B-1828-42C4-8380-75CBC887B1DC}"/>
+              </a:ext>
+            </a:extLst>
+          </p:cNvPr>
+          <p:cNvSpPr txBox="1">
+            <a:spLocks/>
+          </p:cNvSpPr>
+          <p:nvPr/>
+        </p:nvSpPr>
+        <p:spPr>
+          <a:xfrm>
+            <a:off x="435203" y="1372066"/>
+            <a:ext cx="5764491" cy="4840197"/>
+          </a:xfrm>
+          <a:prstGeom prst="rect">
+            <a:avLst/>
+          </a:prstGeom>
+        </p:spPr>
+        <p:txBody>
+          <a:bodyPr vert="horz" lIns="91440" tIns="45720" rIns="91440" bIns="45720" rtlCol="0">
+            <a:normAutofit/>
+          </a:bodyPr>
+          <a:lstStyle>
+            <a:lvl1pPr marL="182880" indent="-182880" algn="l" defTabSz="914400" rtl="0" eaLnBrk="1" latinLnBrk="0" hangingPunct="1">
+              <a:lnSpc>
+                <a:spcPct val="120000"/>
+              </a:lnSpc>
+              <a:spcBef>
+                <a:spcPts val="900"/>
+              </a:spcBef>
+              <a:spcAft>
+                <a:spcPts val="0"/>
+              </a:spcAft>
+              <a:buClr>
+                <a:schemeClr val="tx1">
+                  <a:lumMod val="85000"/>
+                  <a:lumOff val="15000"/>
+                </a:schemeClr>
+              </a:buClr>
+              <a:buFont typeface="Garamond" pitchFamily="18" charset="0"/>
+              <a:buChar char="◦"/>
+              <a:defRPr sz="1400" kern="1200">
+                <a:solidFill>
+                  <a:schemeClr val="tx1"/>
+                </a:solidFill>
+                <a:latin typeface="+mn-lt"/>
+                <a:ea typeface="+mn-ea"/>
+                <a:cs typeface="+mn-cs"/>
+              </a:defRPr>
+            </a:lvl1pPr>
+            <a:lvl2pPr marL="457200" indent="-182880" algn="l" defTabSz="914400" rtl="0" eaLnBrk="1" latinLnBrk="0" hangingPunct="1">
+              <a:lnSpc>
+                <a:spcPct val="100000"/>
+              </a:lnSpc>
+              <a:spcBef>
+                <a:spcPts val="500"/>
+              </a:spcBef>
+              <a:buClr>
+                <a:schemeClr val="tx1">
+                  <a:lumMod val="85000"/>
+                  <a:lumOff val="15000"/>
+                </a:schemeClr>
+              </a:buClr>
+              <a:buFont typeface="Garamond" pitchFamily="18" charset="0"/>
+              <a:buChar char="◦"/>
+              <a:defRPr sz="1200" kern="1200">
+                <a:solidFill>
+                  <a:schemeClr val="tx1"/>
+                </a:solidFill>
+                <a:latin typeface="+mn-lt"/>
+                <a:ea typeface="+mn-ea"/>
+                <a:cs typeface="+mn-cs"/>
+              </a:defRPr>
+            </a:lvl2pPr>
+            <a:lvl3pPr marL="731520" indent="-182880" algn="l" defTabSz="914400" rtl="0" eaLnBrk="1" latinLnBrk="0" hangingPunct="1">
+              <a:lnSpc>
+                <a:spcPct val="100000"/>
+              </a:lnSpc>
+              <a:spcBef>
+                <a:spcPts val="500"/>
+              </a:spcBef>
+              <a:buClr>
+                <a:schemeClr val="tx1">
+                  <a:lumMod val="85000"/>
+                  <a:lumOff val="15000"/>
+                </a:schemeClr>
+              </a:buClr>
+              <a:buFont typeface="Garamond" pitchFamily="18" charset="0"/>
+              <a:buChar char="◦"/>
+              <a:defRPr sz="1100" kern="1200">
+                <a:solidFill>
+                  <a:schemeClr val="tx1"/>
+                </a:solidFill>
+                <a:latin typeface="+mn-lt"/>
+                <a:ea typeface="+mn-ea"/>
+                <a:cs typeface="+mn-cs"/>
+              </a:defRPr>
+            </a:lvl3pPr>
+            <a:lvl4pPr marL="1005840" indent="-182880" algn="l" defTabSz="914400" rtl="0" eaLnBrk="1" latinLnBrk="0" hangingPunct="1">
+              <a:lnSpc>
+                <a:spcPct val="100000"/>
+              </a:lnSpc>
+              <a:spcBef>
+                <a:spcPts val="500"/>
+              </a:spcBef>
+              <a:buClr>
+                <a:schemeClr val="tx1">
+                  <a:lumMod val="85000"/>
+                  <a:lumOff val="15000"/>
+                </a:schemeClr>
+              </a:buClr>
+              <a:buFont typeface="Garamond" pitchFamily="18" charset="0"/>
+              <a:buChar char="◦"/>
+              <a:defRPr sz="1100" kern="1200">
+                <a:solidFill>
+                  <a:schemeClr val="tx1"/>
+                </a:solidFill>
+                <a:latin typeface="+mn-lt"/>
+                <a:ea typeface="+mn-ea"/>
+                <a:cs typeface="+mn-cs"/>
+              </a:defRPr>
+            </a:lvl4pPr>
+            <a:lvl5pPr marL="1280160" indent="-182880" algn="l" defTabSz="914400" rtl="0" eaLnBrk="1" latinLnBrk="0" hangingPunct="1">
+              <a:lnSpc>
+                <a:spcPct val="100000"/>
+              </a:lnSpc>
+              <a:spcBef>
+                <a:spcPts val="500"/>
+              </a:spcBef>
+              <a:buClr>
+                <a:schemeClr val="tx1">
+                  <a:lumMod val="85000"/>
+                  <a:lumOff val="15000"/>
+                </a:schemeClr>
+              </a:buClr>
+              <a:buFont typeface="Garamond" pitchFamily="18" charset="0"/>
+              <a:buChar char="◦"/>
+              <a:defRPr sz="1100" kern="1200">
+                <a:solidFill>
+                  <a:schemeClr val="tx1"/>
+                </a:solidFill>
+                <a:latin typeface="+mn-lt"/>
+                <a:ea typeface="+mn-ea"/>
+                <a:cs typeface="+mn-cs"/>
+              </a:defRPr>
+            </a:lvl5pPr>
+            <a:lvl6pPr marL="1600000" indent="-228600" algn="l" defTabSz="914400" rtl="0" eaLnBrk="1" latinLnBrk="0" hangingPunct="1">
+              <a:lnSpc>
+                <a:spcPct val="100000"/>
+              </a:lnSpc>
+              <a:spcBef>
+                <a:spcPts val="500"/>
+              </a:spcBef>
+              <a:buClr>
+                <a:schemeClr val="tx1">
+                  <a:lumMod val="85000"/>
+                  <a:lumOff val="15000"/>
+                </a:schemeClr>
+              </a:buClr>
+              <a:buFont typeface="Garamond" pitchFamily="18" charset="0"/>
+              <a:buChar char="◦"/>
+              <a:defRPr sz="1400" kern="1200">
+                <a:solidFill>
+                  <a:schemeClr val="tx1"/>
+                </a:solidFill>
+                <a:latin typeface="+mn-lt"/>
+                <a:ea typeface="+mn-ea"/>
+                <a:cs typeface="+mn-cs"/>
+              </a:defRPr>
+            </a:lvl6pPr>
+            <a:lvl7pPr marL="1900000" indent="-228600" algn="l" defTabSz="914400" rtl="0" eaLnBrk="1" latinLnBrk="0" hangingPunct="1">
+              <a:lnSpc>
+                <a:spcPct val="100000"/>
+              </a:lnSpc>
+              <a:spcBef>
+                <a:spcPts val="500"/>
+              </a:spcBef>
+              <a:buClr>
+                <a:schemeClr val="tx1">
+                  <a:lumMod val="85000"/>
+                  <a:lumOff val="15000"/>
+                </a:schemeClr>
+              </a:buClr>
+              <a:buFont typeface="Garamond" pitchFamily="18" charset="0"/>
+              <a:buChar char="◦"/>
+              <a:defRPr sz="1400" kern="1200">
+                <a:solidFill>
+                  <a:schemeClr val="tx1"/>
+                </a:solidFill>
+                <a:latin typeface="+mn-lt"/>
+                <a:ea typeface="+mn-ea"/>
+                <a:cs typeface="+mn-cs"/>
+              </a:defRPr>
+            </a:lvl7pPr>
+            <a:lvl8pPr marL="2200000" indent="-228600" algn="l" defTabSz="914400" rtl="0" eaLnBrk="1" latinLnBrk="0" hangingPunct="1">
+              <a:lnSpc>
+                <a:spcPct val="100000"/>
+              </a:lnSpc>
+              <a:spcBef>
+                <a:spcPts val="500"/>
+              </a:spcBef>
+              <a:buClr>
+                <a:schemeClr val="tx1">
+                  <a:lumMod val="85000"/>
+                  <a:lumOff val="15000"/>
+                </a:schemeClr>
+              </a:buClr>
+              <a:buFont typeface="Garamond" pitchFamily="18" charset="0"/>
+              <a:buChar char="◦"/>
+              <a:defRPr sz="1400" kern="1200">
+                <a:solidFill>
+                  <a:schemeClr val="tx1"/>
+                </a:solidFill>
+                <a:latin typeface="+mn-lt"/>
+                <a:ea typeface="+mn-ea"/>
+                <a:cs typeface="+mn-cs"/>
+              </a:defRPr>
+            </a:lvl8pPr>
+            <a:lvl9pPr marL="2500000" indent="-228600" algn="l" defTabSz="914400" rtl="0" eaLnBrk="1" latinLnBrk="0" hangingPunct="1">
+              <a:lnSpc>
+                <a:spcPct val="100000"/>
+              </a:lnSpc>
+              <a:spcBef>
+                <a:spcPts val="500"/>
+              </a:spcBef>
+              <a:buClr>
+                <a:schemeClr val="tx1">
+                  <a:lumMod val="85000"/>
+                  <a:lumOff val="15000"/>
+                </a:schemeClr>
+              </a:buClr>
+              <a:buFont typeface="Garamond" pitchFamily="18" charset="0"/>
+              <a:buChar char="◦"/>
+              <a:defRPr sz="1400" kern="1200">
+                <a:solidFill>
+                  <a:schemeClr val="tx1"/>
+                </a:solidFill>
+                <a:latin typeface="+mn-lt"/>
+                <a:ea typeface="+mn-ea"/>
+                <a:cs typeface="+mn-cs"/>
+              </a:defRPr>
+            </a:lvl9pPr>
+          </a:lstStyle>
+          <a:p>
+            <a:r>
               <a:rPr lang="en-US" sz="2000" dirty="0"/>
               <a:t>5000 randomly generated boards (1 day)</a:t>
             </a:r>
@@ -4932,7 +5647,7 @@
 </p:sld>
 </file>
 
-<file path=ppt/slides/slide11.xml><?xml version="1.0" encoding="utf-8"?>
+<file path=ppt/slides/slide14.xml><?xml version="1.0" encoding="utf-8"?>
 <p:sld xmlns:a="http://schemas.openxmlformats.org/drawingml/2006/main" xmlns:r="http://schemas.openxmlformats.org/officeDocument/2006/relationships" xmlns:p="http://schemas.openxmlformats.org/presentationml/2006/main">
   <p:cSld>
     <p:spTree>
@@ -5684,7 +6399,7 @@
 </p:sld>
 </file>
 
-<file path=ppt/slides/slide12.xml><?xml version="1.0" encoding="utf-8"?>
+<file path=ppt/slides/slide15.xml><?xml version="1.0" encoding="utf-8"?>
 <p:sld xmlns:a="http://schemas.openxmlformats.org/drawingml/2006/main" xmlns:r="http://schemas.openxmlformats.org/officeDocument/2006/relationships" xmlns:p="http://schemas.openxmlformats.org/presentationml/2006/main">
   <p:cSld>
     <p:spTree>
@@ -6348,7 +7063,7 @@
 </p:sld>
 </file>
 
-<file path=ppt/slides/slide13.xml><?xml version="1.0" encoding="utf-8"?>
+<file path=ppt/slides/slide16.xml><?xml version="1.0" encoding="utf-8"?>
 <p:sld xmlns:a="http://schemas.openxmlformats.org/drawingml/2006/main" xmlns:r="http://schemas.openxmlformats.org/officeDocument/2006/relationships" xmlns:p="http://schemas.openxmlformats.org/presentationml/2006/main">
   <p:cSld>
     <p:spTree>
@@ -7561,7 +8276,7 @@
           <p:cNvPr id="2" name="Title 1">
             <a:extLst>
               <a:ext uri="{FF2B5EF4-FFF2-40B4-BE49-F238E27FC236}">
-                <a16:creationId xmlns:a16="http://schemas.microsoft.com/office/drawing/2014/main" id="{C7163C8E-B06B-4C54-90AD-A2C8E91013DF}"/>
+                <a16:creationId xmlns:a16="http://schemas.microsoft.com/office/drawing/2014/main" id="{83D24CF1-735F-DB4D-AACA-63C4704D2B6A}"/>
               </a:ext>
             </a:extLst>
           </p:cNvPr>
@@ -7574,12 +8289,55 @@
         </p:nvSpPr>
         <p:spPr/>
         <p:txBody>
-          <a:bodyPr/>
+          <a:bodyPr>
+            <a:normAutofit fontScale="90000"/>
+          </a:bodyPr>
           <a:lstStyle/>
           <a:p>
             <a:r>
-              <a:rPr lang="en-US" dirty="0"/>
-              <a:t>Results: Simulated Annealing</a:t>
+              <a:rPr lang="en-US" b="1" dirty="0">
+                <a:solidFill>
+                  <a:srgbClr val="00B050"/>
+                </a:solidFill>
+                <a:latin typeface="Times New Roman" panose="02020603050405020304" pitchFamily="18" charset="0"/>
+                <a:cs typeface="Times New Roman" panose="02020603050405020304" pitchFamily="18" charset="0"/>
+              </a:rPr>
+              <a:t>1. Vanilla Hill Climbing </a:t>
+            </a:r>
+            <a:br>
+              <a:rPr lang="en-US" b="1" dirty="0">
+                <a:solidFill>
+                  <a:srgbClr val="00B050"/>
+                </a:solidFill>
+                <a:latin typeface="Times New Roman" panose="02020603050405020304" pitchFamily="18" charset="0"/>
+                <a:cs typeface="Times New Roman" panose="02020603050405020304" pitchFamily="18" charset="0"/>
+              </a:rPr>
+            </a:br>
+            <a:r>
+              <a:rPr lang="en-US" b="1" dirty="0">
+                <a:solidFill>
+                  <a:srgbClr val="FFC000"/>
+                </a:solidFill>
+                <a:latin typeface="Times New Roman" panose="02020603050405020304" pitchFamily="18" charset="0"/>
+                <a:cs typeface="Times New Roman" panose="02020603050405020304" pitchFamily="18" charset="0"/>
+              </a:rPr>
+              <a:t>2. Optimized initialization  </a:t>
+            </a:r>
+            <a:br>
+              <a:rPr lang="en-US" b="1" dirty="0">
+                <a:latin typeface="Times New Roman" panose="02020603050405020304" pitchFamily="18" charset="0"/>
+                <a:cs typeface="Times New Roman" panose="02020603050405020304" pitchFamily="18" charset="0"/>
+              </a:rPr>
+            </a:br>
+            <a:r>
+              <a:rPr lang="en-US" b="1" dirty="0">
+                <a:solidFill>
+                  <a:srgbClr val="E4800E"/>
+                </a:solidFill>
+                <a:latin typeface="Times New Roman" panose="02020603050405020304" pitchFamily="18" charset="0"/>
+                <a:cs typeface="Times New Roman" panose="02020603050405020304" pitchFamily="18" charset="0"/>
+              </a:rPr>
+              <a:t>3. Simulated  Annealing</a:t>
             </a:r>
           </a:p>
         </p:txBody>
@@ -7589,7 +8347,7 @@
           <p:cNvPr id="3" name="Content Placeholder 2">
             <a:extLst>
               <a:ext uri="{FF2B5EF4-FFF2-40B4-BE49-F238E27FC236}">
-                <a16:creationId xmlns:a16="http://schemas.microsoft.com/office/drawing/2014/main" id="{FD94790F-C2EE-4292-8006-3AC4B55B20A0}"/>
+                <a16:creationId xmlns:a16="http://schemas.microsoft.com/office/drawing/2014/main" id="{1191E839-657E-0C4D-9532-D61614172010}"/>
               </a:ext>
             </a:extLst>
           </p:cNvPr>
@@ -7597,39 +8355,193 @@
             <a:spLocks noGrp="1"/>
           </p:cNvSpPr>
           <p:nvPr>
-            <p:ph idx="1"/>
+            <p:ph sz="half" idx="1"/>
           </p:nvPr>
         </p:nvSpPr>
         <p:spPr/>
         <p:txBody>
-          <a:bodyPr>
-            <a:normAutofit/>
+          <a:bodyPr/>
+          <a:lstStyle/>
+          <a:p>
+            <a:endParaRPr lang="en-US"/>
+          </a:p>
+        </p:txBody>
+      </p:sp>
+      <p:sp>
+        <p:nvSpPr>
+          <p:cNvPr id="4" name="Content Placeholder 3">
+            <a:extLst>
+              <a:ext uri="{FF2B5EF4-FFF2-40B4-BE49-F238E27FC236}">
+                <a16:creationId xmlns:a16="http://schemas.microsoft.com/office/drawing/2014/main" id="{D474343E-6B65-1D46-B3BD-502C1F2F45D0}"/>
+              </a:ext>
+            </a:extLst>
+          </p:cNvPr>
+          <p:cNvSpPr>
+            <a:spLocks noGrp="1"/>
+          </p:cNvSpPr>
+          <p:nvPr>
+            <p:ph sz="half" idx="2"/>
+          </p:nvPr>
+        </p:nvSpPr>
+        <p:spPr/>
+        <p:txBody>
+          <a:bodyPr/>
+          <a:lstStyle/>
+          <a:p>
+            <a:endParaRPr lang="en-US"/>
+          </a:p>
+        </p:txBody>
+      </p:sp>
+      <p:pic>
+        <p:nvPicPr>
+          <p:cNvPr id="5" name="Picture 4">
+            <a:extLst>
+              <a:ext uri="{FF2B5EF4-FFF2-40B4-BE49-F238E27FC236}">
+                <a16:creationId xmlns:a16="http://schemas.microsoft.com/office/drawing/2014/main" id="{5931D955-64CB-0E47-8F37-5D14325FE060}"/>
+              </a:ext>
+            </a:extLst>
+          </p:cNvPr>
+          <p:cNvPicPr>
+            <a:picLocks noChangeAspect="1"/>
+          </p:cNvPicPr>
+          <p:nvPr/>
+        </p:nvPicPr>
+        <p:blipFill>
+          <a:blip r:embed="rId2"/>
+          <a:stretch>
+            <a:fillRect/>
+          </a:stretch>
+        </p:blipFill>
+        <p:spPr>
+          <a:xfrm>
+            <a:off x="938353" y="3401060"/>
+            <a:ext cx="10083800" cy="2451100"/>
+          </a:xfrm>
+          <a:prstGeom prst="rect">
+            <a:avLst/>
+          </a:prstGeom>
+        </p:spPr>
+      </p:pic>
+      <p:pic>
+        <p:nvPicPr>
+          <p:cNvPr id="6" name="Picture 5">
+            <a:extLst>
+              <a:ext uri="{FF2B5EF4-FFF2-40B4-BE49-F238E27FC236}">
+                <a16:creationId xmlns:a16="http://schemas.microsoft.com/office/drawing/2014/main" id="{0E3F1576-A1B7-D14E-88CD-12B1F6493EFD}"/>
+              </a:ext>
+            </a:extLst>
+          </p:cNvPr>
+          <p:cNvPicPr>
+            <a:picLocks noChangeAspect="1"/>
+          </p:cNvPicPr>
+          <p:nvPr/>
+        </p:nvPicPr>
+        <p:blipFill>
+          <a:blip r:embed="rId3"/>
+          <a:stretch>
+            <a:fillRect/>
+          </a:stretch>
+        </p:blipFill>
+        <p:spPr>
+          <a:xfrm>
+            <a:off x="812157" y="2192763"/>
+            <a:ext cx="10045700" cy="1028700"/>
+          </a:xfrm>
+          <a:prstGeom prst="rect">
+            <a:avLst/>
+          </a:prstGeom>
+        </p:spPr>
+      </p:pic>
+      <p:sp>
+        <p:nvSpPr>
+          <p:cNvPr id="7" name="TextBox 6">
+            <a:extLst>
+              <a:ext uri="{FF2B5EF4-FFF2-40B4-BE49-F238E27FC236}">
+                <a16:creationId xmlns:a16="http://schemas.microsoft.com/office/drawing/2014/main" id="{3B6CF902-3FC8-504D-ABCC-5EC4BF5A3953}"/>
+              </a:ext>
+            </a:extLst>
+          </p:cNvPr>
+          <p:cNvSpPr txBox="1"/>
+          <p:nvPr/>
+        </p:nvSpPr>
+        <p:spPr>
+          <a:xfrm>
+            <a:off x="6096000" y="894564"/>
+            <a:ext cx="1794076" cy="369332"/>
+          </a:xfrm>
+          <a:prstGeom prst="rect">
+            <a:avLst/>
+          </a:prstGeom>
+          <a:noFill/>
+        </p:spPr>
+        <p:txBody>
+          <a:bodyPr wrap="square" rtlCol="0">
+            <a:spAutoFit/>
           </a:bodyPr>
           <a:lstStyle/>
           <a:p>
             <a:r>
-              <a:rPr lang="en-US" sz="2000" dirty="0"/>
-              <a:t>Simulated annealing was found to be a much more robust algorithm than vanilla hill climbing, often producing globally optimal solutions in less than one thousand function evaluations.</a:t>
-            </a:r>
-          </a:p>
-          <a:p>
-            <a:r>
-              <a:rPr lang="en-US" sz="2000" dirty="0"/>
-              <a:t>“Often” does not mean “always,” however, and simulated annealing would still occasionally have trouble — in one instance, 8,700 evaluations were needed to find the global optimum.</a:t>
-            </a:r>
-          </a:p>
-          <a:p>
-            <a:r>
-              <a:rPr lang="en-US" sz="2000" dirty="0"/>
-              <a:t>This is still an improvement over vanilla hill climbing with the same puzzle parameters, though, which sometimes needed over 10,000 function evaluations to solve a problem of similar complexity.</a:t>
-            </a:r>
+              <a:rPr lang="en-US" dirty="0"/>
+              <a:t>Puzzle: 03.txt</a:t>
+            </a:r>
+          </a:p>
+        </p:txBody>
+      </p:sp>
+      <p:sp>
+        <p:nvSpPr>
+          <p:cNvPr id="8" name="TextBox 7">
+            <a:extLst>
+              <a:ext uri="{FF2B5EF4-FFF2-40B4-BE49-F238E27FC236}">
+                <a16:creationId xmlns:a16="http://schemas.microsoft.com/office/drawing/2014/main" id="{A3192005-18E6-1C43-8943-02B7D447352B}"/>
+              </a:ext>
+            </a:extLst>
+          </p:cNvPr>
+          <p:cNvSpPr txBox="1"/>
+          <p:nvPr/>
+        </p:nvSpPr>
+        <p:spPr>
+          <a:xfrm>
+            <a:off x="8113853" y="868101"/>
+            <a:ext cx="2662177" cy="1200329"/>
+          </a:xfrm>
+          <a:prstGeom prst="rect">
+            <a:avLst/>
+          </a:prstGeom>
+          <a:noFill/>
+        </p:spPr>
+        <p:txBody>
+          <a:bodyPr wrap="square" rtlCol="0">
+            <a:spAutoFit/>
+          </a:bodyPr>
+          <a:lstStyle/>
+          <a:p>
+            <a:r>
+              <a:rPr lang="en-US" dirty="0"/>
+              <a:t>Logs: 	01_03.txt </a:t>
+            </a:r>
+          </a:p>
+          <a:p>
+            <a:r>
+              <a:rPr lang="en-US" dirty="0"/>
+              <a:t>	02_03.txt </a:t>
+            </a:r>
+            <a:br>
+              <a:rPr lang="en-US" dirty="0"/>
+            </a:br>
+            <a:r>
+              <a:rPr lang="en-US" dirty="0"/>
+              <a:t>	03_03.txt</a:t>
+            </a:r>
+          </a:p>
+          <a:p>
+            <a:endParaRPr lang="en-US" b="1" dirty="0"/>
           </a:p>
         </p:txBody>
       </p:sp>
     </p:spTree>
     <p:extLst>
       <p:ext uri="{BB962C8B-B14F-4D97-AF65-F5344CB8AC3E}">
-        <p14:creationId xmlns:p14="http://schemas.microsoft.com/office/powerpoint/2010/main" val="3777218147"/>
+        <p14:creationId xmlns:p14="http://schemas.microsoft.com/office/powerpoint/2010/main" val="3082360813"/>
       </p:ext>
     </p:extLst>
   </p:cSld>
@@ -7661,7 +8573,7 @@
           <p:cNvPr id="2" name="Title 1">
             <a:extLst>
               <a:ext uri="{FF2B5EF4-FFF2-40B4-BE49-F238E27FC236}">
-                <a16:creationId xmlns:a16="http://schemas.microsoft.com/office/drawing/2014/main" id="{C7163C8E-B06B-4C54-90AD-A2C8E91013DF}"/>
+                <a16:creationId xmlns:a16="http://schemas.microsoft.com/office/drawing/2014/main" id="{C2AE8462-7661-3146-BD85-3627490469F5}"/>
               </a:ext>
             </a:extLst>
           </p:cNvPr>
@@ -7674,8 +8586,8 @@
         </p:nvSpPr>
         <p:spPr>
           <a:xfrm>
-            <a:off x="435203" y="0"/>
-            <a:ext cx="10058400" cy="1371600"/>
+            <a:off x="1066800" y="642593"/>
+            <a:ext cx="10058400" cy="1209571"/>
           </a:xfrm>
         </p:spPr>
         <p:txBody>
@@ -7683,27 +8595,154 @@
           <a:lstStyle/>
           <a:p>
             <a:r>
-              <a:rPr lang="en-US" b="1" dirty="0"/>
-              <a:t>Forward-Feed Neural-Net  (FCNN) </a:t>
+              <a:rPr lang="en-US" dirty="0"/>
+              <a:t>3 Actions </a:t>
+            </a:r>
+            <a:r>
+              <a:rPr lang="en-US" b="1" dirty="0">
+                <a:solidFill>
+                  <a:srgbClr val="FF0000"/>
+                </a:solidFill>
+                <a:latin typeface="Times New Roman" panose="02020603050405020304" pitchFamily="18" charset="0"/>
+                <a:cs typeface="Times New Roman" panose="02020603050405020304" pitchFamily="18" charset="0"/>
+              </a:rPr>
+              <a:t>VS</a:t>
+            </a:r>
+            <a:r>
+              <a:rPr lang="en-US" b="1" dirty="0">
+                <a:latin typeface="Times New Roman" panose="02020603050405020304" pitchFamily="18" charset="0"/>
+                <a:cs typeface="Times New Roman" panose="02020603050405020304" pitchFamily="18" charset="0"/>
+              </a:rPr>
+              <a:t> </a:t>
+            </a:r>
+            <a:r>
+              <a:rPr lang="en-US" dirty="0"/>
+              <a:t>2 Action</a:t>
+            </a:r>
+          </a:p>
+        </p:txBody>
+      </p:sp>
+      <p:sp>
+        <p:nvSpPr>
+          <p:cNvPr id="3" name="Content Placeholder 2">
+            <a:extLst>
+              <a:ext uri="{FF2B5EF4-FFF2-40B4-BE49-F238E27FC236}">
+                <a16:creationId xmlns:a16="http://schemas.microsoft.com/office/drawing/2014/main" id="{BD9EDA77-6537-1A44-8229-39971B5C6B19}"/>
+              </a:ext>
+            </a:extLst>
+          </p:cNvPr>
+          <p:cNvSpPr>
+            <a:spLocks noGrp="1"/>
+          </p:cNvSpPr>
+          <p:nvPr>
+            <p:ph sz="half" idx="1"/>
+          </p:nvPr>
+        </p:nvSpPr>
+        <p:spPr>
+          <a:xfrm>
+            <a:off x="533401" y="2274401"/>
+            <a:ext cx="5394958" cy="963956"/>
+          </a:xfrm>
+        </p:spPr>
+        <p:txBody>
+          <a:bodyPr>
+            <a:normAutofit/>
+          </a:bodyPr>
+          <a:lstStyle/>
+          <a:p>
+            <a:r>
+              <a:rPr lang="en-US" b="1" dirty="0">
+                <a:solidFill>
+                  <a:srgbClr val="002060"/>
+                </a:solidFill>
+              </a:rPr>
+              <a:t>3 Actions:</a:t>
+            </a:r>
+          </a:p>
+          <a:p>
+            <a:r>
+              <a:rPr lang="en-US" dirty="0">
+                <a:solidFill>
+                  <a:srgbClr val="002060"/>
+                </a:solidFill>
+              </a:rPr>
+              <a:t>Adding /Removing/Moving     A bulb</a:t>
+            </a:r>
+          </a:p>
+        </p:txBody>
+      </p:sp>
+      <p:sp>
+        <p:nvSpPr>
+          <p:cNvPr id="4" name="Content Placeholder 3">
+            <a:extLst>
+              <a:ext uri="{FF2B5EF4-FFF2-40B4-BE49-F238E27FC236}">
+                <a16:creationId xmlns:a16="http://schemas.microsoft.com/office/drawing/2014/main" id="{C3209273-5669-384B-A5A0-9407C0FB587D}"/>
+              </a:ext>
+            </a:extLst>
+          </p:cNvPr>
+          <p:cNvSpPr>
+            <a:spLocks noGrp="1"/>
+          </p:cNvSpPr>
+          <p:nvPr>
+            <p:ph sz="half" idx="2"/>
+          </p:nvPr>
+        </p:nvSpPr>
+        <p:spPr>
+          <a:xfrm>
+            <a:off x="6263643" y="2063283"/>
+            <a:ext cx="5275214" cy="1345242"/>
+          </a:xfrm>
+        </p:spPr>
+        <p:txBody>
+          <a:bodyPr>
+            <a:normAutofit/>
+          </a:bodyPr>
+          <a:lstStyle/>
+          <a:p>
+            <a:r>
+              <a:rPr lang="en-US" b="1" dirty="0">
+                <a:solidFill>
+                  <a:srgbClr val="E4800E"/>
+                </a:solidFill>
+              </a:rPr>
+              <a:t>2 Actions:</a:t>
+            </a:r>
+          </a:p>
+          <a:p>
+            <a:r>
+              <a:rPr lang="en-US" dirty="0">
+                <a:solidFill>
+                  <a:srgbClr val="E4800E"/>
+                </a:solidFill>
+              </a:rPr>
+              <a:t>Adding /Removing    A bulb</a:t>
+            </a:r>
+          </a:p>
+          <a:p>
+            <a:r>
+              <a:rPr lang="en-US" dirty="0">
+                <a:solidFill>
+                  <a:srgbClr val="E4800E"/>
+                </a:solidFill>
+              </a:rPr>
+              <a:t>No Moving</a:t>
             </a:r>
           </a:p>
         </p:txBody>
       </p:sp>
       <p:pic>
         <p:nvPicPr>
-          <p:cNvPr id="5" name="Content Placeholder 4" descr="Diagram, shape&#10;&#10;Description automatically generated">
+          <p:cNvPr id="5" name="Picture 4">
             <a:extLst>
               <a:ext uri="{FF2B5EF4-FFF2-40B4-BE49-F238E27FC236}">
-                <a16:creationId xmlns:a16="http://schemas.microsoft.com/office/drawing/2014/main" id="{C8075173-CD84-4C54-AC47-8388734344F7}"/>
+                <a16:creationId xmlns:a16="http://schemas.microsoft.com/office/drawing/2014/main" id="{B7A20339-FD8C-F043-BB77-064BDD28C140}"/>
               </a:ext>
             </a:extLst>
           </p:cNvPr>
           <p:cNvPicPr>
-            <a:picLocks noGrp="1" noChangeAspect="1"/>
+            <a:picLocks noChangeAspect="1"/>
           </p:cNvPicPr>
-          <p:nvPr>
-            <p:ph idx="1"/>
-          </p:nvPr>
+          <p:nvPr/>
         </p:nvPicPr>
         <p:blipFill>
           <a:blip r:embed="rId2"/>
@@ -7713,344 +8752,113 @@
         </p:blipFill>
         <p:spPr>
           <a:xfrm>
-            <a:off x="6499934" y="1278731"/>
-            <a:ext cx="5256863" cy="4300537"/>
-          </a:xfrm>
+            <a:off x="533400" y="3449475"/>
+            <a:ext cx="11125200" cy="2755900"/>
+          </a:xfrm>
+          <a:prstGeom prst="rect">
+            <a:avLst/>
+          </a:prstGeom>
         </p:spPr>
       </p:pic>
       <p:sp>
         <p:nvSpPr>
-          <p:cNvPr id="6" name="Content Placeholder 2">
+          <p:cNvPr id="6" name="TextBox 5">
             <a:extLst>
               <a:ext uri="{FF2B5EF4-FFF2-40B4-BE49-F238E27FC236}">
-                <a16:creationId xmlns:a16="http://schemas.microsoft.com/office/drawing/2014/main" id="{D3B15E3B-1828-42C4-8380-75CBC887B1DC}"/>
+                <a16:creationId xmlns:a16="http://schemas.microsoft.com/office/drawing/2014/main" id="{3C44403F-A61E-BB40-90BA-84FDAE837B14}"/>
               </a:ext>
             </a:extLst>
           </p:cNvPr>
-          <p:cNvSpPr txBox="1">
-            <a:spLocks/>
-          </p:cNvSpPr>
+          <p:cNvSpPr txBox="1"/>
           <p:nvPr/>
         </p:nvSpPr>
         <p:spPr>
           <a:xfrm>
-            <a:off x="435203" y="1372066"/>
-            <a:ext cx="5764491" cy="4840197"/>
+            <a:off x="6263643" y="783857"/>
+            <a:ext cx="1794076" cy="369332"/>
           </a:xfrm>
           <a:prstGeom prst="rect">
             <a:avLst/>
           </a:prstGeom>
-        </p:spPr>
-        <p:txBody>
-          <a:bodyPr vert="horz" lIns="91440" tIns="45720" rIns="91440" bIns="45720" rtlCol="0">
-            <a:normAutofit/>
+          <a:noFill/>
+        </p:spPr>
+        <p:txBody>
+          <a:bodyPr wrap="square" rtlCol="0">
+            <a:spAutoFit/>
           </a:bodyPr>
-          <a:lstStyle>
-            <a:lvl1pPr marL="182880" indent="-182880" algn="l" defTabSz="914400" rtl="0" eaLnBrk="1" latinLnBrk="0" hangingPunct="1">
-              <a:lnSpc>
-                <a:spcPct val="120000"/>
-              </a:lnSpc>
-              <a:spcBef>
-                <a:spcPts val="900"/>
-              </a:spcBef>
-              <a:spcAft>
-                <a:spcPts val="0"/>
-              </a:spcAft>
-              <a:buClr>
-                <a:schemeClr val="tx1">
-                  <a:lumMod val="85000"/>
-                  <a:lumOff val="15000"/>
-                </a:schemeClr>
-              </a:buClr>
-              <a:buFont typeface="Garamond" pitchFamily="18" charset="0"/>
-              <a:buChar char="◦"/>
-              <a:defRPr sz="1400" kern="1200">
+          <a:lstStyle/>
+          <a:p>
+            <a:r>
+              <a:rPr lang="en-US" dirty="0"/>
+              <a:t>Puzzle: 05.txt</a:t>
+            </a:r>
+          </a:p>
+        </p:txBody>
+      </p:sp>
+      <p:sp>
+        <p:nvSpPr>
+          <p:cNvPr id="7" name="TextBox 6">
+            <a:extLst>
+              <a:ext uri="{FF2B5EF4-FFF2-40B4-BE49-F238E27FC236}">
+                <a16:creationId xmlns:a16="http://schemas.microsoft.com/office/drawing/2014/main" id="{7CEB639D-93F4-AC42-98E0-E14E1B1DAD3C}"/>
+              </a:ext>
+            </a:extLst>
+          </p:cNvPr>
+          <p:cNvSpPr txBox="1"/>
+          <p:nvPr/>
+        </p:nvSpPr>
+        <p:spPr>
+          <a:xfrm>
+            <a:off x="6263643" y="1159880"/>
+            <a:ext cx="4257744" cy="923330"/>
+          </a:xfrm>
+          <a:prstGeom prst="rect">
+            <a:avLst/>
+          </a:prstGeom>
+          <a:noFill/>
+        </p:spPr>
+        <p:txBody>
+          <a:bodyPr wrap="square" rtlCol="0">
+            <a:spAutoFit/>
+          </a:bodyPr>
+          <a:lstStyle/>
+          <a:p>
+            <a:r>
+              <a:rPr lang="en-US" dirty="0"/>
+              <a:t>Logs: 	</a:t>
+            </a:r>
+            <a:r>
+              <a:rPr lang="en-US" dirty="0">
                 <a:solidFill>
-                  <a:schemeClr val="tx1"/>
+                  <a:srgbClr val="18319A"/>
                 </a:solidFill>
-                <a:latin typeface="+mn-lt"/>
-                <a:ea typeface="+mn-ea"/>
-                <a:cs typeface="+mn-cs"/>
-              </a:defRPr>
-            </a:lvl1pPr>
-            <a:lvl2pPr marL="457200" indent="-182880" algn="l" defTabSz="914400" rtl="0" eaLnBrk="1" latinLnBrk="0" hangingPunct="1">
-              <a:lnSpc>
-                <a:spcPct val="100000"/>
-              </a:lnSpc>
-              <a:spcBef>
-                <a:spcPts val="500"/>
-              </a:spcBef>
-              <a:buClr>
-                <a:schemeClr val="tx1">
-                  <a:lumMod val="85000"/>
-                  <a:lumOff val="15000"/>
-                </a:schemeClr>
-              </a:buClr>
-              <a:buFont typeface="Garamond" pitchFamily="18" charset="0"/>
-              <a:buChar char="◦"/>
-              <a:defRPr sz="1200" kern="1200">
+              </a:rPr>
+              <a:t>03_05.txt   	 3-actions</a:t>
+            </a:r>
+          </a:p>
+          <a:p>
+            <a:r>
+              <a:rPr lang="en-US" dirty="0"/>
+              <a:t>	</a:t>
+            </a:r>
+            <a:r>
+              <a:rPr lang="en-US" dirty="0">
                 <a:solidFill>
-                  <a:schemeClr val="tx1"/>
+                  <a:srgbClr val="E4800E"/>
                 </a:solidFill>
-                <a:latin typeface="+mn-lt"/>
-                <a:ea typeface="+mn-ea"/>
-                <a:cs typeface="+mn-cs"/>
-              </a:defRPr>
-            </a:lvl2pPr>
-            <a:lvl3pPr marL="731520" indent="-182880" algn="l" defTabSz="914400" rtl="0" eaLnBrk="1" latinLnBrk="0" hangingPunct="1">
-              <a:lnSpc>
-                <a:spcPct val="100000"/>
-              </a:lnSpc>
-              <a:spcBef>
-                <a:spcPts val="500"/>
-              </a:spcBef>
-              <a:buClr>
-                <a:schemeClr val="tx1">
-                  <a:lumMod val="85000"/>
-                  <a:lumOff val="15000"/>
-                </a:schemeClr>
-              </a:buClr>
-              <a:buFont typeface="Garamond" pitchFamily="18" charset="0"/>
-              <a:buChar char="◦"/>
-              <a:defRPr sz="1100" kern="1200">
-                <a:solidFill>
-                  <a:schemeClr val="tx1"/>
-                </a:solidFill>
-                <a:latin typeface="+mn-lt"/>
-                <a:ea typeface="+mn-ea"/>
-                <a:cs typeface="+mn-cs"/>
-              </a:defRPr>
-            </a:lvl3pPr>
-            <a:lvl4pPr marL="1005840" indent="-182880" algn="l" defTabSz="914400" rtl="0" eaLnBrk="1" latinLnBrk="0" hangingPunct="1">
-              <a:lnSpc>
-                <a:spcPct val="100000"/>
-              </a:lnSpc>
-              <a:spcBef>
-                <a:spcPts val="500"/>
-              </a:spcBef>
-              <a:buClr>
-                <a:schemeClr val="tx1">
-                  <a:lumMod val="85000"/>
-                  <a:lumOff val="15000"/>
-                </a:schemeClr>
-              </a:buClr>
-              <a:buFont typeface="Garamond" pitchFamily="18" charset="0"/>
-              <a:buChar char="◦"/>
-              <a:defRPr sz="1100" kern="1200">
-                <a:solidFill>
-                  <a:schemeClr val="tx1"/>
-                </a:solidFill>
-                <a:latin typeface="+mn-lt"/>
-                <a:ea typeface="+mn-ea"/>
-                <a:cs typeface="+mn-cs"/>
-              </a:defRPr>
-            </a:lvl4pPr>
-            <a:lvl5pPr marL="1280160" indent="-182880" algn="l" defTabSz="914400" rtl="0" eaLnBrk="1" latinLnBrk="0" hangingPunct="1">
-              <a:lnSpc>
-                <a:spcPct val="100000"/>
-              </a:lnSpc>
-              <a:spcBef>
-                <a:spcPts val="500"/>
-              </a:spcBef>
-              <a:buClr>
-                <a:schemeClr val="tx1">
-                  <a:lumMod val="85000"/>
-                  <a:lumOff val="15000"/>
-                </a:schemeClr>
-              </a:buClr>
-              <a:buFont typeface="Garamond" pitchFamily="18" charset="0"/>
-              <a:buChar char="◦"/>
-              <a:defRPr sz="1100" kern="1200">
-                <a:solidFill>
-                  <a:schemeClr val="tx1"/>
-                </a:solidFill>
-                <a:latin typeface="+mn-lt"/>
-                <a:ea typeface="+mn-ea"/>
-                <a:cs typeface="+mn-cs"/>
-              </a:defRPr>
-            </a:lvl5pPr>
-            <a:lvl6pPr marL="1600000" indent="-228600" algn="l" defTabSz="914400" rtl="0" eaLnBrk="1" latinLnBrk="0" hangingPunct="1">
-              <a:lnSpc>
-                <a:spcPct val="100000"/>
-              </a:lnSpc>
-              <a:spcBef>
-                <a:spcPts val="500"/>
-              </a:spcBef>
-              <a:buClr>
-                <a:schemeClr val="tx1">
-                  <a:lumMod val="85000"/>
-                  <a:lumOff val="15000"/>
-                </a:schemeClr>
-              </a:buClr>
-              <a:buFont typeface="Garamond" pitchFamily="18" charset="0"/>
-              <a:buChar char="◦"/>
-              <a:defRPr sz="1400" kern="1200">
-                <a:solidFill>
-                  <a:schemeClr val="tx1"/>
-                </a:solidFill>
-                <a:latin typeface="+mn-lt"/>
-                <a:ea typeface="+mn-ea"/>
-                <a:cs typeface="+mn-cs"/>
-              </a:defRPr>
-            </a:lvl6pPr>
-            <a:lvl7pPr marL="1900000" indent="-228600" algn="l" defTabSz="914400" rtl="0" eaLnBrk="1" latinLnBrk="0" hangingPunct="1">
-              <a:lnSpc>
-                <a:spcPct val="100000"/>
-              </a:lnSpc>
-              <a:spcBef>
-                <a:spcPts val="500"/>
-              </a:spcBef>
-              <a:buClr>
-                <a:schemeClr val="tx1">
-                  <a:lumMod val="85000"/>
-                  <a:lumOff val="15000"/>
-                </a:schemeClr>
-              </a:buClr>
-              <a:buFont typeface="Garamond" pitchFamily="18" charset="0"/>
-              <a:buChar char="◦"/>
-              <a:defRPr sz="1400" kern="1200">
-                <a:solidFill>
-                  <a:schemeClr val="tx1"/>
-                </a:solidFill>
-                <a:latin typeface="+mn-lt"/>
-                <a:ea typeface="+mn-ea"/>
-                <a:cs typeface="+mn-cs"/>
-              </a:defRPr>
-            </a:lvl7pPr>
-            <a:lvl8pPr marL="2200000" indent="-228600" algn="l" defTabSz="914400" rtl="0" eaLnBrk="1" latinLnBrk="0" hangingPunct="1">
-              <a:lnSpc>
-                <a:spcPct val="100000"/>
-              </a:lnSpc>
-              <a:spcBef>
-                <a:spcPts val="500"/>
-              </a:spcBef>
-              <a:buClr>
-                <a:schemeClr val="tx1">
-                  <a:lumMod val="85000"/>
-                  <a:lumOff val="15000"/>
-                </a:schemeClr>
-              </a:buClr>
-              <a:buFont typeface="Garamond" pitchFamily="18" charset="0"/>
-              <a:buChar char="◦"/>
-              <a:defRPr sz="1400" kern="1200">
-                <a:solidFill>
-                  <a:schemeClr val="tx1"/>
-                </a:solidFill>
-                <a:latin typeface="+mn-lt"/>
-                <a:ea typeface="+mn-ea"/>
-                <a:cs typeface="+mn-cs"/>
-              </a:defRPr>
-            </a:lvl8pPr>
-            <a:lvl9pPr marL="2500000" indent="-228600" algn="l" defTabSz="914400" rtl="0" eaLnBrk="1" latinLnBrk="0" hangingPunct="1">
-              <a:lnSpc>
-                <a:spcPct val="100000"/>
-              </a:lnSpc>
-              <a:spcBef>
-                <a:spcPts val="500"/>
-              </a:spcBef>
-              <a:buClr>
-                <a:schemeClr val="tx1">
-                  <a:lumMod val="85000"/>
-                  <a:lumOff val="15000"/>
-                </a:schemeClr>
-              </a:buClr>
-              <a:buFont typeface="Garamond" pitchFamily="18" charset="0"/>
-              <a:buChar char="◦"/>
-              <a:defRPr sz="1400" kern="1200">
-                <a:solidFill>
-                  <a:schemeClr val="tx1"/>
-                </a:solidFill>
-                <a:latin typeface="+mn-lt"/>
-                <a:ea typeface="+mn-ea"/>
-                <a:cs typeface="+mn-cs"/>
-              </a:defRPr>
-            </a:lvl9pPr>
-          </a:lstStyle>
-          <a:p>
-            <a:r>
-              <a:rPr lang="en-US" sz="2000" u="sng" dirty="0"/>
-              <a:t>Input:</a:t>
-            </a:r>
-            <a:r>
-              <a:rPr lang="en-US" sz="2000" dirty="0"/>
-              <a:t>  49 Neurons (7x7 Board)</a:t>
-            </a:r>
-          </a:p>
-          <a:p>
-            <a:pPr marL="0" indent="0">
-              <a:buNone/>
-            </a:pPr>
-            <a:endParaRPr lang="en-US" sz="2000" dirty="0"/>
-          </a:p>
-          <a:p>
-            <a:r>
-              <a:rPr lang="en-US" sz="2000" u="sng" dirty="0"/>
-              <a:t>Hidden Layers:</a:t>
-            </a:r>
-            <a:r>
-              <a:rPr lang="en-US" sz="2000" dirty="0"/>
-              <a:t>  2 Layers (1024 Neurons each)</a:t>
-            </a:r>
-          </a:p>
-          <a:p>
-            <a:endParaRPr lang="en-US" sz="2000" dirty="0"/>
-          </a:p>
-          <a:p>
-            <a:r>
-              <a:rPr lang="en-US" sz="2000" u="sng" dirty="0"/>
-              <a:t>Activation Functions:</a:t>
-            </a:r>
-            <a:r>
-              <a:rPr lang="en-US" sz="2000" dirty="0"/>
-              <a:t>  </a:t>
-            </a:r>
-            <a:r>
-              <a:rPr lang="en-US" sz="2000" dirty="0" err="1"/>
-              <a:t>ReLU</a:t>
-            </a:r>
-            <a:r>
-              <a:rPr lang="en-US" sz="2000" dirty="0"/>
-              <a:t> and </a:t>
-            </a:r>
-            <a:r>
-              <a:rPr lang="en-US" sz="2000" dirty="0" err="1"/>
-              <a:t>Softmax</a:t>
-            </a:r>
-            <a:endParaRPr lang="en-US" sz="2000" dirty="0"/>
-          </a:p>
-          <a:p>
-            <a:endParaRPr lang="en-US" sz="2000" dirty="0"/>
-          </a:p>
-          <a:p>
-            <a:r>
-              <a:rPr lang="en-US" sz="2000" u="sng" dirty="0"/>
-              <a:t>Optimization Function:</a:t>
-            </a:r>
-            <a:r>
-              <a:rPr lang="en-US" sz="2000" dirty="0"/>
-              <a:t>  Stochastic Gradient 			        Descent</a:t>
-            </a:r>
-          </a:p>
-          <a:p>
-            <a:r>
-              <a:rPr lang="en-US" sz="2000" u="sng" dirty="0"/>
-              <a:t>Output</a:t>
-            </a:r>
-            <a:r>
-              <a:rPr lang="en-US" sz="2000" dirty="0"/>
-              <a:t>:  49 Neurons (each neuron corresponds to digit from  0-8)</a:t>
-            </a:r>
-            <a:endParaRPr lang="en-US" sz="2000" u="sng" dirty="0"/>
-          </a:p>
-          <a:p>
-            <a:endParaRPr lang="en-US" sz="2000" dirty="0"/>
+              </a:rPr>
+              <a:t>04_05.txt	2-actions</a:t>
+            </a:r>
+          </a:p>
+          <a:p>
+            <a:endParaRPr lang="en-US" b="1" dirty="0"/>
           </a:p>
         </p:txBody>
       </p:sp>
     </p:spTree>
     <p:extLst>
       <p:ext uri="{BB962C8B-B14F-4D97-AF65-F5344CB8AC3E}">
-        <p14:creationId xmlns:p14="http://schemas.microsoft.com/office/powerpoint/2010/main" val="2862732210"/>
+        <p14:creationId xmlns:p14="http://schemas.microsoft.com/office/powerpoint/2010/main" val="1540542250"/>
       </p:ext>
     </p:extLst>
   </p:cSld>
@@ -8380,6 +9188,24 @@
 </file>
 
 <file path=customXml/item1.xml><?xml version="1.0" encoding="utf-8"?>
+<p:properties xmlns:p="http://schemas.microsoft.com/office/2006/metadata/properties" xmlns:xsi="http://www.w3.org/2001/XMLSchema-instance" xmlns:pc="http://schemas.microsoft.com/office/infopath/2007/PartnerControls">
+  <documentManagement>
+    <Status xmlns="71af3243-3dd4-4a8d-8c0d-dd76da1f02a5">Not started</Status>
+    <MediaServiceKeyPoints xmlns="71af3243-3dd4-4a8d-8c0d-dd76da1f02a5" xsi:nil="true"/>
+  </documentManagement>
+</p:properties>
+</file>
+
+<file path=customXml/item2.xml><?xml version="1.0" encoding="utf-8"?>
+<?mso-contentType ?>
+<FormTemplates xmlns="http://schemas.microsoft.com/sharepoint/v3/contenttype/forms">
+  <Display>DocumentLibraryForm</Display>
+  <Edit>DocumentLibraryForm</Edit>
+  <New>DocumentLibraryForm</New>
+</FormTemplates>
+</file>
+
+<file path=customXml/item3.xml><?xml version="1.0" encoding="utf-8"?>
 <ct:contentTypeSchema xmlns:ct="http://schemas.microsoft.com/office/2006/metadata/contentType" xmlns:ma="http://schemas.microsoft.com/office/2006/metadata/properties/metaAttributes" ct:_="" ma:_="" ma:contentTypeName="Document" ma:contentTypeID="0x01010079F111ED35F8CC479449609E8A0923A6" ma:contentTypeVersion="12" ma:contentTypeDescription="Create a new document." ma:contentTypeScope="" ma:versionID="a410dd7f93c95333ffa1b60ed6adedd1">
   <xsd:schema xmlns:xsd="http://www.w3.org/2001/XMLSchema" xmlns:xs="http://www.w3.org/2001/XMLSchema" xmlns:p="http://schemas.microsoft.com/office/2006/metadata/properties" xmlns:ns2="71af3243-3dd4-4a8d-8c0d-dd76da1f02a5" xmlns:ns3="16c05727-aa75-4e4a-9b5f-8a80a1165891" targetNamespace="http://schemas.microsoft.com/office/2006/metadata/properties" ma:root="true" ma:fieldsID="a936d9baba76aa3866493feff160faab" ns2:_="" ns3:_="">
     <xsd:import namespace="71af3243-3dd4-4a8d-8c0d-dd76da1f02a5"/>
@@ -8600,25 +9426,25 @@
 </ct:contentTypeSchema>
 </file>
 
-<file path=customXml/item2.xml><?xml version="1.0" encoding="utf-8"?>
-<?mso-contentType ?>
-<FormTemplates xmlns="http://schemas.microsoft.com/sharepoint/v3/contenttype/forms">
-  <Display>DocumentLibraryForm</Display>
-  <Edit>DocumentLibraryForm</Edit>
-  <New>DocumentLibraryForm</New>
-</FormTemplates>
+<file path=customXml/itemProps1.xml><?xml version="1.0" encoding="utf-8"?>
+<ds:datastoreItem xmlns:ds="http://schemas.openxmlformats.org/officeDocument/2006/customXml" ds:itemID="{52F3B215-496E-4790-A364-7C1C46DEC771}">
+  <ds:schemaRefs>
+    <ds:schemaRef ds:uri="http://schemas.microsoft.com/office/2006/metadata/properties"/>
+    <ds:schemaRef ds:uri="http://schemas.microsoft.com/office/infopath/2007/PartnerControls"/>
+    <ds:schemaRef ds:uri="71af3243-3dd4-4a8d-8c0d-dd76da1f02a5"/>
+  </ds:schemaRefs>
+</ds:datastoreItem>
 </file>
 
-<file path=customXml/item3.xml><?xml version="1.0" encoding="utf-8"?>
-<p:properties xmlns:p="http://schemas.microsoft.com/office/2006/metadata/properties" xmlns:xsi="http://www.w3.org/2001/XMLSchema-instance" xmlns:pc="http://schemas.microsoft.com/office/infopath/2007/PartnerControls">
-  <documentManagement>
-    <Status xmlns="71af3243-3dd4-4a8d-8c0d-dd76da1f02a5">Not started</Status>
-    <MediaServiceKeyPoints xmlns="71af3243-3dd4-4a8d-8c0d-dd76da1f02a5" xsi:nil="true"/>
-  </documentManagement>
-</p:properties>
+<file path=customXml/itemProps2.xml><?xml version="1.0" encoding="utf-8"?>
+<ds:datastoreItem xmlns:ds="http://schemas.openxmlformats.org/officeDocument/2006/customXml" ds:itemID="{AE2713E1-6312-427E-BFCB-C5A5DA301373}">
+  <ds:schemaRefs>
+    <ds:schemaRef ds:uri="http://schemas.microsoft.com/sharepoint/v3/contenttype/forms"/>
+  </ds:schemaRefs>
+</ds:datastoreItem>
 </file>
 
-<file path=customXml/itemProps1.xml><?xml version="1.0" encoding="utf-8"?>
+<file path=customXml/itemProps3.xml><?xml version="1.0" encoding="utf-8"?>
 <ds:datastoreItem xmlns:ds="http://schemas.openxmlformats.org/officeDocument/2006/customXml" ds:itemID="{50DB95DD-0319-4EE5-8C5C-9CEDF75E024B}">
   <ds:schemaRefs>
     <ds:schemaRef ds:uri="http://schemas.microsoft.com/office/2006/metadata/contentType"/>
@@ -8635,22 +9461,4 @@
     <ds:schemaRef ds:uri="http://schemas.microsoft.com/internal/obd"/>
   </ds:schemaRefs>
 </ds:datastoreItem>
-</file>
-
-<file path=customXml/itemProps2.xml><?xml version="1.0" encoding="utf-8"?>
-<ds:datastoreItem xmlns:ds="http://schemas.openxmlformats.org/officeDocument/2006/customXml" ds:itemID="{AE2713E1-6312-427E-BFCB-C5A5DA301373}">
-  <ds:schemaRefs>
-    <ds:schemaRef ds:uri="http://schemas.microsoft.com/sharepoint/v3/contenttype/forms"/>
-  </ds:schemaRefs>
-</ds:datastoreItem>
-</file>
-
-<file path=customXml/itemProps3.xml><?xml version="1.0" encoding="utf-8"?>
-<ds:datastoreItem xmlns:ds="http://schemas.openxmlformats.org/officeDocument/2006/customXml" ds:itemID="{52F3B215-496E-4790-A364-7C1C46DEC771}">
-  <ds:schemaRefs>
-    <ds:schemaRef ds:uri="http://schemas.microsoft.com/office/2006/metadata/properties"/>
-    <ds:schemaRef ds:uri="http://schemas.microsoft.com/office/infopath/2007/PartnerControls"/>
-    <ds:schemaRef ds:uri="71af3243-3dd4-4a8d-8c0d-dd76da1f02a5"/>
-  </ds:schemaRefs>
-</ds:datastoreItem>
 </file>
--- a/Presentation/Final/Final Presentation.pptx
+++ b/Presentation/Final/Final Presentation.pptx
@@ -12,15 +12,16 @@
     <p:sldId id="301" r:id="rId9"/>
     <p:sldId id="296" r:id="rId10"/>
     <p:sldId id="300" r:id="rId11"/>
-    <p:sldId id="308" r:id="rId12"/>
-    <p:sldId id="306" r:id="rId13"/>
-    <p:sldId id="307" r:id="rId14"/>
-    <p:sldId id="297" r:id="rId15"/>
-    <p:sldId id="302" r:id="rId16"/>
-    <p:sldId id="303" r:id="rId17"/>
-    <p:sldId id="304" r:id="rId18"/>
-    <p:sldId id="305" r:id="rId19"/>
-    <p:sldId id="299" r:id="rId20"/>
+    <p:sldId id="309" r:id="rId12"/>
+    <p:sldId id="308" r:id="rId13"/>
+    <p:sldId id="306" r:id="rId14"/>
+    <p:sldId id="307" r:id="rId15"/>
+    <p:sldId id="297" r:id="rId16"/>
+    <p:sldId id="302" r:id="rId17"/>
+    <p:sldId id="303" r:id="rId18"/>
+    <p:sldId id="304" r:id="rId19"/>
+    <p:sldId id="305" r:id="rId20"/>
+    <p:sldId id="299" r:id="rId21"/>
   </p:sldIdLst>
   <p:sldSz cx="12192000" cy="6858000"/>
   <p:notesSz cx="6858000" cy="9144000"/>
@@ -596,7 +597,7 @@
           <a:p>
             <a:fld id="{EA0C0817-A112-4847-8014-A94B7D2A4EA3}" type="datetime1">
               <a:rPr lang="en-US" smtClean="0"/>
-              <a:t>11/15/20</a:t>
+              <a:t>11/16/20</a:t>
             </a:fld>
             <a:endParaRPr lang="en-US" dirty="0"/>
           </a:p>
@@ -798,7 +799,7 @@
           <a:p>
             <a:fld id="{7332B432-ACDA-4023-A761-2BAB76577B62}" type="datetime1">
               <a:rPr lang="en-US" smtClean="0"/>
-              <a:t>11/15/20</a:t>
+              <a:t>11/16/20</a:t>
             </a:fld>
             <a:endParaRPr lang="en-US" dirty="0"/>
           </a:p>
@@ -1397,7 +1398,7 @@
           <a:p>
             <a:fld id="{D9C646AA-F36E-4540-911D-FFFC0A0EF24A}" type="datetime1">
               <a:rPr lang="en-US" smtClean="0"/>
-              <a:t>11/15/20</a:t>
+              <a:t>11/16/20</a:t>
             </a:fld>
             <a:endParaRPr lang="en-US" dirty="0"/>
           </a:p>
@@ -1717,7 +1718,7 @@
           <a:p>
             <a:fld id="{69186D26-FA5F-4637-B602-B7C2DC34CFD4}" type="datetime1">
               <a:rPr lang="en-US" smtClean="0"/>
-              <a:t>11/15/20</a:t>
+              <a:t>11/16/20</a:t>
             </a:fld>
             <a:endParaRPr lang="en-US" dirty="0"/>
           </a:p>
@@ -2154,7 +2155,7 @@
           <a:p>
             <a:fld id="{8A7F15D8-96D1-4781-BC50-CA8A088B2FE4}" type="datetime1">
               <a:rPr lang="en-US" smtClean="0"/>
-              <a:t>11/15/20</a:t>
+              <a:t>11/16/20</a:t>
             </a:fld>
             <a:endParaRPr lang="en-US" dirty="0"/>
           </a:p>
@@ -2272,7 +2273,7 @@
           <a:p>
             <a:fld id="{F9A96C99-B8F8-4528-BD05-0E16E943DC09}" type="datetime1">
               <a:rPr lang="en-US" smtClean="0"/>
-              <a:t>11/15/20</a:t>
+              <a:t>11/16/20</a:t>
             </a:fld>
             <a:endParaRPr lang="en-US" dirty="0"/>
           </a:p>
@@ -2367,7 +2368,7 @@
           <a:p>
             <a:fld id="{03636942-C211-4B28-8DBD-C953E00AF71B}" type="datetime1">
               <a:rPr lang="en-US" smtClean="0"/>
-              <a:t>11/15/20</a:t>
+              <a:t>11/16/20</a:t>
             </a:fld>
             <a:endParaRPr lang="en-US" dirty="0"/>
           </a:p>
@@ -2784,7 +2785,7 @@
           <a:p>
             <a:fld id="{7E8D12A6-918A-48BD-8CB9-CA713993B0EA}" type="datetime1">
               <a:rPr lang="en-US" smtClean="0"/>
-              <a:t>11/15/20</a:t>
+              <a:t>11/16/20</a:t>
             </a:fld>
             <a:endParaRPr lang="en-US" dirty="0"/>
           </a:p>
@@ -3046,7 +3047,7 @@
             <a:fld id="{E778CE86-875F-4587-BCF6-FA054AFC0D53}" type="datetime1">
               <a:rPr lang="en-US" smtClean="0"/>
               <a:pPr/>
-              <a:t>11/15/20</a:t>
+              <a:t>11/16/20</a:t>
             </a:fld>
             <a:endParaRPr lang="en-US" dirty="0"/>
           </a:p>
@@ -3562,7 +3563,7 @@
           <a:p>
             <a:fld id="{F6FA2B21-3FCD-4721-B95C-427943F61125}" type="datetime1">
               <a:rPr lang="en-US" smtClean="0"/>
-              <a:t>11/15/20</a:t>
+              <a:t>11/16/20</a:t>
             </a:fld>
             <a:endParaRPr lang="en-US" dirty="0"/>
           </a:p>
@@ -4303,7 +4304,7 @@
           <p:cNvPr id="2" name="Title 1">
             <a:extLst>
               <a:ext uri="{FF2B5EF4-FFF2-40B4-BE49-F238E27FC236}">
-                <a16:creationId xmlns:a16="http://schemas.microsoft.com/office/drawing/2014/main" id="{F53F79B3-F38B-7149-AEE5-C8C45C78AB5A}"/>
+                <a16:creationId xmlns:a16="http://schemas.microsoft.com/office/drawing/2014/main" id="{C2AE8462-7661-3146-BD85-3627490469F5}"/>
               </a:ext>
             </a:extLst>
           </p:cNvPr>
@@ -4316,8 +4317,8 @@
         </p:nvSpPr>
         <p:spPr>
           <a:xfrm>
-            <a:off x="1066800" y="642594"/>
-            <a:ext cx="10058400" cy="946720"/>
+            <a:off x="1066800" y="642593"/>
+            <a:ext cx="10058400" cy="1209571"/>
           </a:xfrm>
         </p:spPr>
         <p:txBody>
@@ -4326,7 +4327,28 @@
           <a:p>
             <a:r>
               <a:rPr lang="en-US" dirty="0"/>
-              <a:t>T-Test result</a:t>
+              <a:t>3 Actions </a:t>
+            </a:r>
+            <a:r>
+              <a:rPr lang="en-US" b="1" dirty="0">
+                <a:solidFill>
+                  <a:srgbClr val="FF0000"/>
+                </a:solidFill>
+                <a:latin typeface="Times New Roman" panose="02020603050405020304" pitchFamily="18" charset="0"/>
+                <a:cs typeface="Times New Roman" panose="02020603050405020304" pitchFamily="18" charset="0"/>
+              </a:rPr>
+              <a:t>VS</a:t>
+            </a:r>
+            <a:r>
+              <a:rPr lang="en-US" b="1" dirty="0">
+                <a:latin typeface="Times New Roman" panose="02020603050405020304" pitchFamily="18" charset="0"/>
+                <a:cs typeface="Times New Roman" panose="02020603050405020304" pitchFamily="18" charset="0"/>
+              </a:rPr>
+              <a:t> </a:t>
+            </a:r>
+            <a:r>
+              <a:rPr lang="en-US" dirty="0"/>
+              <a:t>2 Action</a:t>
             </a:r>
           </a:p>
         </p:txBody>
@@ -4336,7 +4358,7 @@
           <p:cNvPr id="3" name="Content Placeholder 2">
             <a:extLst>
               <a:ext uri="{FF2B5EF4-FFF2-40B4-BE49-F238E27FC236}">
-                <a16:creationId xmlns:a16="http://schemas.microsoft.com/office/drawing/2014/main" id="{6CAC0126-11D3-C946-8ED3-B4212B0DAA4D}"/>
+                <a16:creationId xmlns:a16="http://schemas.microsoft.com/office/drawing/2014/main" id="{BD9EDA77-6537-1A44-8229-39971B5C6B19}"/>
               </a:ext>
             </a:extLst>
           </p:cNvPr>
@@ -4347,14 +4369,36 @@
             <p:ph sz="half" idx="1"/>
           </p:nvPr>
         </p:nvSpPr>
-        <p:spPr/>
+        <p:spPr>
+          <a:xfrm>
+            <a:off x="533401" y="2274401"/>
+            <a:ext cx="5394958" cy="963956"/>
+          </a:xfrm>
+        </p:spPr>
         <p:txBody>
           <a:bodyPr>
             <a:normAutofit/>
           </a:bodyPr>
           <a:lstStyle/>
           <a:p>
-            <a:endParaRPr lang="en-US" dirty="0"/>
+            <a:r>
+              <a:rPr lang="en-US" b="1" dirty="0">
+                <a:solidFill>
+                  <a:srgbClr val="002060"/>
+                </a:solidFill>
+              </a:rPr>
+              <a:t>3 Actions:</a:t>
+            </a:r>
+          </a:p>
+          <a:p>
+            <a:r>
+              <a:rPr lang="en-US" dirty="0">
+                <a:solidFill>
+                  <a:srgbClr val="002060"/>
+                </a:solidFill>
+              </a:rPr>
+              <a:t>Adding /Removing/Moving     A bulb</a:t>
+            </a:r>
           </a:p>
         </p:txBody>
       </p:sp>
@@ -4363,7 +4407,7 @@
           <p:cNvPr id="4" name="Content Placeholder 3">
             <a:extLst>
               <a:ext uri="{FF2B5EF4-FFF2-40B4-BE49-F238E27FC236}">
-                <a16:creationId xmlns:a16="http://schemas.microsoft.com/office/drawing/2014/main" id="{E636D1A1-7948-5649-BEB6-72163DA3FDA8}"/>
+                <a16:creationId xmlns:a16="http://schemas.microsoft.com/office/drawing/2014/main" id="{C3209273-5669-384B-A5A0-9407C0FB587D}"/>
               </a:ext>
             </a:extLst>
           </p:cNvPr>
@@ -4376,8 +4420,8 @@
         </p:nvSpPr>
         <p:spPr>
           <a:xfrm>
-            <a:off x="899886" y="5036348"/>
-            <a:ext cx="10225313" cy="943538"/>
+            <a:off x="6263643" y="2063283"/>
+            <a:ext cx="5275214" cy="1345242"/>
           </a:xfrm>
         </p:spPr>
         <p:txBody>
@@ -4387,14 +4431,32 @@
           <a:lstStyle/>
           <a:p>
             <a:r>
-              <a:rPr lang="en-US" dirty="0"/>
-              <a:t>P-Value: 4.11 E-08.       Too small to 0.05</a:t>
-            </a:r>
-          </a:p>
-          <a:p>
-            <a:r>
-              <a:rPr lang="en-US" dirty="0"/>
-              <a:t>Statistically speaking:  3 actions has better performance than 2 actions</a:t>
+              <a:rPr lang="en-US" b="1" dirty="0">
+                <a:solidFill>
+                  <a:srgbClr val="E4800E"/>
+                </a:solidFill>
+              </a:rPr>
+              <a:t>2 Actions:</a:t>
+            </a:r>
+          </a:p>
+          <a:p>
+            <a:r>
+              <a:rPr lang="en-US" dirty="0">
+                <a:solidFill>
+                  <a:srgbClr val="E4800E"/>
+                </a:solidFill>
+              </a:rPr>
+              <a:t>Adding /Removing    A bulb</a:t>
+            </a:r>
+          </a:p>
+          <a:p>
+            <a:r>
+              <a:rPr lang="en-US" dirty="0">
+                <a:solidFill>
+                  <a:srgbClr val="E4800E"/>
+                </a:solidFill>
+              </a:rPr>
+              <a:t>No Moving</a:t>
             </a:r>
           </a:p>
         </p:txBody>
@@ -4404,7 +4466,7 @@
           <p:cNvPr id="5" name="Picture 4">
             <a:extLst>
               <a:ext uri="{FF2B5EF4-FFF2-40B4-BE49-F238E27FC236}">
-                <a16:creationId xmlns:a16="http://schemas.microsoft.com/office/drawing/2014/main" id="{82A3D208-1B99-DC49-8D2C-EC728C59053D}"/>
+                <a16:creationId xmlns:a16="http://schemas.microsoft.com/office/drawing/2014/main" id="{B7A20339-FD8C-F043-BB77-064BDD28C140}"/>
               </a:ext>
             </a:extLst>
           </p:cNvPr>
@@ -4421,48 +4483,113 @@
         </p:blipFill>
         <p:spPr>
           <a:xfrm>
-            <a:off x="1066800" y="2245160"/>
-            <a:ext cx="7559343" cy="2728795"/>
+            <a:off x="533400" y="3449475"/>
+            <a:ext cx="11125200" cy="2755900"/>
           </a:xfrm>
           <a:prstGeom prst="rect">
             <a:avLst/>
           </a:prstGeom>
         </p:spPr>
       </p:pic>
-      <p:pic>
-        <p:nvPicPr>
-          <p:cNvPr id="6" name="Picture 5">
+      <p:sp>
+        <p:nvSpPr>
+          <p:cNvPr id="6" name="TextBox 5">
             <a:extLst>
               <a:ext uri="{FF2B5EF4-FFF2-40B4-BE49-F238E27FC236}">
-                <a16:creationId xmlns:a16="http://schemas.microsoft.com/office/drawing/2014/main" id="{7306F8FD-169F-304D-AE9E-C1B7CFA4551D}"/>
+                <a16:creationId xmlns:a16="http://schemas.microsoft.com/office/drawing/2014/main" id="{3C44403F-A61E-BB40-90BA-84FDAE837B14}"/>
               </a:ext>
             </a:extLst>
           </p:cNvPr>
-          <p:cNvPicPr>
-            <a:picLocks noChangeAspect="1"/>
-          </p:cNvPicPr>
+          <p:cNvSpPr txBox="1"/>
           <p:nvPr/>
-        </p:nvPicPr>
-        <p:blipFill>
-          <a:blip r:embed="rId3"/>
-          <a:stretch>
-            <a:fillRect/>
-          </a:stretch>
-        </p:blipFill>
-        <p:spPr>
-          <a:xfrm>
-            <a:off x="1054100" y="1509667"/>
-            <a:ext cx="10083800" cy="673100"/>
+        </p:nvSpPr>
+        <p:spPr>
+          <a:xfrm>
+            <a:off x="6263643" y="783857"/>
+            <a:ext cx="1794076" cy="369332"/>
           </a:xfrm>
           <a:prstGeom prst="rect">
             <a:avLst/>
           </a:prstGeom>
-        </p:spPr>
-      </p:pic>
+          <a:noFill/>
+        </p:spPr>
+        <p:txBody>
+          <a:bodyPr wrap="square" rtlCol="0">
+            <a:spAutoFit/>
+          </a:bodyPr>
+          <a:lstStyle/>
+          <a:p>
+            <a:r>
+              <a:rPr lang="en-US" dirty="0"/>
+              <a:t>Puzzle: 05.txt</a:t>
+            </a:r>
+          </a:p>
+        </p:txBody>
+      </p:sp>
+      <p:sp>
+        <p:nvSpPr>
+          <p:cNvPr id="7" name="TextBox 6">
+            <a:extLst>
+              <a:ext uri="{FF2B5EF4-FFF2-40B4-BE49-F238E27FC236}">
+                <a16:creationId xmlns:a16="http://schemas.microsoft.com/office/drawing/2014/main" id="{7CEB639D-93F4-AC42-98E0-E14E1B1DAD3C}"/>
+              </a:ext>
+            </a:extLst>
+          </p:cNvPr>
+          <p:cNvSpPr txBox="1"/>
+          <p:nvPr/>
+        </p:nvSpPr>
+        <p:spPr>
+          <a:xfrm>
+            <a:off x="6263643" y="1159880"/>
+            <a:ext cx="4257744" cy="923330"/>
+          </a:xfrm>
+          <a:prstGeom prst="rect">
+            <a:avLst/>
+          </a:prstGeom>
+          <a:noFill/>
+        </p:spPr>
+        <p:txBody>
+          <a:bodyPr wrap="square" rtlCol="0">
+            <a:spAutoFit/>
+          </a:bodyPr>
+          <a:lstStyle/>
+          <a:p>
+            <a:r>
+              <a:rPr lang="en-US" dirty="0"/>
+              <a:t>Logs: 	</a:t>
+            </a:r>
+            <a:r>
+              <a:rPr lang="en-US" dirty="0">
+                <a:solidFill>
+                  <a:srgbClr val="18319A"/>
+                </a:solidFill>
+              </a:rPr>
+              <a:t>03_05.txt   	 3-actions</a:t>
+            </a:r>
+          </a:p>
+          <a:p>
+            <a:r>
+              <a:rPr lang="en-US" dirty="0"/>
+              <a:t>	</a:t>
+            </a:r>
+            <a:r>
+              <a:rPr lang="en-US" dirty="0">
+                <a:solidFill>
+                  <a:srgbClr val="E4800E"/>
+                </a:solidFill>
+              </a:rPr>
+              <a:t>04_05.txt	2-actions</a:t>
+            </a:r>
+          </a:p>
+          <a:p>
+            <a:endParaRPr lang="en-US" b="1" dirty="0"/>
+          </a:p>
+        </p:txBody>
+      </p:sp>
     </p:spTree>
     <p:extLst>
       <p:ext uri="{BB962C8B-B14F-4D97-AF65-F5344CB8AC3E}">
-        <p14:creationId xmlns:p14="http://schemas.microsoft.com/office/powerpoint/2010/main" val="3306205741"/>
+        <p14:creationId xmlns:p14="http://schemas.microsoft.com/office/powerpoint/2010/main" val="1540542250"/>
       </p:ext>
     </p:extLst>
   </p:cSld>
@@ -4494,6 +4621,197 @@
           <p:cNvPr id="2" name="Title 1">
             <a:extLst>
               <a:ext uri="{FF2B5EF4-FFF2-40B4-BE49-F238E27FC236}">
+                <a16:creationId xmlns:a16="http://schemas.microsoft.com/office/drawing/2014/main" id="{F53F79B3-F38B-7149-AEE5-C8C45C78AB5A}"/>
+              </a:ext>
+            </a:extLst>
+          </p:cNvPr>
+          <p:cNvSpPr>
+            <a:spLocks noGrp="1"/>
+          </p:cNvSpPr>
+          <p:nvPr>
+            <p:ph type="title"/>
+          </p:nvPr>
+        </p:nvSpPr>
+        <p:spPr>
+          <a:xfrm>
+            <a:off x="1066800" y="642594"/>
+            <a:ext cx="10058400" cy="946720"/>
+          </a:xfrm>
+        </p:spPr>
+        <p:txBody>
+          <a:bodyPr/>
+          <a:lstStyle/>
+          <a:p>
+            <a:r>
+              <a:rPr lang="en-US" dirty="0"/>
+              <a:t>T-Test result</a:t>
+            </a:r>
+          </a:p>
+        </p:txBody>
+      </p:sp>
+      <p:sp>
+        <p:nvSpPr>
+          <p:cNvPr id="3" name="Content Placeholder 2">
+            <a:extLst>
+              <a:ext uri="{FF2B5EF4-FFF2-40B4-BE49-F238E27FC236}">
+                <a16:creationId xmlns:a16="http://schemas.microsoft.com/office/drawing/2014/main" id="{6CAC0126-11D3-C946-8ED3-B4212B0DAA4D}"/>
+              </a:ext>
+            </a:extLst>
+          </p:cNvPr>
+          <p:cNvSpPr>
+            <a:spLocks noGrp="1"/>
+          </p:cNvSpPr>
+          <p:nvPr>
+            <p:ph sz="half" idx="1"/>
+          </p:nvPr>
+        </p:nvSpPr>
+        <p:spPr/>
+        <p:txBody>
+          <a:bodyPr>
+            <a:normAutofit/>
+          </a:bodyPr>
+          <a:lstStyle/>
+          <a:p>
+            <a:endParaRPr lang="en-US" dirty="0"/>
+          </a:p>
+        </p:txBody>
+      </p:sp>
+      <p:sp>
+        <p:nvSpPr>
+          <p:cNvPr id="4" name="Content Placeholder 3">
+            <a:extLst>
+              <a:ext uri="{FF2B5EF4-FFF2-40B4-BE49-F238E27FC236}">
+                <a16:creationId xmlns:a16="http://schemas.microsoft.com/office/drawing/2014/main" id="{E636D1A1-7948-5649-BEB6-72163DA3FDA8}"/>
+              </a:ext>
+            </a:extLst>
+          </p:cNvPr>
+          <p:cNvSpPr>
+            <a:spLocks noGrp="1"/>
+          </p:cNvSpPr>
+          <p:nvPr>
+            <p:ph sz="half" idx="2"/>
+          </p:nvPr>
+        </p:nvSpPr>
+        <p:spPr>
+          <a:xfrm>
+            <a:off x="899886" y="5036348"/>
+            <a:ext cx="10225313" cy="943538"/>
+          </a:xfrm>
+        </p:spPr>
+        <p:txBody>
+          <a:bodyPr>
+            <a:normAutofit/>
+          </a:bodyPr>
+          <a:lstStyle/>
+          <a:p>
+            <a:r>
+              <a:rPr lang="en-US" dirty="0"/>
+              <a:t>P-Value: 4.11 E-08.       Too small to 0.05</a:t>
+            </a:r>
+          </a:p>
+          <a:p>
+            <a:r>
+              <a:rPr lang="en-US" dirty="0"/>
+              <a:t>Statistically speaking:  3 actions has better performance than 2 actions</a:t>
+            </a:r>
+          </a:p>
+        </p:txBody>
+      </p:sp>
+      <p:pic>
+        <p:nvPicPr>
+          <p:cNvPr id="5" name="Picture 4">
+            <a:extLst>
+              <a:ext uri="{FF2B5EF4-FFF2-40B4-BE49-F238E27FC236}">
+                <a16:creationId xmlns:a16="http://schemas.microsoft.com/office/drawing/2014/main" id="{82A3D208-1B99-DC49-8D2C-EC728C59053D}"/>
+              </a:ext>
+            </a:extLst>
+          </p:cNvPr>
+          <p:cNvPicPr>
+            <a:picLocks noChangeAspect="1"/>
+          </p:cNvPicPr>
+          <p:nvPr/>
+        </p:nvPicPr>
+        <p:blipFill>
+          <a:blip r:embed="rId2"/>
+          <a:stretch>
+            <a:fillRect/>
+          </a:stretch>
+        </p:blipFill>
+        <p:spPr>
+          <a:xfrm>
+            <a:off x="1066800" y="2245160"/>
+            <a:ext cx="7559343" cy="2728795"/>
+          </a:xfrm>
+          <a:prstGeom prst="rect">
+            <a:avLst/>
+          </a:prstGeom>
+        </p:spPr>
+      </p:pic>
+      <p:pic>
+        <p:nvPicPr>
+          <p:cNvPr id="6" name="Picture 5">
+            <a:extLst>
+              <a:ext uri="{FF2B5EF4-FFF2-40B4-BE49-F238E27FC236}">
+                <a16:creationId xmlns:a16="http://schemas.microsoft.com/office/drawing/2014/main" id="{7306F8FD-169F-304D-AE9E-C1B7CFA4551D}"/>
+              </a:ext>
+            </a:extLst>
+          </p:cNvPr>
+          <p:cNvPicPr>
+            <a:picLocks noChangeAspect="1"/>
+          </p:cNvPicPr>
+          <p:nvPr/>
+        </p:nvPicPr>
+        <p:blipFill>
+          <a:blip r:embed="rId3"/>
+          <a:stretch>
+            <a:fillRect/>
+          </a:stretch>
+        </p:blipFill>
+        <p:spPr>
+          <a:xfrm>
+            <a:off x="1054100" y="1509667"/>
+            <a:ext cx="10083800" cy="673100"/>
+          </a:xfrm>
+          <a:prstGeom prst="rect">
+            <a:avLst/>
+          </a:prstGeom>
+        </p:spPr>
+      </p:pic>
+    </p:spTree>
+    <p:extLst>
+      <p:ext uri="{BB962C8B-B14F-4D97-AF65-F5344CB8AC3E}">
+        <p14:creationId xmlns:p14="http://schemas.microsoft.com/office/powerpoint/2010/main" val="3306205741"/>
+      </p:ext>
+    </p:extLst>
+  </p:cSld>
+  <p:clrMapOvr>
+    <a:masterClrMapping/>
+  </p:clrMapOvr>
+</p:sld>
+</file>
+
+<file path=ppt/slides/slide12.xml><?xml version="1.0" encoding="utf-8"?>
+<p:sld xmlns:a="http://schemas.openxmlformats.org/drawingml/2006/main" xmlns:r="http://schemas.openxmlformats.org/officeDocument/2006/relationships" xmlns:p="http://schemas.openxmlformats.org/presentationml/2006/main">
+  <p:cSld>
+    <p:spTree>
+      <p:nvGrpSpPr>
+        <p:cNvPr id="1" name=""/>
+        <p:cNvGrpSpPr/>
+        <p:nvPr/>
+      </p:nvGrpSpPr>
+      <p:grpSpPr>
+        <a:xfrm>
+          <a:off x="0" y="0"/>
+          <a:ext cx="0" cy="0"/>
+          <a:chOff x="0" y="0"/>
+          <a:chExt cx="0" cy="0"/>
+        </a:xfrm>
+      </p:grpSpPr>
+      <p:sp>
+        <p:nvSpPr>
+          <p:cNvPr id="2" name="Title 1">
+            <a:extLst>
+              <a:ext uri="{FF2B5EF4-FFF2-40B4-BE49-F238E27FC236}">
                 <a16:creationId xmlns:a16="http://schemas.microsoft.com/office/drawing/2014/main" id="{C7163C8E-B06B-4C54-90AD-A2C8E91013DF}"/>
               </a:ext>
             </a:extLst>
@@ -4572,7 +4890,7 @@
 </p:sld>
 </file>
 
-<file path=ppt/slides/slide12.xml><?xml version="1.0" encoding="utf-8"?>
+<file path=ppt/slides/slide13.xml><?xml version="1.0" encoding="utf-8"?>
 <p:sld xmlns:a="http://schemas.openxmlformats.org/drawingml/2006/main" xmlns:r="http://schemas.openxmlformats.org/officeDocument/2006/relationships" xmlns:p="http://schemas.openxmlformats.org/presentationml/2006/main">
   <p:cSld>
     <p:spTree>
@@ -4993,7 +5311,7 @@
 </p:sld>
 </file>
 
-<file path=ppt/slides/slide13.xml><?xml version="1.0" encoding="utf-8"?>
+<file path=ppt/slides/slide14.xml><?xml version="1.0" encoding="utf-8"?>
 <p:sld xmlns:a="http://schemas.openxmlformats.org/drawingml/2006/main" xmlns:r="http://schemas.openxmlformats.org/officeDocument/2006/relationships" xmlns:p="http://schemas.openxmlformats.org/presentationml/2006/main">
   <p:cSld>
     <p:spTree>
@@ -5647,7 +5965,7 @@
 </p:sld>
 </file>
 
-<file path=ppt/slides/slide14.xml><?xml version="1.0" encoding="utf-8"?>
+<file path=ppt/slides/slide15.xml><?xml version="1.0" encoding="utf-8"?>
 <p:sld xmlns:a="http://schemas.openxmlformats.org/drawingml/2006/main" xmlns:r="http://schemas.openxmlformats.org/officeDocument/2006/relationships" xmlns:p="http://schemas.openxmlformats.org/presentationml/2006/main">
   <p:cSld>
     <p:spTree>
@@ -6399,7 +6717,7 @@
 </p:sld>
 </file>
 
-<file path=ppt/slides/slide15.xml><?xml version="1.0" encoding="utf-8"?>
+<file path=ppt/slides/slide16.xml><?xml version="1.0" encoding="utf-8"?>
 <p:sld xmlns:a="http://schemas.openxmlformats.org/drawingml/2006/main" xmlns:r="http://schemas.openxmlformats.org/officeDocument/2006/relationships" xmlns:p="http://schemas.openxmlformats.org/presentationml/2006/main">
   <p:cSld>
     <p:spTree>
@@ -7063,7 +7381,7 @@
 </p:sld>
 </file>
 
-<file path=ppt/slides/slide16.xml><?xml version="1.0" encoding="utf-8"?>
+<file path=ppt/slides/slide17.xml><?xml version="1.0" encoding="utf-8"?>
 <p:sld xmlns:a="http://schemas.openxmlformats.org/drawingml/2006/main" xmlns:r="http://schemas.openxmlformats.org/officeDocument/2006/relationships" xmlns:p="http://schemas.openxmlformats.org/presentationml/2006/main">
   <p:cSld>
     <p:spTree>
@@ -8276,7 +8594,7 @@
           <p:cNvPr id="2" name="Title 1">
             <a:extLst>
               <a:ext uri="{FF2B5EF4-FFF2-40B4-BE49-F238E27FC236}">
-                <a16:creationId xmlns:a16="http://schemas.microsoft.com/office/drawing/2014/main" id="{83D24CF1-735F-DB4D-AACA-63C4704D2B6A}"/>
+                <a16:creationId xmlns:a16="http://schemas.microsoft.com/office/drawing/2014/main" id="{6759112F-D526-EA4C-9546-DF7C461B4DF1}"/>
               </a:ext>
             </a:extLst>
           </p:cNvPr>
@@ -8289,56 +8607,10 @@
         </p:nvSpPr>
         <p:spPr/>
         <p:txBody>
-          <a:bodyPr>
-            <a:normAutofit fontScale="90000"/>
-          </a:bodyPr>
+          <a:bodyPr/>
           <a:lstStyle/>
           <a:p>
-            <a:r>
-              <a:rPr lang="en-US" b="1" dirty="0">
-                <a:solidFill>
-                  <a:srgbClr val="00B050"/>
-                </a:solidFill>
-                <a:latin typeface="Times New Roman" panose="02020603050405020304" pitchFamily="18" charset="0"/>
-                <a:cs typeface="Times New Roman" panose="02020603050405020304" pitchFamily="18" charset="0"/>
-              </a:rPr>
-              <a:t>1. Vanilla Hill Climbing </a:t>
-            </a:r>
-            <a:br>
-              <a:rPr lang="en-US" b="1" dirty="0">
-                <a:solidFill>
-                  <a:srgbClr val="00B050"/>
-                </a:solidFill>
-                <a:latin typeface="Times New Roman" panose="02020603050405020304" pitchFamily="18" charset="0"/>
-                <a:cs typeface="Times New Roman" panose="02020603050405020304" pitchFamily="18" charset="0"/>
-              </a:rPr>
-            </a:br>
-            <a:r>
-              <a:rPr lang="en-US" b="1" dirty="0">
-                <a:solidFill>
-                  <a:srgbClr val="FFC000"/>
-                </a:solidFill>
-                <a:latin typeface="Times New Roman" panose="02020603050405020304" pitchFamily="18" charset="0"/>
-                <a:cs typeface="Times New Roman" panose="02020603050405020304" pitchFamily="18" charset="0"/>
-              </a:rPr>
-              <a:t>2. Optimized initialization  </a:t>
-            </a:r>
-            <a:br>
-              <a:rPr lang="en-US" b="1" dirty="0">
-                <a:latin typeface="Times New Roman" panose="02020603050405020304" pitchFamily="18" charset="0"/>
-                <a:cs typeface="Times New Roman" panose="02020603050405020304" pitchFamily="18" charset="0"/>
-              </a:rPr>
-            </a:br>
-            <a:r>
-              <a:rPr lang="en-US" b="1" dirty="0">
-                <a:solidFill>
-                  <a:srgbClr val="E4800E"/>
-                </a:solidFill>
-                <a:latin typeface="Times New Roman" panose="02020603050405020304" pitchFamily="18" charset="0"/>
-                <a:cs typeface="Times New Roman" panose="02020603050405020304" pitchFamily="18" charset="0"/>
-              </a:rPr>
-              <a:t>3. Simulated  Annealing</a:t>
-            </a:r>
+            <a:endParaRPr lang="en-US"/>
           </a:p>
         </p:txBody>
       </p:sp>
@@ -8347,7 +8619,7 @@
           <p:cNvPr id="3" name="Content Placeholder 2">
             <a:extLst>
               <a:ext uri="{FF2B5EF4-FFF2-40B4-BE49-F238E27FC236}">
-                <a16:creationId xmlns:a16="http://schemas.microsoft.com/office/drawing/2014/main" id="{1191E839-657E-0C4D-9532-D61614172010}"/>
+                <a16:creationId xmlns:a16="http://schemas.microsoft.com/office/drawing/2014/main" id="{D3B1FB24-DCF1-494E-914D-12DFFA45C7AF}"/>
               </a:ext>
             </a:extLst>
           </p:cNvPr>
@@ -8355,7 +8627,7 @@
             <a:spLocks noGrp="1"/>
           </p:cNvSpPr>
           <p:nvPr>
-            <p:ph sz="half" idx="1"/>
+            <p:ph idx="1"/>
           </p:nvPr>
         </p:nvSpPr>
         <p:spPr/>
@@ -8367,37 +8639,12 @@
           </a:p>
         </p:txBody>
       </p:sp>
-      <p:sp>
-        <p:nvSpPr>
-          <p:cNvPr id="4" name="Content Placeholder 3">
+      <p:pic>
+        <p:nvPicPr>
+          <p:cNvPr id="4" name="Picture 3">
             <a:extLst>
               <a:ext uri="{FF2B5EF4-FFF2-40B4-BE49-F238E27FC236}">
-                <a16:creationId xmlns:a16="http://schemas.microsoft.com/office/drawing/2014/main" id="{D474343E-6B65-1D46-B3BD-502C1F2F45D0}"/>
-              </a:ext>
-            </a:extLst>
-          </p:cNvPr>
-          <p:cNvSpPr>
-            <a:spLocks noGrp="1"/>
-          </p:cNvSpPr>
-          <p:nvPr>
-            <p:ph sz="half" idx="2"/>
-          </p:nvPr>
-        </p:nvSpPr>
-        <p:spPr/>
-        <p:txBody>
-          <a:bodyPr/>
-          <a:lstStyle/>
-          <a:p>
-            <a:endParaRPr lang="en-US"/>
-          </a:p>
-        </p:txBody>
-      </p:sp>
-      <p:pic>
-        <p:nvPicPr>
-          <p:cNvPr id="5" name="Picture 4">
-            <a:extLst>
-              <a:ext uri="{FF2B5EF4-FFF2-40B4-BE49-F238E27FC236}">
-                <a16:creationId xmlns:a16="http://schemas.microsoft.com/office/drawing/2014/main" id="{5931D955-64CB-0E47-8F37-5D14325FE060}"/>
+                <a16:creationId xmlns:a16="http://schemas.microsoft.com/office/drawing/2014/main" id="{6FFD8CE8-6AC3-5D4F-A98B-338BBFB16EA8}"/>
               </a:ext>
             </a:extLst>
           </p:cNvPr>
@@ -8414,134 +8661,18 @@
         </p:blipFill>
         <p:spPr>
           <a:xfrm>
-            <a:off x="938353" y="3401060"/>
-            <a:ext cx="10083800" cy="2451100"/>
+            <a:off x="7257" y="9910"/>
+            <a:ext cx="12184743" cy="6764970"/>
           </a:xfrm>
           <a:prstGeom prst="rect">
             <a:avLst/>
           </a:prstGeom>
         </p:spPr>
       </p:pic>
-      <p:pic>
-        <p:nvPicPr>
-          <p:cNvPr id="6" name="Picture 5">
-            <a:extLst>
-              <a:ext uri="{FF2B5EF4-FFF2-40B4-BE49-F238E27FC236}">
-                <a16:creationId xmlns:a16="http://schemas.microsoft.com/office/drawing/2014/main" id="{0E3F1576-A1B7-D14E-88CD-12B1F6493EFD}"/>
-              </a:ext>
-            </a:extLst>
-          </p:cNvPr>
-          <p:cNvPicPr>
-            <a:picLocks noChangeAspect="1"/>
-          </p:cNvPicPr>
-          <p:nvPr/>
-        </p:nvPicPr>
-        <p:blipFill>
-          <a:blip r:embed="rId3"/>
-          <a:stretch>
-            <a:fillRect/>
-          </a:stretch>
-        </p:blipFill>
-        <p:spPr>
-          <a:xfrm>
-            <a:off x="812157" y="2192763"/>
-            <a:ext cx="10045700" cy="1028700"/>
-          </a:xfrm>
-          <a:prstGeom prst="rect">
-            <a:avLst/>
-          </a:prstGeom>
-        </p:spPr>
-      </p:pic>
-      <p:sp>
-        <p:nvSpPr>
-          <p:cNvPr id="7" name="TextBox 6">
-            <a:extLst>
-              <a:ext uri="{FF2B5EF4-FFF2-40B4-BE49-F238E27FC236}">
-                <a16:creationId xmlns:a16="http://schemas.microsoft.com/office/drawing/2014/main" id="{3B6CF902-3FC8-504D-ABCC-5EC4BF5A3953}"/>
-              </a:ext>
-            </a:extLst>
-          </p:cNvPr>
-          <p:cNvSpPr txBox="1"/>
-          <p:nvPr/>
-        </p:nvSpPr>
-        <p:spPr>
-          <a:xfrm>
-            <a:off x="6096000" y="894564"/>
-            <a:ext cx="1794076" cy="369332"/>
-          </a:xfrm>
-          <a:prstGeom prst="rect">
-            <a:avLst/>
-          </a:prstGeom>
-          <a:noFill/>
-        </p:spPr>
-        <p:txBody>
-          <a:bodyPr wrap="square" rtlCol="0">
-            <a:spAutoFit/>
-          </a:bodyPr>
-          <a:lstStyle/>
-          <a:p>
-            <a:r>
-              <a:rPr lang="en-US" dirty="0"/>
-              <a:t>Puzzle: 03.txt</a:t>
-            </a:r>
-          </a:p>
-        </p:txBody>
-      </p:sp>
-      <p:sp>
-        <p:nvSpPr>
-          <p:cNvPr id="8" name="TextBox 7">
-            <a:extLst>
-              <a:ext uri="{FF2B5EF4-FFF2-40B4-BE49-F238E27FC236}">
-                <a16:creationId xmlns:a16="http://schemas.microsoft.com/office/drawing/2014/main" id="{A3192005-18E6-1C43-8943-02B7D447352B}"/>
-              </a:ext>
-            </a:extLst>
-          </p:cNvPr>
-          <p:cNvSpPr txBox="1"/>
-          <p:nvPr/>
-        </p:nvSpPr>
-        <p:spPr>
-          <a:xfrm>
-            <a:off x="8113853" y="868101"/>
-            <a:ext cx="2662177" cy="1200329"/>
-          </a:xfrm>
-          <a:prstGeom prst="rect">
-            <a:avLst/>
-          </a:prstGeom>
-          <a:noFill/>
-        </p:spPr>
-        <p:txBody>
-          <a:bodyPr wrap="square" rtlCol="0">
-            <a:spAutoFit/>
-          </a:bodyPr>
-          <a:lstStyle/>
-          <a:p>
-            <a:r>
-              <a:rPr lang="en-US" dirty="0"/>
-              <a:t>Logs: 	01_03.txt </a:t>
-            </a:r>
-          </a:p>
-          <a:p>
-            <a:r>
-              <a:rPr lang="en-US" dirty="0"/>
-              <a:t>	02_03.txt </a:t>
-            </a:r>
-            <a:br>
-              <a:rPr lang="en-US" dirty="0"/>
-            </a:br>
-            <a:r>
-              <a:rPr lang="en-US" dirty="0"/>
-              <a:t>	03_03.txt</a:t>
-            </a:r>
-          </a:p>
-          <a:p>
-            <a:endParaRPr lang="en-US" b="1" dirty="0"/>
-          </a:p>
-        </p:txBody>
-      </p:sp>
     </p:spTree>
     <p:extLst>
       <p:ext uri="{BB962C8B-B14F-4D97-AF65-F5344CB8AC3E}">
-        <p14:creationId xmlns:p14="http://schemas.microsoft.com/office/powerpoint/2010/main" val="3082360813"/>
+        <p14:creationId xmlns:p14="http://schemas.microsoft.com/office/powerpoint/2010/main" val="2161027664"/>
       </p:ext>
     </p:extLst>
   </p:cSld>
@@ -8573,7 +8704,7 @@
           <p:cNvPr id="2" name="Title 1">
             <a:extLst>
               <a:ext uri="{FF2B5EF4-FFF2-40B4-BE49-F238E27FC236}">
-                <a16:creationId xmlns:a16="http://schemas.microsoft.com/office/drawing/2014/main" id="{C2AE8462-7661-3146-BD85-3627490469F5}"/>
+                <a16:creationId xmlns:a16="http://schemas.microsoft.com/office/drawing/2014/main" id="{83D24CF1-735F-DB4D-AACA-63C4704D2B6A}"/>
               </a:ext>
             </a:extLst>
           </p:cNvPr>
@@ -8584,40 +8715,57 @@
             <p:ph type="title"/>
           </p:nvPr>
         </p:nvSpPr>
-        <p:spPr>
-          <a:xfrm>
-            <a:off x="1066800" y="642593"/>
-            <a:ext cx="10058400" cy="1209571"/>
-          </a:xfrm>
-        </p:spPr>
-        <p:txBody>
-          <a:bodyPr/>
+        <p:spPr/>
+        <p:txBody>
+          <a:bodyPr>
+            <a:normAutofit fontScale="90000"/>
+          </a:bodyPr>
           <a:lstStyle/>
           <a:p>
-            <a:r>
-              <a:rPr lang="en-US" dirty="0"/>
-              <a:t>3 Actions </a:t>
-            </a:r>
             <a:r>
               <a:rPr lang="en-US" b="1" dirty="0">
                 <a:solidFill>
-                  <a:srgbClr val="FF0000"/>
+                  <a:srgbClr val="00B050"/>
                 </a:solidFill>
                 <a:latin typeface="Times New Roman" panose="02020603050405020304" pitchFamily="18" charset="0"/>
                 <a:cs typeface="Times New Roman" panose="02020603050405020304" pitchFamily="18" charset="0"/>
               </a:rPr>
-              <a:t>VS</a:t>
-            </a:r>
-            <a:r>
+              <a:t>1. Vanilla Hill Climbing </a:t>
+            </a:r>
+            <a:br>
+              <a:rPr lang="en-US" b="1" dirty="0">
+                <a:solidFill>
+                  <a:srgbClr val="00B050"/>
+                </a:solidFill>
+                <a:latin typeface="Times New Roman" panose="02020603050405020304" pitchFamily="18" charset="0"/>
+                <a:cs typeface="Times New Roman" panose="02020603050405020304" pitchFamily="18" charset="0"/>
+              </a:rPr>
+            </a:br>
+            <a:r>
+              <a:rPr lang="en-US" b="1" dirty="0">
+                <a:solidFill>
+                  <a:srgbClr val="FFC000"/>
+                </a:solidFill>
+                <a:latin typeface="Times New Roman" panose="02020603050405020304" pitchFamily="18" charset="0"/>
+                <a:cs typeface="Times New Roman" panose="02020603050405020304" pitchFamily="18" charset="0"/>
+              </a:rPr>
+              <a:t>2. Optimized initialization  </a:t>
+            </a:r>
+            <a:br>
               <a:rPr lang="en-US" b="1" dirty="0">
                 <a:latin typeface="Times New Roman" panose="02020603050405020304" pitchFamily="18" charset="0"/>
                 <a:cs typeface="Times New Roman" panose="02020603050405020304" pitchFamily="18" charset="0"/>
               </a:rPr>
-              <a:t> </a:t>
-            </a:r>
-            <a:r>
-              <a:rPr lang="en-US" dirty="0"/>
-              <a:t>2 Action</a:t>
+            </a:br>
+            <a:r>
+              <a:rPr lang="en-US" b="1" dirty="0">
+                <a:solidFill>
+                  <a:srgbClr val="E4800E"/>
+                </a:solidFill>
+                <a:latin typeface="Times New Roman" panose="02020603050405020304" pitchFamily="18" charset="0"/>
+                <a:cs typeface="Times New Roman" panose="02020603050405020304" pitchFamily="18" charset="0"/>
+              </a:rPr>
+              <a:t>3. Simulated  Annealing</a:t>
             </a:r>
           </a:p>
         </p:txBody>
@@ -8627,7 +8775,7 @@
           <p:cNvPr id="3" name="Content Placeholder 2">
             <a:extLst>
               <a:ext uri="{FF2B5EF4-FFF2-40B4-BE49-F238E27FC236}">
-                <a16:creationId xmlns:a16="http://schemas.microsoft.com/office/drawing/2014/main" id="{BD9EDA77-6537-1A44-8229-39971B5C6B19}"/>
+                <a16:creationId xmlns:a16="http://schemas.microsoft.com/office/drawing/2014/main" id="{1191E839-657E-0C4D-9532-D61614172010}"/>
               </a:ext>
             </a:extLst>
           </p:cNvPr>
@@ -8638,36 +8786,12 @@
             <p:ph sz="half" idx="1"/>
           </p:nvPr>
         </p:nvSpPr>
-        <p:spPr>
-          <a:xfrm>
-            <a:off x="533401" y="2274401"/>
-            <a:ext cx="5394958" cy="963956"/>
-          </a:xfrm>
-        </p:spPr>
-        <p:txBody>
-          <a:bodyPr>
-            <a:normAutofit/>
-          </a:bodyPr>
+        <p:spPr/>
+        <p:txBody>
+          <a:bodyPr/>
           <a:lstStyle/>
           <a:p>
-            <a:r>
-              <a:rPr lang="en-US" b="1" dirty="0">
-                <a:solidFill>
-                  <a:srgbClr val="002060"/>
-                </a:solidFill>
-              </a:rPr>
-              <a:t>3 Actions:</a:t>
-            </a:r>
-          </a:p>
-          <a:p>
-            <a:r>
-              <a:rPr lang="en-US" dirty="0">
-                <a:solidFill>
-                  <a:srgbClr val="002060"/>
-                </a:solidFill>
-              </a:rPr>
-              <a:t>Adding /Removing/Moving     A bulb</a:t>
-            </a:r>
+            <a:endParaRPr lang="en-US"/>
           </a:p>
         </p:txBody>
       </p:sp>
@@ -8676,7 +8800,7 @@
           <p:cNvPr id="4" name="Content Placeholder 3">
             <a:extLst>
               <a:ext uri="{FF2B5EF4-FFF2-40B4-BE49-F238E27FC236}">
-                <a16:creationId xmlns:a16="http://schemas.microsoft.com/office/drawing/2014/main" id="{C3209273-5669-384B-A5A0-9407C0FB587D}"/>
+                <a16:creationId xmlns:a16="http://schemas.microsoft.com/office/drawing/2014/main" id="{D474343E-6B65-1D46-B3BD-502C1F2F45D0}"/>
               </a:ext>
             </a:extLst>
           </p:cNvPr>
@@ -8687,46 +8811,12 @@
             <p:ph sz="half" idx="2"/>
           </p:nvPr>
         </p:nvSpPr>
-        <p:spPr>
-          <a:xfrm>
-            <a:off x="6263643" y="2063283"/>
-            <a:ext cx="5275214" cy="1345242"/>
-          </a:xfrm>
-        </p:spPr>
-        <p:txBody>
-          <a:bodyPr>
-            <a:normAutofit/>
-          </a:bodyPr>
+        <p:spPr/>
+        <p:txBody>
+          <a:bodyPr/>
           <a:lstStyle/>
           <a:p>
-            <a:r>
-              <a:rPr lang="en-US" b="1" dirty="0">
-                <a:solidFill>
-                  <a:srgbClr val="E4800E"/>
-                </a:solidFill>
-              </a:rPr>
-              <a:t>2 Actions:</a:t>
-            </a:r>
-          </a:p>
-          <a:p>
-            <a:r>
-              <a:rPr lang="en-US" dirty="0">
-                <a:solidFill>
-                  <a:srgbClr val="E4800E"/>
-                </a:solidFill>
-              </a:rPr>
-              <a:t>Adding /Removing    A bulb</a:t>
-            </a:r>
-          </a:p>
-          <a:p>
-            <a:r>
-              <a:rPr lang="en-US" dirty="0">
-                <a:solidFill>
-                  <a:srgbClr val="E4800E"/>
-                </a:solidFill>
-              </a:rPr>
-              <a:t>No Moving</a:t>
-            </a:r>
+            <a:endParaRPr lang="en-US"/>
           </a:p>
         </p:txBody>
       </p:sp>
@@ -8735,7 +8825,7 @@
           <p:cNvPr id="5" name="Picture 4">
             <a:extLst>
               <a:ext uri="{FF2B5EF4-FFF2-40B4-BE49-F238E27FC236}">
-                <a16:creationId xmlns:a16="http://schemas.microsoft.com/office/drawing/2014/main" id="{B7A20339-FD8C-F043-BB77-064BDD28C140}"/>
+                <a16:creationId xmlns:a16="http://schemas.microsoft.com/office/drawing/2014/main" id="{5931D955-64CB-0E47-8F37-5D14325FE060}"/>
               </a:ext>
             </a:extLst>
           </p:cNvPr>
@@ -8752,20 +8842,50 @@
         </p:blipFill>
         <p:spPr>
           <a:xfrm>
-            <a:off x="533400" y="3449475"/>
-            <a:ext cx="11125200" cy="2755900"/>
+            <a:off x="938353" y="3401060"/>
+            <a:ext cx="10083800" cy="2451100"/>
           </a:xfrm>
           <a:prstGeom prst="rect">
             <a:avLst/>
           </a:prstGeom>
         </p:spPr>
       </p:pic>
-      <p:sp>
-        <p:nvSpPr>
-          <p:cNvPr id="6" name="TextBox 5">
+      <p:pic>
+        <p:nvPicPr>
+          <p:cNvPr id="6" name="Picture 5">
             <a:extLst>
               <a:ext uri="{FF2B5EF4-FFF2-40B4-BE49-F238E27FC236}">
-                <a16:creationId xmlns:a16="http://schemas.microsoft.com/office/drawing/2014/main" id="{3C44403F-A61E-BB40-90BA-84FDAE837B14}"/>
+                <a16:creationId xmlns:a16="http://schemas.microsoft.com/office/drawing/2014/main" id="{0E3F1576-A1B7-D14E-88CD-12B1F6493EFD}"/>
+              </a:ext>
+            </a:extLst>
+          </p:cNvPr>
+          <p:cNvPicPr>
+            <a:picLocks noChangeAspect="1"/>
+          </p:cNvPicPr>
+          <p:nvPr/>
+        </p:nvPicPr>
+        <p:blipFill>
+          <a:blip r:embed="rId3"/>
+          <a:stretch>
+            <a:fillRect/>
+          </a:stretch>
+        </p:blipFill>
+        <p:spPr>
+          <a:xfrm>
+            <a:off x="812157" y="2192763"/>
+            <a:ext cx="10045700" cy="1028700"/>
+          </a:xfrm>
+          <a:prstGeom prst="rect">
+            <a:avLst/>
+          </a:prstGeom>
+        </p:spPr>
+      </p:pic>
+      <p:sp>
+        <p:nvSpPr>
+          <p:cNvPr id="7" name="TextBox 6">
+            <a:extLst>
+              <a:ext uri="{FF2B5EF4-FFF2-40B4-BE49-F238E27FC236}">
+                <a16:creationId xmlns:a16="http://schemas.microsoft.com/office/drawing/2014/main" id="{3B6CF902-3FC8-504D-ABCC-5EC4BF5A3953}"/>
               </a:ext>
             </a:extLst>
           </p:cNvPr>
@@ -8774,7 +8894,7 @@
         </p:nvSpPr>
         <p:spPr>
           <a:xfrm>
-            <a:off x="6263643" y="783857"/>
+            <a:off x="6096000" y="894564"/>
             <a:ext cx="1794076" cy="369332"/>
           </a:xfrm>
           <a:prstGeom prst="rect">
@@ -8790,17 +8910,17 @@
           <a:p>
             <a:r>
               <a:rPr lang="en-US" dirty="0"/>
-              <a:t>Puzzle: 05.txt</a:t>
-            </a:r>
-          </a:p>
-        </p:txBody>
-      </p:sp>
-      <p:sp>
-        <p:nvSpPr>
-          <p:cNvPr id="7" name="TextBox 6">
+              <a:t>Puzzle: 03.txt</a:t>
+            </a:r>
+          </a:p>
+        </p:txBody>
+      </p:sp>
+      <p:sp>
+        <p:nvSpPr>
+          <p:cNvPr id="8" name="TextBox 7">
             <a:extLst>
               <a:ext uri="{FF2B5EF4-FFF2-40B4-BE49-F238E27FC236}">
-                <a16:creationId xmlns:a16="http://schemas.microsoft.com/office/drawing/2014/main" id="{7CEB639D-93F4-AC42-98E0-E14E1B1DAD3C}"/>
+                <a16:creationId xmlns:a16="http://schemas.microsoft.com/office/drawing/2014/main" id="{A3192005-18E6-1C43-8943-02B7D447352B}"/>
               </a:ext>
             </a:extLst>
           </p:cNvPr>
@@ -8809,8 +8929,8 @@
         </p:nvSpPr>
         <p:spPr>
           <a:xfrm>
-            <a:off x="6263643" y="1159880"/>
-            <a:ext cx="4257744" cy="923330"/>
+            <a:off x="8113853" y="868101"/>
+            <a:ext cx="2662177" cy="1200329"/>
           </a:xfrm>
           <a:prstGeom prst="rect">
             <a:avLst/>
@@ -8825,29 +8945,20 @@
           <a:p>
             <a:r>
               <a:rPr lang="en-US" dirty="0"/>
-              <a:t>Logs: 	</a:t>
-            </a:r>
-            <a:r>
-              <a:rPr lang="en-US" dirty="0">
-                <a:solidFill>
-                  <a:srgbClr val="18319A"/>
-                </a:solidFill>
-              </a:rPr>
-              <a:t>03_05.txt   	 3-actions</a:t>
+              <a:t>Logs: 	01_03.txt </a:t>
             </a:r>
           </a:p>
           <a:p>
             <a:r>
               <a:rPr lang="en-US" dirty="0"/>
-              <a:t>	</a:t>
-            </a:r>
-            <a:r>
-              <a:rPr lang="en-US" dirty="0">
-                <a:solidFill>
-                  <a:srgbClr val="E4800E"/>
-                </a:solidFill>
-              </a:rPr>
-              <a:t>04_05.txt	2-actions</a:t>
+              <a:t>	02_03.txt </a:t>
+            </a:r>
+            <a:br>
+              <a:rPr lang="en-US" dirty="0"/>
+            </a:br>
+            <a:r>
+              <a:rPr lang="en-US" dirty="0"/>
+              <a:t>	03_03.txt</a:t>
             </a:r>
           </a:p>
           <a:p>
@@ -8858,7 +8969,7 @@
     </p:spTree>
     <p:extLst>
       <p:ext uri="{BB962C8B-B14F-4D97-AF65-F5344CB8AC3E}">
-        <p14:creationId xmlns:p14="http://schemas.microsoft.com/office/powerpoint/2010/main" val="1540542250"/>
+        <p14:creationId xmlns:p14="http://schemas.microsoft.com/office/powerpoint/2010/main" val="3082360813"/>
       </p:ext>
     </p:extLst>
   </p:cSld>

--- a/Presentation/Final/Final Presentation.pptx
+++ b/Presentation/Final/Final Presentation.pptx
@@ -597,7 +597,7 @@
           <a:p>
             <a:fld id="{EA0C0817-A112-4847-8014-A94B7D2A4EA3}" type="datetime1">
               <a:rPr lang="en-US" smtClean="0"/>
-              <a:t>11/16/20</a:t>
+              <a:t>11/16/2020</a:t>
             </a:fld>
             <a:endParaRPr lang="en-US" dirty="0"/>
           </a:p>
@@ -799,7 +799,7 @@
           <a:p>
             <a:fld id="{7332B432-ACDA-4023-A761-2BAB76577B62}" type="datetime1">
               <a:rPr lang="en-US" smtClean="0"/>
-              <a:t>11/16/20</a:t>
+              <a:t>11/16/2020</a:t>
             </a:fld>
             <a:endParaRPr lang="en-US" dirty="0"/>
           </a:p>
@@ -1398,7 +1398,7 @@
           <a:p>
             <a:fld id="{D9C646AA-F36E-4540-911D-FFFC0A0EF24A}" type="datetime1">
               <a:rPr lang="en-US" smtClean="0"/>
-              <a:t>11/16/20</a:t>
+              <a:t>11/16/2020</a:t>
             </a:fld>
             <a:endParaRPr lang="en-US" dirty="0"/>
           </a:p>
@@ -1718,7 +1718,7 @@
           <a:p>
             <a:fld id="{69186D26-FA5F-4637-B602-B7C2DC34CFD4}" type="datetime1">
               <a:rPr lang="en-US" smtClean="0"/>
-              <a:t>11/16/20</a:t>
+              <a:t>11/16/2020</a:t>
             </a:fld>
             <a:endParaRPr lang="en-US" dirty="0"/>
           </a:p>
@@ -2155,7 +2155,7 @@
           <a:p>
             <a:fld id="{8A7F15D8-96D1-4781-BC50-CA8A088B2FE4}" type="datetime1">
               <a:rPr lang="en-US" smtClean="0"/>
-              <a:t>11/16/20</a:t>
+              <a:t>11/16/2020</a:t>
             </a:fld>
             <a:endParaRPr lang="en-US" dirty="0"/>
           </a:p>
@@ -2273,7 +2273,7 @@
           <a:p>
             <a:fld id="{F9A96C99-B8F8-4528-BD05-0E16E943DC09}" type="datetime1">
               <a:rPr lang="en-US" smtClean="0"/>
-              <a:t>11/16/20</a:t>
+              <a:t>11/16/2020</a:t>
             </a:fld>
             <a:endParaRPr lang="en-US" dirty="0"/>
           </a:p>
@@ -2368,7 +2368,7 @@
           <a:p>
             <a:fld id="{03636942-C211-4B28-8DBD-C953E00AF71B}" type="datetime1">
               <a:rPr lang="en-US" smtClean="0"/>
-              <a:t>11/16/20</a:t>
+              <a:t>11/16/2020</a:t>
             </a:fld>
             <a:endParaRPr lang="en-US" dirty="0"/>
           </a:p>
@@ -2785,7 +2785,7 @@
           <a:p>
             <a:fld id="{7E8D12A6-918A-48BD-8CB9-CA713993B0EA}" type="datetime1">
               <a:rPr lang="en-US" smtClean="0"/>
-              <a:t>11/16/20</a:t>
+              <a:t>11/16/2020</a:t>
             </a:fld>
             <a:endParaRPr lang="en-US" dirty="0"/>
           </a:p>
@@ -3047,7 +3047,7 @@
             <a:fld id="{E778CE86-875F-4587-BCF6-FA054AFC0D53}" type="datetime1">
               <a:rPr lang="en-US" smtClean="0"/>
               <a:pPr/>
-              <a:t>11/16/20</a:t>
+              <a:t>11/16/2020</a:t>
             </a:fld>
             <a:endParaRPr lang="en-US" dirty="0"/>
           </a:p>
@@ -3563,7 +3563,7 @@
           <a:p>
             <a:fld id="{F6FA2B21-3FCD-4721-B95C-427943F61125}" type="datetime1">
               <a:rPr lang="en-US" smtClean="0"/>
-              <a:t>11/16/20</a:t>
+              <a:t>11/16/2020</a:t>
             </a:fld>
             <a:endParaRPr lang="en-US" dirty="0"/>
           </a:p>
@@ -4860,19 +4860,19 @@
           <a:p>
             <a:r>
               <a:rPr lang="en-US" sz="2000" dirty="0"/>
-              <a:t>Simulated annealing was found to be a much more robust algorithm than vanilla hill climbing, often producing globally optimal solutions in less than one thousand function evaluations.</a:t>
+              <a:t>Simulated annealing was found to be a much more robust algorithm than vanilla hill climbing, often producing globally optimal solutions in less than one thousand evaluations.</a:t>
             </a:r>
           </a:p>
           <a:p>
             <a:r>
               <a:rPr lang="en-US" sz="2000" dirty="0"/>
-              <a:t>“Often” does not mean “always,” however, and simulated annealing would still occasionally have trouble — in one instance, 8,700 evaluations were needed to find the global optimum.</a:t>
+              <a:t>“Often” does not mean “always,” however — in one instance, 8,700 evaluations were needed to find the global optimum.</a:t>
             </a:r>
           </a:p>
           <a:p>
             <a:r>
               <a:rPr lang="en-US" sz="2000" dirty="0"/>
-              <a:t>This is still an improvement over vanilla hill climbing with the same puzzle parameters, though, which sometimes needed over 10,000 function evaluations to solve a problem of similar complexity.</a:t>
+              <a:t>This is still an improvement over vanilla hill climbing with the same puzzle parameters, though, which sometimes needed over 10,000 evaluations to solve a problem of similar complexity.</a:t>
             </a:r>
           </a:p>
         </p:txBody>
@@ -8399,7 +8399,7 @@
             <a:pPr lvl="1"/>
             <a:r>
               <a:rPr lang="en-US" sz="1800" dirty="0"/>
-              <a:t>Simulated annealing with a puzzle with a single, unique optimal solution.</a:t>
+              <a:t>Simulated annealing with an optimal solution.</a:t>
             </a:r>
           </a:p>
           <a:p>
@@ -8525,7 +8525,7 @@
           <a:p>
             <a:r>
               <a:rPr lang="en-US" dirty="0"/>
-              <a:t>This particular run was not representative of all runs with these parameters, however, which often required thousands of evaluations.</a:t>
+              <a:t>This run was not representative of all runs with these parameters, however, which often required thousands of evaluations.</a:t>
             </a:r>
           </a:p>
         </p:txBody>
@@ -9308,15 +9308,6 @@
 </file>
 
 <file path=customXml/item2.xml><?xml version="1.0" encoding="utf-8"?>
-<?mso-contentType ?>
-<FormTemplates xmlns="http://schemas.microsoft.com/sharepoint/v3/contenttype/forms">
-  <Display>DocumentLibraryForm</Display>
-  <Edit>DocumentLibraryForm</Edit>
-  <New>DocumentLibraryForm</New>
-</FormTemplates>
-</file>
-
-<file path=customXml/item3.xml><?xml version="1.0" encoding="utf-8"?>
 <ct:contentTypeSchema xmlns:ct="http://schemas.microsoft.com/office/2006/metadata/contentType" xmlns:ma="http://schemas.microsoft.com/office/2006/metadata/properties/metaAttributes" ct:_="" ma:_="" ma:contentTypeName="Document" ma:contentTypeID="0x01010079F111ED35F8CC479449609E8A0923A6" ma:contentTypeVersion="12" ma:contentTypeDescription="Create a new document." ma:contentTypeScope="" ma:versionID="a410dd7f93c95333ffa1b60ed6adedd1">
   <xsd:schema xmlns:xsd="http://www.w3.org/2001/XMLSchema" xmlns:xs="http://www.w3.org/2001/XMLSchema" xmlns:p="http://schemas.microsoft.com/office/2006/metadata/properties" xmlns:ns2="71af3243-3dd4-4a8d-8c0d-dd76da1f02a5" xmlns:ns3="16c05727-aa75-4e4a-9b5f-8a80a1165891" targetNamespace="http://schemas.microsoft.com/office/2006/metadata/properties" ma:root="true" ma:fieldsID="a936d9baba76aa3866493feff160faab" ns2:_="" ns3:_="">
     <xsd:import namespace="71af3243-3dd4-4a8d-8c0d-dd76da1f02a5"/>
@@ -9537,6 +9528,15 @@
 </ct:contentTypeSchema>
 </file>
 
+<file path=customXml/item3.xml><?xml version="1.0" encoding="utf-8"?>
+<?mso-contentType ?>
+<FormTemplates xmlns="http://schemas.microsoft.com/sharepoint/v3/contenttype/forms">
+  <Display>DocumentLibraryForm</Display>
+  <Edit>DocumentLibraryForm</Edit>
+  <New>DocumentLibraryForm</New>
+</FormTemplates>
+</file>
+
 <file path=customXml/itemProps1.xml><?xml version="1.0" encoding="utf-8"?>
 <ds:datastoreItem xmlns:ds="http://schemas.openxmlformats.org/officeDocument/2006/customXml" ds:itemID="{52F3B215-496E-4790-A364-7C1C46DEC771}">
   <ds:schemaRefs>
@@ -9548,14 +9548,6 @@
 </file>
 
 <file path=customXml/itemProps2.xml><?xml version="1.0" encoding="utf-8"?>
-<ds:datastoreItem xmlns:ds="http://schemas.openxmlformats.org/officeDocument/2006/customXml" ds:itemID="{AE2713E1-6312-427E-BFCB-C5A5DA301373}">
-  <ds:schemaRefs>
-    <ds:schemaRef ds:uri="http://schemas.microsoft.com/sharepoint/v3/contenttype/forms"/>
-  </ds:schemaRefs>
-</ds:datastoreItem>
-</file>
-
-<file path=customXml/itemProps3.xml><?xml version="1.0" encoding="utf-8"?>
 <ds:datastoreItem xmlns:ds="http://schemas.openxmlformats.org/officeDocument/2006/customXml" ds:itemID="{50DB95DD-0319-4EE5-8C5C-9CEDF75E024B}">
   <ds:schemaRefs>
     <ds:schemaRef ds:uri="http://schemas.microsoft.com/office/2006/metadata/contentType"/>
@@ -9572,4 +9564,12 @@
     <ds:schemaRef ds:uri="http://schemas.microsoft.com/internal/obd"/>
   </ds:schemaRefs>
 </ds:datastoreItem>
+</file>
+
+<file path=customXml/itemProps3.xml><?xml version="1.0" encoding="utf-8"?>
+<ds:datastoreItem xmlns:ds="http://schemas.openxmlformats.org/officeDocument/2006/customXml" ds:itemID="{AE2713E1-6312-427E-BFCB-C5A5DA301373}">
+  <ds:schemaRefs>
+    <ds:schemaRef ds:uri="http://schemas.microsoft.com/sharepoint/v3/contenttype/forms"/>
+  </ds:schemaRefs>
+</ds:datastoreItem>
 </file>